--- a/報告会_パワポ/20210511/2021_0511.pptx
+++ b/報告会_パワポ/20210511/2021_0511.pptx
@@ -5,16 +5,17 @@
     <p:sldMasterId id="2147483672" r:id="rId1"/>
   </p:sldMasterIdLst>
   <p:notesMasterIdLst>
-    <p:notesMasterId r:id="rId9"/>
+    <p:notesMasterId r:id="rId10"/>
   </p:notesMasterIdLst>
   <p:sldIdLst>
     <p:sldId id="331" r:id="rId2"/>
     <p:sldId id="328" r:id="rId3"/>
-    <p:sldId id="332" r:id="rId4"/>
-    <p:sldId id="333" r:id="rId5"/>
-    <p:sldId id="335" r:id="rId6"/>
-    <p:sldId id="334" r:id="rId7"/>
-    <p:sldId id="336" r:id="rId8"/>
+    <p:sldId id="338" r:id="rId4"/>
+    <p:sldId id="332" r:id="rId5"/>
+    <p:sldId id="333" r:id="rId6"/>
+    <p:sldId id="335" r:id="rId7"/>
+    <p:sldId id="334" r:id="rId8"/>
+    <p:sldId id="339" r:id="rId9"/>
   </p:sldIdLst>
   <p:sldSz cx="9144000" cy="6858000" type="screen4x3"/>
   <p:notesSz cx="6858000" cy="9144000"/>
@@ -660,7 +661,7 @@
     </p:spTree>
     <p:extLst>
       <p:ext uri="{BB962C8B-B14F-4D97-AF65-F5344CB8AC3E}">
-        <p14:creationId xmlns:p14="http://schemas.microsoft.com/office/powerpoint/2010/main" val="3219688141"/>
+        <p14:creationId xmlns:p14="http://schemas.microsoft.com/office/powerpoint/2010/main" val="870369703"/>
       </p:ext>
     </p:extLst>
   </p:cSld>
@@ -744,7 +745,7 @@
     </p:spTree>
     <p:extLst>
       <p:ext uri="{BB962C8B-B14F-4D97-AF65-F5344CB8AC3E}">
-        <p14:creationId xmlns:p14="http://schemas.microsoft.com/office/powerpoint/2010/main" val="280999455"/>
+        <p14:creationId xmlns:p14="http://schemas.microsoft.com/office/powerpoint/2010/main" val="3219688141"/>
       </p:ext>
     </p:extLst>
   </p:cSld>
@@ -828,7 +829,7 @@
     </p:spTree>
     <p:extLst>
       <p:ext uri="{BB962C8B-B14F-4D97-AF65-F5344CB8AC3E}">
-        <p14:creationId xmlns:p14="http://schemas.microsoft.com/office/powerpoint/2010/main" val="1118786200"/>
+        <p14:creationId xmlns:p14="http://schemas.microsoft.com/office/powerpoint/2010/main" val="280999455"/>
       </p:ext>
     </p:extLst>
   </p:cSld>
@@ -912,7 +913,7 @@
     </p:spTree>
     <p:extLst>
       <p:ext uri="{BB962C8B-B14F-4D97-AF65-F5344CB8AC3E}">
-        <p14:creationId xmlns:p14="http://schemas.microsoft.com/office/powerpoint/2010/main" val="1916538566"/>
+        <p14:creationId xmlns:p14="http://schemas.microsoft.com/office/powerpoint/2010/main" val="1118786200"/>
       </p:ext>
     </p:extLst>
   </p:cSld>
@@ -996,7 +997,91 @@
     </p:spTree>
     <p:extLst>
       <p:ext uri="{BB962C8B-B14F-4D97-AF65-F5344CB8AC3E}">
-        <p14:creationId xmlns:p14="http://schemas.microsoft.com/office/powerpoint/2010/main" val="599739435"/>
+        <p14:creationId xmlns:p14="http://schemas.microsoft.com/office/powerpoint/2010/main" val="1916538566"/>
+      </p:ext>
+    </p:extLst>
+  </p:cSld>
+  <p:clrMapOvr>
+    <a:masterClrMapping/>
+  </p:clrMapOvr>
+</p:notes>
+</file>
+
+<file path=ppt/notesSlides/notesSlide7.xml><?xml version="1.0" encoding="utf-8"?>
+<p:notes xmlns:a="http://schemas.openxmlformats.org/drawingml/2006/main" xmlns:r="http://schemas.openxmlformats.org/officeDocument/2006/relationships" xmlns:p="http://schemas.openxmlformats.org/presentationml/2006/main">
+  <p:cSld>
+    <p:spTree>
+      <p:nvGrpSpPr>
+        <p:cNvPr id="1" name=""/>
+        <p:cNvGrpSpPr/>
+        <p:nvPr/>
+      </p:nvGrpSpPr>
+      <p:grpSpPr>
+        <a:xfrm>
+          <a:off x="0" y="0"/>
+          <a:ext cx="0" cy="0"/>
+          <a:chOff x="0" y="0"/>
+          <a:chExt cx="0" cy="0"/>
+        </a:xfrm>
+      </p:grpSpPr>
+      <p:sp>
+        <p:nvSpPr>
+          <p:cNvPr id="2" name="スライド イメージ プレースホルダー 1"/>
+          <p:cNvSpPr>
+            <a:spLocks noGrp="1" noRot="1" noChangeAspect="1"/>
+          </p:cNvSpPr>
+          <p:nvPr>
+            <p:ph type="sldImg"/>
+          </p:nvPr>
+        </p:nvSpPr>
+        <p:spPr/>
+      </p:sp>
+      <p:sp>
+        <p:nvSpPr>
+          <p:cNvPr id="3" name="ノート プレースホルダー 2"/>
+          <p:cNvSpPr>
+            <a:spLocks noGrp="1"/>
+          </p:cNvSpPr>
+          <p:nvPr>
+            <p:ph type="body" idx="1"/>
+          </p:nvPr>
+        </p:nvSpPr>
+        <p:spPr/>
+        <p:txBody>
+          <a:bodyPr/>
+          <a:lstStyle/>
+          <a:p>
+            <a:endParaRPr kumimoji="1" lang="en-US" altLang="ja-JP" dirty="0"/>
+          </a:p>
+        </p:txBody>
+      </p:sp>
+      <p:sp>
+        <p:nvSpPr>
+          <p:cNvPr id="4" name="スライド番号プレースホルダー 3"/>
+          <p:cNvSpPr>
+            <a:spLocks noGrp="1"/>
+          </p:cNvSpPr>
+          <p:nvPr>
+            <p:ph type="sldNum" sz="quarter" idx="5"/>
+          </p:nvPr>
+        </p:nvSpPr>
+        <p:spPr/>
+        <p:txBody>
+          <a:bodyPr/>
+          <a:lstStyle/>
+          <a:p>
+            <a:fld id="{920AD55E-E86D-409B-8A10-6A07BD2B1389}" type="slidenum">
+              <a:rPr kumimoji="1" lang="ja-JP" altLang="en-US" smtClean="0"/>
+              <a:t>8</a:t>
+            </a:fld>
+            <a:endParaRPr kumimoji="1" lang="ja-JP" altLang="en-US"/>
+          </a:p>
+        </p:txBody>
+      </p:sp>
+    </p:spTree>
+    <p:extLst>
+      <p:ext uri="{BB962C8B-B14F-4D97-AF65-F5344CB8AC3E}">
+        <p14:creationId xmlns:p14="http://schemas.microsoft.com/office/powerpoint/2010/main" val="4271050047"/>
       </p:ext>
     </p:extLst>
   </p:cSld>
@@ -5195,6 +5280,1811 @@
                 </a:solidFill>
               </a:rPr>
               <a:t>3</a:t>
+            </a:fld>
+            <a:endParaRPr kumimoji="1" lang="ja-JP" altLang="en-US" sz="1050" dirty="0">
+              <a:solidFill>
+                <a:schemeClr val="tx1"/>
+              </a:solidFill>
+            </a:endParaRPr>
+          </a:p>
+        </p:txBody>
+      </p:sp>
+      <p:pic>
+        <p:nvPicPr>
+          <p:cNvPr id="3" name="図 2" descr="ダイアグラム&#10;&#10;自動的に生成された説明">
+            <a:extLst>
+              <a:ext uri="{FF2B5EF4-FFF2-40B4-BE49-F238E27FC236}">
+                <a16:creationId xmlns:a16="http://schemas.microsoft.com/office/drawing/2014/main" id="{1F805D74-193B-4BE6-A76E-4271895048CE}"/>
+              </a:ext>
+            </a:extLst>
+          </p:cNvPr>
+          <p:cNvPicPr>
+            <a:picLocks noChangeAspect="1"/>
+          </p:cNvPicPr>
+          <p:nvPr/>
+        </p:nvPicPr>
+        <p:blipFill>
+          <a:blip r:embed="rId3">
+            <a:extLst>
+              <a:ext uri="{28A0092B-C50C-407E-A947-70E740481C1C}">
+                <a14:useLocalDpi xmlns:a14="http://schemas.microsoft.com/office/drawing/2010/main" val="0"/>
+              </a:ext>
+            </a:extLst>
+          </a:blip>
+          <a:stretch>
+            <a:fillRect/>
+          </a:stretch>
+        </p:blipFill>
+        <p:spPr>
+          <a:xfrm>
+            <a:off x="269800" y="1922189"/>
+            <a:ext cx="4572000" cy="2451474"/>
+          </a:xfrm>
+          <a:prstGeom prst="rect">
+            <a:avLst/>
+          </a:prstGeom>
+        </p:spPr>
+      </p:pic>
+      <mc:AlternateContent xmlns:mc="http://schemas.openxmlformats.org/markup-compatibility/2006">
+        <mc:Choice xmlns:a14="http://schemas.microsoft.com/office/drawing/2010/main" Requires="a14">
+          <p:sp>
+            <p:nvSpPr>
+              <p:cNvPr id="13" name="テキスト ボックス 12">
+                <a:extLst>
+                  <a:ext uri="{FF2B5EF4-FFF2-40B4-BE49-F238E27FC236}">
+                    <a16:creationId xmlns:a16="http://schemas.microsoft.com/office/drawing/2014/main" id="{D536C578-E78A-482C-81CF-66647A2BE150}"/>
+                  </a:ext>
+                </a:extLst>
+              </p:cNvPr>
+              <p:cNvSpPr txBox="1"/>
+              <p:nvPr/>
+            </p:nvSpPr>
+            <p:spPr>
+              <a:xfrm>
+                <a:off x="5334231" y="483305"/>
+                <a:ext cx="2803900" cy="1169551"/>
+              </a:xfrm>
+              <a:prstGeom prst="rect">
+                <a:avLst/>
+              </a:prstGeom>
+              <a:noFill/>
+            </p:spPr>
+            <p:txBody>
+              <a:bodyPr wrap="square" rtlCol="0">
+                <a:spAutoFit/>
+              </a:bodyPr>
+              <a:lstStyle/>
+              <a:p>
+                <a:pPr>
+                  <a:lnSpc>
+                    <a:spcPts val="2800"/>
+                  </a:lnSpc>
+                </a:pPr>
+                <a:r>
+                  <a:rPr lang="ja-JP" altLang="en-US" dirty="0">
+                    <a:latin typeface="ＭＳ Ｐゴシック" panose="020B0600070205080204" pitchFamily="50" charset="-128"/>
+                    <a:ea typeface="ＭＳ Ｐゴシック" panose="020B0600070205080204" pitchFamily="50" charset="-128"/>
+                    <a:cs typeface="Arial" panose="020B0604020202020204" pitchFamily="34" charset="0"/>
+                  </a:rPr>
+                  <a:t>カメラ座標系におけるオブジェクト原点の座標の並進</a:t>
+                </a:r>
+                <a:endParaRPr lang="en-US" altLang="ja-JP" dirty="0">
+                  <a:latin typeface="ＭＳ Ｐゴシック" panose="020B0600070205080204" pitchFamily="50" charset="-128"/>
+                  <a:ea typeface="ＭＳ Ｐゴシック" panose="020B0600070205080204" pitchFamily="50" charset="-128"/>
+                  <a:cs typeface="Arial" panose="020B0604020202020204" pitchFamily="34" charset="0"/>
+                </a:endParaRPr>
+              </a:p>
+              <a:p>
+                <a:pPr>
+                  <a:lnSpc>
+                    <a:spcPts val="2800"/>
+                  </a:lnSpc>
+                </a:pPr>
+                <a14:m>
+                  <m:oMathPara xmlns:m="http://schemas.openxmlformats.org/officeDocument/2006/math">
+                    <m:oMathParaPr>
+                      <m:jc m:val="centerGroup"/>
+                    </m:oMathParaPr>
+                    <m:oMath xmlns:m="http://schemas.openxmlformats.org/officeDocument/2006/math">
+                      <m:r>
+                        <a:rPr kumimoji="1" lang="en-US" altLang="ja-JP" b="1" i="1" smtClean="0">
+                          <a:latin typeface="Cambria Math" panose="02040503050406030204" pitchFamily="18" charset="0"/>
+                          <a:ea typeface="ＭＳ Ｐゴシック" panose="020B0600070205080204" pitchFamily="50" charset="-128"/>
+                          <a:cs typeface="Arial" panose="020B0604020202020204" pitchFamily="34" charset="0"/>
+                        </a:rPr>
+                        <m:t>𝑻</m:t>
+                      </m:r>
+                      <m:r>
+                        <a:rPr kumimoji="1" lang="en-US" altLang="ja-JP" b="0" i="1" smtClean="0">
+                          <a:latin typeface="Cambria Math" panose="02040503050406030204" pitchFamily="18" charset="0"/>
+                          <a:ea typeface="ＭＳ Ｐゴシック" panose="020B0600070205080204" pitchFamily="50" charset="-128"/>
+                          <a:cs typeface="Arial" panose="020B0604020202020204" pitchFamily="34" charset="0"/>
+                        </a:rPr>
+                        <m:t>=</m:t>
+                      </m:r>
+                      <m:sSup>
+                        <m:sSupPr>
+                          <m:ctrlPr>
+                            <a:rPr kumimoji="1" lang="en-US" altLang="ja-JP" b="0" i="1" smtClean="0">
+                              <a:latin typeface="Cambria Math" panose="02040503050406030204" pitchFamily="18" charset="0"/>
+                              <a:ea typeface="ＭＳ Ｐゴシック" panose="020B0600070205080204" pitchFamily="50" charset="-128"/>
+                              <a:cs typeface="Arial" panose="020B0604020202020204" pitchFamily="34" charset="0"/>
+                            </a:rPr>
+                          </m:ctrlPr>
+                        </m:sSupPr>
+                        <m:e>
+                          <m:d>
+                            <m:dPr>
+                              <m:ctrlPr>
+                                <a:rPr kumimoji="1" lang="en-US" altLang="ja-JP" b="0" i="1" smtClean="0">
+                                  <a:latin typeface="Cambria Math" panose="02040503050406030204" pitchFamily="18" charset="0"/>
+                                  <a:ea typeface="ＭＳ Ｐゴシック" panose="020B0600070205080204" pitchFamily="50" charset="-128"/>
+                                  <a:cs typeface="Arial" panose="020B0604020202020204" pitchFamily="34" charset="0"/>
+                                </a:rPr>
+                              </m:ctrlPr>
+                            </m:dPr>
+                            <m:e>
+                              <m:sSub>
+                                <m:sSubPr>
+                                  <m:ctrlPr>
+                                    <a:rPr kumimoji="1" lang="en-US" altLang="ja-JP" b="0" i="1" smtClean="0">
+                                      <a:latin typeface="Cambria Math" panose="02040503050406030204" pitchFamily="18" charset="0"/>
+                                      <a:ea typeface="ＭＳ Ｐゴシック" panose="020B0600070205080204" pitchFamily="50" charset="-128"/>
+                                      <a:cs typeface="Arial" panose="020B0604020202020204" pitchFamily="34" charset="0"/>
+                                    </a:rPr>
+                                  </m:ctrlPr>
+                                </m:sSubPr>
+                                <m:e>
+                                  <m:r>
+                                    <a:rPr kumimoji="1" lang="en-US" altLang="ja-JP" b="0" i="1" smtClean="0">
+                                      <a:latin typeface="Cambria Math" panose="02040503050406030204" pitchFamily="18" charset="0"/>
+                                      <a:ea typeface="ＭＳ Ｐゴシック" panose="020B0600070205080204" pitchFamily="50" charset="-128"/>
+                                      <a:cs typeface="Arial" panose="020B0604020202020204" pitchFamily="34" charset="0"/>
+                                    </a:rPr>
+                                    <m:t>𝑇</m:t>
+                                  </m:r>
+                                </m:e>
+                                <m:sub>
+                                  <m:r>
+                                    <a:rPr kumimoji="1" lang="en-US" altLang="ja-JP" b="0" i="1" smtClean="0">
+                                      <a:latin typeface="Cambria Math" panose="02040503050406030204" pitchFamily="18" charset="0"/>
+                                      <a:ea typeface="ＭＳ Ｐゴシック" panose="020B0600070205080204" pitchFamily="50" charset="-128"/>
+                                      <a:cs typeface="Arial" panose="020B0604020202020204" pitchFamily="34" charset="0"/>
+                                    </a:rPr>
+                                    <m:t>𝑥</m:t>
+                                  </m:r>
+                                </m:sub>
+                              </m:sSub>
+                              <m:r>
+                                <a:rPr kumimoji="1" lang="en-US" altLang="ja-JP" b="0" i="1" smtClean="0">
+                                  <a:latin typeface="Cambria Math" panose="02040503050406030204" pitchFamily="18" charset="0"/>
+                                  <a:ea typeface="ＭＳ Ｐゴシック" panose="020B0600070205080204" pitchFamily="50" charset="-128"/>
+                                  <a:cs typeface="Arial" panose="020B0604020202020204" pitchFamily="34" charset="0"/>
+                                </a:rPr>
+                                <m:t>, </m:t>
+                              </m:r>
+                              <m:sSub>
+                                <m:sSubPr>
+                                  <m:ctrlPr>
+                                    <a:rPr kumimoji="1" lang="en-US" altLang="ja-JP" b="0" i="1" smtClean="0">
+                                      <a:latin typeface="Cambria Math" panose="02040503050406030204" pitchFamily="18" charset="0"/>
+                                      <a:ea typeface="ＭＳ Ｐゴシック" panose="020B0600070205080204" pitchFamily="50" charset="-128"/>
+                                      <a:cs typeface="Arial" panose="020B0604020202020204" pitchFamily="34" charset="0"/>
+                                    </a:rPr>
+                                  </m:ctrlPr>
+                                </m:sSubPr>
+                                <m:e>
+                                  <m:r>
+                                    <a:rPr kumimoji="1" lang="en-US" altLang="ja-JP" b="0" i="1" smtClean="0">
+                                      <a:latin typeface="Cambria Math" panose="02040503050406030204" pitchFamily="18" charset="0"/>
+                                      <a:ea typeface="ＭＳ Ｐゴシック" panose="020B0600070205080204" pitchFamily="50" charset="-128"/>
+                                      <a:cs typeface="Arial" panose="020B0604020202020204" pitchFamily="34" charset="0"/>
+                                    </a:rPr>
+                                    <m:t>𝑇</m:t>
+                                  </m:r>
+                                </m:e>
+                                <m:sub>
+                                  <m:r>
+                                    <a:rPr kumimoji="1" lang="en-US" altLang="ja-JP" b="0" i="1" smtClean="0">
+                                      <a:latin typeface="Cambria Math" panose="02040503050406030204" pitchFamily="18" charset="0"/>
+                                      <a:ea typeface="ＭＳ Ｐゴシック" panose="020B0600070205080204" pitchFamily="50" charset="-128"/>
+                                      <a:cs typeface="Arial" panose="020B0604020202020204" pitchFamily="34" charset="0"/>
+                                    </a:rPr>
+                                    <m:t>𝑦</m:t>
+                                  </m:r>
+                                </m:sub>
+                              </m:sSub>
+                              <m:r>
+                                <a:rPr kumimoji="1" lang="en-US" altLang="ja-JP" b="0" i="1" smtClean="0">
+                                  <a:latin typeface="Cambria Math" panose="02040503050406030204" pitchFamily="18" charset="0"/>
+                                  <a:ea typeface="ＭＳ Ｐゴシック" panose="020B0600070205080204" pitchFamily="50" charset="-128"/>
+                                  <a:cs typeface="Arial" panose="020B0604020202020204" pitchFamily="34" charset="0"/>
+                                </a:rPr>
+                                <m:t>, </m:t>
+                              </m:r>
+                              <m:sSub>
+                                <m:sSubPr>
+                                  <m:ctrlPr>
+                                    <a:rPr kumimoji="1" lang="en-US" altLang="ja-JP" b="0" i="1" smtClean="0">
+                                      <a:latin typeface="Cambria Math" panose="02040503050406030204" pitchFamily="18" charset="0"/>
+                                      <a:ea typeface="ＭＳ Ｐゴシック" panose="020B0600070205080204" pitchFamily="50" charset="-128"/>
+                                      <a:cs typeface="Arial" panose="020B0604020202020204" pitchFamily="34" charset="0"/>
+                                    </a:rPr>
+                                  </m:ctrlPr>
+                                </m:sSubPr>
+                                <m:e>
+                                  <m:r>
+                                    <a:rPr kumimoji="1" lang="en-US" altLang="ja-JP" b="0" i="1" smtClean="0">
+                                      <a:latin typeface="Cambria Math" panose="02040503050406030204" pitchFamily="18" charset="0"/>
+                                      <a:ea typeface="ＭＳ Ｐゴシック" panose="020B0600070205080204" pitchFamily="50" charset="-128"/>
+                                      <a:cs typeface="Arial" panose="020B0604020202020204" pitchFamily="34" charset="0"/>
+                                    </a:rPr>
+                                    <m:t>𝑇</m:t>
+                                  </m:r>
+                                </m:e>
+                                <m:sub>
+                                  <m:r>
+                                    <a:rPr kumimoji="1" lang="en-US" altLang="ja-JP" b="0" i="1" smtClean="0">
+                                      <a:latin typeface="Cambria Math" panose="02040503050406030204" pitchFamily="18" charset="0"/>
+                                      <a:ea typeface="ＭＳ Ｐゴシック" panose="020B0600070205080204" pitchFamily="50" charset="-128"/>
+                                      <a:cs typeface="Arial" panose="020B0604020202020204" pitchFamily="34" charset="0"/>
+                                    </a:rPr>
+                                    <m:t>𝑧</m:t>
+                                  </m:r>
+                                </m:sub>
+                              </m:sSub>
+                            </m:e>
+                          </m:d>
+                        </m:e>
+                        <m:sup>
+                          <m:r>
+                            <a:rPr kumimoji="1" lang="en-US" altLang="ja-JP" b="0" i="1" smtClean="0">
+                              <a:latin typeface="Cambria Math" panose="02040503050406030204" pitchFamily="18" charset="0"/>
+                              <a:ea typeface="ＭＳ Ｐゴシック" panose="020B0600070205080204" pitchFamily="50" charset="-128"/>
+                              <a:cs typeface="Arial" panose="020B0604020202020204" pitchFamily="34" charset="0"/>
+                            </a:rPr>
+                            <m:t>𝑇</m:t>
+                          </m:r>
+                        </m:sup>
+                      </m:sSup>
+                    </m:oMath>
+                  </m:oMathPara>
+                </a14:m>
+                <a:endParaRPr kumimoji="1" lang="ja-JP" altLang="en-US" dirty="0">
+                  <a:latin typeface="ＭＳ Ｐゴシック" panose="020B0600070205080204" pitchFamily="50" charset="-128"/>
+                  <a:ea typeface="ＭＳ Ｐゴシック" panose="020B0600070205080204" pitchFamily="50" charset="-128"/>
+                  <a:cs typeface="Arial" panose="020B0604020202020204" pitchFamily="34" charset="0"/>
+                </a:endParaRPr>
+              </a:p>
+            </p:txBody>
+          </p:sp>
+        </mc:Choice>
+        <mc:Fallback>
+          <p:sp>
+            <p:nvSpPr>
+              <p:cNvPr id="13" name="テキスト ボックス 12">
+                <a:extLst>
+                  <a:ext uri="{FF2B5EF4-FFF2-40B4-BE49-F238E27FC236}">
+                    <a16:creationId xmlns:a16="http://schemas.microsoft.com/office/drawing/2014/main" id="{D536C578-E78A-482C-81CF-66647A2BE150}"/>
+                  </a:ext>
+                </a:extLst>
+              </p:cNvPr>
+              <p:cNvSpPr txBox="1">
+                <a:spLocks noRot="1" noChangeAspect="1" noMove="1" noResize="1" noEditPoints="1" noAdjustHandles="1" noChangeArrowheads="1" noChangeShapeType="1" noTextEdit="1"/>
+              </p:cNvSpPr>
+              <p:nvPr/>
+            </p:nvSpPr>
+            <p:spPr>
+              <a:xfrm>
+                <a:off x="5334231" y="483305"/>
+                <a:ext cx="2803900" cy="1169551"/>
+              </a:xfrm>
+              <a:prstGeom prst="rect">
+                <a:avLst/>
+              </a:prstGeom>
+              <a:blipFill>
+                <a:blip r:embed="rId4"/>
+                <a:stretch>
+                  <a:fillRect l="-1739" b="-521"/>
+                </a:stretch>
+              </a:blipFill>
+            </p:spPr>
+            <p:txBody>
+              <a:bodyPr/>
+              <a:lstStyle/>
+              <a:p>
+                <a:r>
+                  <a:rPr lang="ja-JP" altLang="en-US">
+                    <a:noFill/>
+                  </a:rPr>
+                  <a:t> </a:t>
+                </a:r>
+              </a:p>
+            </p:txBody>
+          </p:sp>
+        </mc:Fallback>
+      </mc:AlternateContent>
+      <mc:AlternateContent xmlns:mc="http://schemas.openxmlformats.org/markup-compatibility/2006">
+        <mc:Choice xmlns:a14="http://schemas.microsoft.com/office/drawing/2010/main" Requires="a14">
+          <p:sp>
+            <p:nvSpPr>
+              <p:cNvPr id="14" name="テキスト ボックス 13">
+                <a:extLst>
+                  <a:ext uri="{FF2B5EF4-FFF2-40B4-BE49-F238E27FC236}">
+                    <a16:creationId xmlns:a16="http://schemas.microsoft.com/office/drawing/2014/main" id="{0D5C7B95-7E03-420E-8D7C-BEA8BCC48B67}"/>
+                  </a:ext>
+                </a:extLst>
+              </p:cNvPr>
+              <p:cNvSpPr txBox="1"/>
+              <p:nvPr/>
+            </p:nvSpPr>
+            <p:spPr>
+              <a:xfrm>
+                <a:off x="5334231" y="1796075"/>
+                <a:ext cx="2803900" cy="1118704"/>
+              </a:xfrm>
+              <a:prstGeom prst="rect">
+                <a:avLst/>
+              </a:prstGeom>
+              <a:noFill/>
+            </p:spPr>
+            <p:txBody>
+              <a:bodyPr wrap="square" rtlCol="0">
+                <a:spAutoFit/>
+              </a:bodyPr>
+              <a:lstStyle/>
+              <a:p>
+                <a:pPr>
+                  <a:lnSpc>
+                    <a:spcPts val="2800"/>
+                  </a:lnSpc>
+                </a:pPr>
+                <a:r>
+                  <a:rPr lang="ja-JP" altLang="en-US" dirty="0">
+                    <a:latin typeface="ＭＳ Ｐゴシック" panose="020B0600070205080204" pitchFamily="50" charset="-128"/>
+                    <a:ea typeface="ＭＳ Ｐゴシック" panose="020B0600070205080204" pitchFamily="50" charset="-128"/>
+                    <a:cs typeface="Arial" panose="020B0604020202020204" pitchFamily="34" charset="0"/>
+                  </a:rPr>
+                  <a:t>画像への </a:t>
+                </a:r>
+                <a14:m>
+                  <m:oMath xmlns:m="http://schemas.openxmlformats.org/officeDocument/2006/math">
+                    <m:r>
+                      <a:rPr lang="en-US" altLang="ja-JP" b="1" i="1" dirty="0" smtClean="0">
+                        <a:latin typeface="Cambria Math" panose="02040503050406030204" pitchFamily="18" charset="0"/>
+                        <a:ea typeface="ＭＳ Ｐゴシック" panose="020B0600070205080204" pitchFamily="50" charset="-128"/>
+                        <a:cs typeface="Arial" panose="020B0604020202020204" pitchFamily="34" charset="0"/>
+                      </a:rPr>
+                      <m:t>𝑻</m:t>
+                    </m:r>
+                  </m:oMath>
+                </a14:m>
+                <a:r>
+                  <a:rPr lang="en-US" altLang="ja-JP" dirty="0">
+                    <a:latin typeface="ＭＳ Ｐゴシック" panose="020B0600070205080204" pitchFamily="50" charset="-128"/>
+                    <a:ea typeface="ＭＳ Ｐゴシック" panose="020B0600070205080204" pitchFamily="50" charset="-128"/>
+                    <a:cs typeface="Arial" panose="020B0604020202020204" pitchFamily="34" charset="0"/>
+                  </a:rPr>
+                  <a:t> </a:t>
+                </a:r>
+                <a:r>
+                  <a:rPr lang="ja-JP" altLang="en-US" dirty="0">
+                    <a:latin typeface="ＭＳ Ｐゴシック" panose="020B0600070205080204" pitchFamily="50" charset="-128"/>
+                    <a:ea typeface="ＭＳ Ｐゴシック" panose="020B0600070205080204" pitchFamily="50" charset="-128"/>
+                    <a:cs typeface="Arial" panose="020B0604020202020204" pitchFamily="34" charset="0"/>
+                  </a:rPr>
+                  <a:t>の投影が </a:t>
+                </a:r>
+                <a:endParaRPr kumimoji="1" lang="en-US" altLang="ja-JP" b="1" i="1" dirty="0">
+                  <a:latin typeface="Cambria Math" panose="02040503050406030204" pitchFamily="18" charset="0"/>
+                  <a:ea typeface="ＭＳ Ｐゴシック" panose="020B0600070205080204" pitchFamily="50" charset="-128"/>
+                  <a:cs typeface="Arial" panose="020B0604020202020204" pitchFamily="34" charset="0"/>
+                </a:endParaRPr>
+              </a:p>
+              <a:p>
+                <a:pPr>
+                  <a:lnSpc>
+                    <a:spcPts val="2800"/>
+                  </a:lnSpc>
+                </a:pPr>
+                <a14:m>
+                  <m:oMathPara xmlns:m="http://schemas.openxmlformats.org/officeDocument/2006/math">
+                    <m:oMathParaPr>
+                      <m:jc m:val="centerGroup"/>
+                    </m:oMathParaPr>
+                    <m:oMath xmlns:m="http://schemas.openxmlformats.org/officeDocument/2006/math">
+                      <m:r>
+                        <a:rPr kumimoji="1" lang="en-US" altLang="ja-JP" b="1" i="1" smtClean="0">
+                          <a:latin typeface="Cambria Math" panose="02040503050406030204" pitchFamily="18" charset="0"/>
+                          <a:ea typeface="ＭＳ Ｐゴシック" panose="020B0600070205080204" pitchFamily="50" charset="-128"/>
+                          <a:cs typeface="Arial" panose="020B0604020202020204" pitchFamily="34" charset="0"/>
+                        </a:rPr>
+                        <m:t>𝒄</m:t>
+                      </m:r>
+                      <m:r>
+                        <a:rPr kumimoji="1" lang="en-US" altLang="ja-JP" b="0" i="1" smtClean="0">
+                          <a:latin typeface="Cambria Math" panose="02040503050406030204" pitchFamily="18" charset="0"/>
+                          <a:ea typeface="ＭＳ Ｐゴシック" panose="020B0600070205080204" pitchFamily="50" charset="-128"/>
+                          <a:cs typeface="Arial" panose="020B0604020202020204" pitchFamily="34" charset="0"/>
+                        </a:rPr>
+                        <m:t>=</m:t>
+                      </m:r>
+                      <m:sSup>
+                        <m:sSupPr>
+                          <m:ctrlPr>
+                            <a:rPr kumimoji="1" lang="en-US" altLang="ja-JP" b="0" i="1" smtClean="0">
+                              <a:latin typeface="Cambria Math" panose="02040503050406030204" pitchFamily="18" charset="0"/>
+                              <a:ea typeface="ＭＳ Ｐゴシック" panose="020B0600070205080204" pitchFamily="50" charset="-128"/>
+                              <a:cs typeface="Arial" panose="020B0604020202020204" pitchFamily="34" charset="0"/>
+                            </a:rPr>
+                          </m:ctrlPr>
+                        </m:sSupPr>
+                        <m:e>
+                          <m:d>
+                            <m:dPr>
+                              <m:ctrlPr>
+                                <a:rPr kumimoji="1" lang="en-US" altLang="ja-JP" b="0" i="1" smtClean="0">
+                                  <a:latin typeface="Cambria Math" panose="02040503050406030204" pitchFamily="18" charset="0"/>
+                                  <a:ea typeface="ＭＳ Ｐゴシック" panose="020B0600070205080204" pitchFamily="50" charset="-128"/>
+                                  <a:cs typeface="Arial" panose="020B0604020202020204" pitchFamily="34" charset="0"/>
+                                </a:rPr>
+                              </m:ctrlPr>
+                            </m:dPr>
+                            <m:e>
+                              <m:sSub>
+                                <m:sSubPr>
+                                  <m:ctrlPr>
+                                    <a:rPr kumimoji="1" lang="en-US" altLang="ja-JP" b="0" i="1" smtClean="0">
+                                      <a:latin typeface="Cambria Math" panose="02040503050406030204" pitchFamily="18" charset="0"/>
+                                      <a:ea typeface="ＭＳ Ｐゴシック" panose="020B0600070205080204" pitchFamily="50" charset="-128"/>
+                                      <a:cs typeface="Arial" panose="020B0604020202020204" pitchFamily="34" charset="0"/>
+                                    </a:rPr>
+                                  </m:ctrlPr>
+                                </m:sSubPr>
+                                <m:e>
+                                  <m:r>
+                                    <a:rPr kumimoji="1" lang="en-US" altLang="ja-JP" b="0" i="1" smtClean="0">
+                                      <a:latin typeface="Cambria Math" panose="02040503050406030204" pitchFamily="18" charset="0"/>
+                                      <a:ea typeface="ＭＳ Ｐゴシック" panose="020B0600070205080204" pitchFamily="50" charset="-128"/>
+                                      <a:cs typeface="Arial" panose="020B0604020202020204" pitchFamily="34" charset="0"/>
+                                    </a:rPr>
+                                    <m:t>𝑐</m:t>
+                                  </m:r>
+                                </m:e>
+                                <m:sub>
+                                  <m:r>
+                                    <a:rPr kumimoji="1" lang="en-US" altLang="ja-JP" b="0" i="1" smtClean="0">
+                                      <a:latin typeface="Cambria Math" panose="02040503050406030204" pitchFamily="18" charset="0"/>
+                                      <a:ea typeface="ＭＳ Ｐゴシック" panose="020B0600070205080204" pitchFamily="50" charset="-128"/>
+                                      <a:cs typeface="Arial" panose="020B0604020202020204" pitchFamily="34" charset="0"/>
+                                    </a:rPr>
+                                    <m:t>𝑥</m:t>
+                                  </m:r>
+                                </m:sub>
+                              </m:sSub>
+                              <m:r>
+                                <a:rPr kumimoji="1" lang="en-US" altLang="ja-JP" b="0" i="1" smtClean="0">
+                                  <a:latin typeface="Cambria Math" panose="02040503050406030204" pitchFamily="18" charset="0"/>
+                                  <a:ea typeface="ＭＳ Ｐゴシック" panose="020B0600070205080204" pitchFamily="50" charset="-128"/>
+                                  <a:cs typeface="Arial" panose="020B0604020202020204" pitchFamily="34" charset="0"/>
+                                </a:rPr>
+                                <m:t>, </m:t>
+                              </m:r>
+                              <m:sSub>
+                                <m:sSubPr>
+                                  <m:ctrlPr>
+                                    <a:rPr kumimoji="1" lang="en-US" altLang="ja-JP" b="0" i="1" smtClean="0">
+                                      <a:latin typeface="Cambria Math" panose="02040503050406030204" pitchFamily="18" charset="0"/>
+                                      <a:ea typeface="ＭＳ Ｐゴシック" panose="020B0600070205080204" pitchFamily="50" charset="-128"/>
+                                      <a:cs typeface="Arial" panose="020B0604020202020204" pitchFamily="34" charset="0"/>
+                                    </a:rPr>
+                                  </m:ctrlPr>
+                                </m:sSubPr>
+                                <m:e>
+                                  <m:r>
+                                    <a:rPr kumimoji="1" lang="en-US" altLang="ja-JP" b="0" i="1" smtClean="0">
+                                      <a:latin typeface="Cambria Math" panose="02040503050406030204" pitchFamily="18" charset="0"/>
+                                      <a:ea typeface="ＭＳ Ｐゴシック" panose="020B0600070205080204" pitchFamily="50" charset="-128"/>
+                                      <a:cs typeface="Arial" panose="020B0604020202020204" pitchFamily="34" charset="0"/>
+                                    </a:rPr>
+                                    <m:t>𝑐</m:t>
+                                  </m:r>
+                                </m:e>
+                                <m:sub>
+                                  <m:r>
+                                    <a:rPr kumimoji="1" lang="en-US" altLang="ja-JP" b="0" i="1" smtClean="0">
+                                      <a:latin typeface="Cambria Math" panose="02040503050406030204" pitchFamily="18" charset="0"/>
+                                      <a:ea typeface="ＭＳ Ｐゴシック" panose="020B0600070205080204" pitchFamily="50" charset="-128"/>
+                                      <a:cs typeface="Arial" panose="020B0604020202020204" pitchFamily="34" charset="0"/>
+                                    </a:rPr>
+                                    <m:t>𝑦</m:t>
+                                  </m:r>
+                                </m:sub>
+                              </m:sSub>
+                            </m:e>
+                          </m:d>
+                        </m:e>
+                        <m:sup>
+                          <m:r>
+                            <a:rPr kumimoji="1" lang="en-US" altLang="ja-JP" b="0" i="1" smtClean="0">
+                              <a:latin typeface="Cambria Math" panose="02040503050406030204" pitchFamily="18" charset="0"/>
+                              <a:ea typeface="ＭＳ Ｐゴシック" panose="020B0600070205080204" pitchFamily="50" charset="-128"/>
+                              <a:cs typeface="Arial" panose="020B0604020202020204" pitchFamily="34" charset="0"/>
+                            </a:rPr>
+                            <m:t>𝑇</m:t>
+                          </m:r>
+                        </m:sup>
+                      </m:sSup>
+                    </m:oMath>
+                  </m:oMathPara>
+                </a14:m>
+                <a:endParaRPr kumimoji="1" lang="en-US" altLang="ja-JP" dirty="0">
+                  <a:latin typeface="ＭＳ Ｐゴシック" panose="020B0600070205080204" pitchFamily="50" charset="-128"/>
+                  <a:ea typeface="ＭＳ Ｐゴシック" panose="020B0600070205080204" pitchFamily="50" charset="-128"/>
+                  <a:cs typeface="Arial" panose="020B0604020202020204" pitchFamily="34" charset="0"/>
+                </a:endParaRPr>
+              </a:p>
+              <a:p>
+                <a:pPr>
+                  <a:lnSpc>
+                    <a:spcPts val="2800"/>
+                  </a:lnSpc>
+                </a:pPr>
+                <a:r>
+                  <a:rPr kumimoji="1" lang="ja-JP" altLang="en-US" dirty="0">
+                    <a:latin typeface="ＭＳ Ｐゴシック" panose="020B0600070205080204" pitchFamily="50" charset="-128"/>
+                    <a:ea typeface="ＭＳ Ｐゴシック" panose="020B0600070205080204" pitchFamily="50" charset="-128"/>
+                    <a:cs typeface="Arial" panose="020B0604020202020204" pitchFamily="34" charset="0"/>
+                  </a:rPr>
+                  <a:t>であると仮定</a:t>
+                </a:r>
+              </a:p>
+            </p:txBody>
+          </p:sp>
+        </mc:Choice>
+        <mc:Fallback>
+          <p:sp>
+            <p:nvSpPr>
+              <p:cNvPr id="14" name="テキスト ボックス 13">
+                <a:extLst>
+                  <a:ext uri="{FF2B5EF4-FFF2-40B4-BE49-F238E27FC236}">
+                    <a16:creationId xmlns:a16="http://schemas.microsoft.com/office/drawing/2014/main" id="{0D5C7B95-7E03-420E-8D7C-BEA8BCC48B67}"/>
+                  </a:ext>
+                </a:extLst>
+              </p:cNvPr>
+              <p:cNvSpPr txBox="1">
+                <a:spLocks noRot="1" noChangeAspect="1" noMove="1" noResize="1" noEditPoints="1" noAdjustHandles="1" noChangeArrowheads="1" noChangeShapeType="1" noTextEdit="1"/>
+              </p:cNvSpPr>
+              <p:nvPr/>
+            </p:nvSpPr>
+            <p:spPr>
+              <a:xfrm>
+                <a:off x="5334231" y="1796075"/>
+                <a:ext cx="2803900" cy="1118704"/>
+              </a:xfrm>
+              <a:prstGeom prst="rect">
+                <a:avLst/>
+              </a:prstGeom>
+              <a:blipFill>
+                <a:blip r:embed="rId5"/>
+                <a:stretch>
+                  <a:fillRect l="-1739" t="-546" b="-7650"/>
+                </a:stretch>
+              </a:blipFill>
+            </p:spPr>
+            <p:txBody>
+              <a:bodyPr/>
+              <a:lstStyle/>
+              <a:p>
+                <a:r>
+                  <a:rPr lang="ja-JP" altLang="en-US">
+                    <a:noFill/>
+                  </a:rPr>
+                  <a:t> </a:t>
+                </a:r>
+              </a:p>
+            </p:txBody>
+          </p:sp>
+        </mc:Fallback>
+      </mc:AlternateContent>
+      <mc:AlternateContent xmlns:mc="http://schemas.openxmlformats.org/markup-compatibility/2006">
+        <mc:Choice xmlns:a14="http://schemas.microsoft.com/office/drawing/2010/main" Requires="a14">
+          <p:sp>
+            <p:nvSpPr>
+              <p:cNvPr id="15" name="テキスト ボックス 14">
+                <a:extLst>
+                  <a:ext uri="{FF2B5EF4-FFF2-40B4-BE49-F238E27FC236}">
+                    <a16:creationId xmlns:a16="http://schemas.microsoft.com/office/drawing/2014/main" id="{D4E97207-0BD7-4A74-8EC5-363760039518}"/>
+                  </a:ext>
+                </a:extLst>
+              </p:cNvPr>
+              <p:cNvSpPr txBox="1"/>
+              <p:nvPr/>
+            </p:nvSpPr>
+            <p:spPr>
+              <a:xfrm>
+                <a:off x="5334231" y="3085072"/>
+                <a:ext cx="3409719" cy="1155445"/>
+              </a:xfrm>
+              <a:prstGeom prst="rect">
+                <a:avLst/>
+              </a:prstGeom>
+              <a:noFill/>
+            </p:spPr>
+            <p:txBody>
+              <a:bodyPr wrap="square" rtlCol="0">
+                <a:spAutoFit/>
+              </a:bodyPr>
+              <a:lstStyle/>
+              <a:p>
+                <a:pPr>
+                  <a:lnSpc>
+                    <a:spcPts val="2800"/>
+                  </a:lnSpc>
+                </a:pPr>
+                <a14:m>
+                  <m:oMath xmlns:m="http://schemas.openxmlformats.org/officeDocument/2006/math">
+                    <m:r>
+                      <a:rPr lang="en-US" altLang="ja-JP" b="1" i="1" smtClean="0">
+                        <a:latin typeface="Cambria Math" panose="02040503050406030204" pitchFamily="18" charset="0"/>
+                        <a:ea typeface="ＭＳ Ｐゴシック" panose="020B0600070205080204" pitchFamily="50" charset="-128"/>
+                        <a:cs typeface="Arial" panose="020B0604020202020204" pitchFamily="34" charset="0"/>
+                      </a:rPr>
+                      <m:t>𝒄</m:t>
+                    </m:r>
+                  </m:oMath>
+                </a14:m>
+                <a:r>
+                  <a:rPr lang="ja-JP" altLang="en-US" dirty="0">
+                    <a:latin typeface="ＭＳ Ｐゴシック" panose="020B0600070205080204" pitchFamily="50" charset="-128"/>
+                    <a:ea typeface="ＭＳ Ｐゴシック" panose="020B0600070205080204" pitchFamily="50" charset="-128"/>
+                    <a:cs typeface="Arial" panose="020B0604020202020204" pitchFamily="34" charset="0"/>
+                  </a:rPr>
+                  <a:t> と </a:t>
+                </a:r>
+                <a14:m>
+                  <m:oMath xmlns:m="http://schemas.openxmlformats.org/officeDocument/2006/math">
+                    <m:sSub>
+                      <m:sSubPr>
+                        <m:ctrlPr>
+                          <a:rPr lang="en-US" altLang="ja-JP" i="1" smtClean="0">
+                            <a:latin typeface="Cambria Math" panose="02040503050406030204" pitchFamily="18" charset="0"/>
+                            <a:ea typeface="ＭＳ Ｐゴシック" panose="020B0600070205080204" pitchFamily="50" charset="-128"/>
+                            <a:cs typeface="Arial" panose="020B0604020202020204" pitchFamily="34" charset="0"/>
+                          </a:rPr>
+                        </m:ctrlPr>
+                      </m:sSubPr>
+                      <m:e>
+                        <m:r>
+                          <a:rPr lang="en-US" altLang="ja-JP" b="0" i="1" smtClean="0">
+                            <a:latin typeface="Cambria Math" panose="02040503050406030204" pitchFamily="18" charset="0"/>
+                            <a:ea typeface="ＭＳ Ｐゴシック" panose="020B0600070205080204" pitchFamily="50" charset="-128"/>
+                            <a:cs typeface="Arial" panose="020B0604020202020204" pitchFamily="34" charset="0"/>
+                          </a:rPr>
+                          <m:t>𝑇</m:t>
+                        </m:r>
+                      </m:e>
+                      <m:sub>
+                        <m:r>
+                          <a:rPr lang="en-US" altLang="ja-JP" b="0" i="1" smtClean="0">
+                            <a:latin typeface="Cambria Math" panose="02040503050406030204" pitchFamily="18" charset="0"/>
+                            <a:ea typeface="ＭＳ Ｐゴシック" panose="020B0600070205080204" pitchFamily="50" charset="-128"/>
+                            <a:cs typeface="Arial" panose="020B0604020202020204" pitchFamily="34" charset="0"/>
+                          </a:rPr>
+                          <m:t>𝑧</m:t>
+                        </m:r>
+                      </m:sub>
+                    </m:sSub>
+                  </m:oMath>
+                </a14:m>
+                <a:r>
+                  <a:rPr lang="ja-JP" altLang="en-US" dirty="0">
+                    <a:latin typeface="ＭＳ Ｐゴシック" panose="020B0600070205080204" pitchFamily="50" charset="-128"/>
+                    <a:ea typeface="ＭＳ Ｐゴシック" panose="020B0600070205080204" pitchFamily="50" charset="-128"/>
+                    <a:cs typeface="Arial" panose="020B0604020202020204" pitchFamily="34" charset="0"/>
+                  </a:rPr>
+                  <a:t> が推定可能な場合、ピンホールカメラを想定した次の投影方程式に従って </a:t>
+                </a:r>
+                <a14:m>
+                  <m:oMath xmlns:m="http://schemas.openxmlformats.org/officeDocument/2006/math">
+                    <m:sSub>
+                      <m:sSubPr>
+                        <m:ctrlPr>
+                          <a:rPr lang="en-US" altLang="ja-JP" b="1" i="1" dirty="0" smtClean="0">
+                            <a:latin typeface="Cambria Math" panose="02040503050406030204" pitchFamily="18" charset="0"/>
+                            <a:ea typeface="ＭＳ Ｐゴシック" panose="020B0600070205080204" pitchFamily="50" charset="-128"/>
+                            <a:cs typeface="Arial" panose="020B0604020202020204" pitchFamily="34" charset="0"/>
+                          </a:rPr>
+                        </m:ctrlPr>
+                      </m:sSubPr>
+                      <m:e>
+                        <m:r>
+                          <a:rPr lang="en-US" altLang="ja-JP" b="1" i="1" dirty="0" smtClean="0">
+                            <a:latin typeface="Cambria Math" panose="02040503050406030204" pitchFamily="18" charset="0"/>
+                            <a:ea typeface="ＭＳ Ｐゴシック" panose="020B0600070205080204" pitchFamily="50" charset="-128"/>
+                            <a:cs typeface="Arial" panose="020B0604020202020204" pitchFamily="34" charset="0"/>
+                          </a:rPr>
+                          <m:t>𝑻</m:t>
+                        </m:r>
+                      </m:e>
+                      <m:sub>
+                        <m:r>
+                          <a:rPr lang="en-US" altLang="ja-JP" b="1" i="1" dirty="0" smtClean="0">
+                            <a:latin typeface="Cambria Math" panose="02040503050406030204" pitchFamily="18" charset="0"/>
+                            <a:ea typeface="ＭＳ Ｐゴシック" panose="020B0600070205080204" pitchFamily="50" charset="-128"/>
+                            <a:cs typeface="Arial" panose="020B0604020202020204" pitchFamily="34" charset="0"/>
+                          </a:rPr>
+                          <m:t>𝒙</m:t>
+                        </m:r>
+                      </m:sub>
+                    </m:sSub>
+                  </m:oMath>
+                </a14:m>
+                <a:r>
+                  <a:rPr kumimoji="1" lang="ja-JP" altLang="en-US" dirty="0">
+                    <a:latin typeface="ＭＳ Ｐゴシック" panose="020B0600070205080204" pitchFamily="50" charset="-128"/>
+                    <a:ea typeface="ＭＳ Ｐゴシック" panose="020B0600070205080204" pitchFamily="50" charset="-128"/>
+                    <a:cs typeface="Arial" panose="020B0604020202020204" pitchFamily="34" charset="0"/>
+                  </a:rPr>
+                  <a:t> と </a:t>
+                </a:r>
+                <a14:m>
+                  <m:oMath xmlns:m="http://schemas.openxmlformats.org/officeDocument/2006/math">
+                    <m:sSub>
+                      <m:sSubPr>
+                        <m:ctrlPr>
+                          <a:rPr lang="en-US" altLang="ja-JP" b="1" i="1" dirty="0">
+                            <a:latin typeface="Cambria Math" panose="02040503050406030204" pitchFamily="18" charset="0"/>
+                            <a:ea typeface="ＭＳ Ｐゴシック" panose="020B0600070205080204" pitchFamily="50" charset="-128"/>
+                            <a:cs typeface="Arial" panose="020B0604020202020204" pitchFamily="34" charset="0"/>
+                          </a:rPr>
+                        </m:ctrlPr>
+                      </m:sSubPr>
+                      <m:e>
+                        <m:r>
+                          <a:rPr lang="en-US" altLang="ja-JP" b="1" i="1" dirty="0">
+                            <a:latin typeface="Cambria Math" panose="02040503050406030204" pitchFamily="18" charset="0"/>
+                            <a:ea typeface="ＭＳ Ｐゴシック" panose="020B0600070205080204" pitchFamily="50" charset="-128"/>
+                            <a:cs typeface="Arial" panose="020B0604020202020204" pitchFamily="34" charset="0"/>
+                          </a:rPr>
+                          <m:t>𝑻</m:t>
+                        </m:r>
+                      </m:e>
+                      <m:sub>
+                        <m:r>
+                          <a:rPr lang="en-US" altLang="ja-JP" b="1" i="1" dirty="0" smtClean="0">
+                            <a:latin typeface="Cambria Math" panose="02040503050406030204" pitchFamily="18" charset="0"/>
+                            <a:ea typeface="ＭＳ Ｐゴシック" panose="020B0600070205080204" pitchFamily="50" charset="-128"/>
+                            <a:cs typeface="Arial" panose="020B0604020202020204" pitchFamily="34" charset="0"/>
+                          </a:rPr>
+                          <m:t>𝒚</m:t>
+                        </m:r>
+                      </m:sub>
+                    </m:sSub>
+                  </m:oMath>
+                </a14:m>
+                <a:r>
+                  <a:rPr lang="ja-JP" altLang="en-US" dirty="0">
+                    <a:latin typeface="ＭＳ Ｐゴシック" panose="020B0600070205080204" pitchFamily="50" charset="-128"/>
+                    <a:ea typeface="ＭＳ Ｐゴシック" panose="020B0600070205080204" pitchFamily="50" charset="-128"/>
+                    <a:cs typeface="Arial" panose="020B0604020202020204" pitchFamily="34" charset="0"/>
+                  </a:rPr>
+                  <a:t> を復元</a:t>
+                </a:r>
+                <a:endParaRPr lang="en-US" altLang="ja-JP" dirty="0">
+                  <a:latin typeface="ＭＳ Ｐゴシック" panose="020B0600070205080204" pitchFamily="50" charset="-128"/>
+                  <a:ea typeface="ＭＳ Ｐゴシック" panose="020B0600070205080204" pitchFamily="50" charset="-128"/>
+                  <a:cs typeface="Arial" panose="020B0604020202020204" pitchFamily="34" charset="0"/>
+                </a:endParaRPr>
+              </a:p>
+            </p:txBody>
+          </p:sp>
+        </mc:Choice>
+        <mc:Fallback>
+          <p:sp>
+            <p:nvSpPr>
+              <p:cNvPr id="15" name="テキスト ボックス 14">
+                <a:extLst>
+                  <a:ext uri="{FF2B5EF4-FFF2-40B4-BE49-F238E27FC236}">
+                    <a16:creationId xmlns:a16="http://schemas.microsoft.com/office/drawing/2014/main" id="{D4E97207-0BD7-4A74-8EC5-363760039518}"/>
+                  </a:ext>
+                </a:extLst>
+              </p:cNvPr>
+              <p:cNvSpPr txBox="1">
+                <a:spLocks noRot="1" noChangeAspect="1" noMove="1" noResize="1" noEditPoints="1" noAdjustHandles="1" noChangeArrowheads="1" noChangeShapeType="1" noTextEdit="1"/>
+              </p:cNvSpPr>
+              <p:nvPr/>
+            </p:nvSpPr>
+            <p:spPr>
+              <a:xfrm>
+                <a:off x="5334231" y="3085072"/>
+                <a:ext cx="3409719" cy="1155445"/>
+              </a:xfrm>
+              <a:prstGeom prst="rect">
+                <a:avLst/>
+              </a:prstGeom>
+              <a:blipFill>
+                <a:blip r:embed="rId6"/>
+                <a:stretch>
+                  <a:fillRect l="-1431" b="-3684"/>
+                </a:stretch>
+              </a:blipFill>
+            </p:spPr>
+            <p:txBody>
+              <a:bodyPr/>
+              <a:lstStyle/>
+              <a:p>
+                <a:r>
+                  <a:rPr lang="ja-JP" altLang="en-US">
+                    <a:noFill/>
+                  </a:rPr>
+                  <a:t> </a:t>
+                </a:r>
+              </a:p>
+            </p:txBody>
+          </p:sp>
+        </mc:Fallback>
+      </mc:AlternateContent>
+      <mc:AlternateContent xmlns:mc="http://schemas.openxmlformats.org/markup-compatibility/2006">
+        <mc:Choice xmlns:a14="http://schemas.microsoft.com/office/drawing/2010/main" Requires="a14">
+          <p:sp>
+            <p:nvSpPr>
+              <p:cNvPr id="18" name="テキスト ボックス 17">
+                <a:extLst>
+                  <a:ext uri="{FF2B5EF4-FFF2-40B4-BE49-F238E27FC236}">
+                    <a16:creationId xmlns:a16="http://schemas.microsoft.com/office/drawing/2014/main" id="{59B64CE7-8A52-47CD-96C4-3069E9D4BCCC}"/>
+                  </a:ext>
+                </a:extLst>
+              </p:cNvPr>
+              <p:cNvSpPr txBox="1"/>
+              <p:nvPr/>
+            </p:nvSpPr>
+            <p:spPr>
+              <a:xfrm>
+                <a:off x="4171950" y="4373663"/>
+                <a:ext cx="4572000" cy="1267463"/>
+              </a:xfrm>
+              <a:prstGeom prst="rect">
+                <a:avLst/>
+              </a:prstGeom>
+              <a:noFill/>
+            </p:spPr>
+            <p:txBody>
+              <a:bodyPr wrap="square">
+                <a:spAutoFit/>
+              </a:bodyPr>
+              <a:lstStyle/>
+              <a:p>
+                <a:pPr/>
+                <a14:m>
+                  <m:oMathPara xmlns:m="http://schemas.openxmlformats.org/officeDocument/2006/math">
+                    <m:oMathParaPr>
+                      <m:jc m:val="centerGroup"/>
+                    </m:oMathParaPr>
+                    <m:oMath xmlns:m="http://schemas.openxmlformats.org/officeDocument/2006/math">
+                      <m:d>
+                        <m:dPr>
+                          <m:begChr m:val="["/>
+                          <m:endChr m:val="]"/>
+                          <m:ctrlPr>
+                            <a:rPr lang="en-US" altLang="ja-JP" i="1" smtClean="0">
+                              <a:latin typeface="Cambria Math" panose="02040503050406030204" pitchFamily="18" charset="0"/>
+                              <a:ea typeface="ＭＳ Ｐゴシック" panose="020B0600070205080204" pitchFamily="50" charset="-128"/>
+                              <a:cs typeface="Arial" panose="020B0604020202020204" pitchFamily="34" charset="0"/>
+                            </a:rPr>
+                          </m:ctrlPr>
+                        </m:dPr>
+                        <m:e>
+                          <m:m>
+                            <m:mPr>
+                              <m:mcs>
+                                <m:mc>
+                                  <m:mcPr>
+                                    <m:count m:val="1"/>
+                                    <m:mcJc m:val="center"/>
+                                  </m:mcPr>
+                                </m:mc>
+                              </m:mcs>
+                              <m:ctrlPr>
+                                <a:rPr lang="en-US" altLang="ja-JP" i="1" smtClean="0">
+                                  <a:latin typeface="Cambria Math" panose="02040503050406030204" pitchFamily="18" charset="0"/>
+                                  <a:ea typeface="ＭＳ Ｐゴシック" panose="020B0600070205080204" pitchFamily="50" charset="-128"/>
+                                  <a:cs typeface="Arial" panose="020B0604020202020204" pitchFamily="34" charset="0"/>
+                                </a:rPr>
+                              </m:ctrlPr>
+                            </m:mPr>
+                            <m:mr>
+                              <m:e>
+                                <m:sSub>
+                                  <m:sSubPr>
+                                    <m:ctrlPr>
+                                      <a:rPr lang="en-US" altLang="ja-JP" i="1" smtClean="0">
+                                        <a:latin typeface="Cambria Math" panose="02040503050406030204" pitchFamily="18" charset="0"/>
+                                        <a:ea typeface="ＭＳ Ｐゴシック" panose="020B0600070205080204" pitchFamily="50" charset="-128"/>
+                                        <a:cs typeface="Arial" panose="020B0604020202020204" pitchFamily="34" charset="0"/>
+                                      </a:rPr>
+                                    </m:ctrlPr>
+                                  </m:sSubPr>
+                                  <m:e>
+                                    <m:r>
+                                      <a:rPr lang="en-US" altLang="ja-JP" b="0" i="1" smtClean="0">
+                                        <a:latin typeface="Cambria Math" panose="02040503050406030204" pitchFamily="18" charset="0"/>
+                                        <a:ea typeface="ＭＳ Ｐゴシック" panose="020B0600070205080204" pitchFamily="50" charset="-128"/>
+                                        <a:cs typeface="Arial" panose="020B0604020202020204" pitchFamily="34" charset="0"/>
+                                      </a:rPr>
+                                      <m:t>𝑐</m:t>
+                                    </m:r>
+                                  </m:e>
+                                  <m:sub>
+                                    <m:r>
+                                      <a:rPr lang="en-US" altLang="ja-JP" b="0" i="1" smtClean="0">
+                                        <a:latin typeface="Cambria Math" panose="02040503050406030204" pitchFamily="18" charset="0"/>
+                                        <a:ea typeface="ＭＳ Ｐゴシック" panose="020B0600070205080204" pitchFamily="50" charset="-128"/>
+                                        <a:cs typeface="Arial" panose="020B0604020202020204" pitchFamily="34" charset="0"/>
+                                      </a:rPr>
+                                      <m:t>𝑥</m:t>
+                                    </m:r>
+                                  </m:sub>
+                                </m:sSub>
+                              </m:e>
+                            </m:mr>
+                            <m:mr>
+                              <m:e>
+                                <m:sSub>
+                                  <m:sSubPr>
+                                    <m:ctrlPr>
+                                      <a:rPr lang="en-US" altLang="ja-JP" i="1" smtClean="0">
+                                        <a:latin typeface="Cambria Math" panose="02040503050406030204" pitchFamily="18" charset="0"/>
+                                        <a:ea typeface="ＭＳ Ｐゴシック" panose="020B0600070205080204" pitchFamily="50" charset="-128"/>
+                                        <a:cs typeface="Arial" panose="020B0604020202020204" pitchFamily="34" charset="0"/>
+                                      </a:rPr>
+                                    </m:ctrlPr>
+                                  </m:sSubPr>
+                                  <m:e>
+                                    <m:r>
+                                      <a:rPr lang="en-US" altLang="ja-JP" b="0" i="1" smtClean="0">
+                                        <a:latin typeface="Cambria Math" panose="02040503050406030204" pitchFamily="18" charset="0"/>
+                                        <a:ea typeface="ＭＳ Ｐゴシック" panose="020B0600070205080204" pitchFamily="50" charset="-128"/>
+                                        <a:cs typeface="Arial" panose="020B0604020202020204" pitchFamily="34" charset="0"/>
+                                      </a:rPr>
+                                      <m:t>𝑐</m:t>
+                                    </m:r>
+                                  </m:e>
+                                  <m:sub>
+                                    <m:r>
+                                      <a:rPr lang="en-US" altLang="ja-JP" b="0" i="1" smtClean="0">
+                                        <a:latin typeface="Cambria Math" panose="02040503050406030204" pitchFamily="18" charset="0"/>
+                                        <a:ea typeface="ＭＳ Ｐゴシック" panose="020B0600070205080204" pitchFamily="50" charset="-128"/>
+                                        <a:cs typeface="Arial" panose="020B0604020202020204" pitchFamily="34" charset="0"/>
+                                      </a:rPr>
+                                      <m:t>𝑦</m:t>
+                                    </m:r>
+                                  </m:sub>
+                                </m:sSub>
+                              </m:e>
+                            </m:mr>
+                          </m:m>
+                        </m:e>
+                      </m:d>
+                      <m:r>
+                        <a:rPr lang="en-US" altLang="ja-JP" b="0" i="1" smtClean="0">
+                          <a:latin typeface="Cambria Math" panose="02040503050406030204" pitchFamily="18" charset="0"/>
+                          <a:ea typeface="ＭＳ Ｐゴシック" panose="020B0600070205080204" pitchFamily="50" charset="-128"/>
+                          <a:cs typeface="Arial" panose="020B0604020202020204" pitchFamily="34" charset="0"/>
+                        </a:rPr>
+                        <m:t>=</m:t>
+                      </m:r>
+                      <m:d>
+                        <m:dPr>
+                          <m:begChr m:val="["/>
+                          <m:endChr m:val="]"/>
+                          <m:ctrlPr>
+                            <a:rPr lang="en-US" altLang="ja-JP" b="0" i="1" smtClean="0">
+                              <a:latin typeface="Cambria Math" panose="02040503050406030204" pitchFamily="18" charset="0"/>
+                              <a:ea typeface="ＭＳ Ｐゴシック" panose="020B0600070205080204" pitchFamily="50" charset="-128"/>
+                              <a:cs typeface="Arial" panose="020B0604020202020204" pitchFamily="34" charset="0"/>
+                            </a:rPr>
+                          </m:ctrlPr>
+                        </m:dPr>
+                        <m:e>
+                          <m:m>
+                            <m:mPr>
+                              <m:mcs>
+                                <m:mc>
+                                  <m:mcPr>
+                                    <m:count m:val="1"/>
+                                    <m:mcJc m:val="center"/>
+                                  </m:mcPr>
+                                </m:mc>
+                              </m:mcs>
+                              <m:ctrlPr>
+                                <a:rPr lang="en-US" altLang="ja-JP" b="0" i="1" smtClean="0">
+                                  <a:latin typeface="Cambria Math" panose="02040503050406030204" pitchFamily="18" charset="0"/>
+                                  <a:ea typeface="ＭＳ Ｐゴシック" panose="020B0600070205080204" pitchFamily="50" charset="-128"/>
+                                  <a:cs typeface="Arial" panose="020B0604020202020204" pitchFamily="34" charset="0"/>
+                                </a:rPr>
+                              </m:ctrlPr>
+                            </m:mPr>
+                            <m:mr>
+                              <m:e>
+                                <m:sSub>
+                                  <m:sSubPr>
+                                    <m:ctrlPr>
+                                      <a:rPr lang="en-US" altLang="ja-JP" b="0" i="1" smtClean="0">
+                                        <a:latin typeface="Cambria Math" panose="02040503050406030204" pitchFamily="18" charset="0"/>
+                                        <a:ea typeface="ＭＳ Ｐゴシック" panose="020B0600070205080204" pitchFamily="50" charset="-128"/>
+                                        <a:cs typeface="Arial" panose="020B0604020202020204" pitchFamily="34" charset="0"/>
+                                      </a:rPr>
+                                    </m:ctrlPr>
+                                  </m:sSubPr>
+                                  <m:e>
+                                    <m:r>
+                                      <a:rPr lang="en-US" altLang="ja-JP" b="0" i="1" smtClean="0">
+                                        <a:latin typeface="Cambria Math" panose="02040503050406030204" pitchFamily="18" charset="0"/>
+                                        <a:ea typeface="ＭＳ Ｐゴシック" panose="020B0600070205080204" pitchFamily="50" charset="-128"/>
+                                        <a:cs typeface="Arial" panose="020B0604020202020204" pitchFamily="34" charset="0"/>
+                                      </a:rPr>
+                                      <m:t>𝑓</m:t>
+                                    </m:r>
+                                  </m:e>
+                                  <m:sub>
+                                    <m:r>
+                                      <a:rPr lang="en-US" altLang="ja-JP" b="0" i="1" smtClean="0">
+                                        <a:latin typeface="Cambria Math" panose="02040503050406030204" pitchFamily="18" charset="0"/>
+                                        <a:ea typeface="ＭＳ Ｐゴシック" panose="020B0600070205080204" pitchFamily="50" charset="-128"/>
+                                        <a:cs typeface="Arial" panose="020B0604020202020204" pitchFamily="34" charset="0"/>
+                                      </a:rPr>
+                                      <m:t>𝑥</m:t>
+                                    </m:r>
+                                  </m:sub>
+                                </m:sSub>
+                                <m:f>
+                                  <m:fPr>
+                                    <m:ctrlPr>
+                                      <a:rPr lang="en-US" altLang="ja-JP" b="0" i="1" smtClean="0">
+                                        <a:latin typeface="Cambria Math" panose="02040503050406030204" pitchFamily="18" charset="0"/>
+                                        <a:ea typeface="ＭＳ Ｐゴシック" panose="020B0600070205080204" pitchFamily="50" charset="-128"/>
+                                        <a:cs typeface="Arial" panose="020B0604020202020204" pitchFamily="34" charset="0"/>
+                                      </a:rPr>
+                                    </m:ctrlPr>
+                                  </m:fPr>
+                                  <m:num>
+                                    <m:sSub>
+                                      <m:sSubPr>
+                                        <m:ctrlPr>
+                                          <a:rPr lang="en-US" altLang="ja-JP" b="0" i="1" smtClean="0">
+                                            <a:latin typeface="Cambria Math" panose="02040503050406030204" pitchFamily="18" charset="0"/>
+                                            <a:ea typeface="ＭＳ Ｐゴシック" panose="020B0600070205080204" pitchFamily="50" charset="-128"/>
+                                            <a:cs typeface="Arial" panose="020B0604020202020204" pitchFamily="34" charset="0"/>
+                                          </a:rPr>
+                                        </m:ctrlPr>
+                                      </m:sSubPr>
+                                      <m:e>
+                                        <m:r>
+                                          <a:rPr lang="en-US" altLang="ja-JP" b="0" i="1" smtClean="0">
+                                            <a:latin typeface="Cambria Math" panose="02040503050406030204" pitchFamily="18" charset="0"/>
+                                            <a:ea typeface="ＭＳ Ｐゴシック" panose="020B0600070205080204" pitchFamily="50" charset="-128"/>
+                                            <a:cs typeface="Arial" panose="020B0604020202020204" pitchFamily="34" charset="0"/>
+                                          </a:rPr>
+                                          <m:t>𝑇</m:t>
+                                        </m:r>
+                                      </m:e>
+                                      <m:sub>
+                                        <m:r>
+                                          <a:rPr lang="en-US" altLang="ja-JP" b="0" i="1" smtClean="0">
+                                            <a:latin typeface="Cambria Math" panose="02040503050406030204" pitchFamily="18" charset="0"/>
+                                            <a:ea typeface="ＭＳ Ｐゴシック" panose="020B0600070205080204" pitchFamily="50" charset="-128"/>
+                                            <a:cs typeface="Arial" panose="020B0604020202020204" pitchFamily="34" charset="0"/>
+                                          </a:rPr>
+                                          <m:t>𝑥</m:t>
+                                        </m:r>
+                                      </m:sub>
+                                    </m:sSub>
+                                  </m:num>
+                                  <m:den>
+                                    <m:sSub>
+                                      <m:sSubPr>
+                                        <m:ctrlPr>
+                                          <a:rPr lang="en-US" altLang="ja-JP" b="0" i="1" smtClean="0">
+                                            <a:latin typeface="Cambria Math" panose="02040503050406030204" pitchFamily="18" charset="0"/>
+                                            <a:ea typeface="ＭＳ Ｐゴシック" panose="020B0600070205080204" pitchFamily="50" charset="-128"/>
+                                            <a:cs typeface="Arial" panose="020B0604020202020204" pitchFamily="34" charset="0"/>
+                                          </a:rPr>
+                                        </m:ctrlPr>
+                                      </m:sSubPr>
+                                      <m:e>
+                                        <m:r>
+                                          <a:rPr lang="en-US" altLang="ja-JP" b="0" i="1" smtClean="0">
+                                            <a:latin typeface="Cambria Math" panose="02040503050406030204" pitchFamily="18" charset="0"/>
+                                            <a:ea typeface="ＭＳ Ｐゴシック" panose="020B0600070205080204" pitchFamily="50" charset="-128"/>
+                                            <a:cs typeface="Arial" panose="020B0604020202020204" pitchFamily="34" charset="0"/>
+                                          </a:rPr>
+                                          <m:t>𝑇</m:t>
+                                        </m:r>
+                                      </m:e>
+                                      <m:sub>
+                                        <m:r>
+                                          <a:rPr lang="en-US" altLang="ja-JP" b="0" i="1" smtClean="0">
+                                            <a:latin typeface="Cambria Math" panose="02040503050406030204" pitchFamily="18" charset="0"/>
+                                            <a:ea typeface="ＭＳ Ｐゴシック" panose="020B0600070205080204" pitchFamily="50" charset="-128"/>
+                                            <a:cs typeface="Arial" panose="020B0604020202020204" pitchFamily="34" charset="0"/>
+                                          </a:rPr>
+                                          <m:t>𝑧</m:t>
+                                        </m:r>
+                                      </m:sub>
+                                    </m:sSub>
+                                  </m:den>
+                                </m:f>
+                                <m:r>
+                                  <a:rPr lang="en-US" altLang="ja-JP" b="0" i="1" smtClean="0">
+                                    <a:latin typeface="Cambria Math" panose="02040503050406030204" pitchFamily="18" charset="0"/>
+                                    <a:ea typeface="ＭＳ Ｐゴシック" panose="020B0600070205080204" pitchFamily="50" charset="-128"/>
+                                    <a:cs typeface="Arial" panose="020B0604020202020204" pitchFamily="34" charset="0"/>
+                                  </a:rPr>
+                                  <m:t>+</m:t>
+                                </m:r>
+                                <m:sSub>
+                                  <m:sSubPr>
+                                    <m:ctrlPr>
+                                      <a:rPr lang="en-US" altLang="ja-JP" b="0" i="1" smtClean="0">
+                                        <a:latin typeface="Cambria Math" panose="02040503050406030204" pitchFamily="18" charset="0"/>
+                                        <a:ea typeface="ＭＳ Ｐゴシック" panose="020B0600070205080204" pitchFamily="50" charset="-128"/>
+                                        <a:cs typeface="Arial" panose="020B0604020202020204" pitchFamily="34" charset="0"/>
+                                      </a:rPr>
+                                    </m:ctrlPr>
+                                  </m:sSubPr>
+                                  <m:e>
+                                    <m:r>
+                                      <a:rPr lang="en-US" altLang="ja-JP" b="0" i="1" smtClean="0">
+                                        <a:latin typeface="Cambria Math" panose="02040503050406030204" pitchFamily="18" charset="0"/>
+                                        <a:ea typeface="ＭＳ Ｐゴシック" panose="020B0600070205080204" pitchFamily="50" charset="-128"/>
+                                        <a:cs typeface="Arial" panose="020B0604020202020204" pitchFamily="34" charset="0"/>
+                                      </a:rPr>
+                                      <m:t>𝑝</m:t>
+                                    </m:r>
+                                  </m:e>
+                                  <m:sub>
+                                    <m:r>
+                                      <a:rPr lang="en-US" altLang="ja-JP" b="0" i="1" smtClean="0">
+                                        <a:latin typeface="Cambria Math" panose="02040503050406030204" pitchFamily="18" charset="0"/>
+                                        <a:ea typeface="ＭＳ Ｐゴシック" panose="020B0600070205080204" pitchFamily="50" charset="-128"/>
+                                        <a:cs typeface="Arial" panose="020B0604020202020204" pitchFamily="34" charset="0"/>
+                                      </a:rPr>
+                                      <m:t>𝑥</m:t>
+                                    </m:r>
+                                  </m:sub>
+                                </m:sSub>
+                              </m:e>
+                            </m:mr>
+                            <m:mr>
+                              <m:e>
+                                <m:sSub>
+                                  <m:sSubPr>
+                                    <m:ctrlPr>
+                                      <a:rPr lang="en-US" altLang="ja-JP" b="0" i="1" smtClean="0">
+                                        <a:latin typeface="Cambria Math" panose="02040503050406030204" pitchFamily="18" charset="0"/>
+                                        <a:ea typeface="ＭＳ Ｐゴシック" panose="020B0600070205080204" pitchFamily="50" charset="-128"/>
+                                        <a:cs typeface="Arial" panose="020B0604020202020204" pitchFamily="34" charset="0"/>
+                                      </a:rPr>
+                                    </m:ctrlPr>
+                                  </m:sSubPr>
+                                  <m:e>
+                                    <m:r>
+                                      <a:rPr lang="en-US" altLang="ja-JP" b="0" i="1" smtClean="0">
+                                        <a:latin typeface="Cambria Math" panose="02040503050406030204" pitchFamily="18" charset="0"/>
+                                        <a:ea typeface="ＭＳ Ｐゴシック" panose="020B0600070205080204" pitchFamily="50" charset="-128"/>
+                                        <a:cs typeface="Arial" panose="020B0604020202020204" pitchFamily="34" charset="0"/>
+                                      </a:rPr>
+                                      <m:t>𝑓</m:t>
+                                    </m:r>
+                                  </m:e>
+                                  <m:sub>
+                                    <m:r>
+                                      <a:rPr lang="en-US" altLang="ja-JP" b="0" i="1" smtClean="0">
+                                        <a:latin typeface="Cambria Math" panose="02040503050406030204" pitchFamily="18" charset="0"/>
+                                        <a:ea typeface="ＭＳ Ｐゴシック" panose="020B0600070205080204" pitchFamily="50" charset="-128"/>
+                                        <a:cs typeface="Arial" panose="020B0604020202020204" pitchFamily="34" charset="0"/>
+                                      </a:rPr>
+                                      <m:t>𝑦</m:t>
+                                    </m:r>
+                                  </m:sub>
+                                </m:sSub>
+                                <m:f>
+                                  <m:fPr>
+                                    <m:ctrlPr>
+                                      <a:rPr lang="en-US" altLang="ja-JP" b="0" i="1" smtClean="0">
+                                        <a:latin typeface="Cambria Math" panose="02040503050406030204" pitchFamily="18" charset="0"/>
+                                        <a:ea typeface="ＭＳ Ｐゴシック" panose="020B0600070205080204" pitchFamily="50" charset="-128"/>
+                                        <a:cs typeface="Arial" panose="020B0604020202020204" pitchFamily="34" charset="0"/>
+                                      </a:rPr>
+                                    </m:ctrlPr>
+                                  </m:fPr>
+                                  <m:num>
+                                    <m:sSub>
+                                      <m:sSubPr>
+                                        <m:ctrlPr>
+                                          <a:rPr lang="en-US" altLang="ja-JP" b="0" i="1" smtClean="0">
+                                            <a:latin typeface="Cambria Math" panose="02040503050406030204" pitchFamily="18" charset="0"/>
+                                            <a:ea typeface="ＭＳ Ｐゴシック" panose="020B0600070205080204" pitchFamily="50" charset="-128"/>
+                                            <a:cs typeface="Arial" panose="020B0604020202020204" pitchFamily="34" charset="0"/>
+                                          </a:rPr>
+                                        </m:ctrlPr>
+                                      </m:sSubPr>
+                                      <m:e>
+                                        <m:r>
+                                          <a:rPr lang="en-US" altLang="ja-JP" b="0" i="1" smtClean="0">
+                                            <a:latin typeface="Cambria Math" panose="02040503050406030204" pitchFamily="18" charset="0"/>
+                                            <a:ea typeface="ＭＳ Ｐゴシック" panose="020B0600070205080204" pitchFamily="50" charset="-128"/>
+                                            <a:cs typeface="Arial" panose="020B0604020202020204" pitchFamily="34" charset="0"/>
+                                          </a:rPr>
+                                          <m:t>𝑇</m:t>
+                                        </m:r>
+                                      </m:e>
+                                      <m:sub>
+                                        <m:r>
+                                          <a:rPr lang="en-US" altLang="ja-JP" b="0" i="1" smtClean="0">
+                                            <a:latin typeface="Cambria Math" panose="02040503050406030204" pitchFamily="18" charset="0"/>
+                                            <a:ea typeface="ＭＳ Ｐゴシック" panose="020B0600070205080204" pitchFamily="50" charset="-128"/>
+                                            <a:cs typeface="Arial" panose="020B0604020202020204" pitchFamily="34" charset="0"/>
+                                          </a:rPr>
+                                          <m:t>𝑦</m:t>
+                                        </m:r>
+                                      </m:sub>
+                                    </m:sSub>
+                                  </m:num>
+                                  <m:den>
+                                    <m:sSub>
+                                      <m:sSubPr>
+                                        <m:ctrlPr>
+                                          <a:rPr lang="en-US" altLang="ja-JP" b="0" i="1" smtClean="0">
+                                            <a:latin typeface="Cambria Math" panose="02040503050406030204" pitchFamily="18" charset="0"/>
+                                            <a:ea typeface="ＭＳ Ｐゴシック" panose="020B0600070205080204" pitchFamily="50" charset="-128"/>
+                                            <a:cs typeface="Arial" panose="020B0604020202020204" pitchFamily="34" charset="0"/>
+                                          </a:rPr>
+                                        </m:ctrlPr>
+                                      </m:sSubPr>
+                                      <m:e>
+                                        <m:r>
+                                          <a:rPr lang="en-US" altLang="ja-JP" b="0" i="1" smtClean="0">
+                                            <a:latin typeface="Cambria Math" panose="02040503050406030204" pitchFamily="18" charset="0"/>
+                                            <a:ea typeface="ＭＳ Ｐゴシック" panose="020B0600070205080204" pitchFamily="50" charset="-128"/>
+                                            <a:cs typeface="Arial" panose="020B0604020202020204" pitchFamily="34" charset="0"/>
+                                          </a:rPr>
+                                          <m:t>𝑇</m:t>
+                                        </m:r>
+                                      </m:e>
+                                      <m:sub>
+                                        <m:r>
+                                          <a:rPr lang="en-US" altLang="ja-JP" b="0" i="1" smtClean="0">
+                                            <a:latin typeface="Cambria Math" panose="02040503050406030204" pitchFamily="18" charset="0"/>
+                                            <a:ea typeface="ＭＳ Ｐゴシック" panose="020B0600070205080204" pitchFamily="50" charset="-128"/>
+                                            <a:cs typeface="Arial" panose="020B0604020202020204" pitchFamily="34" charset="0"/>
+                                          </a:rPr>
+                                          <m:t>𝑧</m:t>
+                                        </m:r>
+                                      </m:sub>
+                                    </m:sSub>
+                                  </m:den>
+                                </m:f>
+                                <m:r>
+                                  <a:rPr lang="en-US" altLang="ja-JP" b="0" i="1" smtClean="0">
+                                    <a:latin typeface="Cambria Math" panose="02040503050406030204" pitchFamily="18" charset="0"/>
+                                    <a:ea typeface="ＭＳ Ｐゴシック" panose="020B0600070205080204" pitchFamily="50" charset="-128"/>
+                                    <a:cs typeface="Arial" panose="020B0604020202020204" pitchFamily="34" charset="0"/>
+                                  </a:rPr>
+                                  <m:t>+</m:t>
+                                </m:r>
+                                <m:sSub>
+                                  <m:sSubPr>
+                                    <m:ctrlPr>
+                                      <a:rPr lang="en-US" altLang="ja-JP" b="0" i="1" smtClean="0">
+                                        <a:latin typeface="Cambria Math" panose="02040503050406030204" pitchFamily="18" charset="0"/>
+                                        <a:ea typeface="ＭＳ Ｐゴシック" panose="020B0600070205080204" pitchFamily="50" charset="-128"/>
+                                        <a:cs typeface="Arial" panose="020B0604020202020204" pitchFamily="34" charset="0"/>
+                                      </a:rPr>
+                                    </m:ctrlPr>
+                                  </m:sSubPr>
+                                  <m:e>
+                                    <m:r>
+                                      <a:rPr lang="en-US" altLang="ja-JP" b="0" i="1" smtClean="0">
+                                        <a:latin typeface="Cambria Math" panose="02040503050406030204" pitchFamily="18" charset="0"/>
+                                        <a:ea typeface="ＭＳ Ｐゴシック" panose="020B0600070205080204" pitchFamily="50" charset="-128"/>
+                                        <a:cs typeface="Arial" panose="020B0604020202020204" pitchFamily="34" charset="0"/>
+                                      </a:rPr>
+                                      <m:t>𝑝</m:t>
+                                    </m:r>
+                                  </m:e>
+                                  <m:sub>
+                                    <m:r>
+                                      <a:rPr lang="en-US" altLang="ja-JP" b="0" i="1" smtClean="0">
+                                        <a:latin typeface="Cambria Math" panose="02040503050406030204" pitchFamily="18" charset="0"/>
+                                        <a:ea typeface="ＭＳ Ｐゴシック" panose="020B0600070205080204" pitchFamily="50" charset="-128"/>
+                                        <a:cs typeface="Arial" panose="020B0604020202020204" pitchFamily="34" charset="0"/>
+                                      </a:rPr>
+                                      <m:t>𝑦</m:t>
+                                    </m:r>
+                                  </m:sub>
+                                </m:sSub>
+                              </m:e>
+                            </m:mr>
+                          </m:m>
+                        </m:e>
+                      </m:d>
+                    </m:oMath>
+                  </m:oMathPara>
+                </a14:m>
+                <a:endParaRPr lang="ja-JP" altLang="en-US" dirty="0"/>
+              </a:p>
+            </p:txBody>
+          </p:sp>
+        </mc:Choice>
+        <mc:Fallback>
+          <p:sp>
+            <p:nvSpPr>
+              <p:cNvPr id="18" name="テキスト ボックス 17">
+                <a:extLst>
+                  <a:ext uri="{FF2B5EF4-FFF2-40B4-BE49-F238E27FC236}">
+                    <a16:creationId xmlns:a16="http://schemas.microsoft.com/office/drawing/2014/main" id="{59B64CE7-8A52-47CD-96C4-3069E9D4BCCC}"/>
+                  </a:ext>
+                </a:extLst>
+              </p:cNvPr>
+              <p:cNvSpPr txBox="1">
+                <a:spLocks noRot="1" noChangeAspect="1" noMove="1" noResize="1" noEditPoints="1" noAdjustHandles="1" noChangeArrowheads="1" noChangeShapeType="1" noTextEdit="1"/>
+              </p:cNvSpPr>
+              <p:nvPr/>
+            </p:nvSpPr>
+            <p:spPr>
+              <a:xfrm>
+                <a:off x="4171950" y="4373663"/>
+                <a:ext cx="4572000" cy="1267463"/>
+              </a:xfrm>
+              <a:prstGeom prst="rect">
+                <a:avLst/>
+              </a:prstGeom>
+              <a:blipFill>
+                <a:blip r:embed="rId7"/>
+                <a:stretch>
+                  <a:fillRect/>
+                </a:stretch>
+              </a:blipFill>
+            </p:spPr>
+            <p:txBody>
+              <a:bodyPr/>
+              <a:lstStyle/>
+              <a:p>
+                <a:r>
+                  <a:rPr lang="ja-JP" altLang="en-US">
+                    <a:noFill/>
+                  </a:rPr>
+                  <a:t> </a:t>
+                </a:r>
+              </a:p>
+            </p:txBody>
+          </p:sp>
+        </mc:Fallback>
+      </mc:AlternateContent>
+      <mc:AlternateContent xmlns:mc="http://schemas.openxmlformats.org/markup-compatibility/2006">
+        <mc:Choice xmlns:a14="http://schemas.microsoft.com/office/drawing/2010/main" Requires="a14">
+          <p:sp>
+            <p:nvSpPr>
+              <p:cNvPr id="22" name="テキスト ボックス 21">
+                <a:extLst>
+                  <a:ext uri="{FF2B5EF4-FFF2-40B4-BE49-F238E27FC236}">
+                    <a16:creationId xmlns:a16="http://schemas.microsoft.com/office/drawing/2014/main" id="{A1E05387-E53B-410B-8FE2-8DD47920D450}"/>
+                  </a:ext>
+                </a:extLst>
+              </p:cNvPr>
+              <p:cNvSpPr txBox="1"/>
+              <p:nvPr/>
+            </p:nvSpPr>
+            <p:spPr>
+              <a:xfrm>
+                <a:off x="5093290" y="5653152"/>
+                <a:ext cx="3227751" cy="769826"/>
+              </a:xfrm>
+              <a:prstGeom prst="rect">
+                <a:avLst/>
+              </a:prstGeom>
+              <a:noFill/>
+            </p:spPr>
+            <p:txBody>
+              <a:bodyPr wrap="square" rtlCol="0">
+                <a:spAutoFit/>
+              </a:bodyPr>
+              <a:lstStyle/>
+              <a:p>
+                <a:pPr>
+                  <a:lnSpc>
+                    <a:spcPts val="2800"/>
+                  </a:lnSpc>
+                </a:pPr>
+                <a:r>
+                  <a:rPr lang="ja-JP" altLang="en-US" dirty="0">
+                    <a:latin typeface="ＭＳ Ｐゴシック" panose="020B0600070205080204" pitchFamily="50" charset="-128"/>
+                    <a:ea typeface="ＭＳ Ｐゴシック" panose="020B0600070205080204" pitchFamily="50" charset="-128"/>
+                    <a:cs typeface="Arial" panose="020B0604020202020204" pitchFamily="34" charset="0"/>
+                  </a:rPr>
+                  <a:t>ここで </a:t>
+                </a:r>
+                <a14:m>
+                  <m:oMath xmlns:m="http://schemas.openxmlformats.org/officeDocument/2006/math">
+                    <m:sSub>
+                      <m:sSubPr>
+                        <m:ctrlPr>
+                          <a:rPr lang="en-US" altLang="ja-JP" b="1" i="1" dirty="0" smtClean="0">
+                            <a:latin typeface="Cambria Math" panose="02040503050406030204" pitchFamily="18" charset="0"/>
+                            <a:ea typeface="ＭＳ Ｐゴシック" panose="020B0600070205080204" pitchFamily="50" charset="-128"/>
+                            <a:cs typeface="Arial" panose="020B0604020202020204" pitchFamily="34" charset="0"/>
+                          </a:rPr>
+                        </m:ctrlPr>
+                      </m:sSubPr>
+                      <m:e>
+                        <m:r>
+                          <a:rPr lang="en-US" altLang="ja-JP" b="0" i="1" dirty="0" smtClean="0">
+                            <a:latin typeface="Cambria Math" panose="02040503050406030204" pitchFamily="18" charset="0"/>
+                            <a:ea typeface="ＭＳ Ｐゴシック" panose="020B0600070205080204" pitchFamily="50" charset="-128"/>
+                            <a:cs typeface="Arial" panose="020B0604020202020204" pitchFamily="34" charset="0"/>
+                          </a:rPr>
+                          <m:t>𝑓</m:t>
+                        </m:r>
+                      </m:e>
+                      <m:sub>
+                        <m:r>
+                          <a:rPr lang="en-US" altLang="ja-JP" b="1" i="1" dirty="0" smtClean="0">
+                            <a:latin typeface="Cambria Math" panose="02040503050406030204" pitchFamily="18" charset="0"/>
+                            <a:ea typeface="ＭＳ Ｐゴシック" panose="020B0600070205080204" pitchFamily="50" charset="-128"/>
+                            <a:cs typeface="Arial" panose="020B0604020202020204" pitchFamily="34" charset="0"/>
+                          </a:rPr>
+                          <m:t>𝒙</m:t>
+                        </m:r>
+                      </m:sub>
+                    </m:sSub>
+                  </m:oMath>
+                </a14:m>
+                <a:r>
+                  <a:rPr kumimoji="1" lang="ja-JP" altLang="en-US" dirty="0">
+                    <a:latin typeface="ＭＳ Ｐゴシック" panose="020B0600070205080204" pitchFamily="50" charset="-128"/>
+                    <a:ea typeface="ＭＳ Ｐゴシック" panose="020B0600070205080204" pitchFamily="50" charset="-128"/>
+                    <a:cs typeface="Arial" panose="020B0604020202020204" pitchFamily="34" charset="0"/>
+                  </a:rPr>
+                  <a:t> と </a:t>
+                </a:r>
+                <a14:m>
+                  <m:oMath xmlns:m="http://schemas.openxmlformats.org/officeDocument/2006/math">
+                    <m:sSub>
+                      <m:sSubPr>
+                        <m:ctrlPr>
+                          <a:rPr lang="en-US" altLang="ja-JP" b="1" i="1" dirty="0">
+                            <a:latin typeface="Cambria Math" panose="02040503050406030204" pitchFamily="18" charset="0"/>
+                            <a:ea typeface="ＭＳ Ｐゴシック" panose="020B0600070205080204" pitchFamily="50" charset="-128"/>
+                            <a:cs typeface="Arial" panose="020B0604020202020204" pitchFamily="34" charset="0"/>
+                          </a:rPr>
+                        </m:ctrlPr>
+                      </m:sSubPr>
+                      <m:e>
+                        <m:r>
+                          <a:rPr lang="en-US" altLang="ja-JP" b="0" i="1" dirty="0" smtClean="0">
+                            <a:latin typeface="Cambria Math" panose="02040503050406030204" pitchFamily="18" charset="0"/>
+                            <a:ea typeface="ＭＳ Ｐゴシック" panose="020B0600070205080204" pitchFamily="50" charset="-128"/>
+                            <a:cs typeface="Arial" panose="020B0604020202020204" pitchFamily="34" charset="0"/>
+                          </a:rPr>
+                          <m:t>𝑓</m:t>
+                        </m:r>
+                      </m:e>
+                      <m:sub>
+                        <m:r>
+                          <a:rPr lang="en-US" altLang="ja-JP" b="1" i="1" dirty="0" smtClean="0">
+                            <a:latin typeface="Cambria Math" panose="02040503050406030204" pitchFamily="18" charset="0"/>
+                            <a:ea typeface="ＭＳ Ｐゴシック" panose="020B0600070205080204" pitchFamily="50" charset="-128"/>
+                            <a:cs typeface="Arial" panose="020B0604020202020204" pitchFamily="34" charset="0"/>
+                          </a:rPr>
+                          <m:t>𝒚</m:t>
+                        </m:r>
+                      </m:sub>
+                    </m:sSub>
+                  </m:oMath>
+                </a14:m>
+                <a:r>
+                  <a:rPr lang="ja-JP" altLang="en-US" dirty="0">
+                    <a:latin typeface="ＭＳ Ｐゴシック" panose="020B0600070205080204" pitchFamily="50" charset="-128"/>
+                    <a:ea typeface="ＭＳ Ｐゴシック" panose="020B0600070205080204" pitchFamily="50" charset="-128"/>
+                    <a:cs typeface="Arial" panose="020B0604020202020204" pitchFamily="34" charset="0"/>
+                  </a:rPr>
+                  <a:t> はカメラの焦点距離を表し </a:t>
+                </a:r>
+                <a14:m>
+                  <m:oMath xmlns:m="http://schemas.openxmlformats.org/officeDocument/2006/math">
+                    <m:sSup>
+                      <m:sSupPr>
+                        <m:ctrlPr>
+                          <a:rPr lang="en-US" altLang="ja-JP" i="1" smtClean="0">
+                            <a:latin typeface="Cambria Math" panose="02040503050406030204" pitchFamily="18" charset="0"/>
+                            <a:ea typeface="ＭＳ Ｐゴシック" panose="020B0600070205080204" pitchFamily="50" charset="-128"/>
+                            <a:cs typeface="Arial" panose="020B0604020202020204" pitchFamily="34" charset="0"/>
+                          </a:rPr>
+                        </m:ctrlPr>
+                      </m:sSupPr>
+                      <m:e>
+                        <m:d>
+                          <m:dPr>
+                            <m:begChr m:val="["/>
+                            <m:endChr m:val="]"/>
+                            <m:ctrlPr>
+                              <a:rPr lang="en-US" altLang="ja-JP" i="1" smtClean="0">
+                                <a:latin typeface="Cambria Math" panose="02040503050406030204" pitchFamily="18" charset="0"/>
+                                <a:ea typeface="ＭＳ Ｐゴシック" panose="020B0600070205080204" pitchFamily="50" charset="-128"/>
+                                <a:cs typeface="Arial" panose="020B0604020202020204" pitchFamily="34" charset="0"/>
+                              </a:rPr>
+                            </m:ctrlPr>
+                          </m:dPr>
+                          <m:e>
+                            <m:m>
+                              <m:mPr>
+                                <m:mcs>
+                                  <m:mc>
+                                    <m:mcPr>
+                                      <m:count m:val="2"/>
+                                      <m:mcJc m:val="center"/>
+                                    </m:mcPr>
+                                  </m:mc>
+                                </m:mcs>
+                                <m:ctrlPr>
+                                  <a:rPr lang="en-US" altLang="ja-JP" i="1" smtClean="0">
+                                    <a:latin typeface="Cambria Math" panose="02040503050406030204" pitchFamily="18" charset="0"/>
+                                    <a:ea typeface="ＭＳ Ｐゴシック" panose="020B0600070205080204" pitchFamily="50" charset="-128"/>
+                                    <a:cs typeface="Arial" panose="020B0604020202020204" pitchFamily="34" charset="0"/>
+                                  </a:rPr>
+                                </m:ctrlPr>
+                              </m:mPr>
+                              <m:mr>
+                                <m:e>
+                                  <m:sSub>
+                                    <m:sSubPr>
+                                      <m:ctrlPr>
+                                        <a:rPr lang="en-US" altLang="ja-JP" i="1" smtClean="0">
+                                          <a:latin typeface="Cambria Math" panose="02040503050406030204" pitchFamily="18" charset="0"/>
+                                          <a:ea typeface="ＭＳ Ｐゴシック" panose="020B0600070205080204" pitchFamily="50" charset="-128"/>
+                                          <a:cs typeface="Arial" panose="020B0604020202020204" pitchFamily="34" charset="0"/>
+                                        </a:rPr>
+                                      </m:ctrlPr>
+                                    </m:sSubPr>
+                                    <m:e>
+                                      <m:r>
+                                        <a:rPr lang="en-US" altLang="ja-JP" b="0" i="1" smtClean="0">
+                                          <a:latin typeface="Cambria Math" panose="02040503050406030204" pitchFamily="18" charset="0"/>
+                                          <a:ea typeface="ＭＳ Ｐゴシック" panose="020B0600070205080204" pitchFamily="50" charset="-128"/>
+                                          <a:cs typeface="Arial" panose="020B0604020202020204" pitchFamily="34" charset="0"/>
+                                        </a:rPr>
+                                        <m:t>𝑝</m:t>
+                                      </m:r>
+                                    </m:e>
+                                    <m:sub>
+                                      <m:r>
+                                        <a:rPr lang="en-US" altLang="ja-JP" b="0" i="1" smtClean="0">
+                                          <a:latin typeface="Cambria Math" panose="02040503050406030204" pitchFamily="18" charset="0"/>
+                                          <a:ea typeface="ＭＳ Ｐゴシック" panose="020B0600070205080204" pitchFamily="50" charset="-128"/>
+                                          <a:cs typeface="Arial" panose="020B0604020202020204" pitchFamily="34" charset="0"/>
+                                        </a:rPr>
+                                        <m:t>𝑥</m:t>
+                                      </m:r>
+                                    </m:sub>
+                                  </m:sSub>
+                                </m:e>
+                                <m:e>
+                                  <m:sSub>
+                                    <m:sSubPr>
+                                      <m:ctrlPr>
+                                        <a:rPr lang="en-US" altLang="ja-JP" i="1" smtClean="0">
+                                          <a:latin typeface="Cambria Math" panose="02040503050406030204" pitchFamily="18" charset="0"/>
+                                          <a:ea typeface="ＭＳ Ｐゴシック" panose="020B0600070205080204" pitchFamily="50" charset="-128"/>
+                                          <a:cs typeface="Arial" panose="020B0604020202020204" pitchFamily="34" charset="0"/>
+                                        </a:rPr>
+                                      </m:ctrlPr>
+                                    </m:sSubPr>
+                                    <m:e>
+                                      <m:r>
+                                        <a:rPr lang="en-US" altLang="ja-JP" b="0" i="1" smtClean="0">
+                                          <a:latin typeface="Cambria Math" panose="02040503050406030204" pitchFamily="18" charset="0"/>
+                                          <a:ea typeface="ＭＳ Ｐゴシック" panose="020B0600070205080204" pitchFamily="50" charset="-128"/>
+                                          <a:cs typeface="Arial" panose="020B0604020202020204" pitchFamily="34" charset="0"/>
+                                        </a:rPr>
+                                        <m:t>𝑝</m:t>
+                                      </m:r>
+                                    </m:e>
+                                    <m:sub>
+                                      <m:r>
+                                        <a:rPr lang="en-US" altLang="ja-JP" b="0" i="1" smtClean="0">
+                                          <a:latin typeface="Cambria Math" panose="02040503050406030204" pitchFamily="18" charset="0"/>
+                                          <a:ea typeface="ＭＳ Ｐゴシック" panose="020B0600070205080204" pitchFamily="50" charset="-128"/>
+                                          <a:cs typeface="Arial" panose="020B0604020202020204" pitchFamily="34" charset="0"/>
+                                        </a:rPr>
+                                        <m:t>𝑦</m:t>
+                                      </m:r>
+                                    </m:sub>
+                                  </m:sSub>
+                                </m:e>
+                              </m:mr>
+                            </m:m>
+                          </m:e>
+                        </m:d>
+                      </m:e>
+                      <m:sup>
+                        <m:r>
+                          <a:rPr lang="en-US" altLang="ja-JP" b="0" i="1" smtClean="0">
+                            <a:latin typeface="Cambria Math" panose="02040503050406030204" pitchFamily="18" charset="0"/>
+                            <a:ea typeface="ＭＳ Ｐゴシック" panose="020B0600070205080204" pitchFamily="50" charset="-128"/>
+                            <a:cs typeface="Arial" panose="020B0604020202020204" pitchFamily="34" charset="0"/>
+                          </a:rPr>
+                          <m:t>𝑇</m:t>
+                        </m:r>
+                      </m:sup>
+                    </m:sSup>
+                  </m:oMath>
+                </a14:m>
+                <a:r>
+                  <a:rPr lang="ja-JP" altLang="en-US" dirty="0">
+                    <a:latin typeface="ＭＳ Ｐゴシック" panose="020B0600070205080204" pitchFamily="50" charset="-128"/>
+                    <a:ea typeface="ＭＳ Ｐゴシック" panose="020B0600070205080204" pitchFamily="50" charset="-128"/>
+                    <a:cs typeface="Arial" panose="020B0604020202020204" pitchFamily="34" charset="0"/>
+                  </a:rPr>
+                  <a:t>は主点</a:t>
+                </a:r>
+                <a:endParaRPr lang="en-US" altLang="ja-JP" dirty="0">
+                  <a:latin typeface="ＭＳ Ｐゴシック" panose="020B0600070205080204" pitchFamily="50" charset="-128"/>
+                  <a:ea typeface="ＭＳ Ｐゴシック" panose="020B0600070205080204" pitchFamily="50" charset="-128"/>
+                  <a:cs typeface="Arial" panose="020B0604020202020204" pitchFamily="34" charset="0"/>
+                </a:endParaRPr>
+              </a:p>
+            </p:txBody>
+          </p:sp>
+        </mc:Choice>
+        <mc:Fallback>
+          <p:sp>
+            <p:nvSpPr>
+              <p:cNvPr id="22" name="テキスト ボックス 21">
+                <a:extLst>
+                  <a:ext uri="{FF2B5EF4-FFF2-40B4-BE49-F238E27FC236}">
+                    <a16:creationId xmlns:a16="http://schemas.microsoft.com/office/drawing/2014/main" id="{A1E05387-E53B-410B-8FE2-8DD47920D450}"/>
+                  </a:ext>
+                </a:extLst>
+              </p:cNvPr>
+              <p:cNvSpPr txBox="1">
+                <a:spLocks noRot="1" noChangeAspect="1" noMove="1" noResize="1" noEditPoints="1" noAdjustHandles="1" noChangeArrowheads="1" noChangeShapeType="1" noTextEdit="1"/>
+              </p:cNvSpPr>
+              <p:nvPr/>
+            </p:nvSpPr>
+            <p:spPr>
+              <a:xfrm>
+                <a:off x="5093290" y="5653152"/>
+                <a:ext cx="3227751" cy="769826"/>
+              </a:xfrm>
+              <a:prstGeom prst="rect">
+                <a:avLst/>
+              </a:prstGeom>
+              <a:blipFill>
+                <a:blip r:embed="rId8"/>
+                <a:stretch>
+                  <a:fillRect l="-1701" t="-787" b="-9449"/>
+                </a:stretch>
+              </a:blipFill>
+            </p:spPr>
+            <p:txBody>
+              <a:bodyPr/>
+              <a:lstStyle/>
+              <a:p>
+                <a:r>
+                  <a:rPr lang="ja-JP" altLang="en-US">
+                    <a:noFill/>
+                  </a:rPr>
+                  <a:t> </a:t>
+                </a:r>
+              </a:p>
+            </p:txBody>
+          </p:sp>
+        </mc:Fallback>
+      </mc:AlternateContent>
+    </p:spTree>
+    <p:extLst>
+      <p:ext uri="{BB962C8B-B14F-4D97-AF65-F5344CB8AC3E}">
+        <p14:creationId xmlns:p14="http://schemas.microsoft.com/office/powerpoint/2010/main" val="392781662"/>
+      </p:ext>
+    </p:extLst>
+  </p:cSld>
+  <p:clrMapOvr>
+    <a:masterClrMapping/>
+  </p:clrMapOvr>
+</p:sld>
+</file>
+
+<file path=ppt/slides/slide4.xml><?xml version="1.0" encoding="utf-8"?>
+<p:sld xmlns:a="http://schemas.openxmlformats.org/drawingml/2006/main" xmlns:r="http://schemas.openxmlformats.org/officeDocument/2006/relationships" xmlns:p="http://schemas.openxmlformats.org/presentationml/2006/main">
+  <p:cSld>
+    <p:spTree>
+      <p:nvGrpSpPr>
+        <p:cNvPr id="1" name=""/>
+        <p:cNvGrpSpPr/>
+        <p:nvPr/>
+      </p:nvGrpSpPr>
+      <p:grpSpPr>
+        <a:xfrm>
+          <a:off x="0" y="0"/>
+          <a:ext cx="0" cy="0"/>
+          <a:chOff x="0" y="0"/>
+          <a:chExt cx="0" cy="0"/>
+        </a:xfrm>
+      </p:grpSpPr>
+      <p:sp>
+        <p:nvSpPr>
+          <p:cNvPr id="8" name="正方形/長方形 7">
+            <a:extLst>
+              <a:ext uri="{FF2B5EF4-FFF2-40B4-BE49-F238E27FC236}">
+                <a16:creationId xmlns:a16="http://schemas.microsoft.com/office/drawing/2014/main" id="{3F6BE45C-5147-43D1-B80D-03BAADEF3E72}"/>
+              </a:ext>
+            </a:extLst>
+          </p:cNvPr>
+          <p:cNvSpPr/>
+          <p:nvPr/>
+        </p:nvSpPr>
+        <p:spPr>
+          <a:xfrm>
+            <a:off x="1309402" y="-9306"/>
+            <a:ext cx="6540223" cy="436425"/>
+          </a:xfrm>
+          <a:prstGeom prst="rect">
+            <a:avLst/>
+          </a:prstGeom>
+        </p:spPr>
+        <p:style>
+          <a:lnRef idx="2">
+            <a:schemeClr val="accent1">
+              <a:shade val="50000"/>
+            </a:schemeClr>
+          </a:lnRef>
+          <a:fillRef idx="1">
+            <a:schemeClr val="accent1"/>
+          </a:fillRef>
+          <a:effectRef idx="0">
+            <a:schemeClr val="accent1"/>
+          </a:effectRef>
+          <a:fontRef idx="minor">
+            <a:schemeClr val="lt1"/>
+          </a:fontRef>
+        </p:style>
+        <p:txBody>
+          <a:bodyPr rtlCol="0" anchor="ctr"/>
+          <a:lstStyle/>
+          <a:p>
+            <a:pPr algn="ctr"/>
+            <a:r>
+              <a:rPr kumimoji="1" lang="en-US" altLang="ja-JP" sz="2800" b="1" dirty="0" err="1"/>
+              <a:t>PoseCNN</a:t>
+            </a:r>
+            <a:endParaRPr kumimoji="1" lang="ja-JP" altLang="en-US" sz="2800" b="1" dirty="0"/>
+          </a:p>
+        </p:txBody>
+      </p:sp>
+      <p:sp>
+        <p:nvSpPr>
+          <p:cNvPr id="6" name="スライド番号プレースホルダー 5"/>
+          <p:cNvSpPr>
+            <a:spLocks noGrp="1"/>
+          </p:cNvSpPr>
+          <p:nvPr>
+            <p:ph type="sldNum" sz="quarter" idx="12"/>
+          </p:nvPr>
+        </p:nvSpPr>
+        <p:spPr/>
+        <p:txBody>
+          <a:bodyPr/>
+          <a:lstStyle/>
+          <a:p>
+            <a:fld id="{8C9C3BA3-F2E4-4F2D-87E5-5154CA402B4F}" type="slidenum">
+              <a:rPr kumimoji="1" lang="ja-JP" altLang="en-US" sz="1050" smtClean="0">
+                <a:solidFill>
+                  <a:schemeClr val="tx1"/>
+                </a:solidFill>
+              </a:rPr>
+              <a:t>4</a:t>
             </a:fld>
             <a:endParaRPr kumimoji="1" lang="ja-JP" altLang="en-US" sz="1050" dirty="0">
               <a:solidFill>
@@ -5883,11 +7773,17 @@
           <a:lstStyle/>
           <a:p>
             <a:r>
-              <a:rPr kumimoji="1" lang="en-US" altLang="ja-JP" sz="2000" dirty="0"/>
+              <a:rPr kumimoji="1" lang="en-US" altLang="ja-JP" sz="2000" dirty="0">
+                <a:latin typeface="ＭＳ Ｐゴシック" panose="020B0600070205080204" pitchFamily="50" charset="-128"/>
+                <a:ea typeface="ＭＳ Ｐゴシック" panose="020B0600070205080204" pitchFamily="50" charset="-128"/>
+              </a:rPr>
               <a:t>Haugh </a:t>
             </a:r>
             <a:r>
-              <a:rPr kumimoji="1" lang="ja-JP" altLang="en-US" sz="2000" dirty="0"/>
+              <a:rPr kumimoji="1" lang="ja-JP" altLang="en-US" sz="2000" dirty="0">
+                <a:latin typeface="ＭＳ Ｐゴシック" panose="020B0600070205080204" pitchFamily="50" charset="-128"/>
+                <a:ea typeface="ＭＳ Ｐゴシック" panose="020B0600070205080204" pitchFamily="50" charset="-128"/>
+              </a:rPr>
               <a:t>変換を使用してオブジェクトの中心座標に投票</a:t>
             </a:r>
           </a:p>
@@ -5906,7 +7802,7 @@
 </p:sld>
 </file>
 
-<file path=ppt/slides/slide4.xml><?xml version="1.0" encoding="utf-8"?>
+<file path=ppt/slides/slide5.xml><?xml version="1.0" encoding="utf-8"?>
 <p:sld xmlns:a="http://schemas.openxmlformats.org/drawingml/2006/main" xmlns:r="http://schemas.openxmlformats.org/officeDocument/2006/relationships" xmlns:p="http://schemas.openxmlformats.org/presentationml/2006/main">
   <p:cSld>
     <p:spTree>
@@ -5998,7 +7894,7 @@
                   <a:schemeClr val="tx1"/>
                 </a:solidFill>
               </a:rPr>
-              <a:t>4</a:t>
+              <a:t>5</a:t>
             </a:fld>
             <a:endParaRPr kumimoji="1" lang="ja-JP" altLang="en-US" sz="1050" dirty="0">
               <a:solidFill>
@@ -6073,21 +7969,31 @@
           <a:lstStyle/>
           <a:p>
             <a:r>
-              <a:rPr lang="ja-JP" altLang="en-US" dirty="0"/>
+              <a:rPr lang="ja-JP" altLang="en-US" dirty="0">
+                <a:latin typeface="ＭＳ Ｐゴシック" panose="020B0600070205080204" pitchFamily="50" charset="-128"/>
+                <a:ea typeface="ＭＳ Ｐゴシック" panose="020B0600070205080204" pitchFamily="50" charset="-128"/>
+              </a:rPr>
               <a:t>点 </a:t>
             </a:r>
             <a:r>
               <a:rPr lang="en-US" altLang="ja-JP" b="1" i="1" dirty="0">
-                <a:latin typeface="Times New Roman" panose="02020603050405020304" pitchFamily="18" charset="0"/>
+                <a:latin typeface="ＭＳ Ｐゴシック" panose="020B0600070205080204" pitchFamily="50" charset="-128"/>
+                <a:ea typeface="ＭＳ Ｐゴシック" panose="020B0600070205080204" pitchFamily="50" charset="-128"/>
                 <a:cs typeface="Times New Roman" panose="02020603050405020304" pitchFamily="18" charset="0"/>
               </a:rPr>
               <a:t>r </a:t>
             </a:r>
             <a:r>
-              <a:rPr lang="ja-JP" altLang="en-US" dirty="0"/>
+              <a:rPr lang="ja-JP" altLang="en-US" dirty="0">
+                <a:latin typeface="ＭＳ Ｐゴシック" panose="020B0600070205080204" pitchFamily="50" charset="-128"/>
+                <a:ea typeface="ＭＳ Ｐゴシック" panose="020B0600070205080204" pitchFamily="50" charset="-128"/>
+              </a:rPr>
               <a:t>の座標</a:t>
             </a:r>
-            <a:endParaRPr kumimoji="1" lang="ja-JP" altLang="en-US" dirty="0"/>
+            <a:endParaRPr kumimoji="1" lang="ja-JP" altLang="en-US" dirty="0">
+              <a:latin typeface="ＭＳ Ｐゴシック" panose="020B0600070205080204" pitchFamily="50" charset="-128"/>
+              <a:ea typeface="ＭＳ Ｐゴシック" panose="020B0600070205080204" pitchFamily="50" charset="-128"/>
+            </a:endParaRPr>
           </a:p>
         </p:txBody>
       </p:sp>
@@ -6106,7 +8012,7 @@
         <p:spPr>
           <a:xfrm>
             <a:off x="4771577" y="1383010"/>
-            <a:ext cx="3584636" cy="369332"/>
+            <a:ext cx="3312125" cy="369332"/>
           </a:xfrm>
           <a:prstGeom prst="rect">
             <a:avLst/>
@@ -6120,33 +8026,44 @@
           <a:lstStyle/>
           <a:p>
             <a:r>
-              <a:rPr lang="ja-JP" altLang="en-US" dirty="0"/>
+              <a:rPr lang="ja-JP" altLang="en-US" dirty="0">
+                <a:latin typeface="ＭＳ Ｐゴシック" panose="020B0600070205080204" pitchFamily="50" charset="-128"/>
+                <a:ea typeface="ＭＳ Ｐゴシック" panose="020B0600070205080204" pitchFamily="50" charset="-128"/>
+              </a:rPr>
               <a:t>点 </a:t>
             </a:r>
             <a:r>
               <a:rPr lang="en-US" altLang="ja-JP" b="1" i="1" dirty="0">
-                <a:latin typeface="Times New Roman" panose="02020603050405020304" pitchFamily="18" charset="0"/>
+                <a:latin typeface="ＭＳ Ｐゴシック" panose="020B0600070205080204" pitchFamily="50" charset="-128"/>
+                <a:ea typeface="ＭＳ Ｐゴシック" panose="020B0600070205080204" pitchFamily="50" charset="-128"/>
                 <a:cs typeface="Times New Roman" panose="02020603050405020304" pitchFamily="18" charset="0"/>
               </a:rPr>
               <a:t>r </a:t>
             </a:r>
             <a:r>
-              <a:rPr lang="ja-JP" altLang="en-US" dirty="0"/>
+              <a:rPr lang="ja-JP" altLang="en-US" dirty="0">
+                <a:latin typeface="ＭＳ Ｐゴシック" panose="020B0600070205080204" pitchFamily="50" charset="-128"/>
+                <a:ea typeface="ＭＳ Ｐゴシック" panose="020B0600070205080204" pitchFamily="50" charset="-128"/>
+              </a:rPr>
               <a:t>と同じ向きの単位ベクトル</a:t>
             </a:r>
             <a:r>
               <a:rPr lang="en-US" altLang="ja-JP" b="1" i="1" dirty="0">
-                <a:latin typeface="Times New Roman" panose="02020603050405020304" pitchFamily="18" charset="0"/>
+                <a:latin typeface="ＭＳ Ｐゴシック" panose="020B0600070205080204" pitchFamily="50" charset="-128"/>
+                <a:ea typeface="ＭＳ Ｐゴシック" panose="020B0600070205080204" pitchFamily="50" charset="-128"/>
                 <a:cs typeface="Times New Roman" panose="02020603050405020304" pitchFamily="18" charset="0"/>
               </a:rPr>
               <a:t> n</a:t>
             </a:r>
-            <a:endParaRPr kumimoji="1" lang="ja-JP" altLang="en-US" dirty="0"/>
+            <a:endParaRPr kumimoji="1" lang="ja-JP" altLang="en-US" dirty="0">
+              <a:latin typeface="ＭＳ Ｐゴシック" panose="020B0600070205080204" pitchFamily="50" charset="-128"/>
+              <a:ea typeface="ＭＳ Ｐゴシック" panose="020B0600070205080204" pitchFamily="50" charset="-128"/>
+            </a:endParaRPr>
           </a:p>
         </p:txBody>
       </p:sp>
-      <mc:AlternateContent xmlns:mc="http://schemas.openxmlformats.org/markup-compatibility/2006" xmlns:a14="http://schemas.microsoft.com/office/drawing/2010/main">
-        <mc:Choice Requires="a14">
+      <mc:AlternateContent xmlns:mc="http://schemas.openxmlformats.org/markup-compatibility/2006">
+        <mc:Choice xmlns:a14="http://schemas.microsoft.com/office/drawing/2010/main" Requires="a14">
           <p:sp>
             <p:nvSpPr>
               <p:cNvPr id="10" name="テキスト ボックス 9">
@@ -6305,12 +8222,15 @@
                     </m:oMath>
                   </m:oMathPara>
                 </a14:m>
-                <a:endParaRPr kumimoji="1" lang="ja-JP" altLang="en-US" dirty="0"/>
+                <a:endParaRPr kumimoji="1" lang="ja-JP" altLang="en-US" dirty="0">
+                  <a:latin typeface="ＭＳ Ｐゴシック" panose="020B0600070205080204" pitchFamily="50" charset="-128"/>
+                  <a:ea typeface="ＭＳ Ｐゴシック" panose="020B0600070205080204" pitchFamily="50" charset="-128"/>
+                </a:endParaRPr>
               </a:p>
             </p:txBody>
           </p:sp>
         </mc:Choice>
-        <mc:Fallback xmlns="">
+        <mc:Fallback>
           <p:sp>
             <p:nvSpPr>
               <p:cNvPr id="10" name="テキスト ボックス 9">
@@ -6336,7 +8256,7 @@
               <a:blipFill>
                 <a:blip r:embed="rId4"/>
                 <a:stretch>
-                  <a:fillRect b="-26667"/>
+                  <a:fillRect b="-31111"/>
                 </a:stretch>
               </a:blipFill>
             </p:spPr>
@@ -6355,8 +8275,8 @@
           </p:sp>
         </mc:Fallback>
       </mc:AlternateContent>
-      <mc:AlternateContent xmlns:mc="http://schemas.openxmlformats.org/markup-compatibility/2006" xmlns:a14="http://schemas.microsoft.com/office/drawing/2010/main">
-        <mc:Choice Requires="a14">
+      <mc:AlternateContent xmlns:mc="http://schemas.openxmlformats.org/markup-compatibility/2006">
+        <mc:Choice xmlns:a14="http://schemas.microsoft.com/office/drawing/2010/main" Requires="a14">
           <p:sp>
             <p:nvSpPr>
               <p:cNvPr id="18" name="テキスト ボックス 17">
@@ -6509,12 +8429,15 @@
                     </m:oMath>
                   </m:oMathPara>
                 </a14:m>
-                <a:endParaRPr kumimoji="1" lang="ja-JP" altLang="en-US" dirty="0"/>
+                <a:endParaRPr kumimoji="1" lang="ja-JP" altLang="en-US" dirty="0">
+                  <a:latin typeface="ＭＳ Ｐゴシック" panose="020B0600070205080204" pitchFamily="50" charset="-128"/>
+                  <a:ea typeface="ＭＳ Ｐゴシック" panose="020B0600070205080204" pitchFamily="50" charset="-128"/>
+                </a:endParaRPr>
               </a:p>
             </p:txBody>
           </p:sp>
         </mc:Choice>
-        <mc:Fallback xmlns="">
+        <mc:Fallback>
           <p:sp>
             <p:nvSpPr>
               <p:cNvPr id="18" name="テキスト ボックス 17">
@@ -6540,7 +8463,7 @@
               <a:blipFill>
                 <a:blip r:embed="rId5"/>
                 <a:stretch>
-                  <a:fillRect l="-1278" b="-10870"/>
+                  <a:fillRect l="-1278" b="-15217"/>
                 </a:stretch>
               </a:blipFill>
             </p:spPr>
@@ -6588,30 +8511,43 @@
           <a:lstStyle/>
           <a:p>
             <a:r>
-              <a:rPr lang="ja-JP" altLang="en-US" dirty="0"/>
+              <a:rPr lang="ja-JP" altLang="en-US" dirty="0">
+                <a:latin typeface="ＭＳ Ｐゴシック" panose="020B0600070205080204" pitchFamily="50" charset="-128"/>
+                <a:ea typeface="ＭＳ Ｐゴシック" panose="020B0600070205080204" pitchFamily="50" charset="-128"/>
+              </a:rPr>
               <a:t>と直線</a:t>
             </a:r>
             <a:r>
-              <a:rPr lang="en-US" altLang="ja-JP" dirty="0"/>
+              <a:rPr lang="en-US" altLang="ja-JP" dirty="0">
+                <a:latin typeface="ＭＳ Ｐゴシック" panose="020B0600070205080204" pitchFamily="50" charset="-128"/>
+                <a:ea typeface="ＭＳ Ｐゴシック" panose="020B0600070205080204" pitchFamily="50" charset="-128"/>
+              </a:rPr>
               <a:t>L </a:t>
             </a:r>
             <a:r>
-              <a:rPr lang="ja-JP" altLang="en-US" dirty="0"/>
+              <a:rPr lang="ja-JP" altLang="en-US" dirty="0">
+                <a:latin typeface="ＭＳ Ｐゴシック" panose="020B0600070205080204" pitchFamily="50" charset="-128"/>
+                <a:ea typeface="ＭＳ Ｐゴシック" panose="020B0600070205080204" pitchFamily="50" charset="-128"/>
+              </a:rPr>
               <a:t>上の点</a:t>
             </a:r>
             <a:r>
               <a:rPr lang="en-US" altLang="ja-JP" b="1" i="1" dirty="0">
-                <a:latin typeface="Times New Roman" panose="02020603050405020304" pitchFamily="18" charset="0"/>
+                <a:latin typeface="ＭＳ Ｐゴシック" panose="020B0600070205080204" pitchFamily="50" charset="-128"/>
+                <a:ea typeface="ＭＳ Ｐゴシック" panose="020B0600070205080204" pitchFamily="50" charset="-128"/>
                 <a:cs typeface="Times New Roman" panose="02020603050405020304" pitchFamily="18" charset="0"/>
               </a:rPr>
               <a:t> P</a:t>
             </a:r>
-            <a:endParaRPr kumimoji="1" lang="ja-JP" altLang="en-US" dirty="0"/>
+            <a:endParaRPr kumimoji="1" lang="ja-JP" altLang="en-US" dirty="0">
+              <a:latin typeface="ＭＳ Ｐゴシック" panose="020B0600070205080204" pitchFamily="50" charset="-128"/>
+              <a:ea typeface="ＭＳ Ｐゴシック" panose="020B0600070205080204" pitchFamily="50" charset="-128"/>
+            </a:endParaRPr>
           </a:p>
         </p:txBody>
       </p:sp>
-      <mc:AlternateContent xmlns:mc="http://schemas.openxmlformats.org/markup-compatibility/2006" xmlns:a14="http://schemas.microsoft.com/office/drawing/2010/main">
-        <mc:Choice Requires="a14">
+      <mc:AlternateContent xmlns:mc="http://schemas.openxmlformats.org/markup-compatibility/2006">
+        <mc:Choice xmlns:a14="http://schemas.microsoft.com/office/drawing/2010/main" Requires="a14">
           <p:sp>
             <p:nvSpPr>
               <p:cNvPr id="22" name="テキスト ボックス 21">
@@ -6627,7 +8563,7 @@
             <p:spPr>
               <a:xfrm>
                 <a:off x="5331181" y="2755511"/>
-                <a:ext cx="1223348" cy="276999"/>
+                <a:ext cx="1238544" cy="276999"/>
               </a:xfrm>
               <a:prstGeom prst="rect">
                 <a:avLst/>
@@ -6713,12 +8649,15 @@
                     </m:oMath>
                   </m:oMathPara>
                 </a14:m>
-                <a:endParaRPr kumimoji="1" lang="ja-JP" altLang="en-US" dirty="0"/>
+                <a:endParaRPr kumimoji="1" lang="ja-JP" altLang="en-US" dirty="0">
+                  <a:latin typeface="ＭＳ Ｐゴシック" panose="020B0600070205080204" pitchFamily="50" charset="-128"/>
+                  <a:ea typeface="ＭＳ Ｐゴシック" panose="020B0600070205080204" pitchFamily="50" charset="-128"/>
+                </a:endParaRPr>
               </a:p>
             </p:txBody>
           </p:sp>
         </mc:Choice>
-        <mc:Fallback xmlns="">
+        <mc:Fallback>
           <p:sp>
             <p:nvSpPr>
               <p:cNvPr id="22" name="テキスト ボックス 21">
@@ -6736,7 +8675,7 @@
             <p:spPr>
               <a:xfrm>
                 <a:off x="5331181" y="2755511"/>
-                <a:ext cx="1223348" cy="276999"/>
+                <a:ext cx="1238544" cy="276999"/>
               </a:xfrm>
               <a:prstGeom prst="rect">
                 <a:avLst/>
@@ -6744,7 +8683,7 @@
               <a:blipFill>
                 <a:blip r:embed="rId6"/>
                 <a:stretch>
-                  <a:fillRect l="-4500" b="-13333"/>
+                  <a:fillRect l="-3448" b="-17778"/>
                 </a:stretch>
               </a:blipFill>
             </p:spPr>
@@ -6792,15 +8731,21 @@
           <a:lstStyle/>
           <a:p>
             <a:r>
-              <a:rPr lang="ja-JP" altLang="en-US" dirty="0"/>
+              <a:rPr lang="ja-JP" altLang="en-US" dirty="0">
+                <a:latin typeface="ＭＳ Ｐゴシック" panose="020B0600070205080204" pitchFamily="50" charset="-128"/>
+                <a:ea typeface="ＭＳ Ｐゴシック" panose="020B0600070205080204" pitchFamily="50" charset="-128"/>
+              </a:rPr>
               <a:t>の間には以下の関係が成り立つ</a:t>
             </a:r>
-            <a:endParaRPr kumimoji="1" lang="ja-JP" altLang="en-US" dirty="0"/>
+            <a:endParaRPr kumimoji="1" lang="ja-JP" altLang="en-US" dirty="0">
+              <a:latin typeface="ＭＳ Ｐゴシック" panose="020B0600070205080204" pitchFamily="50" charset="-128"/>
+              <a:ea typeface="ＭＳ Ｐゴシック" panose="020B0600070205080204" pitchFamily="50" charset="-128"/>
+            </a:endParaRPr>
           </a:p>
         </p:txBody>
       </p:sp>
-      <mc:AlternateContent xmlns:mc="http://schemas.openxmlformats.org/markup-compatibility/2006" xmlns:a14="http://schemas.microsoft.com/office/drawing/2010/main">
-        <mc:Choice Requires="a14">
+      <mc:AlternateContent xmlns:mc="http://schemas.openxmlformats.org/markup-compatibility/2006">
+        <mc:Choice xmlns:a14="http://schemas.microsoft.com/office/drawing/2010/main" Requires="a14">
           <p:sp>
             <p:nvSpPr>
               <p:cNvPr id="24" name="テキスト ボックス 23">
@@ -6816,7 +8761,7 @@
             <p:spPr>
               <a:xfrm>
                 <a:off x="5331181" y="3563452"/>
-                <a:ext cx="1543692" cy="276999"/>
+                <a:ext cx="1560555" cy="276999"/>
               </a:xfrm>
               <a:prstGeom prst="rect">
                 <a:avLst/>
@@ -6899,12 +8844,15 @@
                     </m:oMath>
                   </m:oMathPara>
                 </a14:m>
-                <a:endParaRPr kumimoji="1" lang="ja-JP" altLang="en-US" b="1" dirty="0"/>
+                <a:endParaRPr kumimoji="1" lang="ja-JP" altLang="en-US" b="1" dirty="0">
+                  <a:latin typeface="ＭＳ Ｐゴシック" panose="020B0600070205080204" pitchFamily="50" charset="-128"/>
+                  <a:ea typeface="ＭＳ Ｐゴシック" panose="020B0600070205080204" pitchFamily="50" charset="-128"/>
+                </a:endParaRPr>
               </a:p>
             </p:txBody>
           </p:sp>
         </mc:Choice>
-        <mc:Fallback xmlns="">
+        <mc:Fallback>
           <p:sp>
             <p:nvSpPr>
               <p:cNvPr id="24" name="テキスト ボックス 23">
@@ -6922,7 +8870,7 @@
             <p:spPr>
               <a:xfrm>
                 <a:off x="5331181" y="3563452"/>
-                <a:ext cx="1543692" cy="276999"/>
+                <a:ext cx="1560555" cy="276999"/>
               </a:xfrm>
               <a:prstGeom prst="rect">
                 <a:avLst/>
@@ -6930,7 +8878,7 @@
               <a:blipFill>
                 <a:blip r:embed="rId7"/>
                 <a:stretch>
-                  <a:fillRect l="-1581" r="-3162" b="-26667"/>
+                  <a:fillRect l="-1172" r="-2734" b="-31111"/>
                 </a:stretch>
               </a:blipFill>
             </p:spPr>
@@ -6964,7 +8912,7 @@
         <p:spPr>
           <a:xfrm>
             <a:off x="7695454" y="961021"/>
-            <a:ext cx="492443" cy="369332"/>
+            <a:ext cx="441146" cy="369332"/>
           </a:xfrm>
           <a:prstGeom prst="rect">
             <a:avLst/>
@@ -6978,10 +8926,16 @@
           <a:lstStyle/>
           <a:p>
             <a:r>
-              <a:rPr lang="en-US" altLang="ja-JP" dirty="0"/>
+              <a:rPr lang="en-US" altLang="ja-JP" dirty="0">
+                <a:latin typeface="ＭＳ Ｐゴシック" panose="020B0600070205080204" pitchFamily="50" charset="-128"/>
+                <a:ea typeface="ＭＳ Ｐゴシック" panose="020B0600070205080204" pitchFamily="50" charset="-128"/>
+              </a:rPr>
               <a:t>(1)</a:t>
             </a:r>
-            <a:endParaRPr kumimoji="1" lang="ja-JP" altLang="en-US" dirty="0"/>
+            <a:endParaRPr kumimoji="1" lang="ja-JP" altLang="en-US" dirty="0">
+              <a:latin typeface="ＭＳ Ｐゴシック" panose="020B0600070205080204" pitchFamily="50" charset="-128"/>
+              <a:ea typeface="ＭＳ Ｐゴシック" panose="020B0600070205080204" pitchFamily="50" charset="-128"/>
+            </a:endParaRPr>
           </a:p>
         </p:txBody>
       </p:sp>
@@ -7000,7 +8954,7 @@
         <p:spPr>
           <a:xfrm>
             <a:off x="7695453" y="1895855"/>
-            <a:ext cx="492443" cy="369332"/>
+            <a:ext cx="441146" cy="369332"/>
           </a:xfrm>
           <a:prstGeom prst="rect">
             <a:avLst/>
@@ -7014,10 +8968,16 @@
           <a:lstStyle/>
           <a:p>
             <a:r>
-              <a:rPr lang="en-US" altLang="ja-JP" dirty="0"/>
+              <a:rPr lang="en-US" altLang="ja-JP" dirty="0">
+                <a:latin typeface="ＭＳ Ｐゴシック" panose="020B0600070205080204" pitchFamily="50" charset="-128"/>
+                <a:ea typeface="ＭＳ Ｐゴシック" panose="020B0600070205080204" pitchFamily="50" charset="-128"/>
+              </a:rPr>
               <a:t>(2)</a:t>
             </a:r>
-            <a:endParaRPr kumimoji="1" lang="ja-JP" altLang="en-US" dirty="0"/>
+            <a:endParaRPr kumimoji="1" lang="ja-JP" altLang="en-US" dirty="0">
+              <a:latin typeface="ＭＳ Ｐゴシック" panose="020B0600070205080204" pitchFamily="50" charset="-128"/>
+              <a:ea typeface="ＭＳ Ｐゴシック" panose="020B0600070205080204" pitchFamily="50" charset="-128"/>
+            </a:endParaRPr>
           </a:p>
         </p:txBody>
       </p:sp>
@@ -7036,7 +8996,7 @@
         <p:spPr>
           <a:xfrm>
             <a:off x="7695054" y="2765848"/>
-            <a:ext cx="492443" cy="369332"/>
+            <a:ext cx="441146" cy="369332"/>
           </a:xfrm>
           <a:prstGeom prst="rect">
             <a:avLst/>
@@ -7050,10 +9010,16 @@
           <a:lstStyle/>
           <a:p>
             <a:r>
-              <a:rPr lang="en-US" altLang="ja-JP" dirty="0"/>
+              <a:rPr lang="en-US" altLang="ja-JP" dirty="0">
+                <a:latin typeface="ＭＳ Ｐゴシック" panose="020B0600070205080204" pitchFamily="50" charset="-128"/>
+                <a:ea typeface="ＭＳ Ｐゴシック" panose="020B0600070205080204" pitchFamily="50" charset="-128"/>
+              </a:rPr>
               <a:t>(3)</a:t>
             </a:r>
-            <a:endParaRPr kumimoji="1" lang="ja-JP" altLang="en-US" dirty="0"/>
+            <a:endParaRPr kumimoji="1" lang="ja-JP" altLang="en-US" dirty="0">
+              <a:latin typeface="ＭＳ Ｐゴシック" panose="020B0600070205080204" pitchFamily="50" charset="-128"/>
+              <a:ea typeface="ＭＳ Ｐゴシック" panose="020B0600070205080204" pitchFamily="50" charset="-128"/>
+            </a:endParaRPr>
           </a:p>
         </p:txBody>
       </p:sp>
@@ -7072,7 +9038,7 @@
         <p:spPr>
           <a:xfrm>
             <a:off x="7695054" y="3580209"/>
-            <a:ext cx="492443" cy="369332"/>
+            <a:ext cx="441146" cy="369332"/>
           </a:xfrm>
           <a:prstGeom prst="rect">
             <a:avLst/>
@@ -7086,10 +9052,16 @@
           <a:lstStyle/>
           <a:p>
             <a:r>
-              <a:rPr lang="en-US" altLang="ja-JP" dirty="0"/>
+              <a:rPr lang="en-US" altLang="ja-JP" dirty="0">
+                <a:latin typeface="ＭＳ Ｐゴシック" panose="020B0600070205080204" pitchFamily="50" charset="-128"/>
+                <a:ea typeface="ＭＳ Ｐゴシック" panose="020B0600070205080204" pitchFamily="50" charset="-128"/>
+              </a:rPr>
               <a:t>(4)</a:t>
             </a:r>
-            <a:endParaRPr kumimoji="1" lang="ja-JP" altLang="en-US" dirty="0"/>
+            <a:endParaRPr kumimoji="1" lang="ja-JP" altLang="en-US" dirty="0">
+              <a:latin typeface="ＭＳ Ｐゴシック" panose="020B0600070205080204" pitchFamily="50" charset="-128"/>
+              <a:ea typeface="ＭＳ Ｐゴシック" panose="020B0600070205080204" pitchFamily="50" charset="-128"/>
+            </a:endParaRPr>
           </a:p>
         </p:txBody>
       </p:sp>
@@ -7108,7 +9080,7 @@
         <p:spPr>
           <a:xfrm>
             <a:off x="302447" y="3979062"/>
-            <a:ext cx="3478837" cy="369332"/>
+            <a:ext cx="3129383" cy="369332"/>
           </a:xfrm>
           <a:prstGeom prst="rect">
             <a:avLst/>
@@ -7122,26 +9094,38 @@
           <a:lstStyle/>
           <a:p>
             <a:r>
-              <a:rPr kumimoji="1" lang="en-US" altLang="ja-JP" dirty="0"/>
+              <a:rPr kumimoji="1" lang="en-US" altLang="ja-JP" dirty="0">
+                <a:latin typeface="ＭＳ Ｐゴシック" panose="020B0600070205080204" pitchFamily="50" charset="-128"/>
+                <a:ea typeface="ＭＳ Ｐゴシック" panose="020B0600070205080204" pitchFamily="50" charset="-128"/>
+              </a:rPr>
               <a:t>(4) </a:t>
             </a:r>
             <a:r>
-              <a:rPr kumimoji="1" lang="ja-JP" altLang="en-US" dirty="0"/>
+              <a:rPr kumimoji="1" lang="ja-JP" altLang="en-US" dirty="0">
+                <a:latin typeface="ＭＳ Ｐゴシック" panose="020B0600070205080204" pitchFamily="50" charset="-128"/>
+                <a:ea typeface="ＭＳ Ｐゴシック" panose="020B0600070205080204" pitchFamily="50" charset="-128"/>
+              </a:rPr>
               <a:t>に </a:t>
             </a:r>
             <a:r>
-              <a:rPr kumimoji="1" lang="en-US" altLang="ja-JP" dirty="0"/>
+              <a:rPr kumimoji="1" lang="en-US" altLang="ja-JP" dirty="0">
+                <a:latin typeface="ＭＳ Ｐゴシック" panose="020B0600070205080204" pitchFamily="50" charset="-128"/>
+                <a:ea typeface="ＭＳ Ｐゴシック" panose="020B0600070205080204" pitchFamily="50" charset="-128"/>
+              </a:rPr>
               <a:t>(1), (2), (3) </a:t>
             </a:r>
             <a:r>
-              <a:rPr kumimoji="1" lang="ja-JP" altLang="en-US" dirty="0"/>
+              <a:rPr kumimoji="1" lang="ja-JP" altLang="en-US" dirty="0">
+                <a:latin typeface="ＭＳ Ｐゴシック" panose="020B0600070205080204" pitchFamily="50" charset="-128"/>
+                <a:ea typeface="ＭＳ Ｐゴシック" panose="020B0600070205080204" pitchFamily="50" charset="-128"/>
+              </a:rPr>
               <a:t>を代入すると</a:t>
             </a:r>
           </a:p>
         </p:txBody>
       </p:sp>
-      <mc:AlternateContent xmlns:mc="http://schemas.openxmlformats.org/markup-compatibility/2006" xmlns:a14="http://schemas.microsoft.com/office/drawing/2010/main">
-        <mc:Choice Requires="a14">
+      <mc:AlternateContent xmlns:mc="http://schemas.openxmlformats.org/markup-compatibility/2006">
+        <mc:Choice xmlns:a14="http://schemas.microsoft.com/office/drawing/2010/main" Requires="a14">
           <p:sp>
             <p:nvSpPr>
               <p:cNvPr id="30" name="テキスト ボックス 29">
@@ -7486,7 +9470,10 @@
                     </m:oMath>
                   </m:oMathPara>
                 </a14:m>
-                <a:endParaRPr lang="en-US" altLang="ja-JP" dirty="0"/>
+                <a:endParaRPr lang="en-US" altLang="ja-JP" dirty="0">
+                  <a:latin typeface="ＭＳ Ｐゴシック" panose="020B0600070205080204" pitchFamily="50" charset="-128"/>
+                  <a:ea typeface="ＭＳ Ｐゴシック" panose="020B0600070205080204" pitchFamily="50" charset="-128"/>
+                </a:endParaRPr>
               </a:p>
               <a:p>
                 <a:pPr>
@@ -7702,7 +9689,10 @@
                     </m:oMath>
                   </m:oMathPara>
                 </a14:m>
-                <a:endParaRPr lang="en-US" altLang="ja-JP" b="0" dirty="0"/>
+                <a:endParaRPr lang="en-US" altLang="ja-JP" b="0" dirty="0">
+                  <a:latin typeface="ＭＳ Ｐゴシック" panose="020B0600070205080204" pitchFamily="50" charset="-128"/>
+                  <a:ea typeface="ＭＳ Ｐゴシック" panose="020B0600070205080204" pitchFamily="50" charset="-128"/>
+                </a:endParaRPr>
               </a:p>
               <a:p>
                 <a:pPr>
@@ -7891,7 +9881,10 @@
                     </m:oMath>
                   </m:oMathPara>
                 </a14:m>
-                <a:endParaRPr lang="en-US" altLang="ja-JP" dirty="0"/>
+                <a:endParaRPr lang="en-US" altLang="ja-JP" dirty="0">
+                  <a:latin typeface="ＭＳ Ｐゴシック" panose="020B0600070205080204" pitchFamily="50" charset="-128"/>
+                  <a:ea typeface="ＭＳ Ｐゴシック" panose="020B0600070205080204" pitchFamily="50" charset="-128"/>
+                </a:endParaRPr>
               </a:p>
               <a:p>
                 <a:pPr>
@@ -8085,7 +10078,10 @@
                     </m:oMath>
                   </m:oMathPara>
                 </a14:m>
-                <a:endParaRPr lang="en-US" altLang="ja-JP" b="0" dirty="0"/>
+                <a:endParaRPr lang="en-US" altLang="ja-JP" b="0" dirty="0">
+                  <a:latin typeface="ＭＳ Ｐゴシック" panose="020B0600070205080204" pitchFamily="50" charset="-128"/>
+                  <a:ea typeface="ＭＳ Ｐゴシック" panose="020B0600070205080204" pitchFamily="50" charset="-128"/>
+                </a:endParaRPr>
               </a:p>
               <a:p>
                 <a:pPr>
@@ -8200,12 +10196,15 @@
                     </m:oMath>
                   </m:oMathPara>
                 </a14:m>
-                <a:endParaRPr lang="en-US" altLang="ja-JP" dirty="0"/>
+                <a:endParaRPr lang="en-US" altLang="ja-JP" dirty="0">
+                  <a:latin typeface="ＭＳ Ｐゴシック" panose="020B0600070205080204" pitchFamily="50" charset="-128"/>
+                  <a:ea typeface="ＭＳ Ｐゴシック" panose="020B0600070205080204" pitchFamily="50" charset="-128"/>
+                </a:endParaRPr>
               </a:p>
             </p:txBody>
           </p:sp>
         </mc:Choice>
-        <mc:Fallback xmlns="">
+        <mc:Fallback>
           <p:sp>
             <p:nvSpPr>
               <p:cNvPr id="30" name="テキスト ボックス 29">
@@ -8231,7 +10230,7 @@
               <a:blipFill>
                 <a:blip r:embed="rId8"/>
                 <a:stretch>
-                  <a:fillRect b="-1701"/>
+                  <a:fillRect/>
                 </a:stretch>
               </a:blipFill>
             </p:spPr>
@@ -8250,8 +10249,8 @@
           </p:sp>
         </mc:Fallback>
       </mc:AlternateContent>
-      <mc:AlternateContent xmlns:mc="http://schemas.openxmlformats.org/markup-compatibility/2006" xmlns:a14="http://schemas.microsoft.com/office/drawing/2010/main">
-        <mc:Choice Requires="a14">
+      <mc:AlternateContent xmlns:mc="http://schemas.openxmlformats.org/markup-compatibility/2006">
+        <mc:Choice xmlns:a14="http://schemas.microsoft.com/office/drawing/2010/main" Requires="a14">
           <p:sp>
             <p:nvSpPr>
               <p:cNvPr id="31" name="テキスト ボックス 30">
@@ -8281,7 +10280,10 @@
               <a:lstStyle/>
               <a:p>
                 <a:r>
-                  <a:rPr kumimoji="1" lang="ja-JP" altLang="en-US" dirty="0"/>
+                  <a:rPr kumimoji="1" lang="ja-JP" altLang="en-US" dirty="0">
+                    <a:latin typeface="ＭＳ Ｐゴシック" panose="020B0600070205080204" pitchFamily="50" charset="-128"/>
+                    <a:ea typeface="ＭＳ Ｐゴシック" panose="020B0600070205080204" pitchFamily="50" charset="-128"/>
+                  </a:rPr>
                   <a:t>よって            </a:t>
                 </a:r>
                 <a14:m>
@@ -8374,12 +10376,15 @@
                     </m:r>
                   </m:oMath>
                 </a14:m>
-                <a:endParaRPr kumimoji="1" lang="ja-JP" altLang="en-US" dirty="0"/>
+                <a:endParaRPr kumimoji="1" lang="ja-JP" altLang="en-US" dirty="0">
+                  <a:latin typeface="ＭＳ Ｐゴシック" panose="020B0600070205080204" pitchFamily="50" charset="-128"/>
+                  <a:ea typeface="ＭＳ Ｐゴシック" panose="020B0600070205080204" pitchFamily="50" charset="-128"/>
+                </a:endParaRPr>
               </a:p>
             </p:txBody>
           </p:sp>
         </mc:Choice>
-        <mc:Fallback xmlns="">
+        <mc:Fallback>
           <p:sp>
             <p:nvSpPr>
               <p:cNvPr id="31" name="テキスト ボックス 30">
@@ -8405,7 +10410,7 @@
               <a:blipFill>
                 <a:blip r:embed="rId9"/>
                 <a:stretch>
-                  <a:fillRect l="-1490" t="-8197" b="-26230"/>
+                  <a:fillRect l="-1490" t="-13115" b="-21311"/>
                 </a:stretch>
               </a:blipFill>
             </p:spPr>
@@ -8437,7 +10442,7 @@
 </p:sld>
 </file>
 
-<file path=ppt/slides/slide5.xml><?xml version="1.0" encoding="utf-8"?>
+<file path=ppt/slides/slide6.xml><?xml version="1.0" encoding="utf-8"?>
 <p:sld xmlns:a="http://schemas.openxmlformats.org/drawingml/2006/main" xmlns:r="http://schemas.openxmlformats.org/officeDocument/2006/relationships" xmlns:p="http://schemas.openxmlformats.org/presentationml/2006/main">
   <p:cSld>
     <p:spTree>
@@ -8529,7 +10534,7 @@
                   <a:schemeClr val="tx1"/>
                 </a:solidFill>
               </a:rPr>
-              <a:t>5</a:t>
+              <a:t>6</a:t>
             </a:fld>
             <a:endParaRPr kumimoji="1" lang="ja-JP" altLang="en-US" sz="1050" dirty="0">
               <a:solidFill>
@@ -8568,7 +10573,10 @@
           <a:lstStyle/>
           <a:p>
             <a:r>
-              <a:rPr kumimoji="1" lang="ja-JP" altLang="en-US" dirty="0"/>
+              <a:rPr kumimoji="1" lang="ja-JP" altLang="en-US" dirty="0">
+                <a:latin typeface="ＭＳ Ｐゴシック" panose="020B0600070205080204" pitchFamily="50" charset="-128"/>
+                <a:ea typeface="ＭＳ Ｐゴシック" panose="020B0600070205080204" pitchFamily="50" charset="-128"/>
+              </a:rPr>
               <a:t>検出対象</a:t>
             </a:r>
           </a:p>
@@ -8736,7 +10744,10 @@
                     </m:oMath>
                   </m:oMathPara>
                 </a14:m>
-                <a:endParaRPr lang="ja-JP" altLang="en-US" dirty="0"/>
+                <a:endParaRPr lang="ja-JP" altLang="en-US" dirty="0">
+                  <a:latin typeface="ＭＳ Ｐゴシック" panose="020B0600070205080204" pitchFamily="50" charset="-128"/>
+                  <a:ea typeface="ＭＳ Ｐゴシック" panose="020B0600070205080204" pitchFamily="50" charset="-128"/>
+                </a:endParaRPr>
               </a:p>
             </p:txBody>
           </p:sp>
@@ -8767,7 +10778,7 @@
               <a:blipFill>
                 <a:blip r:embed="rId4"/>
                 <a:stretch>
-                  <a:fillRect b="-6557"/>
+                  <a:fillRect b="-9836"/>
                 </a:stretch>
               </a:blipFill>
             </p:spPr>
@@ -8835,7 +10846,7 @@
 </p:sld>
 </file>
 
-<file path=ppt/slides/slide6.xml><?xml version="1.0" encoding="utf-8"?>
+<file path=ppt/slides/slide7.xml><?xml version="1.0" encoding="utf-8"?>
 <p:sld xmlns:a="http://schemas.openxmlformats.org/drawingml/2006/main" xmlns:r="http://schemas.openxmlformats.org/officeDocument/2006/relationships" xmlns:p="http://schemas.openxmlformats.org/presentationml/2006/main">
   <p:cSld>
     <p:spTree>
@@ -8895,18 +10906,55 @@
           <a:p>
             <a:pPr algn="ctr"/>
             <a:r>
-              <a:rPr lang="ja-JP" altLang="en-US" sz="2800" b="1" dirty="0"/>
+              <a:rPr lang="ja-JP" altLang="en-US" sz="2800" b="1" dirty="0">
+                <a:solidFill>
+                  <a:schemeClr val="bg1"/>
+                </a:solidFill>
+                <a:hlinkClick r:id="rId3">
+                  <a:extLst>
+                    <a:ext uri="{A12FA001-AC4F-418D-AE19-62706E023703}">
+                      <ahyp:hlinkClr xmlns:ahyp="http://schemas.microsoft.com/office/drawing/2018/hyperlinkcolor" val="tx"/>
+                    </a:ext>
+                  </a:extLst>
+                </a:hlinkClick>
+              </a:rPr>
               <a:t>逆</a:t>
             </a:r>
             <a:r>
-              <a:rPr lang="en-US" altLang="ja-JP" sz="2800" b="1" dirty="0"/>
+              <a:rPr lang="en-US" altLang="ja-JP" sz="2800" b="1" dirty="0">
+                <a:solidFill>
+                  <a:schemeClr val="bg1"/>
+                </a:solidFill>
+                <a:hlinkClick r:id="rId3">
+                  <a:extLst>
+                    <a:ext uri="{A12FA001-AC4F-418D-AE19-62706E023703}">
+                      <ahyp:hlinkClr xmlns:ahyp="http://schemas.microsoft.com/office/drawing/2018/hyperlinkcolor" val="tx"/>
+                    </a:ext>
+                  </a:extLst>
+                </a:hlinkClick>
+              </a:rPr>
               <a:t> Hough </a:t>
             </a:r>
             <a:r>
-              <a:rPr lang="ja-JP" altLang="en-US" sz="2800" b="1" dirty="0"/>
+              <a:rPr lang="ja-JP" altLang="en-US" sz="2800" b="1" dirty="0">
+                <a:solidFill>
+                  <a:schemeClr val="bg1"/>
+                </a:solidFill>
+                <a:hlinkClick r:id="rId3">
+                  <a:extLst>
+                    <a:ext uri="{A12FA001-AC4F-418D-AE19-62706E023703}">
+                      <ahyp:hlinkClr xmlns:ahyp="http://schemas.microsoft.com/office/drawing/2018/hyperlinkcolor" val="tx"/>
+                    </a:ext>
+                  </a:extLst>
+                </a:hlinkClick>
+              </a:rPr>
               <a:t>変換</a:t>
             </a:r>
-            <a:endParaRPr kumimoji="1" lang="ja-JP" altLang="en-US" sz="2800" b="1" dirty="0"/>
+            <a:endParaRPr kumimoji="1" lang="ja-JP" altLang="en-US" sz="2800" b="1" dirty="0">
+              <a:solidFill>
+                <a:schemeClr val="bg1"/>
+              </a:solidFill>
+            </a:endParaRPr>
           </a:p>
         </p:txBody>
       </p:sp>
@@ -8931,7 +10979,7 @@
                   <a:schemeClr val="tx1"/>
                 </a:solidFill>
               </a:rPr>
-              <a:t>6</a:t>
+              <a:t>7</a:t>
             </a:fld>
             <a:endParaRPr kumimoji="1" lang="ja-JP" altLang="en-US" sz="1050" dirty="0">
               <a:solidFill>
@@ -8979,14 +11027,23 @@
                   <a:buAutoNum type="arabicPeriod"/>
                 </a:pPr>
                 <a:r>
-                  <a:rPr kumimoji="1" lang="ja-JP" altLang="en-US" dirty="0"/>
+                  <a:rPr kumimoji="1" lang="ja-JP" altLang="en-US" dirty="0">
+                    <a:latin typeface="ＭＳ Ｐゴシック" panose="020B0600070205080204" pitchFamily="50" charset="-128"/>
+                    <a:ea typeface="ＭＳ Ｐゴシック" panose="020B0600070205080204" pitchFamily="50" charset="-128"/>
+                  </a:rPr>
                   <a:t>得られたサインカーブのうち，</a:t>
                 </a:r>
                 <a:r>
-                  <a:rPr lang="ja-JP" altLang="en-US" dirty="0"/>
+                  <a:rPr lang="ja-JP" altLang="en-US" dirty="0">
+                    <a:latin typeface="ＭＳ Ｐゴシック" panose="020B0600070205080204" pitchFamily="50" charset="-128"/>
+                    <a:ea typeface="ＭＳ Ｐゴシック" panose="020B0600070205080204" pitchFamily="50" charset="-128"/>
+                  </a:rPr>
                   <a:t>閾値以上の点数が重なった交点を求める</a:t>
                 </a:r>
-                <a:endParaRPr lang="en-US" altLang="ja-JP" dirty="0"/>
+                <a:endParaRPr lang="en-US" altLang="ja-JP" dirty="0">
+                  <a:latin typeface="ＭＳ Ｐゴシック" panose="020B0600070205080204" pitchFamily="50" charset="-128"/>
+                  <a:ea typeface="ＭＳ Ｐゴシック" panose="020B0600070205080204" pitchFamily="50" charset="-128"/>
+                </a:endParaRPr>
               </a:p>
               <a:p>
                 <a:pPr marL="342900" indent="-342900">
@@ -8997,11 +11054,17 @@
                   <a:buAutoNum type="arabicPeriod"/>
                 </a:pPr>
                 <a:r>
-                  <a:rPr lang="en-US" altLang="ja-JP" dirty="0"/>
+                  <a:rPr lang="en-US" altLang="ja-JP" dirty="0">
+                    <a:latin typeface="ＭＳ Ｐゴシック" panose="020B0600070205080204" pitchFamily="50" charset="-128"/>
+                    <a:ea typeface="ＭＳ Ｐゴシック" panose="020B0600070205080204" pitchFamily="50" charset="-128"/>
+                  </a:rPr>
                   <a:t>Voting</a:t>
                 </a:r>
                 <a:r>
-                  <a:rPr lang="ja-JP" altLang="en-US" dirty="0"/>
+                  <a:rPr lang="ja-JP" altLang="en-US" dirty="0">
+                    <a:latin typeface="ＭＳ Ｐゴシック" panose="020B0600070205080204" pitchFamily="50" charset="-128"/>
+                    <a:ea typeface="ＭＳ Ｐゴシック" panose="020B0600070205080204" pitchFamily="50" charset="-128"/>
+                  </a:rPr>
                   <a:t> から得られる</a:t>
                 </a:r>
                 <a14:m>
@@ -9027,22 +11090,37 @@
                   </m:oMath>
                 </a14:m>
                 <a:r>
-                  <a:rPr lang="en-US" altLang="ja-JP" dirty="0"/>
+                  <a:rPr lang="en-US" altLang="ja-JP" dirty="0">
+                    <a:latin typeface="ＭＳ Ｐゴシック" panose="020B0600070205080204" pitchFamily="50" charset="-128"/>
+                    <a:ea typeface="ＭＳ Ｐゴシック" panose="020B0600070205080204" pitchFamily="50" charset="-128"/>
+                  </a:rPr>
                   <a:t> </a:t>
                 </a:r>
                 <a:r>
-                  <a:rPr lang="ja-JP" altLang="en-US" dirty="0"/>
+                  <a:rPr lang="ja-JP" altLang="en-US" dirty="0">
+                    <a:latin typeface="ＭＳ Ｐゴシック" panose="020B0600070205080204" pitchFamily="50" charset="-128"/>
+                    <a:ea typeface="ＭＳ Ｐゴシック" panose="020B0600070205080204" pitchFamily="50" charset="-128"/>
+                  </a:rPr>
                   <a:t>について，</a:t>
                 </a:r>
                 <a:r>
-                  <a:rPr lang="en-US" altLang="ja-JP" dirty="0"/>
+                  <a:rPr lang="en-US" altLang="ja-JP" dirty="0">
+                    <a:latin typeface="ＭＳ Ｐゴシック" panose="020B0600070205080204" pitchFamily="50" charset="-128"/>
+                    <a:ea typeface="ＭＳ Ｐゴシック" panose="020B0600070205080204" pitchFamily="50" charset="-128"/>
+                  </a:rPr>
                   <a:t>x-y</a:t>
                 </a:r>
                 <a:r>
-                  <a:rPr lang="ja-JP" altLang="en-US" dirty="0"/>
+                  <a:rPr lang="ja-JP" altLang="en-US" dirty="0">
+                    <a:latin typeface="ＭＳ Ｐゴシック" panose="020B0600070205080204" pitchFamily="50" charset="-128"/>
+                    <a:ea typeface="ＭＳ Ｐゴシック" panose="020B0600070205080204" pitchFamily="50" charset="-128"/>
+                  </a:rPr>
                   <a:t>平面へ逆変換</a:t>
                 </a:r>
-                <a:endParaRPr lang="en-US" altLang="ja-JP" dirty="0"/>
+                <a:endParaRPr lang="en-US" altLang="ja-JP" dirty="0">
+                  <a:latin typeface="ＭＳ Ｐゴシック" panose="020B0600070205080204" pitchFamily="50" charset="-128"/>
+                  <a:ea typeface="ＭＳ Ｐゴシック" panose="020B0600070205080204" pitchFamily="50" charset="-128"/>
+                </a:endParaRPr>
               </a:p>
               <a:p>
                 <a:pPr>
@@ -9176,7 +11254,10 @@
                     </m:oMath>
                   </m:oMathPara>
                 </a14:m>
-                <a:endParaRPr lang="en-US" altLang="ja-JP" dirty="0"/>
+                <a:endParaRPr lang="en-US" altLang="ja-JP" dirty="0">
+                  <a:latin typeface="ＭＳ Ｐゴシック" panose="020B0600070205080204" pitchFamily="50" charset="-128"/>
+                  <a:ea typeface="ＭＳ Ｐゴシック" panose="020B0600070205080204" pitchFamily="50" charset="-128"/>
+                </a:endParaRPr>
               </a:p>
               <a:p>
                 <a:pPr>
@@ -9185,10 +11266,16 @@
                   </a:lnSpc>
                 </a:pPr>
                 <a:r>
-                  <a:rPr lang="ja-JP" altLang="en-US" dirty="0"/>
+                  <a:rPr lang="ja-JP" altLang="en-US" dirty="0">
+                    <a:latin typeface="ＭＳ Ｐゴシック" panose="020B0600070205080204" pitchFamily="50" charset="-128"/>
+                    <a:ea typeface="ＭＳ Ｐゴシック" panose="020B0600070205080204" pitchFamily="50" charset="-128"/>
+                  </a:rPr>
                   <a:t>または</a:t>
                 </a:r>
-                <a:endParaRPr lang="en-US" altLang="ja-JP" dirty="0"/>
+                <a:endParaRPr lang="en-US" altLang="ja-JP" dirty="0">
+                  <a:latin typeface="ＭＳ Ｐゴシック" panose="020B0600070205080204" pitchFamily="50" charset="-128"/>
+                  <a:ea typeface="ＭＳ Ｐゴシック" panose="020B0600070205080204" pitchFamily="50" charset="-128"/>
+                </a:endParaRPr>
               </a:p>
               <a:p>
                 <a:pPr>
@@ -9298,7 +11385,10 @@
                     </m:oMath>
                   </m:oMathPara>
                 </a14:m>
-                <a:endParaRPr lang="en-US" altLang="ja-JP" dirty="0"/>
+                <a:endParaRPr lang="en-US" altLang="ja-JP" dirty="0">
+                  <a:latin typeface="ＭＳ Ｐゴシック" panose="020B0600070205080204" pitchFamily="50" charset="-128"/>
+                  <a:ea typeface="ＭＳ Ｐゴシック" panose="020B0600070205080204" pitchFamily="50" charset="-128"/>
+                </a:endParaRPr>
               </a:p>
               <a:p>
                 <a:pPr>
@@ -9307,10 +11397,16 @@
                   </a:lnSpc>
                 </a:pPr>
                 <a:r>
-                  <a:rPr lang="ja-JP" altLang="en-US" dirty="0"/>
+                  <a:rPr lang="ja-JP" altLang="en-US" dirty="0">
+                    <a:latin typeface="ＭＳ Ｐゴシック" panose="020B0600070205080204" pitchFamily="50" charset="-128"/>
+                    <a:ea typeface="ＭＳ Ｐゴシック" panose="020B0600070205080204" pitchFamily="50" charset="-128"/>
+                  </a:rPr>
                   <a:t>このとき分母がゼロにならないように，２つの式を適当に使い分ける．</a:t>
                 </a:r>
-                <a:endParaRPr lang="en-US" altLang="ja-JP" dirty="0"/>
+                <a:endParaRPr lang="en-US" altLang="ja-JP" dirty="0">
+                  <a:latin typeface="ＭＳ Ｐゴシック" panose="020B0600070205080204" pitchFamily="50" charset="-128"/>
+                  <a:ea typeface="ＭＳ Ｐゴシック" panose="020B0600070205080204" pitchFamily="50" charset="-128"/>
+                </a:endParaRPr>
               </a:p>
               <a:p>
                 <a:pPr>
@@ -9318,7 +11414,10 @@
                     <a:spcPts val="2800"/>
                   </a:lnSpc>
                 </a:pPr>
-                <a:endParaRPr kumimoji="1" lang="en-US" altLang="ja-JP" dirty="0"/>
+                <a:endParaRPr kumimoji="1" lang="en-US" altLang="ja-JP" dirty="0">
+                  <a:latin typeface="ＭＳ Ｐゴシック" panose="020B0600070205080204" pitchFamily="50" charset="-128"/>
+                  <a:ea typeface="ＭＳ Ｐゴシック" panose="020B0600070205080204" pitchFamily="50" charset="-128"/>
+                </a:endParaRPr>
               </a:p>
               <a:p>
                 <a:pPr>
@@ -9327,14 +11426,23 @@
                   </a:lnSpc>
                 </a:pPr>
                 <a:r>
-                  <a:rPr kumimoji="1" lang="ja-JP" altLang="en-US" dirty="0"/>
+                  <a:rPr kumimoji="1" lang="ja-JP" altLang="en-US" dirty="0">
+                    <a:latin typeface="ＭＳ Ｐゴシック" panose="020B0600070205080204" pitchFamily="50" charset="-128"/>
+                    <a:ea typeface="ＭＳ Ｐゴシック" panose="020B0600070205080204" pitchFamily="50" charset="-128"/>
+                  </a:rPr>
                   <a:t>前者は，</a:t>
                 </a:r>
                 <a:r>
-                  <a:rPr lang="ja-JP" altLang="en-US" dirty="0"/>
+                  <a:rPr lang="ja-JP" altLang="en-US" dirty="0">
+                    <a:latin typeface="ＭＳ Ｐゴシック" panose="020B0600070205080204" pitchFamily="50" charset="-128"/>
+                    <a:ea typeface="ＭＳ Ｐゴシック" panose="020B0600070205080204" pitchFamily="50" charset="-128"/>
+                  </a:rPr>
                   <a:t>水平に近い直線抽出に最適</a:t>
                 </a:r>
-                <a:endParaRPr lang="en-US" altLang="ja-JP" dirty="0"/>
+                <a:endParaRPr lang="en-US" altLang="ja-JP" dirty="0">
+                  <a:latin typeface="ＭＳ Ｐゴシック" panose="020B0600070205080204" pitchFamily="50" charset="-128"/>
+                  <a:ea typeface="ＭＳ Ｐゴシック" panose="020B0600070205080204" pitchFamily="50" charset="-128"/>
+                </a:endParaRPr>
               </a:p>
               <a:p>
                 <a:pPr>
@@ -9343,10 +11451,16 @@
                   </a:lnSpc>
                 </a:pPr>
                 <a:r>
-                  <a:rPr lang="ja-JP" altLang="en-US" dirty="0"/>
+                  <a:rPr lang="ja-JP" altLang="en-US" dirty="0">
+                    <a:latin typeface="ＭＳ Ｐゴシック" panose="020B0600070205080204" pitchFamily="50" charset="-128"/>
+                    <a:ea typeface="ＭＳ Ｐゴシック" panose="020B0600070205080204" pitchFamily="50" charset="-128"/>
+                  </a:rPr>
                   <a:t>後者は，垂直に近い直線抽出に最適</a:t>
                 </a:r>
-                <a:endParaRPr kumimoji="1" lang="ja-JP" altLang="en-US" dirty="0"/>
+                <a:endParaRPr kumimoji="1" lang="ja-JP" altLang="en-US" dirty="0">
+                  <a:latin typeface="ＭＳ Ｐゴシック" panose="020B0600070205080204" pitchFamily="50" charset="-128"/>
+                  <a:ea typeface="ＭＳ Ｐゴシック" panose="020B0600070205080204" pitchFamily="50" charset="-128"/>
+                </a:endParaRPr>
               </a:p>
             </p:txBody>
           </p:sp>
@@ -9375,9 +11489,9 @@
                 <a:avLst/>
               </a:prstGeom>
               <a:blipFill>
-                <a:blip r:embed="rId3"/>
+                <a:blip r:embed="rId4"/>
                 <a:stretch>
-                  <a:fillRect l="-1412" r="-1130" b="-1253"/>
+                  <a:fillRect l="-1271" r="-141" b="-557"/>
                 </a:stretch>
               </a:blipFill>
             </p:spPr>
@@ -9411,7 +11525,7 @@
           <p:nvPr/>
         </p:nvPicPr>
         <p:blipFill>
-          <a:blip r:embed="rId4">
+          <a:blip r:embed="rId5">
             <a:extLst>
               <a:ext uri="{28A0092B-C50C-407E-A947-70E740481C1C}">
                 <a14:useLocalDpi xmlns:a14="http://schemas.microsoft.com/office/drawing/2010/main" val="0"/>
@@ -9499,7 +11613,7 @@
           <p:nvPr/>
         </p:nvPicPr>
         <p:blipFill>
-          <a:blip r:embed="rId5">
+          <a:blip r:embed="rId6">
             <a:extLst>
               <a:ext uri="{28A0092B-C50C-407E-A947-70E740481C1C}">
                 <a14:useLocalDpi xmlns:a14="http://schemas.microsoft.com/office/drawing/2010/main" val="0"/>
@@ -9533,7 +11647,7 @@
 </p:sld>
 </file>
 
-<file path=ppt/slides/slide7.xml><?xml version="1.0" encoding="utf-8"?>
+<file path=ppt/slides/slide8.xml><?xml version="1.0" encoding="utf-8"?>
 <p:sld xmlns:a="http://schemas.openxmlformats.org/drawingml/2006/main" xmlns:r="http://schemas.openxmlformats.org/officeDocument/2006/relationships" xmlns:p="http://schemas.openxmlformats.org/presentationml/2006/main">
   <p:cSld>
     <p:spTree>
@@ -9552,10 +11666,41 @@
       </p:grpSpPr>
       <p:sp>
         <p:nvSpPr>
-          <p:cNvPr id="8" name="正方形/長方形 7">
+          <p:cNvPr id="6" name="スライド番号プレースホルダー 5"/>
+          <p:cNvSpPr>
+            <a:spLocks noGrp="1"/>
+          </p:cNvSpPr>
+          <p:nvPr>
+            <p:ph type="sldNum" sz="quarter" idx="12"/>
+          </p:nvPr>
+        </p:nvSpPr>
+        <p:spPr/>
+        <p:txBody>
+          <a:bodyPr/>
+          <a:lstStyle/>
+          <a:p>
+            <a:fld id="{8C9C3BA3-F2E4-4F2D-87E5-5154CA402B4F}" type="slidenum">
+              <a:rPr kumimoji="1" lang="ja-JP" altLang="en-US" sz="1050" smtClean="0">
+                <a:solidFill>
+                  <a:schemeClr val="tx1"/>
+                </a:solidFill>
+              </a:rPr>
+              <a:t>8</a:t>
+            </a:fld>
+            <a:endParaRPr kumimoji="1" lang="ja-JP" altLang="en-US" sz="1050" dirty="0">
+              <a:solidFill>
+                <a:schemeClr val="tx1"/>
+              </a:solidFill>
+            </a:endParaRPr>
+          </a:p>
+        </p:txBody>
+      </p:sp>
+      <p:sp>
+        <p:nvSpPr>
+          <p:cNvPr id="9" name="正方形/長方形 8">
             <a:extLst>
               <a:ext uri="{FF2B5EF4-FFF2-40B4-BE49-F238E27FC236}">
-                <a16:creationId xmlns:a16="http://schemas.microsoft.com/office/drawing/2014/main" id="{3F6BE45C-5147-43D1-B80D-03BAADEF3E72}"/>
+                <a16:creationId xmlns:a16="http://schemas.microsoft.com/office/drawing/2014/main" id="{741664AA-C394-4B9C-B864-63590EEA7DD9}"/>
               </a:ext>
             </a:extLst>
           </p:cNvPr>
@@ -9564,7 +11709,7 @@
         </p:nvSpPr>
         <p:spPr>
           <a:xfrm>
-            <a:off x="1309402" y="-9306"/>
+            <a:off x="1301888" y="0"/>
             <a:ext cx="6540223" cy="436425"/>
           </a:xfrm>
           <a:prstGeom prst="rect">
@@ -9593,635 +11738,171 @@
           <a:p>
             <a:pPr algn="ctr"/>
             <a:r>
-              <a:rPr lang="ja-JP" altLang="en-US" sz="2800" b="1" dirty="0"/>
-              <a:t>逆</a:t>
-            </a:r>
-            <a:r>
-              <a:rPr lang="en-US" altLang="ja-JP" sz="2800" b="1" dirty="0"/>
-              <a:t> Hough </a:t>
-            </a:r>
-            <a:r>
-              <a:rPr lang="ja-JP" altLang="en-US" sz="2800" b="1" dirty="0"/>
-              <a:t>変換</a:t>
-            </a:r>
-            <a:endParaRPr kumimoji="1" lang="ja-JP" altLang="en-US" sz="2800" b="1" dirty="0"/>
+              <a:rPr lang="en-US" altLang="ja-JP" sz="2800" b="1" dirty="0">
+                <a:solidFill>
+                  <a:schemeClr val="bg1"/>
+                </a:solidFill>
+                <a:hlinkClick r:id="rId3">
+                  <a:extLst>
+                    <a:ext uri="{A12FA001-AC4F-418D-AE19-62706E023703}">
+                      <ahyp:hlinkClr xmlns:ahyp="http://schemas.microsoft.com/office/drawing/2018/hyperlinkcolor" val="tx"/>
+                    </a:ext>
+                  </a:extLst>
+                </a:hlinkClick>
+              </a:rPr>
+              <a:t>PnP</a:t>
+            </a:r>
+            <a:r>
+              <a:rPr lang="ja-JP" altLang="en-US" sz="2800" b="1" dirty="0">
+                <a:solidFill>
+                  <a:schemeClr val="bg1"/>
+                </a:solidFill>
+                <a:hlinkClick r:id="rId3">
+                  <a:extLst>
+                    <a:ext uri="{A12FA001-AC4F-418D-AE19-62706E023703}">
+                      <ahyp:hlinkClr xmlns:ahyp="http://schemas.microsoft.com/office/drawing/2018/hyperlinkcolor" val="tx"/>
+                    </a:ext>
+                  </a:extLst>
+                </a:hlinkClick>
+              </a:rPr>
+              <a:t>問題 </a:t>
+            </a:r>
+            <a:r>
+              <a:rPr lang="en-US" altLang="ja-JP" sz="2800" b="1" dirty="0">
+                <a:solidFill>
+                  <a:schemeClr val="bg1"/>
+                </a:solidFill>
+                <a:hlinkClick r:id="rId3">
+                  <a:extLst>
+                    <a:ext uri="{A12FA001-AC4F-418D-AE19-62706E023703}">
+                      <ahyp:hlinkClr xmlns:ahyp="http://schemas.microsoft.com/office/drawing/2018/hyperlinkcolor" val="tx"/>
+                    </a:ext>
+                  </a:extLst>
+                </a:hlinkClick>
+              </a:rPr>
+              <a:t>(</a:t>
+            </a:r>
+            <a:r>
+              <a:rPr lang="en-US" altLang="ja-JP" sz="2800" b="1" dirty="0" err="1">
+                <a:solidFill>
+                  <a:schemeClr val="bg1"/>
+                </a:solidFill>
+                <a:hlinkClick r:id="rId3">
+                  <a:extLst>
+                    <a:ext uri="{A12FA001-AC4F-418D-AE19-62706E023703}">
+                      <ahyp:hlinkClr xmlns:ahyp="http://schemas.microsoft.com/office/drawing/2018/hyperlinkcolor" val="tx"/>
+                    </a:ext>
+                  </a:extLst>
+                </a:hlinkClick>
+              </a:rPr>
+              <a:t>Prespective</a:t>
+            </a:r>
+            <a:r>
+              <a:rPr lang="en-US" altLang="ja-JP" sz="2800" b="1" dirty="0">
+                <a:solidFill>
+                  <a:schemeClr val="bg1"/>
+                </a:solidFill>
+                <a:hlinkClick r:id="rId3">
+                  <a:extLst>
+                    <a:ext uri="{A12FA001-AC4F-418D-AE19-62706E023703}">
+                      <ahyp:hlinkClr xmlns:ahyp="http://schemas.microsoft.com/office/drawing/2018/hyperlinkcolor" val="tx"/>
+                    </a:ext>
+                  </a:extLst>
+                </a:hlinkClick>
+              </a:rPr>
+              <a:t>-n-Points)</a:t>
+            </a:r>
+            <a:endParaRPr kumimoji="1" lang="ja-JP" altLang="en-US" sz="2800" b="1" dirty="0">
+              <a:solidFill>
+                <a:schemeClr val="bg1"/>
+              </a:solidFill>
+            </a:endParaRPr>
           </a:p>
         </p:txBody>
       </p:sp>
       <p:sp>
         <p:nvSpPr>
-          <p:cNvPr id="6" name="スライド番号プレースホルダー 5"/>
-          <p:cNvSpPr>
-            <a:spLocks noGrp="1"/>
-          </p:cNvSpPr>
-          <p:nvPr>
-            <p:ph type="sldNum" sz="quarter" idx="12"/>
-          </p:nvPr>
-        </p:nvSpPr>
-        <p:spPr/>
-        <p:txBody>
-          <a:bodyPr/>
-          <a:lstStyle/>
-          <a:p>
-            <a:fld id="{8C9C3BA3-F2E4-4F2D-87E5-5154CA402B4F}" type="slidenum">
-              <a:rPr kumimoji="1" lang="ja-JP" altLang="en-US" sz="1050" smtClean="0">
-                <a:solidFill>
-                  <a:schemeClr val="tx1"/>
-                </a:solidFill>
-              </a:rPr>
-              <a:t>7</a:t>
-            </a:fld>
-            <a:endParaRPr kumimoji="1" lang="ja-JP" altLang="en-US" sz="1050" dirty="0">
-              <a:solidFill>
-                <a:schemeClr val="tx1"/>
-              </a:solidFill>
-            </a:endParaRPr>
-          </a:p>
-        </p:txBody>
-      </p:sp>
-      <mc:AlternateContent xmlns:mc="http://schemas.openxmlformats.org/markup-compatibility/2006">
-        <mc:Choice xmlns:a14="http://schemas.microsoft.com/office/drawing/2010/main" Requires="a14">
-          <p:sp>
-            <p:nvSpPr>
-              <p:cNvPr id="29" name="テキスト ボックス 28">
-                <a:extLst>
-                  <a:ext uri="{FF2B5EF4-FFF2-40B4-BE49-F238E27FC236}">
-                    <a16:creationId xmlns:a16="http://schemas.microsoft.com/office/drawing/2014/main" id="{05E89086-F944-40A9-8077-21E5A80295F0}"/>
-                  </a:ext>
-                </a:extLst>
-              </p:cNvPr>
-              <p:cNvSpPr txBox="1"/>
-              <p:nvPr/>
-            </p:nvSpPr>
-            <p:spPr>
-              <a:xfrm>
-                <a:off x="89808" y="1203508"/>
-                <a:ext cx="4319866" cy="4376454"/>
-              </a:xfrm>
-              <a:prstGeom prst="rect">
-                <a:avLst/>
-              </a:prstGeom>
-              <a:noFill/>
-            </p:spPr>
-            <p:txBody>
-              <a:bodyPr wrap="square" rtlCol="0">
-                <a:spAutoFit/>
-              </a:bodyPr>
-              <a:lstStyle/>
-              <a:p>
-                <a:pPr marL="342900" indent="-342900">
-                  <a:lnSpc>
-                    <a:spcPts val="2800"/>
-                  </a:lnSpc>
-                  <a:buFont typeface="+mj-lt"/>
-                  <a:buAutoNum type="arabicPeriod"/>
-                </a:pPr>
-                <a:r>
-                  <a:rPr kumimoji="1" lang="ja-JP" altLang="en-US" dirty="0"/>
-                  <a:t>得られたサインカーブのうち，</a:t>
-                </a:r>
-                <a:r>
-                  <a:rPr lang="ja-JP" altLang="en-US" dirty="0"/>
-                  <a:t>閾値以上の点数が重なった交点を求める</a:t>
-                </a:r>
-                <a:endParaRPr lang="en-US" altLang="ja-JP" dirty="0"/>
-              </a:p>
-              <a:p>
-                <a:pPr marL="342900" indent="-342900">
-                  <a:lnSpc>
-                    <a:spcPts val="2800"/>
-                  </a:lnSpc>
-                  <a:buFont typeface="+mj-lt"/>
-                  <a:buAutoNum type="arabicPeriod"/>
-                </a:pPr>
-                <a:r>
-                  <a:rPr lang="en-US" altLang="ja-JP" dirty="0"/>
-                  <a:t>Voting</a:t>
-                </a:r>
-                <a:r>
-                  <a:rPr lang="ja-JP" altLang="en-US" dirty="0"/>
-                  <a:t> から得られる</a:t>
-                </a:r>
-                <a14:m>
-                  <m:oMath xmlns:m="http://schemas.openxmlformats.org/officeDocument/2006/math">
-                    <m:r>
-                      <a:rPr lang="en-US" altLang="ja-JP" i="1" dirty="0" smtClean="0">
-                        <a:latin typeface="Cambria Math" panose="02040503050406030204" pitchFamily="18" charset="0"/>
-                      </a:rPr>
-                      <m:t>𝜃</m:t>
-                    </m:r>
-                    <m:r>
-                      <a:rPr lang="en-US" altLang="ja-JP" b="0" i="1" dirty="0" smtClean="0">
-                        <a:latin typeface="Cambria Math" panose="02040503050406030204" pitchFamily="18" charset="0"/>
-                      </a:rPr>
-                      <m:t>, </m:t>
-                    </m:r>
-                    <m:r>
-                      <a:rPr lang="ja-JP" altLang="en-US" b="0" i="1" dirty="0" smtClean="0">
-                        <a:latin typeface="Cambria Math" panose="02040503050406030204" pitchFamily="18" charset="0"/>
-                      </a:rPr>
-                      <m:t>𝜌</m:t>
-                    </m:r>
-                  </m:oMath>
-                </a14:m>
-                <a:r>
-                  <a:rPr lang="en-US" altLang="ja-JP" dirty="0"/>
-                  <a:t> </a:t>
-                </a:r>
-                <a:r>
-                  <a:rPr lang="ja-JP" altLang="en-US" dirty="0"/>
-                  <a:t>について，</a:t>
-                </a:r>
-                <a:r>
-                  <a:rPr lang="en-US" altLang="ja-JP" dirty="0"/>
-                  <a:t>x-y</a:t>
-                </a:r>
-                <a:r>
-                  <a:rPr lang="ja-JP" altLang="en-US" dirty="0"/>
-                  <a:t>平面へ逆変換</a:t>
-                </a:r>
-                <a:endParaRPr lang="en-US" altLang="ja-JP" dirty="0"/>
-              </a:p>
-              <a:p>
-                <a:pPr>
-                  <a:lnSpc>
-                    <a:spcPts val="2800"/>
-                  </a:lnSpc>
-                </a:pPr>
-                <a14:m>
-                  <m:oMathPara xmlns:m="http://schemas.openxmlformats.org/officeDocument/2006/math">
-                    <m:oMathParaPr>
-                      <m:jc m:val="centerGroup"/>
-                    </m:oMathParaPr>
-                    <m:oMath xmlns:m="http://schemas.openxmlformats.org/officeDocument/2006/math">
-                      <m:r>
-                        <a:rPr lang="en-US" altLang="ja-JP" i="1" dirty="0" smtClean="0">
-                          <a:latin typeface="Cambria Math" panose="02040503050406030204" pitchFamily="18" charset="0"/>
-                        </a:rPr>
-                        <m:t>𝑦</m:t>
-                      </m:r>
-                      <m:r>
-                        <a:rPr lang="en-US" altLang="ja-JP" i="1" dirty="0">
-                          <a:latin typeface="Cambria Math" panose="02040503050406030204" pitchFamily="18" charset="0"/>
-                        </a:rPr>
-                        <m:t>=−(</m:t>
-                      </m:r>
-                      <m:r>
-                        <m:rPr>
-                          <m:sty m:val="p"/>
-                        </m:rPr>
-                        <a:rPr lang="en-US" altLang="ja-JP" i="1" dirty="0">
-                          <a:latin typeface="Cambria Math" panose="02040503050406030204" pitchFamily="18" charset="0"/>
-                        </a:rPr>
-                        <m:t>cos</m:t>
-                      </m:r>
-                      <m:r>
-                        <a:rPr lang="en-US" altLang="ja-JP" i="1" dirty="0">
-                          <a:latin typeface="Cambria Math" panose="02040503050406030204" pitchFamily="18" charset="0"/>
-                        </a:rPr>
-                        <m:t>⁡</m:t>
-                      </m:r>
-                      <m:r>
-                        <a:rPr lang="en-US" altLang="ja-JP" i="1" dirty="0">
-                          <a:latin typeface="Cambria Math" panose="02040503050406030204" pitchFamily="18" charset="0"/>
-                        </a:rPr>
-                        <m:t>𝜃</m:t>
-                      </m:r>
-                      <m:r>
-                        <a:rPr lang="en-US" altLang="ja-JP" i="1" dirty="0">
-                          <a:latin typeface="Cambria Math" panose="02040503050406030204" pitchFamily="18" charset="0"/>
-                        </a:rPr>
-                        <m:t>/</m:t>
-                      </m:r>
-                      <m:r>
-                        <m:rPr>
-                          <m:sty m:val="p"/>
-                        </m:rPr>
-                        <a:rPr lang="en-US" altLang="ja-JP" i="1" dirty="0">
-                          <a:latin typeface="Cambria Math" panose="02040503050406030204" pitchFamily="18" charset="0"/>
-                        </a:rPr>
-                        <m:t>sin</m:t>
-                      </m:r>
-                      <m:r>
-                        <a:rPr lang="en-US" altLang="ja-JP" i="1" dirty="0">
-                          <a:latin typeface="Cambria Math" panose="02040503050406030204" pitchFamily="18" charset="0"/>
-                        </a:rPr>
-                        <m:t>⁡</m:t>
-                      </m:r>
-                      <m:r>
-                        <a:rPr lang="en-US" altLang="ja-JP" i="1" dirty="0">
-                          <a:latin typeface="Cambria Math" panose="02040503050406030204" pitchFamily="18" charset="0"/>
-                        </a:rPr>
-                        <m:t>𝜃</m:t>
-                      </m:r>
-                      <m:r>
-                        <a:rPr lang="en-US" altLang="ja-JP" i="1" dirty="0">
-                          <a:latin typeface="Cambria Math" panose="02040503050406030204" pitchFamily="18" charset="0"/>
-                        </a:rPr>
-                        <m:t>)</m:t>
-                      </m:r>
-                      <m:r>
-                        <a:rPr lang="en-US" altLang="ja-JP" i="1" dirty="0">
-                          <a:latin typeface="Cambria Math" panose="02040503050406030204" pitchFamily="18" charset="0"/>
-                        </a:rPr>
-                        <m:t>𝑥</m:t>
-                      </m:r>
-                      <m:r>
-                        <a:rPr lang="en-US" altLang="ja-JP" i="1" dirty="0">
-                          <a:latin typeface="Cambria Math" panose="02040503050406030204" pitchFamily="18" charset="0"/>
-                        </a:rPr>
-                        <m:t> +(</m:t>
-                      </m:r>
-                      <m:r>
-                        <a:rPr lang="en-US" altLang="ja-JP" i="1" dirty="0">
-                          <a:latin typeface="Cambria Math" panose="02040503050406030204" pitchFamily="18" charset="0"/>
-                        </a:rPr>
-                        <m:t>𝜌</m:t>
-                      </m:r>
-                      <m:r>
-                        <a:rPr lang="en-US" altLang="ja-JP" i="1" dirty="0">
-                          <a:latin typeface="Cambria Math" panose="02040503050406030204" pitchFamily="18" charset="0"/>
-                        </a:rPr>
-                        <m:t>/</m:t>
-                      </m:r>
-                      <m:r>
-                        <m:rPr>
-                          <m:sty m:val="p"/>
-                        </m:rPr>
-                        <a:rPr lang="en-US" altLang="ja-JP" i="1" dirty="0">
-                          <a:latin typeface="Cambria Math" panose="02040503050406030204" pitchFamily="18" charset="0"/>
-                        </a:rPr>
-                        <m:t>sin</m:t>
-                      </m:r>
-                      <m:r>
-                        <a:rPr lang="en-US" altLang="ja-JP" i="1" dirty="0">
-                          <a:latin typeface="Cambria Math" panose="02040503050406030204" pitchFamily="18" charset="0"/>
-                        </a:rPr>
-                        <m:t>⁡</m:t>
-                      </m:r>
-                      <m:r>
-                        <a:rPr lang="en-US" altLang="ja-JP" i="1" dirty="0">
-                          <a:latin typeface="Cambria Math" panose="02040503050406030204" pitchFamily="18" charset="0"/>
-                        </a:rPr>
-                        <m:t>𝜃</m:t>
-                      </m:r>
-                      <m:r>
-                        <a:rPr lang="en-US" altLang="ja-JP" i="1" dirty="0">
-                          <a:latin typeface="Cambria Math" panose="02040503050406030204" pitchFamily="18" charset="0"/>
-                        </a:rPr>
-                        <m:t>) </m:t>
-                      </m:r>
-                    </m:oMath>
-                  </m:oMathPara>
-                </a14:m>
-                <a:endParaRPr lang="en-US" altLang="ja-JP" dirty="0"/>
-              </a:p>
-              <a:p>
-                <a:pPr>
-                  <a:lnSpc>
-                    <a:spcPts val="2800"/>
-                  </a:lnSpc>
-                </a:pPr>
-                <a:r>
-                  <a:rPr lang="ja-JP" altLang="en-US" dirty="0"/>
-                  <a:t>または</a:t>
-                </a:r>
-                <a:endParaRPr lang="en-US" altLang="ja-JP" dirty="0"/>
-              </a:p>
-              <a:p>
-                <a:pPr>
-                  <a:lnSpc>
-                    <a:spcPts val="2800"/>
-                  </a:lnSpc>
-                </a:pPr>
-                <a14:m>
-                  <m:oMathPara xmlns:m="http://schemas.openxmlformats.org/officeDocument/2006/math">
-                    <m:oMathParaPr>
-                      <m:jc m:val="centerGroup"/>
-                    </m:oMathParaPr>
-                    <m:oMath xmlns:m="http://schemas.openxmlformats.org/officeDocument/2006/math">
-                      <m:r>
-                        <a:rPr lang="en-US" altLang="ja-JP" i="1" dirty="0" smtClean="0">
-                          <a:latin typeface="Cambria Math" panose="02040503050406030204" pitchFamily="18" charset="0"/>
-                        </a:rPr>
-                        <m:t>𝑥</m:t>
-                      </m:r>
-                      <m:r>
-                        <a:rPr lang="en-US" altLang="ja-JP" i="1" dirty="0" smtClean="0">
-                          <a:latin typeface="Cambria Math" panose="02040503050406030204" pitchFamily="18" charset="0"/>
-                        </a:rPr>
-                        <m:t>=−</m:t>
-                      </m:r>
-                      <m:r>
-                        <a:rPr lang="en-US" altLang="ja-JP" i="1" dirty="0" smtClean="0">
-                          <a:latin typeface="Cambria Math" panose="02040503050406030204" pitchFamily="18" charset="0"/>
-                        </a:rPr>
-                        <m:t>𝑦</m:t>
-                      </m:r>
-                      <m:r>
-                        <a:rPr lang="en-US" altLang="ja-JP" i="1" dirty="0" smtClean="0">
-                          <a:latin typeface="Cambria Math" panose="02040503050406030204" pitchFamily="18" charset="0"/>
-                        </a:rPr>
-                        <m:t> </m:t>
-                      </m:r>
-                      <m:r>
-                        <m:rPr>
-                          <m:sty m:val="p"/>
-                        </m:rPr>
-                        <a:rPr lang="en-US" altLang="ja-JP" i="1" dirty="0" err="1">
-                          <a:latin typeface="Cambria Math" panose="02040503050406030204" pitchFamily="18" charset="0"/>
-                        </a:rPr>
-                        <m:t>sin</m:t>
-                      </m:r>
-                      <m:r>
-                        <a:rPr lang="en-US" altLang="ja-JP" i="1" dirty="0" err="1">
-                          <a:latin typeface="Cambria Math" panose="02040503050406030204" pitchFamily="18" charset="0"/>
-                        </a:rPr>
-                        <m:t>𝜃</m:t>
-                      </m:r>
-                      <m:r>
-                        <a:rPr lang="en-US" altLang="ja-JP" i="1" dirty="0">
-                          <a:latin typeface="Cambria Math" panose="02040503050406030204" pitchFamily="18" charset="0"/>
-                        </a:rPr>
-                        <m:t>/</m:t>
-                      </m:r>
-                      <m:r>
-                        <m:rPr>
-                          <m:sty m:val="p"/>
-                        </m:rPr>
-                        <a:rPr lang="en-US" altLang="ja-JP" i="1" dirty="0" err="1">
-                          <a:latin typeface="Cambria Math" panose="02040503050406030204" pitchFamily="18" charset="0"/>
-                        </a:rPr>
-                        <m:t>cos</m:t>
-                      </m:r>
-                      <m:r>
-                        <a:rPr lang="en-US" altLang="ja-JP" i="1" dirty="0" err="1">
-                          <a:latin typeface="Cambria Math" panose="02040503050406030204" pitchFamily="18" charset="0"/>
-                        </a:rPr>
-                        <m:t>𝜃</m:t>
-                      </m:r>
-                      <m:r>
-                        <a:rPr lang="en-US" altLang="ja-JP" i="1" dirty="0" err="1">
-                          <a:latin typeface="Cambria Math" panose="02040503050406030204" pitchFamily="18" charset="0"/>
-                        </a:rPr>
-                        <m:t>+</m:t>
-                      </m:r>
-                      <m:r>
-                        <a:rPr lang="en-US" altLang="ja-JP" i="1" dirty="0" err="1">
-                          <a:latin typeface="Cambria Math" panose="02040503050406030204" pitchFamily="18" charset="0"/>
-                        </a:rPr>
-                        <m:t>𝜌</m:t>
-                      </m:r>
-                      <m:r>
-                        <a:rPr lang="en-US" altLang="ja-JP" i="1" dirty="0">
-                          <a:latin typeface="Cambria Math" panose="02040503050406030204" pitchFamily="18" charset="0"/>
-                        </a:rPr>
-                        <m:t>/ </m:t>
-                      </m:r>
-                      <m:r>
-                        <m:rPr>
-                          <m:sty m:val="p"/>
-                        </m:rPr>
-                        <a:rPr lang="en-US" altLang="ja-JP" i="1" dirty="0" err="1">
-                          <a:latin typeface="Cambria Math" panose="02040503050406030204" pitchFamily="18" charset="0"/>
-                        </a:rPr>
-                        <m:t>cos</m:t>
-                      </m:r>
-                      <m:r>
-                        <a:rPr lang="en-US" altLang="ja-JP" i="1" dirty="0" err="1">
-                          <a:latin typeface="Cambria Math" panose="02040503050406030204" pitchFamily="18" charset="0"/>
-                        </a:rPr>
-                        <m:t>𝜃</m:t>
-                      </m:r>
-                    </m:oMath>
-                  </m:oMathPara>
-                </a14:m>
-                <a:endParaRPr lang="en-US" altLang="ja-JP" dirty="0"/>
-              </a:p>
-              <a:p>
-                <a:pPr>
-                  <a:lnSpc>
-                    <a:spcPts val="2800"/>
-                  </a:lnSpc>
-                </a:pPr>
-                <a:r>
-                  <a:rPr lang="ja-JP" altLang="en-US" dirty="0"/>
-                  <a:t>このとき分母がゼロにならないように，２つの式を適当に使い分ける．</a:t>
-                </a:r>
-                <a:endParaRPr lang="en-US" altLang="ja-JP" dirty="0"/>
-              </a:p>
-              <a:p>
-                <a:pPr>
-                  <a:lnSpc>
-                    <a:spcPts val="2800"/>
-                  </a:lnSpc>
-                </a:pPr>
-                <a:endParaRPr kumimoji="1" lang="en-US" altLang="ja-JP" dirty="0"/>
-              </a:p>
-              <a:p>
-                <a:pPr>
-                  <a:lnSpc>
-                    <a:spcPts val="2800"/>
-                  </a:lnSpc>
-                </a:pPr>
-                <a:r>
-                  <a:rPr kumimoji="1" lang="ja-JP" altLang="en-US" dirty="0"/>
-                  <a:t>前者は，</a:t>
-                </a:r>
-                <a:r>
-                  <a:rPr lang="ja-JP" altLang="en-US" dirty="0"/>
-                  <a:t>水平に近い直線抽出に最適</a:t>
-                </a:r>
-                <a:endParaRPr lang="en-US" altLang="ja-JP" dirty="0"/>
-              </a:p>
-              <a:p>
-                <a:pPr>
-                  <a:lnSpc>
-                    <a:spcPts val="2800"/>
-                  </a:lnSpc>
-                </a:pPr>
-                <a:r>
-                  <a:rPr lang="ja-JP" altLang="en-US" dirty="0"/>
-                  <a:t>後者は，垂直に近い直線抽出に最適</a:t>
-                </a:r>
-                <a:endParaRPr kumimoji="1" lang="ja-JP" altLang="en-US" dirty="0"/>
-              </a:p>
-            </p:txBody>
-          </p:sp>
-        </mc:Choice>
-        <mc:Fallback>
-          <p:sp>
-            <p:nvSpPr>
-              <p:cNvPr id="29" name="テキスト ボックス 28">
-                <a:extLst>
-                  <a:ext uri="{FF2B5EF4-FFF2-40B4-BE49-F238E27FC236}">
-                    <a16:creationId xmlns:a16="http://schemas.microsoft.com/office/drawing/2014/main" id="{05E89086-F944-40A9-8077-21E5A80295F0}"/>
-                  </a:ext>
-                </a:extLst>
-              </p:cNvPr>
-              <p:cNvSpPr txBox="1">
-                <a:spLocks noRot="1" noChangeAspect="1" noMove="1" noResize="1" noEditPoints="1" noAdjustHandles="1" noChangeArrowheads="1" noChangeShapeType="1" noTextEdit="1"/>
-              </p:cNvSpPr>
-              <p:nvPr/>
-            </p:nvSpPr>
-            <p:spPr>
-              <a:xfrm>
-                <a:off x="89808" y="1203508"/>
-                <a:ext cx="4319866" cy="4376454"/>
-              </a:xfrm>
-              <a:prstGeom prst="rect">
-                <a:avLst/>
-              </a:prstGeom>
-              <a:blipFill>
-                <a:blip r:embed="rId3"/>
-                <a:stretch>
-                  <a:fillRect l="-1412" r="-1130" b="-1253"/>
-                </a:stretch>
-              </a:blipFill>
-            </p:spPr>
-            <p:txBody>
-              <a:bodyPr/>
-              <a:lstStyle/>
-              <a:p>
-                <a:r>
-                  <a:rPr lang="ja-JP" altLang="en-US">
-                    <a:noFill/>
-                  </a:rPr>
-                  <a:t> </a:t>
-                </a:r>
-              </a:p>
-            </p:txBody>
-          </p:sp>
-        </mc:Fallback>
-      </mc:AlternateContent>
-      <p:pic>
-        <p:nvPicPr>
-          <p:cNvPr id="7" name="図 6" descr="グラフ, 棒グラフ&#10;&#10;自動的に生成された説明">
+          <p:cNvPr id="2" name="テキスト ボックス 1">
             <a:extLst>
               <a:ext uri="{FF2B5EF4-FFF2-40B4-BE49-F238E27FC236}">
-                <a16:creationId xmlns:a16="http://schemas.microsoft.com/office/drawing/2014/main" id="{8E6E7378-44B8-4194-AF05-C540D4016FDB}"/>
+                <a16:creationId xmlns:a16="http://schemas.microsoft.com/office/drawing/2014/main" id="{0882CC7D-85A6-4B6C-97C5-19E4B1E90F0A}"/>
               </a:ext>
             </a:extLst>
           </p:cNvPr>
-          <p:cNvPicPr>
-            <a:picLocks noChangeAspect="1"/>
-          </p:cNvPicPr>
+          <p:cNvSpPr txBox="1"/>
           <p:nvPr/>
-        </p:nvPicPr>
-        <p:blipFill>
-          <a:blip r:embed="rId4">
-            <a:extLst>
-              <a:ext uri="{28A0092B-C50C-407E-A947-70E740481C1C}">
-                <a14:useLocalDpi xmlns:a14="http://schemas.microsoft.com/office/drawing/2010/main" val="0"/>
-              </a:ext>
-            </a:extLst>
-          </a:blip>
-          <a:stretch>
-            <a:fillRect/>
-          </a:stretch>
-        </p:blipFill>
+        </p:nvSpPr>
         <p:spPr>
           <a:xfrm>
-            <a:off x="4409674" y="1142681"/>
-            <a:ext cx="2476846" cy="4572638"/>
+            <a:off x="739645" y="779443"/>
+            <a:ext cx="7863840" cy="1144801"/>
           </a:xfrm>
           <a:prstGeom prst="rect">
             <a:avLst/>
           </a:prstGeom>
+          <a:noFill/>
         </p:spPr>
-      </p:pic>
-      <p:sp>
-        <p:nvSpPr>
-          <p:cNvPr id="11" name="楕円 10">
-            <a:extLst>
-              <a:ext uri="{FF2B5EF4-FFF2-40B4-BE49-F238E27FC236}">
-                <a16:creationId xmlns:a16="http://schemas.microsoft.com/office/drawing/2014/main" id="{03B636E4-10F1-4171-A772-30CC47C0E875}"/>
-              </a:ext>
-            </a:extLst>
-          </p:cNvPr>
-          <p:cNvSpPr/>
-          <p:nvPr/>
-        </p:nvSpPr>
-        <p:spPr>
-          <a:xfrm rot="705541">
-            <a:off x="5714995" y="3262312"/>
-            <a:ext cx="180975" cy="333375"/>
-          </a:xfrm>
-          <a:prstGeom prst="ellipse">
-            <a:avLst/>
-          </a:prstGeom>
-          <a:noFill/>
-          <a:ln>
-            <a:solidFill>
-              <a:srgbClr val="FFFFFF"/>
-            </a:solidFill>
-          </a:ln>
-        </p:spPr>
-        <p:style>
-          <a:lnRef idx="2">
-            <a:schemeClr val="accent1">
-              <a:shade val="50000"/>
-            </a:schemeClr>
-          </a:lnRef>
-          <a:fillRef idx="1">
-            <a:schemeClr val="accent1"/>
-          </a:fillRef>
-          <a:effectRef idx="0">
-            <a:schemeClr val="accent1"/>
-          </a:effectRef>
-          <a:fontRef idx="minor">
-            <a:schemeClr val="lt1"/>
-          </a:fontRef>
-        </p:style>
         <p:txBody>
-          <a:bodyPr rtlCol="0" anchor="ctr"/>
+          <a:bodyPr wrap="square" rtlCol="0">
+            <a:spAutoFit/>
+          </a:bodyPr>
           <a:lstStyle/>
           <a:p>
-            <a:pPr algn="ctr"/>
-            <a:endParaRPr kumimoji="1" lang="ja-JP" altLang="en-US"/>
+            <a:pPr>
+              <a:lnSpc>
+                <a:spcPts val="2800"/>
+              </a:lnSpc>
+            </a:pPr>
+            <a:r>
+              <a:rPr lang="en-US" altLang="ja-JP" dirty="0">
+                <a:effectLst/>
+                <a:latin typeface="Times New Roman" panose="02020603050405020304" pitchFamily="18" charset="0"/>
+              </a:rPr>
+              <a:t>PnP</a:t>
+            </a:r>
+            <a:r>
+              <a:rPr lang="ja-JP" altLang="en-US" dirty="0">
+                <a:effectLst/>
+                <a:latin typeface="Courier New" panose="02070309020205020404" pitchFamily="49" charset="0"/>
+              </a:rPr>
+              <a:t>問題（</a:t>
+            </a:r>
+            <a:r>
+              <a:rPr lang="en-US" altLang="ja-JP" dirty="0">
+                <a:effectLst/>
+                <a:latin typeface="Times New Roman" panose="02020603050405020304" pitchFamily="18" charset="0"/>
+              </a:rPr>
+              <a:t>Perspective-n-Points Problem</a:t>
+            </a:r>
+            <a:r>
+              <a:rPr lang="ja-JP" altLang="en-US" dirty="0">
+                <a:effectLst/>
+                <a:latin typeface="Courier New" panose="02070309020205020404" pitchFamily="49" charset="0"/>
+              </a:rPr>
+              <a:t>）とは，ワールド座標系における</a:t>
+            </a:r>
+            <a:r>
+              <a:rPr lang="en-US" altLang="ja-JP" dirty="0">
+                <a:effectLst/>
+                <a:latin typeface="Arial" panose="020B0604020202020204" pitchFamily="34" charset="0"/>
+              </a:rPr>
+              <a:t>n</a:t>
+            </a:r>
+            <a:r>
+              <a:rPr lang="ja-JP" altLang="en-US" dirty="0">
+                <a:effectLst/>
+                <a:latin typeface="Courier New" panose="02070309020205020404" pitchFamily="49" charset="0"/>
+              </a:rPr>
+              <a:t>点の三次元座標とそれらの点が観測された画像座標から，校正済カメラの位置姿勢を推定する問題</a:t>
+            </a:r>
+            <a:endParaRPr kumimoji="1" lang="ja-JP" altLang="en-US" dirty="0"/>
           </a:p>
         </p:txBody>
       </p:sp>
-      <p:pic>
-        <p:nvPicPr>
-          <p:cNvPr id="13" name="図 12" descr="グラフ&#10;&#10;自動的に生成された説明">
-            <a:extLst>
-              <a:ext uri="{FF2B5EF4-FFF2-40B4-BE49-F238E27FC236}">
-                <a16:creationId xmlns:a16="http://schemas.microsoft.com/office/drawing/2014/main" id="{F13E8080-8B35-4457-A012-0668B8F6F6B6}"/>
-              </a:ext>
-            </a:extLst>
-          </p:cNvPr>
-          <p:cNvPicPr>
-            <a:picLocks noChangeAspect="1"/>
-          </p:cNvPicPr>
-          <p:nvPr/>
-        </p:nvPicPr>
-        <p:blipFill>
-          <a:blip r:embed="rId5">
-            <a:extLst>
-              <a:ext uri="{28A0092B-C50C-407E-A947-70E740481C1C}">
-                <a14:useLocalDpi xmlns:a14="http://schemas.microsoft.com/office/drawing/2010/main" val="0"/>
-              </a:ext>
-            </a:extLst>
-          </a:blip>
-          <a:stretch>
-            <a:fillRect/>
-          </a:stretch>
-        </p:blipFill>
-        <p:spPr>
-          <a:xfrm>
-            <a:off x="6482446" y="2487221"/>
-            <a:ext cx="2636981" cy="1883558"/>
-          </a:xfrm>
-          <a:prstGeom prst="rect">
-            <a:avLst/>
-          </a:prstGeom>
-        </p:spPr>
-      </p:pic>
     </p:spTree>
     <p:extLst>
       <p:ext uri="{BB962C8B-B14F-4D97-AF65-F5344CB8AC3E}">
-        <p14:creationId xmlns:p14="http://schemas.microsoft.com/office/powerpoint/2010/main" val="1647912635"/>
+        <p14:creationId xmlns:p14="http://schemas.microsoft.com/office/powerpoint/2010/main" val="785671558"/>
       </p:ext>
     </p:extLst>
   </p:cSld>

--- a/報告会_パワポ/20210511/2021_0511.pptx
+++ b/報告会_パワポ/20210511/2021_0511.pptx
@@ -1,31 +1,467 @@
 
 <file path=ppt/presentation.xml><?xml version="1.0" encoding="utf-8"?>
-<p:presentation xmlns:a="http://schemas.openxmlformats.org/drawingml/2006/main" xmlns:p="http://schemas.openxmlformats.org/presentationml/2006/main" xmlns:r="http://schemas.openxmlformats.org/officeDocument/2006/relationships" xmlns:p14="http://schemas.microsoft.com/office/powerpoint/2010/main" xmlns:p15="http://schemas.microsoft.com/office/powerpoint/2012/main" xmlns:mc="http://schemas.openxmlformats.org/markup-compatibility/2006">
+<p:presentation xmlns:a="http://schemas.openxmlformats.org/drawingml/2006/main" xmlns:r="http://schemas.openxmlformats.org/officeDocument/2006/relationships" xmlns:p="http://schemas.openxmlformats.org/presentationml/2006/main">
   <p:sldMasterIdLst>
-    <p:sldMasterId id="2147483648" r:id="rId2"/>
+    <p:sldMasterId id="2147483648" r:id="rId1"/>
   </p:sldMasterIdLst>
   <p:notesMasterIdLst>
-    <p:notesMasterId r:id="rId3"/>
+    <p:notesMasterId r:id="rId12"/>
   </p:notesMasterIdLst>
   <p:sldIdLst>
-    <p:sldId id="256" r:id="rId4"/>
-    <p:sldId id="257" r:id="rId5"/>
-    <p:sldId id="258" r:id="rId6"/>
-    <p:sldId id="259" r:id="rId7"/>
-    <p:sldId id="260" r:id="rId8"/>
-    <p:sldId id="261" r:id="rId9"/>
-    <p:sldId id="262" r:id="rId10"/>
-    <p:sldId id="263" r:id="rId11"/>
-    <p:sldId id="264" r:id="rId12"/>
-    <p:sldId id="265" r:id="rId13"/>
+    <p:sldId id="256" r:id="rId2"/>
+    <p:sldId id="257" r:id="rId3"/>
+    <p:sldId id="258" r:id="rId4"/>
+    <p:sldId id="259" r:id="rId5"/>
+    <p:sldId id="260" r:id="rId6"/>
+    <p:sldId id="261" r:id="rId7"/>
+    <p:sldId id="262" r:id="rId8"/>
+    <p:sldId id="263" r:id="rId9"/>
+    <p:sldId id="264" r:id="rId10"/>
+    <p:sldId id="265" r:id="rId11"/>
   </p:sldIdLst>
-  <p:sldSz cx="9144000" cy="6858000"/>
+  <p:sldSz cx="9144000" cy="6858000" type="screen4x3"/>
   <p:notesSz cx="6858000" cy="9144000"/>
+  <p:defaultTextStyle>
+    <a:defPPr>
+      <a:defRPr lang="ja-JP"/>
+    </a:defPPr>
+    <a:lvl1pPr marL="0" algn="l" defTabSz="914400" rtl="0" eaLnBrk="1" latinLnBrk="0" hangingPunct="1">
+      <a:defRPr kumimoji="1" sz="1800" kern="1200">
+        <a:solidFill>
+          <a:schemeClr val="tx1"/>
+        </a:solidFill>
+        <a:latin typeface="+mn-lt"/>
+        <a:ea typeface="+mn-ea"/>
+        <a:cs typeface="+mn-cs"/>
+      </a:defRPr>
+    </a:lvl1pPr>
+    <a:lvl2pPr marL="457200" algn="l" defTabSz="914400" rtl="0" eaLnBrk="1" latinLnBrk="0" hangingPunct="1">
+      <a:defRPr kumimoji="1" sz="1800" kern="1200">
+        <a:solidFill>
+          <a:schemeClr val="tx1"/>
+        </a:solidFill>
+        <a:latin typeface="+mn-lt"/>
+        <a:ea typeface="+mn-ea"/>
+        <a:cs typeface="+mn-cs"/>
+      </a:defRPr>
+    </a:lvl2pPr>
+    <a:lvl3pPr marL="914400" algn="l" defTabSz="914400" rtl="0" eaLnBrk="1" latinLnBrk="0" hangingPunct="1">
+      <a:defRPr kumimoji="1" sz="1800" kern="1200">
+        <a:solidFill>
+          <a:schemeClr val="tx1"/>
+        </a:solidFill>
+        <a:latin typeface="+mn-lt"/>
+        <a:ea typeface="+mn-ea"/>
+        <a:cs typeface="+mn-cs"/>
+      </a:defRPr>
+    </a:lvl3pPr>
+    <a:lvl4pPr marL="1371600" algn="l" defTabSz="914400" rtl="0" eaLnBrk="1" latinLnBrk="0" hangingPunct="1">
+      <a:defRPr kumimoji="1" sz="1800" kern="1200">
+        <a:solidFill>
+          <a:schemeClr val="tx1"/>
+        </a:solidFill>
+        <a:latin typeface="+mn-lt"/>
+        <a:ea typeface="+mn-ea"/>
+        <a:cs typeface="+mn-cs"/>
+      </a:defRPr>
+    </a:lvl4pPr>
+    <a:lvl5pPr marL="1828800" algn="l" defTabSz="914400" rtl="0" eaLnBrk="1" latinLnBrk="0" hangingPunct="1">
+      <a:defRPr kumimoji="1" sz="1800" kern="1200">
+        <a:solidFill>
+          <a:schemeClr val="tx1"/>
+        </a:solidFill>
+        <a:latin typeface="+mn-lt"/>
+        <a:ea typeface="+mn-ea"/>
+        <a:cs typeface="+mn-cs"/>
+      </a:defRPr>
+    </a:lvl5pPr>
+    <a:lvl6pPr marL="2286000" algn="l" defTabSz="914400" rtl="0" eaLnBrk="1" latinLnBrk="0" hangingPunct="1">
+      <a:defRPr kumimoji="1" sz="1800" kern="1200">
+        <a:solidFill>
+          <a:schemeClr val="tx1"/>
+        </a:solidFill>
+        <a:latin typeface="+mn-lt"/>
+        <a:ea typeface="+mn-ea"/>
+        <a:cs typeface="+mn-cs"/>
+      </a:defRPr>
+    </a:lvl6pPr>
+    <a:lvl7pPr marL="2743200" algn="l" defTabSz="914400" rtl="0" eaLnBrk="1" latinLnBrk="0" hangingPunct="1">
+      <a:defRPr kumimoji="1" sz="1800" kern="1200">
+        <a:solidFill>
+          <a:schemeClr val="tx1"/>
+        </a:solidFill>
+        <a:latin typeface="+mn-lt"/>
+        <a:ea typeface="+mn-ea"/>
+        <a:cs typeface="+mn-cs"/>
+      </a:defRPr>
+    </a:lvl7pPr>
+    <a:lvl8pPr marL="3200400" algn="l" defTabSz="914400" rtl="0" eaLnBrk="1" latinLnBrk="0" hangingPunct="1">
+      <a:defRPr kumimoji="1" sz="1800" kern="1200">
+        <a:solidFill>
+          <a:schemeClr val="tx1"/>
+        </a:solidFill>
+        <a:latin typeface="+mn-lt"/>
+        <a:ea typeface="+mn-ea"/>
+        <a:cs typeface="+mn-cs"/>
+      </a:defRPr>
+    </a:lvl8pPr>
+    <a:lvl9pPr marL="3657600" algn="l" defTabSz="914400" rtl="0" eaLnBrk="1" latinLnBrk="0" hangingPunct="1">
+      <a:defRPr kumimoji="1" sz="1800" kern="1200">
+        <a:solidFill>
+          <a:schemeClr val="tx1"/>
+        </a:solidFill>
+        <a:latin typeface="+mn-lt"/>
+        <a:ea typeface="+mn-ea"/>
+        <a:cs typeface="+mn-cs"/>
+      </a:defRPr>
+    </a:lvl9pPr>
+  </p:defaultTextStyle>
 </p:presentation>
 </file>
 
 <file path=ppt/notesMasters/notesMaster1.xml><?xml version="1.0" encoding="utf-8"?>
-<p:notesMaster xmlns:a="http://schemas.openxmlformats.org/drawingml/2006/main" xmlns:p="http://schemas.openxmlformats.org/presentationml/2006/main" xmlns:r="http://schemas.openxmlformats.org/officeDocument/2006/relationships" xmlns:p14="http://schemas.microsoft.com/office/powerpoint/2010/main" xmlns:p15="http://schemas.microsoft.com/office/powerpoint/2012/main" xmlns:mc="http://schemas.openxmlformats.org/markup-compatibility/2006">
+<p:notesMaster xmlns:a="http://schemas.openxmlformats.org/drawingml/2006/main" xmlns:r="http://schemas.openxmlformats.org/officeDocument/2006/relationships" xmlns:p="http://schemas.openxmlformats.org/presentationml/2006/main">
+  <p:cSld>
+    <p:bg>
+      <p:bgRef idx="1001">
+        <a:schemeClr val="bg1"/>
+      </p:bgRef>
+    </p:bg>
+    <p:spTree>
+      <p:nvGrpSpPr>
+        <p:cNvPr id="1" name=""/>
+        <p:cNvGrpSpPr/>
+        <p:nvPr/>
+      </p:nvGrpSpPr>
+      <p:grpSpPr>
+        <a:xfrm>
+          <a:off x="0" y="0"/>
+          <a:ext cx="0" cy="0"/>
+          <a:chOff x="0" y="0"/>
+          <a:chExt cx="0" cy="0"/>
+        </a:xfrm>
+      </p:grpSpPr>
+      <p:sp>
+        <p:nvSpPr>
+          <p:cNvPr id="41" name="PlaceHolder 1"/>
+          <p:cNvSpPr>
+            <a:spLocks noGrp="1" noRot="1" noChangeAspect="1"/>
+          </p:cNvSpPr>
+          <p:nvPr>
+            <p:ph type="sldImg"/>
+          </p:nvPr>
+        </p:nvSpPr>
+        <p:spPr>
+          <a:xfrm>
+            <a:off x="216000" y="812520"/>
+            <a:ext cx="7127280" cy="4008960"/>
+          </a:xfrm>
+          <a:prstGeom prst="rect">
+            <a:avLst/>
+          </a:prstGeom>
+        </p:spPr>
+        <p:txBody>
+          <a:bodyPr lIns="0" tIns="0" rIns="0" bIns="0" anchor="ctr">
+            <a:noAutofit/>
+          </a:bodyPr>
+          <a:lstStyle/>
+          <a:p>
+            <a:r>
+              <a:rPr lang="ja-JP" sz="1800" b="0" strike="noStrike" spc="-1">
+                <a:solidFill>
+                  <a:srgbClr val="000000"/>
+                </a:solidFill>
+                <a:latin typeface="游ゴシック"/>
+              </a:rPr>
+              <a:t>スライドを移動するにはクリックします。</a:t>
+            </a:r>
+            <a:endParaRPr lang="en-US" sz="1800" b="0" strike="noStrike" spc="-1">
+              <a:solidFill>
+                <a:srgbClr val="000000"/>
+              </a:solidFill>
+              <a:latin typeface="游ゴシック"/>
+            </a:endParaRPr>
+          </a:p>
+        </p:txBody>
+      </p:sp>
+      <p:sp>
+        <p:nvSpPr>
+          <p:cNvPr id="42" name="PlaceHolder 2"/>
+          <p:cNvSpPr>
+            <a:spLocks noGrp="1"/>
+          </p:cNvSpPr>
+          <p:nvPr>
+            <p:ph type="body"/>
+          </p:nvPr>
+        </p:nvSpPr>
+        <p:spPr>
+          <a:xfrm>
+            <a:off x="756000" y="5078520"/>
+            <a:ext cx="6047640" cy="4811040"/>
+          </a:xfrm>
+          <a:prstGeom prst="rect">
+            <a:avLst/>
+          </a:prstGeom>
+        </p:spPr>
+        <p:txBody>
+          <a:bodyPr lIns="0" tIns="0" rIns="0" bIns="0">
+            <a:noAutofit/>
+          </a:bodyPr>
+          <a:lstStyle/>
+          <a:p>
+            <a:r>
+              <a:rPr lang="ja-JP" sz="2000" b="0" strike="noStrike" spc="-1">
+                <a:latin typeface="Arial"/>
+              </a:rPr>
+              <a:t>クリックしてノート書式の編集</a:t>
+            </a:r>
+            <a:endParaRPr lang="en-US" sz="2000" b="0" strike="noStrike" spc="-1">
+              <a:latin typeface="Arial"/>
+            </a:endParaRPr>
+          </a:p>
+        </p:txBody>
+      </p:sp>
+      <p:sp>
+        <p:nvSpPr>
+          <p:cNvPr id="43" name="PlaceHolder 3"/>
+          <p:cNvSpPr>
+            <a:spLocks noGrp="1"/>
+          </p:cNvSpPr>
+          <p:nvPr>
+            <p:ph type="hdr"/>
+          </p:nvPr>
+        </p:nvSpPr>
+        <p:spPr>
+          <a:xfrm>
+            <a:off x="0" y="0"/>
+            <a:ext cx="3280680" cy="534240"/>
+          </a:xfrm>
+          <a:prstGeom prst="rect">
+            <a:avLst/>
+          </a:prstGeom>
+        </p:spPr>
+        <p:txBody>
+          <a:bodyPr lIns="0" tIns="0" rIns="0" bIns="0">
+            <a:noAutofit/>
+          </a:bodyPr>
+          <a:lstStyle/>
+          <a:p>
+            <a:r>
+              <a:rPr lang="en-US" sz="1400" b="0" strike="noStrike" spc="-1">
+                <a:latin typeface="Times New Roman"/>
+              </a:rPr>
+              <a:t>&lt;ヘッダー&gt;</a:t>
+            </a:r>
+          </a:p>
+        </p:txBody>
+      </p:sp>
+      <p:sp>
+        <p:nvSpPr>
+          <p:cNvPr id="44" name="PlaceHolder 4"/>
+          <p:cNvSpPr>
+            <a:spLocks noGrp="1"/>
+          </p:cNvSpPr>
+          <p:nvPr>
+            <p:ph type="dt"/>
+          </p:nvPr>
+        </p:nvSpPr>
+        <p:spPr>
+          <a:xfrm>
+            <a:off x="4278960" y="0"/>
+            <a:ext cx="3280680" cy="534240"/>
+          </a:xfrm>
+          <a:prstGeom prst="rect">
+            <a:avLst/>
+          </a:prstGeom>
+        </p:spPr>
+        <p:txBody>
+          <a:bodyPr lIns="0" tIns="0" rIns="0" bIns="0">
+            <a:noAutofit/>
+          </a:bodyPr>
+          <a:lstStyle/>
+          <a:p>
+            <a:pPr algn="r"/>
+            <a:r>
+              <a:rPr lang="en-US" sz="1400" b="0" strike="noStrike" spc="-1">
+                <a:latin typeface="Times New Roman"/>
+              </a:rPr>
+              <a:t>&lt;日付/時刻&gt;</a:t>
+            </a:r>
+          </a:p>
+        </p:txBody>
+      </p:sp>
+      <p:sp>
+        <p:nvSpPr>
+          <p:cNvPr id="45" name="PlaceHolder 5"/>
+          <p:cNvSpPr>
+            <a:spLocks noGrp="1"/>
+          </p:cNvSpPr>
+          <p:nvPr>
+            <p:ph type="ftr"/>
+          </p:nvPr>
+        </p:nvSpPr>
+        <p:spPr>
+          <a:xfrm>
+            <a:off x="0" y="10157400"/>
+            <a:ext cx="3280680" cy="534240"/>
+          </a:xfrm>
+          <a:prstGeom prst="rect">
+            <a:avLst/>
+          </a:prstGeom>
+        </p:spPr>
+        <p:txBody>
+          <a:bodyPr lIns="0" tIns="0" rIns="0" bIns="0" anchor="b">
+            <a:noAutofit/>
+          </a:bodyPr>
+          <a:lstStyle/>
+          <a:p>
+            <a:r>
+              <a:rPr lang="en-US" sz="1400" b="0" strike="noStrike" spc="-1">
+                <a:latin typeface="Times New Roman"/>
+              </a:rPr>
+              <a:t>&lt;フッター&gt;</a:t>
+            </a:r>
+          </a:p>
+        </p:txBody>
+      </p:sp>
+      <p:sp>
+        <p:nvSpPr>
+          <p:cNvPr id="46" name="PlaceHolder 6"/>
+          <p:cNvSpPr>
+            <a:spLocks noGrp="1"/>
+          </p:cNvSpPr>
+          <p:nvPr>
+            <p:ph type="sldNum"/>
+          </p:nvPr>
+        </p:nvSpPr>
+        <p:spPr>
+          <a:xfrm>
+            <a:off x="4278960" y="10157400"/>
+            <a:ext cx="3280680" cy="534240"/>
+          </a:xfrm>
+          <a:prstGeom prst="rect">
+            <a:avLst/>
+          </a:prstGeom>
+        </p:spPr>
+        <p:txBody>
+          <a:bodyPr lIns="0" tIns="0" rIns="0" bIns="0" anchor="b">
+            <a:noAutofit/>
+          </a:bodyPr>
+          <a:lstStyle/>
+          <a:p>
+            <a:pPr algn="r"/>
+            <a:fld id="{CABFA840-7829-48B3-9003-266A0A5CF860}" type="slidenum">
+              <a:rPr lang="en-US" sz="1400" b="0" strike="noStrike" spc="-1">
+                <a:latin typeface="Times New Roman"/>
+              </a:rPr>
+              <a:t>‹#›</a:t>
+            </a:fld>
+            <a:endParaRPr lang="en-US" sz="1400" b="0" strike="noStrike" spc="-1">
+              <a:latin typeface="Times New Roman"/>
+            </a:endParaRPr>
+          </a:p>
+        </p:txBody>
+      </p:sp>
+    </p:spTree>
+  </p:cSld>
+  <p:clrMap bg1="lt1" tx1="dk1" bg2="lt2" tx2="dk2" accent1="accent1" accent2="accent2" accent3="accent3" accent4="accent4" accent5="accent5" accent6="accent6" hlink="hlink" folHlink="folHlink"/>
+  <p:notesStyle>
+    <a:lvl1pPr marL="0" algn="l" defTabSz="914400" rtl="0" eaLnBrk="1" latinLnBrk="0" hangingPunct="1">
+      <a:defRPr kumimoji="1" sz="1200" kern="1200">
+        <a:solidFill>
+          <a:schemeClr val="tx1"/>
+        </a:solidFill>
+        <a:latin typeface="+mn-lt"/>
+        <a:ea typeface="+mn-ea"/>
+        <a:cs typeface="+mn-cs"/>
+      </a:defRPr>
+    </a:lvl1pPr>
+    <a:lvl2pPr marL="457200" algn="l" defTabSz="914400" rtl="0" eaLnBrk="1" latinLnBrk="0" hangingPunct="1">
+      <a:defRPr kumimoji="1" sz="1200" kern="1200">
+        <a:solidFill>
+          <a:schemeClr val="tx1"/>
+        </a:solidFill>
+        <a:latin typeface="+mn-lt"/>
+        <a:ea typeface="+mn-ea"/>
+        <a:cs typeface="+mn-cs"/>
+      </a:defRPr>
+    </a:lvl2pPr>
+    <a:lvl3pPr marL="914400" algn="l" defTabSz="914400" rtl="0" eaLnBrk="1" latinLnBrk="0" hangingPunct="1">
+      <a:defRPr kumimoji="1" sz="1200" kern="1200">
+        <a:solidFill>
+          <a:schemeClr val="tx1"/>
+        </a:solidFill>
+        <a:latin typeface="+mn-lt"/>
+        <a:ea typeface="+mn-ea"/>
+        <a:cs typeface="+mn-cs"/>
+      </a:defRPr>
+    </a:lvl3pPr>
+    <a:lvl4pPr marL="1371600" algn="l" defTabSz="914400" rtl="0" eaLnBrk="1" latinLnBrk="0" hangingPunct="1">
+      <a:defRPr kumimoji="1" sz="1200" kern="1200">
+        <a:solidFill>
+          <a:schemeClr val="tx1"/>
+        </a:solidFill>
+        <a:latin typeface="+mn-lt"/>
+        <a:ea typeface="+mn-ea"/>
+        <a:cs typeface="+mn-cs"/>
+      </a:defRPr>
+    </a:lvl4pPr>
+    <a:lvl5pPr marL="1828800" algn="l" defTabSz="914400" rtl="0" eaLnBrk="1" latinLnBrk="0" hangingPunct="1">
+      <a:defRPr kumimoji="1" sz="1200" kern="1200">
+        <a:solidFill>
+          <a:schemeClr val="tx1"/>
+        </a:solidFill>
+        <a:latin typeface="+mn-lt"/>
+        <a:ea typeface="+mn-ea"/>
+        <a:cs typeface="+mn-cs"/>
+      </a:defRPr>
+    </a:lvl5pPr>
+    <a:lvl6pPr marL="2286000" algn="l" defTabSz="914400" rtl="0" eaLnBrk="1" latinLnBrk="0" hangingPunct="1">
+      <a:defRPr kumimoji="1" sz="1200" kern="1200">
+        <a:solidFill>
+          <a:schemeClr val="tx1"/>
+        </a:solidFill>
+        <a:latin typeface="+mn-lt"/>
+        <a:ea typeface="+mn-ea"/>
+        <a:cs typeface="+mn-cs"/>
+      </a:defRPr>
+    </a:lvl6pPr>
+    <a:lvl7pPr marL="2743200" algn="l" defTabSz="914400" rtl="0" eaLnBrk="1" latinLnBrk="0" hangingPunct="1">
+      <a:defRPr kumimoji="1" sz="1200" kern="1200">
+        <a:solidFill>
+          <a:schemeClr val="tx1"/>
+        </a:solidFill>
+        <a:latin typeface="+mn-lt"/>
+        <a:ea typeface="+mn-ea"/>
+        <a:cs typeface="+mn-cs"/>
+      </a:defRPr>
+    </a:lvl7pPr>
+    <a:lvl8pPr marL="3200400" algn="l" defTabSz="914400" rtl="0" eaLnBrk="1" latinLnBrk="0" hangingPunct="1">
+      <a:defRPr kumimoji="1" sz="1200" kern="1200">
+        <a:solidFill>
+          <a:schemeClr val="tx1"/>
+        </a:solidFill>
+        <a:latin typeface="+mn-lt"/>
+        <a:ea typeface="+mn-ea"/>
+        <a:cs typeface="+mn-cs"/>
+      </a:defRPr>
+    </a:lvl8pPr>
+    <a:lvl9pPr marL="3657600" algn="l" defTabSz="914400" rtl="0" eaLnBrk="1" latinLnBrk="0" hangingPunct="1">
+      <a:defRPr kumimoji="1" sz="1200" kern="1200">
+        <a:solidFill>
+          <a:schemeClr val="tx1"/>
+        </a:solidFill>
+        <a:latin typeface="+mn-lt"/>
+        <a:ea typeface="+mn-ea"/>
+        <a:cs typeface="+mn-cs"/>
+      </a:defRPr>
+    </a:lvl9pPr>
+  </p:notesStyle>
+</p:notesMaster>
+</file>
+
+<file path=ppt/notesSlides/notesSlide1.xml><?xml version="1.0" encoding="utf-8"?>
+<p:notes xmlns:a="http://schemas.openxmlformats.org/drawingml/2006/main" xmlns:r="http://schemas.openxmlformats.org/officeDocument/2006/relationships" xmlns:p="http://schemas.openxmlformats.org/presentationml/2006/main">
   <p:cSld>
     <p:spTree>
       <p:nvGrpSpPr>
@@ -43,9 +479,9 @@
       </p:grpSpPr>
       <p:sp>
         <p:nvSpPr>
-          <p:cNvPr id="41" name="PlaceHolder 1"/>
+          <p:cNvPr id="147" name="PlaceHolder 1"/>
           <p:cNvSpPr>
-            <a:spLocks noGrp="1"/>
+            <a:spLocks noGrp="1" noRot="1" noChangeAspect="1"/>
           </p:cNvSpPr>
           <p:nvPr>
             <p:ph type="sldImg"/>
@@ -53,48 +489,17 @@
         </p:nvSpPr>
         <p:spPr>
           <a:xfrm>
-            <a:off x="216000" y="812520"/>
-            <a:ext cx="7127280" cy="4008960"/>
-          </a:xfrm>
-          <a:prstGeom prst="rect">
-            <a:avLst/>
-          </a:prstGeom>
-        </p:spPr>
-        <p:txBody>
-          <a:bodyPr lIns="0" rIns="0" tIns="0" bIns="0" anchor="ctr">
-            <a:noAutofit/>
-          </a:bodyPr>
-          <a:p>
-            <a:r>
-              <a:rPr b="0" lang="ja-JP" sz="1800" spc="-1" strike="noStrike">
-                <a:solidFill>
-                  <a:srgbClr val="000000"/>
-                </a:solidFill>
-                <a:latin typeface="游ゴシック"/>
-              </a:rPr>
-              <a:t>スライドを移動するに</a:t>
-            </a:r>
-            <a:r>
-              <a:rPr b="0" lang="ja-JP" sz="1800" spc="-1" strike="noStrike">
-                <a:solidFill>
-                  <a:srgbClr val="000000"/>
-                </a:solidFill>
-                <a:latin typeface="游ゴシック"/>
-              </a:rPr>
-              <a:t>はクリックします。</a:t>
-            </a:r>
-            <a:endParaRPr b="0" lang="en-US" sz="1800" spc="-1" strike="noStrike">
-              <a:solidFill>
-                <a:srgbClr val="000000"/>
-              </a:solidFill>
-              <a:latin typeface="游ゴシック"/>
-            </a:endParaRPr>
-          </a:p>
-        </p:txBody>
-      </p:sp>
-      <p:sp>
-        <p:nvSpPr>
-          <p:cNvPr id="42" name="PlaceHolder 2"/>
+            <a:off x="1371600" y="1143000"/>
+            <a:ext cx="4114440" cy="3085920"/>
+          </a:xfrm>
+          <a:prstGeom prst="rect">
+            <a:avLst/>
+          </a:prstGeom>
+        </p:spPr>
+      </p:sp>
+      <p:sp>
+        <p:nvSpPr>
+          <p:cNvPr id="148" name="PlaceHolder 2"/>
           <p:cNvSpPr>
             <a:spLocks noGrp="1"/>
           </p:cNvSpPr>
@@ -104,37 +509,20 @@
         </p:nvSpPr>
         <p:spPr>
           <a:xfrm>
-            <a:off x="756000" y="5078520"/>
-            <a:ext cx="6047640" cy="4811040"/>
-          </a:xfrm>
-          <a:prstGeom prst="rect">
-            <a:avLst/>
-          </a:prstGeom>
-        </p:spPr>
-        <p:txBody>
-          <a:bodyPr lIns="0" rIns="0" tIns="0" bIns="0">
+            <a:off x="685800" y="4400640"/>
+            <a:ext cx="5486040" cy="3600000"/>
+          </a:xfrm>
+          <a:prstGeom prst="rect">
+            <a:avLst/>
+          </a:prstGeom>
+        </p:spPr>
+        <p:txBody>
+          <a:bodyPr>
             <a:noAutofit/>
           </a:bodyPr>
-          <a:p>
-            <a:r>
-              <a:rPr b="0" lang="ja-JP" sz="2000" spc="-1" strike="noStrike">
-                <a:latin typeface="Arial"/>
-              </a:rPr>
-              <a:t>クリックして</a:t>
-            </a:r>
-            <a:r>
-              <a:rPr b="0" lang="ja-JP" sz="2000" spc="-1" strike="noStrike">
-                <a:latin typeface="Arial"/>
-              </a:rPr>
-              <a:t>ノート書式</a:t>
-            </a:r>
-            <a:r>
-              <a:rPr b="0" lang="ja-JP" sz="2000" spc="-1" strike="noStrike">
-                <a:latin typeface="Arial"/>
-              </a:rPr>
-              <a:t>の編集</a:t>
-            </a:r>
-            <a:endParaRPr b="0" lang="en-US" sz="2000" spc="-1" strike="noStrike">
+          <a:lstStyle/>
+          <a:p>
+            <a:endParaRPr lang="en-US" sz="2000" b="0" strike="noStrike" spc="-1">
               <a:latin typeface="Arial"/>
             </a:endParaRPr>
           </a:p>
@@ -142,145 +530,41 @@
       </p:sp>
       <p:sp>
         <p:nvSpPr>
-          <p:cNvPr id="43" name="PlaceHolder 3"/>
-          <p:cNvSpPr>
-            <a:spLocks noGrp="1"/>
-          </p:cNvSpPr>
-          <p:nvPr>
-            <p:ph type="hdr"/>
-          </p:nvPr>
-        </p:nvSpPr>
-        <p:spPr>
-          <a:xfrm>
-            <a:off x="0" y="0"/>
-            <a:ext cx="3280680" cy="534240"/>
-          </a:xfrm>
-          <a:prstGeom prst="rect">
-            <a:avLst/>
-          </a:prstGeom>
-        </p:spPr>
-        <p:txBody>
-          <a:bodyPr lIns="0" rIns="0" tIns="0" bIns="0">
+          <p:cNvPr id="149" name="TextShape 3"/>
+          <p:cNvSpPr txBox="1"/>
+          <p:nvPr/>
+        </p:nvSpPr>
+        <p:spPr>
+          <a:xfrm>
+            <a:off x="3884760" y="8685360"/>
+            <a:ext cx="2971440" cy="458280"/>
+          </a:xfrm>
+          <a:prstGeom prst="rect">
+            <a:avLst/>
+          </a:prstGeom>
+          <a:noFill/>
+          <a:ln>
+            <a:noFill/>
+          </a:ln>
+        </p:spPr>
+        <p:txBody>
+          <a:bodyPr anchor="b">
             <a:noAutofit/>
           </a:bodyPr>
-          <a:p>
-            <a:r>
-              <a:rPr b="0" lang="en-US" sz="1400" spc="-1" strike="noStrike">
+          <a:lstStyle/>
+          <a:p>
+            <a:pPr algn="r">
+              <a:lnSpc>
+                <a:spcPct val="100000"/>
+              </a:lnSpc>
+            </a:pPr>
+            <a:fld id="{81AC5A6F-3243-480A-90A6-51500C7A1C79}" type="slidenum">
+              <a:rPr lang="en-US" sz="1200" b="0" strike="noStrike" spc="-1">
                 <a:latin typeface="Times New Roman"/>
               </a:rPr>
-              <a:t>&lt;ヘッダー&gt;</a:t>
-            </a:r>
-            <a:endParaRPr b="0" lang="en-US" sz="1400" spc="-1" strike="noStrike">
-              <a:latin typeface="Times New Roman"/>
-            </a:endParaRPr>
-          </a:p>
-        </p:txBody>
-      </p:sp>
-      <p:sp>
-        <p:nvSpPr>
-          <p:cNvPr id="44" name="PlaceHolder 4"/>
-          <p:cNvSpPr>
-            <a:spLocks noGrp="1"/>
-          </p:cNvSpPr>
-          <p:nvPr>
-            <p:ph type="dt"/>
-          </p:nvPr>
-        </p:nvSpPr>
-        <p:spPr>
-          <a:xfrm>
-            <a:off x="4278960" y="0"/>
-            <a:ext cx="3280680" cy="534240"/>
-          </a:xfrm>
-          <a:prstGeom prst="rect">
-            <a:avLst/>
-          </a:prstGeom>
-        </p:spPr>
-        <p:txBody>
-          <a:bodyPr lIns="0" rIns="0" tIns="0" bIns="0">
-            <a:noAutofit/>
-          </a:bodyPr>
-          <a:p>
-            <a:pPr algn="r"/>
-            <a:r>
-              <a:rPr b="0" lang="en-US" sz="1400" spc="-1" strike="noStrike">
-                <a:latin typeface="Times New Roman"/>
-              </a:rPr>
-              <a:t>&lt;日付/時刻&gt;</a:t>
-            </a:r>
-            <a:endParaRPr b="0" lang="en-US" sz="1400" spc="-1" strike="noStrike">
-              <a:latin typeface="Times New Roman"/>
-            </a:endParaRPr>
-          </a:p>
-        </p:txBody>
-      </p:sp>
-      <p:sp>
-        <p:nvSpPr>
-          <p:cNvPr id="45" name="PlaceHolder 5"/>
-          <p:cNvSpPr>
-            <a:spLocks noGrp="1"/>
-          </p:cNvSpPr>
-          <p:nvPr>
-            <p:ph type="ftr"/>
-          </p:nvPr>
-        </p:nvSpPr>
-        <p:spPr>
-          <a:xfrm>
-            <a:off x="0" y="10157400"/>
-            <a:ext cx="3280680" cy="534240"/>
-          </a:xfrm>
-          <a:prstGeom prst="rect">
-            <a:avLst/>
-          </a:prstGeom>
-        </p:spPr>
-        <p:txBody>
-          <a:bodyPr lIns="0" rIns="0" tIns="0" bIns="0" anchor="b">
-            <a:noAutofit/>
-          </a:bodyPr>
-          <a:p>
-            <a:r>
-              <a:rPr b="0" lang="en-US" sz="1400" spc="-1" strike="noStrike">
-                <a:latin typeface="Times New Roman"/>
-              </a:rPr>
-              <a:t>&lt;フッター&gt;</a:t>
-            </a:r>
-            <a:endParaRPr b="0" lang="en-US" sz="1400" spc="-1" strike="noStrike">
-              <a:latin typeface="Times New Roman"/>
-            </a:endParaRPr>
-          </a:p>
-        </p:txBody>
-      </p:sp>
-      <p:sp>
-        <p:nvSpPr>
-          <p:cNvPr id="46" name="PlaceHolder 6"/>
-          <p:cNvSpPr>
-            <a:spLocks noGrp="1"/>
-          </p:cNvSpPr>
-          <p:nvPr>
-            <p:ph type="sldNum"/>
-          </p:nvPr>
-        </p:nvSpPr>
-        <p:spPr>
-          <a:xfrm>
-            <a:off x="4278960" y="10157400"/>
-            <a:ext cx="3280680" cy="534240"/>
-          </a:xfrm>
-          <a:prstGeom prst="rect">
-            <a:avLst/>
-          </a:prstGeom>
-        </p:spPr>
-        <p:txBody>
-          <a:bodyPr lIns="0" rIns="0" tIns="0" bIns="0" anchor="b">
-            <a:noAutofit/>
-          </a:bodyPr>
-          <a:p>
-            <a:pPr algn="r"/>
-            <a:fld id="{CABFA840-7829-48B3-9003-266A0A5CF860}" type="slidenum">
-              <a:rPr b="0" lang="en-US" sz="1400" spc="-1" strike="noStrike">
-                <a:latin typeface="Times New Roman"/>
-              </a:rPr>
-              <a:t>&lt;番号&gt;</a:t>
+              <a:t>2</a:t>
             </a:fld>
-            <a:endParaRPr b="0" lang="en-US" sz="1400" spc="-1" strike="noStrike">
+            <a:endParaRPr lang="en-US" sz="1200" b="0" strike="noStrike" spc="-1">
               <a:latin typeface="Times New Roman"/>
             </a:endParaRPr>
           </a:p>
@@ -288,12 +572,14 @@
       </p:sp>
     </p:spTree>
   </p:cSld>
-  <p:clrMap bg1="lt1" bg2="lt2" tx1="dk1" tx2="dk2" accent1="accent1" accent2="accent2" accent3="accent3" accent4="accent4" accent5="accent5" accent6="accent6" hlink="hlink" folHlink="folHlink"/>
-</p:notesMaster>
+  <p:clrMapOvr>
+    <a:masterClrMapping/>
+  </p:clrMapOvr>
+</p:notes>
 </file>
 
-<file path=ppt/notesSlides/notesSlide10.xml><?xml version="1.0" encoding="utf-8"?>
-<p:notes xmlns:a="http://schemas.openxmlformats.org/drawingml/2006/main" xmlns:p="http://schemas.openxmlformats.org/presentationml/2006/main" xmlns:r="http://schemas.openxmlformats.org/officeDocument/2006/relationships" xmlns:p14="http://schemas.microsoft.com/office/powerpoint/2010/main" xmlns:p15="http://schemas.microsoft.com/office/powerpoint/2012/main" xmlns:mc="http://schemas.openxmlformats.org/markup-compatibility/2006">
+<file path=ppt/notesSlides/notesSlide2.xml><?xml version="1.0" encoding="utf-8"?>
+<p:notes xmlns:a="http://schemas.openxmlformats.org/drawingml/2006/main" xmlns:r="http://schemas.openxmlformats.org/officeDocument/2006/relationships" xmlns:p="http://schemas.openxmlformats.org/presentationml/2006/main">
   <p:cSld>
     <p:spTree>
       <p:nvGrpSpPr>
@@ -311,9 +597,9 @@
       </p:grpSpPr>
       <p:sp>
         <p:nvSpPr>
-          <p:cNvPr id="171" name="PlaceHolder 1"/>
+          <p:cNvPr id="150" name="PlaceHolder 1"/>
           <p:cNvSpPr>
-            <a:spLocks noGrp="1"/>
+            <a:spLocks noGrp="1" noRot="1" noChangeAspect="1"/>
           </p:cNvSpPr>
           <p:nvPr>
             <p:ph type="sldImg"/>
@@ -331,7 +617,7 @@
       </p:sp>
       <p:sp>
         <p:nvSpPr>
-          <p:cNvPr id="172" name="PlaceHolder 2"/>
+          <p:cNvPr id="151" name="PlaceHolder 2"/>
           <p:cNvSpPr>
             <a:spLocks noGrp="1"/>
           </p:cNvSpPr>
@@ -352,8 +638,9 @@
           <a:bodyPr>
             <a:noAutofit/>
           </a:bodyPr>
-          <a:p>
-            <a:endParaRPr b="0" lang="en-US" sz="2000" spc="-1" strike="noStrike">
+          <a:lstStyle/>
+          <a:p>
+            <a:endParaRPr lang="en-US" sz="2000" b="0" strike="noStrike" spc="-1">
               <a:latin typeface="Arial"/>
             </a:endParaRPr>
           </a:p>
@@ -361,7 +648,7 @@
       </p:sp>
       <p:sp>
         <p:nvSpPr>
-          <p:cNvPr id="173" name="TextShape 3"/>
+          <p:cNvPr id="152" name="TextShape 3"/>
           <p:cNvSpPr txBox="1"/>
           <p:nvPr/>
         </p:nvSpPr>
@@ -382,19 +669,20 @@
           <a:bodyPr anchor="b">
             <a:noAutofit/>
           </a:bodyPr>
+          <a:lstStyle/>
           <a:p>
             <a:pPr algn="r">
               <a:lnSpc>
                 <a:spcPct val="100000"/>
               </a:lnSpc>
             </a:pPr>
-            <a:fld id="{C43232AF-3E6F-43D9-A0E6-27D9EE6F7F28}" type="slidenum">
-              <a:rPr b="0" lang="en-US" sz="1200" spc="-1" strike="noStrike">
+            <a:fld id="{C3BCFB43-8C9F-4CC7-9E05-211C49E817CE}" type="slidenum">
+              <a:rPr lang="en-US" sz="1200" b="0" strike="noStrike" spc="-1">
                 <a:latin typeface="Times New Roman"/>
               </a:rPr>
-              <a:t>&lt;番号&gt;</a:t>
+              <a:t>3</a:t>
             </a:fld>
-            <a:endParaRPr b="0" lang="en-US" sz="1200" spc="-1" strike="noStrike">
+            <a:endParaRPr lang="en-US" sz="1200" b="0" strike="noStrike" spc="-1">
               <a:latin typeface="Times New Roman"/>
             </a:endParaRPr>
           </a:p>
@@ -402,11 +690,14 @@
       </p:sp>
     </p:spTree>
   </p:cSld>
+  <p:clrMapOvr>
+    <a:masterClrMapping/>
+  </p:clrMapOvr>
 </p:notes>
 </file>
 
-<file path=ppt/notesSlides/notesSlide2.xml><?xml version="1.0" encoding="utf-8"?>
-<p:notes xmlns:a="http://schemas.openxmlformats.org/drawingml/2006/main" xmlns:p="http://schemas.openxmlformats.org/presentationml/2006/main" xmlns:r="http://schemas.openxmlformats.org/officeDocument/2006/relationships" xmlns:p14="http://schemas.microsoft.com/office/powerpoint/2010/main" xmlns:p15="http://schemas.microsoft.com/office/powerpoint/2012/main" xmlns:mc="http://schemas.openxmlformats.org/markup-compatibility/2006">
+<file path=ppt/notesSlides/notesSlide3.xml><?xml version="1.0" encoding="utf-8"?>
+<p:notes xmlns:a="http://schemas.openxmlformats.org/drawingml/2006/main" xmlns:r="http://schemas.openxmlformats.org/officeDocument/2006/relationships" xmlns:p="http://schemas.openxmlformats.org/presentationml/2006/main">
   <p:cSld>
     <p:spTree>
       <p:nvGrpSpPr>
@@ -424,9 +715,9 @@
       </p:grpSpPr>
       <p:sp>
         <p:nvSpPr>
-          <p:cNvPr id="147" name="PlaceHolder 1"/>
+          <p:cNvPr id="153" name="PlaceHolder 1"/>
           <p:cNvSpPr>
-            <a:spLocks noGrp="1"/>
+            <a:spLocks noGrp="1" noRot="1" noChangeAspect="1"/>
           </p:cNvSpPr>
           <p:nvPr>
             <p:ph type="sldImg"/>
@@ -444,7 +735,7 @@
       </p:sp>
       <p:sp>
         <p:nvSpPr>
-          <p:cNvPr id="148" name="PlaceHolder 2"/>
+          <p:cNvPr id="154" name="PlaceHolder 2"/>
           <p:cNvSpPr>
             <a:spLocks noGrp="1"/>
           </p:cNvSpPr>
@@ -465,8 +756,9 @@
           <a:bodyPr>
             <a:noAutofit/>
           </a:bodyPr>
-          <a:p>
-            <a:endParaRPr b="0" lang="en-US" sz="2000" spc="-1" strike="noStrike">
+          <a:lstStyle/>
+          <a:p>
+            <a:endParaRPr lang="en-US" sz="2000" b="0" strike="noStrike" spc="-1">
               <a:latin typeface="Arial"/>
             </a:endParaRPr>
           </a:p>
@@ -474,7 +766,7 @@
       </p:sp>
       <p:sp>
         <p:nvSpPr>
-          <p:cNvPr id="149" name="TextShape 3"/>
+          <p:cNvPr id="155" name="TextShape 3"/>
           <p:cNvSpPr txBox="1"/>
           <p:nvPr/>
         </p:nvSpPr>
@@ -495,19 +787,20 @@
           <a:bodyPr anchor="b">
             <a:noAutofit/>
           </a:bodyPr>
+          <a:lstStyle/>
           <a:p>
             <a:pPr algn="r">
               <a:lnSpc>
                 <a:spcPct val="100000"/>
               </a:lnSpc>
             </a:pPr>
-            <a:fld id="{81AC5A6F-3243-480A-90A6-51500C7A1C79}" type="slidenum">
-              <a:rPr b="0" lang="en-US" sz="1200" spc="-1" strike="noStrike">
+            <a:fld id="{182A5399-891C-4EAA-A868-E06766D27727}" type="slidenum">
+              <a:rPr lang="en-US" sz="1200" b="0" strike="noStrike" spc="-1">
                 <a:latin typeface="Times New Roman"/>
               </a:rPr>
-              <a:t>&lt;番号&gt;</a:t>
+              <a:t>4</a:t>
             </a:fld>
-            <a:endParaRPr b="0" lang="en-US" sz="1200" spc="-1" strike="noStrike">
+            <a:endParaRPr lang="en-US" sz="1200" b="0" strike="noStrike" spc="-1">
               <a:latin typeface="Times New Roman"/>
             </a:endParaRPr>
           </a:p>
@@ -515,11 +808,14 @@
       </p:sp>
     </p:spTree>
   </p:cSld>
+  <p:clrMapOvr>
+    <a:masterClrMapping/>
+  </p:clrMapOvr>
 </p:notes>
 </file>
 
-<file path=ppt/notesSlides/notesSlide3.xml><?xml version="1.0" encoding="utf-8"?>
-<p:notes xmlns:a="http://schemas.openxmlformats.org/drawingml/2006/main" xmlns:p="http://schemas.openxmlformats.org/presentationml/2006/main" xmlns:r="http://schemas.openxmlformats.org/officeDocument/2006/relationships" xmlns:p14="http://schemas.microsoft.com/office/powerpoint/2010/main" xmlns:p15="http://schemas.microsoft.com/office/powerpoint/2012/main" xmlns:mc="http://schemas.openxmlformats.org/markup-compatibility/2006">
+<file path=ppt/notesSlides/notesSlide4.xml><?xml version="1.0" encoding="utf-8"?>
+<p:notes xmlns:a="http://schemas.openxmlformats.org/drawingml/2006/main" xmlns:r="http://schemas.openxmlformats.org/officeDocument/2006/relationships" xmlns:p="http://schemas.openxmlformats.org/presentationml/2006/main">
   <p:cSld>
     <p:spTree>
       <p:nvGrpSpPr>
@@ -537,9 +833,9 @@
       </p:grpSpPr>
       <p:sp>
         <p:nvSpPr>
-          <p:cNvPr id="150" name="PlaceHolder 1"/>
+          <p:cNvPr id="156" name="PlaceHolder 1"/>
           <p:cNvSpPr>
-            <a:spLocks noGrp="1"/>
+            <a:spLocks noGrp="1" noRot="1" noChangeAspect="1"/>
           </p:cNvSpPr>
           <p:nvPr>
             <p:ph type="sldImg"/>
@@ -557,7 +853,7 @@
       </p:sp>
       <p:sp>
         <p:nvSpPr>
-          <p:cNvPr id="151" name="PlaceHolder 2"/>
+          <p:cNvPr id="157" name="PlaceHolder 2"/>
           <p:cNvSpPr>
             <a:spLocks noGrp="1"/>
           </p:cNvSpPr>
@@ -578,8 +874,9 @@
           <a:bodyPr>
             <a:noAutofit/>
           </a:bodyPr>
-          <a:p>
-            <a:endParaRPr b="0" lang="en-US" sz="2000" spc="-1" strike="noStrike">
+          <a:lstStyle/>
+          <a:p>
+            <a:endParaRPr lang="en-US" sz="2000" b="0" strike="noStrike" spc="-1">
               <a:latin typeface="Arial"/>
             </a:endParaRPr>
           </a:p>
@@ -587,7 +884,7 @@
       </p:sp>
       <p:sp>
         <p:nvSpPr>
-          <p:cNvPr id="152" name="TextShape 3"/>
+          <p:cNvPr id="158" name="TextShape 3"/>
           <p:cNvSpPr txBox="1"/>
           <p:nvPr/>
         </p:nvSpPr>
@@ -608,19 +905,20 @@
           <a:bodyPr anchor="b">
             <a:noAutofit/>
           </a:bodyPr>
+          <a:lstStyle/>
           <a:p>
             <a:pPr algn="r">
               <a:lnSpc>
                 <a:spcPct val="100000"/>
               </a:lnSpc>
             </a:pPr>
-            <a:fld id="{C3BCFB43-8C9F-4CC7-9E05-211C49E817CE}" type="slidenum">
-              <a:rPr b="0" lang="en-US" sz="1200" spc="-1" strike="noStrike">
+            <a:fld id="{8B3131F6-8FAF-461E-A3FB-2785191C0009}" type="slidenum">
+              <a:rPr lang="en-US" sz="1200" b="0" strike="noStrike" spc="-1">
                 <a:latin typeface="Times New Roman"/>
               </a:rPr>
-              <a:t>&lt;番号&gt;</a:t>
+              <a:t>5</a:t>
             </a:fld>
-            <a:endParaRPr b="0" lang="en-US" sz="1200" spc="-1" strike="noStrike">
+            <a:endParaRPr lang="en-US" sz="1200" b="0" strike="noStrike" spc="-1">
               <a:latin typeface="Times New Roman"/>
             </a:endParaRPr>
           </a:p>
@@ -628,11 +926,14 @@
       </p:sp>
     </p:spTree>
   </p:cSld>
+  <p:clrMapOvr>
+    <a:masterClrMapping/>
+  </p:clrMapOvr>
 </p:notes>
 </file>
 
-<file path=ppt/notesSlides/notesSlide4.xml><?xml version="1.0" encoding="utf-8"?>
-<p:notes xmlns:a="http://schemas.openxmlformats.org/drawingml/2006/main" xmlns:p="http://schemas.openxmlformats.org/presentationml/2006/main" xmlns:r="http://schemas.openxmlformats.org/officeDocument/2006/relationships" xmlns:p14="http://schemas.microsoft.com/office/powerpoint/2010/main" xmlns:p15="http://schemas.microsoft.com/office/powerpoint/2012/main" xmlns:mc="http://schemas.openxmlformats.org/markup-compatibility/2006">
+<file path=ppt/notesSlides/notesSlide5.xml><?xml version="1.0" encoding="utf-8"?>
+<p:notes xmlns:a="http://schemas.openxmlformats.org/drawingml/2006/main" xmlns:r="http://schemas.openxmlformats.org/officeDocument/2006/relationships" xmlns:p="http://schemas.openxmlformats.org/presentationml/2006/main">
   <p:cSld>
     <p:spTree>
       <p:nvGrpSpPr>
@@ -650,9 +951,9 @@
       </p:grpSpPr>
       <p:sp>
         <p:nvSpPr>
-          <p:cNvPr id="153" name="PlaceHolder 1"/>
+          <p:cNvPr id="159" name="PlaceHolder 1"/>
           <p:cNvSpPr>
-            <a:spLocks noGrp="1"/>
+            <a:spLocks noGrp="1" noRot="1" noChangeAspect="1"/>
           </p:cNvSpPr>
           <p:nvPr>
             <p:ph type="sldImg"/>
@@ -670,7 +971,7 @@
       </p:sp>
       <p:sp>
         <p:nvSpPr>
-          <p:cNvPr id="154" name="PlaceHolder 2"/>
+          <p:cNvPr id="160" name="PlaceHolder 2"/>
           <p:cNvSpPr>
             <a:spLocks noGrp="1"/>
           </p:cNvSpPr>
@@ -691,8 +992,9 @@
           <a:bodyPr>
             <a:noAutofit/>
           </a:bodyPr>
-          <a:p>
-            <a:endParaRPr b="0" lang="en-US" sz="2000" spc="-1" strike="noStrike">
+          <a:lstStyle/>
+          <a:p>
+            <a:endParaRPr lang="en-US" sz="2000" b="0" strike="noStrike" spc="-1">
               <a:latin typeface="Arial"/>
             </a:endParaRPr>
           </a:p>
@@ -700,7 +1002,7 @@
       </p:sp>
       <p:sp>
         <p:nvSpPr>
-          <p:cNvPr id="155" name="TextShape 3"/>
+          <p:cNvPr id="161" name="TextShape 3"/>
           <p:cNvSpPr txBox="1"/>
           <p:nvPr/>
         </p:nvSpPr>
@@ -721,19 +1023,20 @@
           <a:bodyPr anchor="b">
             <a:noAutofit/>
           </a:bodyPr>
+          <a:lstStyle/>
           <a:p>
             <a:pPr algn="r">
               <a:lnSpc>
                 <a:spcPct val="100000"/>
               </a:lnSpc>
             </a:pPr>
-            <a:fld id="{182A5399-891C-4EAA-A868-E06766D27727}" type="slidenum">
-              <a:rPr b="0" lang="en-US" sz="1200" spc="-1" strike="noStrike">
+            <a:fld id="{81B37177-A946-4638-AB0D-D10D20825B57}" type="slidenum">
+              <a:rPr lang="en-US" sz="1200" b="0" strike="noStrike" spc="-1">
                 <a:latin typeface="Times New Roman"/>
               </a:rPr>
-              <a:t>&lt;番号&gt;</a:t>
+              <a:t>6</a:t>
             </a:fld>
-            <a:endParaRPr b="0" lang="en-US" sz="1200" spc="-1" strike="noStrike">
+            <a:endParaRPr lang="en-US" sz="1200" b="0" strike="noStrike" spc="-1">
               <a:latin typeface="Times New Roman"/>
             </a:endParaRPr>
           </a:p>
@@ -741,11 +1044,14 @@
       </p:sp>
     </p:spTree>
   </p:cSld>
+  <p:clrMapOvr>
+    <a:masterClrMapping/>
+  </p:clrMapOvr>
 </p:notes>
 </file>
 
-<file path=ppt/notesSlides/notesSlide5.xml><?xml version="1.0" encoding="utf-8"?>
-<p:notes xmlns:a="http://schemas.openxmlformats.org/drawingml/2006/main" xmlns:p="http://schemas.openxmlformats.org/presentationml/2006/main" xmlns:r="http://schemas.openxmlformats.org/officeDocument/2006/relationships" xmlns:p14="http://schemas.microsoft.com/office/powerpoint/2010/main" xmlns:p15="http://schemas.microsoft.com/office/powerpoint/2012/main" xmlns:mc="http://schemas.openxmlformats.org/markup-compatibility/2006">
+<file path=ppt/notesSlides/notesSlide6.xml><?xml version="1.0" encoding="utf-8"?>
+<p:notes xmlns:a="http://schemas.openxmlformats.org/drawingml/2006/main" xmlns:r="http://schemas.openxmlformats.org/officeDocument/2006/relationships" xmlns:p="http://schemas.openxmlformats.org/presentationml/2006/main">
   <p:cSld>
     <p:spTree>
       <p:nvGrpSpPr>
@@ -763,9 +1069,9 @@
       </p:grpSpPr>
       <p:sp>
         <p:nvSpPr>
-          <p:cNvPr id="156" name="PlaceHolder 1"/>
+          <p:cNvPr id="162" name="PlaceHolder 1"/>
           <p:cNvSpPr>
-            <a:spLocks noGrp="1"/>
+            <a:spLocks noGrp="1" noRot="1" noChangeAspect="1"/>
           </p:cNvSpPr>
           <p:nvPr>
             <p:ph type="sldImg"/>
@@ -774,16 +1080,16 @@
         <p:spPr>
           <a:xfrm>
             <a:off x="1371600" y="1143000"/>
-            <a:ext cx="4114440" cy="3085920"/>
-          </a:xfrm>
-          <a:prstGeom prst="rect">
-            <a:avLst/>
-          </a:prstGeom>
-        </p:spPr>
-      </p:sp>
-      <p:sp>
-        <p:nvSpPr>
-          <p:cNvPr id="157" name="PlaceHolder 2"/>
+            <a:ext cx="4114800" cy="3086100"/>
+          </a:xfrm>
+          <a:prstGeom prst="rect">
+            <a:avLst/>
+          </a:prstGeom>
+        </p:spPr>
+      </p:sp>
+      <p:sp>
+        <p:nvSpPr>
+          <p:cNvPr id="163" name="PlaceHolder 2"/>
           <p:cNvSpPr>
             <a:spLocks noGrp="1"/>
           </p:cNvSpPr>
@@ -804,8 +1110,9 @@
           <a:bodyPr>
             <a:noAutofit/>
           </a:bodyPr>
-          <a:p>
-            <a:endParaRPr b="0" lang="en-US" sz="2000" spc="-1" strike="noStrike">
+          <a:lstStyle/>
+          <a:p>
+            <a:endParaRPr lang="en-US" sz="2000" b="0" strike="noStrike" spc="-1">
               <a:latin typeface="Arial"/>
             </a:endParaRPr>
           </a:p>
@@ -813,7 +1120,7 @@
       </p:sp>
       <p:sp>
         <p:nvSpPr>
-          <p:cNvPr id="158" name="TextShape 3"/>
+          <p:cNvPr id="164" name="TextShape 3"/>
           <p:cNvSpPr txBox="1"/>
           <p:nvPr/>
         </p:nvSpPr>
@@ -834,19 +1141,20 @@
           <a:bodyPr anchor="b">
             <a:noAutofit/>
           </a:bodyPr>
+          <a:lstStyle/>
           <a:p>
             <a:pPr algn="r">
               <a:lnSpc>
                 <a:spcPct val="100000"/>
               </a:lnSpc>
             </a:pPr>
-            <a:fld id="{8B3131F6-8FAF-461E-A3FB-2785191C0009}" type="slidenum">
-              <a:rPr b="0" lang="en-US" sz="1200" spc="-1" strike="noStrike">
+            <a:fld id="{1E3C1D12-22C3-48CD-8F61-546C3235391C}" type="slidenum">
+              <a:rPr lang="en-US" sz="1200" b="0" strike="noStrike" spc="-1">
                 <a:latin typeface="Times New Roman"/>
               </a:rPr>
-              <a:t>&lt;番号&gt;</a:t>
+              <a:t>7</a:t>
             </a:fld>
-            <a:endParaRPr b="0" lang="en-US" sz="1200" spc="-1" strike="noStrike">
+            <a:endParaRPr lang="en-US" sz="1200" b="0" strike="noStrike" spc="-1">
               <a:latin typeface="Times New Roman"/>
             </a:endParaRPr>
           </a:p>
@@ -854,11 +1162,14 @@
       </p:sp>
     </p:spTree>
   </p:cSld>
+  <p:clrMapOvr>
+    <a:masterClrMapping/>
+  </p:clrMapOvr>
 </p:notes>
 </file>
 
-<file path=ppt/notesSlides/notesSlide6.xml><?xml version="1.0" encoding="utf-8"?>
-<p:notes xmlns:a="http://schemas.openxmlformats.org/drawingml/2006/main" xmlns:p="http://schemas.openxmlformats.org/presentationml/2006/main" xmlns:r="http://schemas.openxmlformats.org/officeDocument/2006/relationships" xmlns:p14="http://schemas.microsoft.com/office/powerpoint/2010/main" xmlns:p15="http://schemas.microsoft.com/office/powerpoint/2012/main" xmlns:mc="http://schemas.openxmlformats.org/markup-compatibility/2006">
+<file path=ppt/notesSlides/notesSlide7.xml><?xml version="1.0" encoding="utf-8"?>
+<p:notes xmlns:a="http://schemas.openxmlformats.org/drawingml/2006/main" xmlns:r="http://schemas.openxmlformats.org/officeDocument/2006/relationships" xmlns:p="http://schemas.openxmlformats.org/presentationml/2006/main">
   <p:cSld>
     <p:spTree>
       <p:nvGrpSpPr>
@@ -876,9 +1187,9 @@
       </p:grpSpPr>
       <p:sp>
         <p:nvSpPr>
-          <p:cNvPr id="159" name="PlaceHolder 1"/>
+          <p:cNvPr id="165" name="PlaceHolder 1"/>
           <p:cNvSpPr>
-            <a:spLocks noGrp="1"/>
+            <a:spLocks noGrp="1" noRot="1" noChangeAspect="1"/>
           </p:cNvSpPr>
           <p:nvPr>
             <p:ph type="sldImg"/>
@@ -896,7 +1207,7 @@
       </p:sp>
       <p:sp>
         <p:nvSpPr>
-          <p:cNvPr id="160" name="PlaceHolder 2"/>
+          <p:cNvPr id="166" name="PlaceHolder 2"/>
           <p:cNvSpPr>
             <a:spLocks noGrp="1"/>
           </p:cNvSpPr>
@@ -917,8 +1228,9 @@
           <a:bodyPr>
             <a:noAutofit/>
           </a:bodyPr>
-          <a:p>
-            <a:endParaRPr b="0" lang="en-US" sz="2000" spc="-1" strike="noStrike">
+          <a:lstStyle/>
+          <a:p>
+            <a:endParaRPr lang="en-US" sz="2000" b="0" strike="noStrike" spc="-1">
               <a:latin typeface="Arial"/>
             </a:endParaRPr>
           </a:p>
@@ -926,7 +1238,7 @@
       </p:sp>
       <p:sp>
         <p:nvSpPr>
-          <p:cNvPr id="161" name="TextShape 3"/>
+          <p:cNvPr id="167" name="TextShape 3"/>
           <p:cNvSpPr txBox="1"/>
           <p:nvPr/>
         </p:nvSpPr>
@@ -947,19 +1259,20 @@
           <a:bodyPr anchor="b">
             <a:noAutofit/>
           </a:bodyPr>
+          <a:lstStyle/>
           <a:p>
             <a:pPr algn="r">
               <a:lnSpc>
                 <a:spcPct val="100000"/>
               </a:lnSpc>
             </a:pPr>
-            <a:fld id="{81B37177-A946-4638-AB0D-D10D20825B57}" type="slidenum">
-              <a:rPr b="0" lang="en-US" sz="1200" spc="-1" strike="noStrike">
+            <a:fld id="{3673A7D5-4BAB-4137-97CA-4955AD1DC8C4}" type="slidenum">
+              <a:rPr lang="en-US" sz="1200" b="0" strike="noStrike" spc="-1">
                 <a:latin typeface="Times New Roman"/>
               </a:rPr>
-              <a:t>&lt;番号&gt;</a:t>
+              <a:t>8</a:t>
             </a:fld>
-            <a:endParaRPr b="0" lang="en-US" sz="1200" spc="-1" strike="noStrike">
+            <a:endParaRPr lang="en-US" sz="1200" b="0" strike="noStrike" spc="-1">
               <a:latin typeface="Times New Roman"/>
             </a:endParaRPr>
           </a:p>
@@ -967,11 +1280,14 @@
       </p:sp>
     </p:spTree>
   </p:cSld>
+  <p:clrMapOvr>
+    <a:masterClrMapping/>
+  </p:clrMapOvr>
 </p:notes>
 </file>
 
-<file path=ppt/notesSlides/notesSlide7.xml><?xml version="1.0" encoding="utf-8"?>
-<p:notes xmlns:a="http://schemas.openxmlformats.org/drawingml/2006/main" xmlns:p="http://schemas.openxmlformats.org/presentationml/2006/main" xmlns:r="http://schemas.openxmlformats.org/officeDocument/2006/relationships" xmlns:p14="http://schemas.microsoft.com/office/powerpoint/2010/main" xmlns:p15="http://schemas.microsoft.com/office/powerpoint/2012/main" xmlns:mc="http://schemas.openxmlformats.org/markup-compatibility/2006">
+<file path=ppt/notesSlides/notesSlide8.xml><?xml version="1.0" encoding="utf-8"?>
+<p:notes xmlns:a="http://schemas.openxmlformats.org/drawingml/2006/main" xmlns:r="http://schemas.openxmlformats.org/officeDocument/2006/relationships" xmlns:p="http://schemas.openxmlformats.org/presentationml/2006/main">
   <p:cSld>
     <p:spTree>
       <p:nvGrpSpPr>
@@ -989,9 +1305,9 @@
       </p:grpSpPr>
       <p:sp>
         <p:nvSpPr>
-          <p:cNvPr id="162" name="PlaceHolder 1"/>
+          <p:cNvPr id="168" name="PlaceHolder 1"/>
           <p:cNvSpPr>
-            <a:spLocks noGrp="1"/>
+            <a:spLocks noGrp="1" noRot="1" noChangeAspect="1"/>
           </p:cNvSpPr>
           <p:nvPr>
             <p:ph type="sldImg"/>
@@ -1009,7 +1325,7 @@
       </p:sp>
       <p:sp>
         <p:nvSpPr>
-          <p:cNvPr id="163" name="PlaceHolder 2"/>
+          <p:cNvPr id="169" name="PlaceHolder 2"/>
           <p:cNvSpPr>
             <a:spLocks noGrp="1"/>
           </p:cNvSpPr>
@@ -1030,8 +1346,9 @@
           <a:bodyPr>
             <a:noAutofit/>
           </a:bodyPr>
-          <a:p>
-            <a:endParaRPr b="0" lang="en-US" sz="2000" spc="-1" strike="noStrike">
+          <a:lstStyle/>
+          <a:p>
+            <a:endParaRPr lang="en-US" sz="2000" b="0" strike="noStrike" spc="-1">
               <a:latin typeface="Arial"/>
             </a:endParaRPr>
           </a:p>
@@ -1039,7 +1356,7 @@
       </p:sp>
       <p:sp>
         <p:nvSpPr>
-          <p:cNvPr id="164" name="TextShape 3"/>
+          <p:cNvPr id="170" name="TextShape 3"/>
           <p:cNvSpPr txBox="1"/>
           <p:nvPr/>
         </p:nvSpPr>
@@ -1060,19 +1377,20 @@
           <a:bodyPr anchor="b">
             <a:noAutofit/>
           </a:bodyPr>
+          <a:lstStyle/>
           <a:p>
             <a:pPr algn="r">
               <a:lnSpc>
                 <a:spcPct val="100000"/>
               </a:lnSpc>
             </a:pPr>
-            <a:fld id="{1E3C1D12-22C3-48CD-8F61-546C3235391C}" type="slidenum">
-              <a:rPr b="0" lang="en-US" sz="1200" spc="-1" strike="noStrike">
+            <a:fld id="{DFB3788B-BFA2-417E-A20E-703B9CFC31BD}" type="slidenum">
+              <a:rPr lang="en-US" sz="1200" b="0" strike="noStrike" spc="-1">
                 <a:latin typeface="Times New Roman"/>
               </a:rPr>
-              <a:t>&lt;番号&gt;</a:t>
+              <a:t>9</a:t>
             </a:fld>
-            <a:endParaRPr b="0" lang="en-US" sz="1200" spc="-1" strike="noStrike">
+            <a:endParaRPr lang="en-US" sz="1200" b="0" strike="noStrike" spc="-1">
               <a:latin typeface="Times New Roman"/>
             </a:endParaRPr>
           </a:p>
@@ -1080,11 +1398,14 @@
       </p:sp>
     </p:spTree>
   </p:cSld>
+  <p:clrMapOvr>
+    <a:masterClrMapping/>
+  </p:clrMapOvr>
 </p:notes>
 </file>
 
-<file path=ppt/notesSlides/notesSlide8.xml><?xml version="1.0" encoding="utf-8"?>
-<p:notes xmlns:a="http://schemas.openxmlformats.org/drawingml/2006/main" xmlns:p="http://schemas.openxmlformats.org/presentationml/2006/main" xmlns:r="http://schemas.openxmlformats.org/officeDocument/2006/relationships" xmlns:p14="http://schemas.microsoft.com/office/powerpoint/2010/main" xmlns:p15="http://schemas.microsoft.com/office/powerpoint/2012/main" xmlns:mc="http://schemas.openxmlformats.org/markup-compatibility/2006">
+<file path=ppt/notesSlides/notesSlide9.xml><?xml version="1.0" encoding="utf-8"?>
+<p:notes xmlns:a="http://schemas.openxmlformats.org/drawingml/2006/main" xmlns:r="http://schemas.openxmlformats.org/officeDocument/2006/relationships" xmlns:p="http://schemas.openxmlformats.org/presentationml/2006/main">
   <p:cSld>
     <p:spTree>
       <p:nvGrpSpPr>
@@ -1102,9 +1423,9 @@
       </p:grpSpPr>
       <p:sp>
         <p:nvSpPr>
-          <p:cNvPr id="165" name="PlaceHolder 1"/>
+          <p:cNvPr id="171" name="PlaceHolder 1"/>
           <p:cNvSpPr>
-            <a:spLocks noGrp="1"/>
+            <a:spLocks noGrp="1" noRot="1" noChangeAspect="1"/>
           </p:cNvSpPr>
           <p:nvPr>
             <p:ph type="sldImg"/>
@@ -1122,7 +1443,7 @@
       </p:sp>
       <p:sp>
         <p:nvSpPr>
-          <p:cNvPr id="166" name="PlaceHolder 2"/>
+          <p:cNvPr id="172" name="PlaceHolder 2"/>
           <p:cNvSpPr>
             <a:spLocks noGrp="1"/>
           </p:cNvSpPr>
@@ -1143,8 +1464,9 @@
           <a:bodyPr>
             <a:noAutofit/>
           </a:bodyPr>
-          <a:p>
-            <a:endParaRPr b="0" lang="en-US" sz="2000" spc="-1" strike="noStrike">
+          <a:lstStyle/>
+          <a:p>
+            <a:endParaRPr lang="en-US" sz="2000" b="0" strike="noStrike" spc="-1">
               <a:latin typeface="Arial"/>
             </a:endParaRPr>
           </a:p>
@@ -1152,7 +1474,7 @@
       </p:sp>
       <p:sp>
         <p:nvSpPr>
-          <p:cNvPr id="167" name="TextShape 3"/>
+          <p:cNvPr id="173" name="TextShape 3"/>
           <p:cNvSpPr txBox="1"/>
           <p:nvPr/>
         </p:nvSpPr>
@@ -1173,19 +1495,20 @@
           <a:bodyPr anchor="b">
             <a:noAutofit/>
           </a:bodyPr>
+          <a:lstStyle/>
           <a:p>
             <a:pPr algn="r">
               <a:lnSpc>
                 <a:spcPct val="100000"/>
               </a:lnSpc>
             </a:pPr>
-            <a:fld id="{3673A7D5-4BAB-4137-97CA-4955AD1DC8C4}" type="slidenum">
-              <a:rPr b="0" lang="en-US" sz="1200" spc="-1" strike="noStrike">
+            <a:fld id="{C43232AF-3E6F-43D9-A0E6-27D9EE6F7F28}" type="slidenum">
+              <a:rPr lang="en-US" sz="1200" b="0" strike="noStrike" spc="-1">
                 <a:latin typeface="Times New Roman"/>
               </a:rPr>
-              <a:t>&lt;番号&gt;</a:t>
+              <a:t>10</a:t>
             </a:fld>
-            <a:endParaRPr b="0" lang="en-US" sz="1200" spc="-1" strike="noStrike">
+            <a:endParaRPr lang="en-US" sz="1200" b="0" strike="noStrike" spc="-1">
               <a:latin typeface="Times New Roman"/>
             </a:endParaRPr>
           </a:p>
@@ -1193,124 +1516,14 @@
       </p:sp>
     </p:spTree>
   </p:cSld>
-</p:notes>
-</file>
-
-<file path=ppt/notesSlides/notesSlide9.xml><?xml version="1.0" encoding="utf-8"?>
-<p:notes xmlns:a="http://schemas.openxmlformats.org/drawingml/2006/main" xmlns:p="http://schemas.openxmlformats.org/presentationml/2006/main" xmlns:r="http://schemas.openxmlformats.org/officeDocument/2006/relationships" xmlns:p14="http://schemas.microsoft.com/office/powerpoint/2010/main" xmlns:p15="http://schemas.microsoft.com/office/powerpoint/2012/main" xmlns:mc="http://schemas.openxmlformats.org/markup-compatibility/2006">
-  <p:cSld>
-    <p:spTree>
-      <p:nvGrpSpPr>
-        <p:cNvPr id="1" name=""/>
-        <p:cNvGrpSpPr/>
-        <p:nvPr/>
-      </p:nvGrpSpPr>
-      <p:grpSpPr>
-        <a:xfrm>
-          <a:off x="0" y="0"/>
-          <a:ext cx="0" cy="0"/>
-          <a:chOff x="0" y="0"/>
-          <a:chExt cx="0" cy="0"/>
-        </a:xfrm>
-      </p:grpSpPr>
-      <p:sp>
-        <p:nvSpPr>
-          <p:cNvPr id="168" name="PlaceHolder 1"/>
-          <p:cNvSpPr>
-            <a:spLocks noGrp="1"/>
-          </p:cNvSpPr>
-          <p:nvPr>
-            <p:ph type="sldImg"/>
-          </p:nvPr>
-        </p:nvSpPr>
-        <p:spPr>
-          <a:xfrm>
-            <a:off x="1371600" y="1143000"/>
-            <a:ext cx="4114440" cy="3085920"/>
-          </a:xfrm>
-          <a:prstGeom prst="rect">
-            <a:avLst/>
-          </a:prstGeom>
-        </p:spPr>
-      </p:sp>
-      <p:sp>
-        <p:nvSpPr>
-          <p:cNvPr id="169" name="PlaceHolder 2"/>
-          <p:cNvSpPr>
-            <a:spLocks noGrp="1"/>
-          </p:cNvSpPr>
-          <p:nvPr>
-            <p:ph type="body"/>
-          </p:nvPr>
-        </p:nvSpPr>
-        <p:spPr>
-          <a:xfrm>
-            <a:off x="685800" y="4400640"/>
-            <a:ext cx="5486040" cy="3600000"/>
-          </a:xfrm>
-          <a:prstGeom prst="rect">
-            <a:avLst/>
-          </a:prstGeom>
-        </p:spPr>
-        <p:txBody>
-          <a:bodyPr>
-            <a:noAutofit/>
-          </a:bodyPr>
-          <a:p>
-            <a:endParaRPr b="0" lang="en-US" sz="2000" spc="-1" strike="noStrike">
-              <a:latin typeface="Arial"/>
-            </a:endParaRPr>
-          </a:p>
-        </p:txBody>
-      </p:sp>
-      <p:sp>
-        <p:nvSpPr>
-          <p:cNvPr id="170" name="TextShape 3"/>
-          <p:cNvSpPr txBox="1"/>
-          <p:nvPr/>
-        </p:nvSpPr>
-        <p:spPr>
-          <a:xfrm>
-            <a:off x="3884760" y="8685360"/>
-            <a:ext cx="2971440" cy="458280"/>
-          </a:xfrm>
-          <a:prstGeom prst="rect">
-            <a:avLst/>
-          </a:prstGeom>
-          <a:noFill/>
-          <a:ln>
-            <a:noFill/>
-          </a:ln>
-        </p:spPr>
-        <p:txBody>
-          <a:bodyPr anchor="b">
-            <a:noAutofit/>
-          </a:bodyPr>
-          <a:p>
-            <a:pPr algn="r">
-              <a:lnSpc>
-                <a:spcPct val="100000"/>
-              </a:lnSpc>
-            </a:pPr>
-            <a:fld id="{DFB3788B-BFA2-417E-A20E-703B9CFC31BD}" type="slidenum">
-              <a:rPr b="0" lang="en-US" sz="1200" spc="-1" strike="noStrike">
-                <a:latin typeface="Times New Roman"/>
-              </a:rPr>
-              <a:t>&lt;番号&gt;</a:t>
-            </a:fld>
-            <a:endParaRPr b="0" lang="en-US" sz="1200" spc="-1" strike="noStrike">
-              <a:latin typeface="Times New Roman"/>
-            </a:endParaRPr>
-          </a:p>
-        </p:txBody>
-      </p:sp>
-    </p:spTree>
-  </p:cSld>
+  <p:clrMapOvr>
+    <a:masterClrMapping/>
+  </p:clrMapOvr>
 </p:notes>
 </file>
 
 <file path=ppt/slideLayouts/slideLayout1.xml><?xml version="1.0" encoding="utf-8"?>
-<p:sldLayout xmlns:a="http://schemas.openxmlformats.org/drawingml/2006/main" xmlns:p="http://schemas.openxmlformats.org/presentationml/2006/main" xmlns:r="http://schemas.openxmlformats.org/officeDocument/2006/relationships" xmlns:p14="http://schemas.microsoft.com/office/powerpoint/2010/main" xmlns:p15="http://schemas.microsoft.com/office/powerpoint/2012/main" xmlns:mc="http://schemas.openxmlformats.org/markup-compatibility/2006" type="blank" preserve="1">
+<p:sldLayout xmlns:a="http://schemas.openxmlformats.org/drawingml/2006/main" xmlns:r="http://schemas.openxmlformats.org/officeDocument/2006/relationships" xmlns:p="http://schemas.openxmlformats.org/presentationml/2006/main" type="blank" preserve="1">
   <p:cSld name="Blank Slide">
     <p:spTree>
       <p:nvGrpSpPr>
@@ -1328,11 +1541,14 @@
       </p:grpSpPr>
     </p:spTree>
   </p:cSld>
+  <p:clrMapOvr>
+    <a:masterClrMapping/>
+  </p:clrMapOvr>
 </p:sldLayout>
 </file>
 
 <file path=ppt/slideLayouts/slideLayout10.xml><?xml version="1.0" encoding="utf-8"?>
-<p:sldLayout xmlns:a="http://schemas.openxmlformats.org/drawingml/2006/main" xmlns:p="http://schemas.openxmlformats.org/presentationml/2006/main" xmlns:r="http://schemas.openxmlformats.org/officeDocument/2006/relationships" xmlns:p14="http://schemas.microsoft.com/office/powerpoint/2010/main" xmlns:p15="http://schemas.microsoft.com/office/powerpoint/2012/main" xmlns:mc="http://schemas.openxmlformats.org/markup-compatibility/2006" type="objOverTx" preserve="1">
+<p:sldLayout xmlns:a="http://schemas.openxmlformats.org/drawingml/2006/main" xmlns:r="http://schemas.openxmlformats.org/officeDocument/2006/relationships" xmlns:p="http://schemas.openxmlformats.org/presentationml/2006/main" type="objOverTx" preserve="1">
   <p:cSld name="Title, Content over Content">
     <p:spTree>
       <p:nvGrpSpPr>
@@ -1368,11 +1584,12 @@
           </a:prstGeom>
         </p:spPr>
         <p:txBody>
-          <a:bodyPr lIns="0" rIns="0" tIns="0" bIns="0" anchor="ctr">
+          <a:bodyPr lIns="0" tIns="0" rIns="0" bIns="0" anchor="ctr">
             <a:noAutofit/>
           </a:bodyPr>
-          <a:p>
-            <a:endParaRPr b="0" lang="en-US" sz="1800" spc="-1" strike="noStrike">
+          <a:lstStyle/>
+          <a:p>
+            <a:endParaRPr lang="en-US" sz="1800" b="0" strike="noStrike" spc="-1">
               <a:solidFill>
                 <a:srgbClr val="000000"/>
               </a:solidFill>
@@ -1401,11 +1618,12 @@
           </a:prstGeom>
         </p:spPr>
         <p:txBody>
-          <a:bodyPr lIns="0" rIns="0" tIns="0" bIns="0">
+          <a:bodyPr lIns="0" tIns="0" rIns="0" bIns="0">
             <a:normAutofit/>
           </a:bodyPr>
-          <a:p>
-            <a:endParaRPr b="0" lang="en-US" sz="2100" spc="-1" strike="noStrike">
+          <a:lstStyle/>
+          <a:p>
+            <a:endParaRPr lang="en-US" sz="2100" b="0" strike="noStrike" spc="-1">
               <a:solidFill>
                 <a:srgbClr val="000000"/>
               </a:solidFill>
@@ -1434,11 +1652,12 @@
           </a:prstGeom>
         </p:spPr>
         <p:txBody>
-          <a:bodyPr lIns="0" rIns="0" tIns="0" bIns="0">
+          <a:bodyPr lIns="0" tIns="0" rIns="0" bIns="0">
             <a:normAutofit/>
           </a:bodyPr>
-          <a:p>
-            <a:endParaRPr b="0" lang="en-US" sz="2100" spc="-1" strike="noStrike">
+          <a:lstStyle/>
+          <a:p>
+            <a:endParaRPr lang="en-US" sz="2100" b="0" strike="noStrike" spc="-1">
               <a:solidFill>
                 <a:srgbClr val="000000"/>
               </a:solidFill>
@@ -1449,11 +1668,14 @@
       </p:sp>
     </p:spTree>
   </p:cSld>
+  <p:clrMapOvr>
+    <a:masterClrMapping/>
+  </p:clrMapOvr>
 </p:sldLayout>
 </file>
 
 <file path=ppt/slideLayouts/slideLayout11.xml><?xml version="1.0" encoding="utf-8"?>
-<p:sldLayout xmlns:a="http://schemas.openxmlformats.org/drawingml/2006/main" xmlns:p="http://schemas.openxmlformats.org/presentationml/2006/main" xmlns:r="http://schemas.openxmlformats.org/officeDocument/2006/relationships" xmlns:p14="http://schemas.microsoft.com/office/powerpoint/2010/main" xmlns:p15="http://schemas.microsoft.com/office/powerpoint/2012/main" xmlns:mc="http://schemas.openxmlformats.org/markup-compatibility/2006" type="fourObj" preserve="1">
+<p:sldLayout xmlns:a="http://schemas.openxmlformats.org/drawingml/2006/main" xmlns:r="http://schemas.openxmlformats.org/officeDocument/2006/relationships" xmlns:p="http://schemas.openxmlformats.org/presentationml/2006/main" type="fourObj" preserve="1">
   <p:cSld name="Title, 4 Content">
     <p:spTree>
       <p:nvGrpSpPr>
@@ -1489,11 +1711,12 @@
           </a:prstGeom>
         </p:spPr>
         <p:txBody>
-          <a:bodyPr lIns="0" rIns="0" tIns="0" bIns="0" anchor="ctr">
+          <a:bodyPr lIns="0" tIns="0" rIns="0" bIns="0" anchor="ctr">
             <a:noAutofit/>
           </a:bodyPr>
-          <a:p>
-            <a:endParaRPr b="0" lang="en-US" sz="1800" spc="-1" strike="noStrike">
+          <a:lstStyle/>
+          <a:p>
+            <a:endParaRPr lang="en-US" sz="1800" b="0" strike="noStrike" spc="-1">
               <a:solidFill>
                 <a:srgbClr val="000000"/>
               </a:solidFill>
@@ -1522,11 +1745,12 @@
           </a:prstGeom>
         </p:spPr>
         <p:txBody>
-          <a:bodyPr lIns="0" rIns="0" tIns="0" bIns="0">
+          <a:bodyPr lIns="0" tIns="0" rIns="0" bIns="0">
             <a:normAutofit/>
           </a:bodyPr>
-          <a:p>
-            <a:endParaRPr b="0" lang="en-US" sz="2100" spc="-1" strike="noStrike">
+          <a:lstStyle/>
+          <a:p>
+            <a:endParaRPr lang="en-US" sz="2100" b="0" strike="noStrike" spc="-1">
               <a:solidFill>
                 <a:srgbClr val="000000"/>
               </a:solidFill>
@@ -1555,11 +1779,12 @@
           </a:prstGeom>
         </p:spPr>
         <p:txBody>
-          <a:bodyPr lIns="0" rIns="0" tIns="0" bIns="0">
+          <a:bodyPr lIns="0" tIns="0" rIns="0" bIns="0">
             <a:normAutofit/>
           </a:bodyPr>
-          <a:p>
-            <a:endParaRPr b="0" lang="en-US" sz="2100" spc="-1" strike="noStrike">
+          <a:lstStyle/>
+          <a:p>
+            <a:endParaRPr lang="en-US" sz="2100" b="0" strike="noStrike" spc="-1">
               <a:solidFill>
                 <a:srgbClr val="000000"/>
               </a:solidFill>
@@ -1588,11 +1813,12 @@
           </a:prstGeom>
         </p:spPr>
         <p:txBody>
-          <a:bodyPr lIns="0" rIns="0" tIns="0" bIns="0">
+          <a:bodyPr lIns="0" tIns="0" rIns="0" bIns="0">
             <a:normAutofit/>
           </a:bodyPr>
-          <a:p>
-            <a:endParaRPr b="0" lang="en-US" sz="2100" spc="-1" strike="noStrike">
+          <a:lstStyle/>
+          <a:p>
+            <a:endParaRPr lang="en-US" sz="2100" b="0" strike="noStrike" spc="-1">
               <a:solidFill>
                 <a:srgbClr val="000000"/>
               </a:solidFill>
@@ -1621,11 +1847,12 @@
           </a:prstGeom>
         </p:spPr>
         <p:txBody>
-          <a:bodyPr lIns="0" rIns="0" tIns="0" bIns="0">
+          <a:bodyPr lIns="0" tIns="0" rIns="0" bIns="0">
             <a:normAutofit/>
           </a:bodyPr>
-          <a:p>
-            <a:endParaRPr b="0" lang="en-US" sz="2100" spc="-1" strike="noStrike">
+          <a:lstStyle/>
+          <a:p>
+            <a:endParaRPr lang="en-US" sz="2100" b="0" strike="noStrike" spc="-1">
               <a:solidFill>
                 <a:srgbClr val="000000"/>
               </a:solidFill>
@@ -1636,11 +1863,14 @@
       </p:sp>
     </p:spTree>
   </p:cSld>
+  <p:clrMapOvr>
+    <a:masterClrMapping/>
+  </p:clrMapOvr>
 </p:sldLayout>
 </file>
 
 <file path=ppt/slideLayouts/slideLayout12.xml><?xml version="1.0" encoding="utf-8"?>
-<p:sldLayout xmlns:a="http://schemas.openxmlformats.org/drawingml/2006/main" xmlns:p="http://schemas.openxmlformats.org/presentationml/2006/main" xmlns:r="http://schemas.openxmlformats.org/officeDocument/2006/relationships" xmlns:p14="http://schemas.microsoft.com/office/powerpoint/2010/main" xmlns:p15="http://schemas.microsoft.com/office/powerpoint/2012/main" xmlns:mc="http://schemas.openxmlformats.org/markup-compatibility/2006" type="blank" preserve="1">
+<p:sldLayout xmlns:a="http://schemas.openxmlformats.org/drawingml/2006/main" xmlns:r="http://schemas.openxmlformats.org/officeDocument/2006/relationships" xmlns:p="http://schemas.openxmlformats.org/presentationml/2006/main" type="blank" preserve="1">
   <p:cSld name="Title, 6 Content">
     <p:spTree>
       <p:nvGrpSpPr>
@@ -1676,11 +1906,12 @@
           </a:prstGeom>
         </p:spPr>
         <p:txBody>
-          <a:bodyPr lIns="0" rIns="0" tIns="0" bIns="0" anchor="ctr">
+          <a:bodyPr lIns="0" tIns="0" rIns="0" bIns="0" anchor="ctr">
             <a:noAutofit/>
           </a:bodyPr>
-          <a:p>
-            <a:endParaRPr b="0" lang="en-US" sz="1800" spc="-1" strike="noStrike">
+          <a:lstStyle/>
+          <a:p>
+            <a:endParaRPr lang="en-US" sz="1800" b="0" strike="noStrike" spc="-1">
               <a:solidFill>
                 <a:srgbClr val="000000"/>
               </a:solidFill>
@@ -1709,11 +1940,12 @@
           </a:prstGeom>
         </p:spPr>
         <p:txBody>
-          <a:bodyPr lIns="0" rIns="0" tIns="0" bIns="0">
+          <a:bodyPr lIns="0" tIns="0" rIns="0" bIns="0">
             <a:normAutofit/>
           </a:bodyPr>
-          <a:p>
-            <a:endParaRPr b="0" lang="en-US" sz="2100" spc="-1" strike="noStrike">
+          <a:lstStyle/>
+          <a:p>
+            <a:endParaRPr lang="en-US" sz="2100" b="0" strike="noStrike" spc="-1">
               <a:solidFill>
                 <a:srgbClr val="000000"/>
               </a:solidFill>
@@ -1742,11 +1974,12 @@
           </a:prstGeom>
         </p:spPr>
         <p:txBody>
-          <a:bodyPr lIns="0" rIns="0" tIns="0" bIns="0">
+          <a:bodyPr lIns="0" tIns="0" rIns="0" bIns="0">
             <a:normAutofit/>
           </a:bodyPr>
-          <a:p>
-            <a:endParaRPr b="0" lang="en-US" sz="2100" spc="-1" strike="noStrike">
+          <a:lstStyle/>
+          <a:p>
+            <a:endParaRPr lang="en-US" sz="2100" b="0" strike="noStrike" spc="-1">
               <a:solidFill>
                 <a:srgbClr val="000000"/>
               </a:solidFill>
@@ -1775,11 +2008,12 @@
           </a:prstGeom>
         </p:spPr>
         <p:txBody>
-          <a:bodyPr lIns="0" rIns="0" tIns="0" bIns="0">
+          <a:bodyPr lIns="0" tIns="0" rIns="0" bIns="0">
             <a:normAutofit/>
           </a:bodyPr>
-          <a:p>
-            <a:endParaRPr b="0" lang="en-US" sz="2100" spc="-1" strike="noStrike">
+          <a:lstStyle/>
+          <a:p>
+            <a:endParaRPr lang="en-US" sz="2100" b="0" strike="noStrike" spc="-1">
               <a:solidFill>
                 <a:srgbClr val="000000"/>
               </a:solidFill>
@@ -1808,11 +2042,12 @@
           </a:prstGeom>
         </p:spPr>
         <p:txBody>
-          <a:bodyPr lIns="0" rIns="0" tIns="0" bIns="0">
+          <a:bodyPr lIns="0" tIns="0" rIns="0" bIns="0">
             <a:normAutofit/>
           </a:bodyPr>
-          <a:p>
-            <a:endParaRPr b="0" lang="en-US" sz="2100" spc="-1" strike="noStrike">
+          <a:lstStyle/>
+          <a:p>
+            <a:endParaRPr lang="en-US" sz="2100" b="0" strike="noStrike" spc="-1">
               <a:solidFill>
                 <a:srgbClr val="000000"/>
               </a:solidFill>
@@ -1841,11 +2076,12 @@
           </a:prstGeom>
         </p:spPr>
         <p:txBody>
-          <a:bodyPr lIns="0" rIns="0" tIns="0" bIns="0">
+          <a:bodyPr lIns="0" tIns="0" rIns="0" bIns="0">
             <a:normAutofit/>
           </a:bodyPr>
-          <a:p>
-            <a:endParaRPr b="0" lang="en-US" sz="2100" spc="-1" strike="noStrike">
+          <a:lstStyle/>
+          <a:p>
+            <a:endParaRPr lang="en-US" sz="2100" b="0" strike="noStrike" spc="-1">
               <a:solidFill>
                 <a:srgbClr val="000000"/>
               </a:solidFill>
@@ -1874,11 +2110,12 @@
           </a:prstGeom>
         </p:spPr>
         <p:txBody>
-          <a:bodyPr lIns="0" rIns="0" tIns="0" bIns="0">
+          <a:bodyPr lIns="0" tIns="0" rIns="0" bIns="0">
             <a:normAutofit/>
           </a:bodyPr>
-          <a:p>
-            <a:endParaRPr b="0" lang="en-US" sz="2100" spc="-1" strike="noStrike">
+          <a:lstStyle/>
+          <a:p>
+            <a:endParaRPr lang="en-US" sz="2100" b="0" strike="noStrike" spc="-1">
               <a:solidFill>
                 <a:srgbClr val="000000"/>
               </a:solidFill>
@@ -1889,11 +2126,14 @@
       </p:sp>
     </p:spTree>
   </p:cSld>
+  <p:clrMapOvr>
+    <a:masterClrMapping/>
+  </p:clrMapOvr>
 </p:sldLayout>
 </file>
 
 <file path=ppt/slideLayouts/slideLayout2.xml><?xml version="1.0" encoding="utf-8"?>
-<p:sldLayout xmlns:a="http://schemas.openxmlformats.org/drawingml/2006/main" xmlns:p="http://schemas.openxmlformats.org/presentationml/2006/main" xmlns:r="http://schemas.openxmlformats.org/officeDocument/2006/relationships" xmlns:p14="http://schemas.microsoft.com/office/powerpoint/2010/main" xmlns:p15="http://schemas.microsoft.com/office/powerpoint/2012/main" xmlns:mc="http://schemas.openxmlformats.org/markup-compatibility/2006" type="tx" preserve="1">
+<p:sldLayout xmlns:a="http://schemas.openxmlformats.org/drawingml/2006/main" xmlns:r="http://schemas.openxmlformats.org/officeDocument/2006/relationships" xmlns:p="http://schemas.openxmlformats.org/presentationml/2006/main" type="tx" preserve="1">
   <p:cSld name="Title Slide">
     <p:spTree>
       <p:nvGrpSpPr>
@@ -1929,11 +2169,12 @@
           </a:prstGeom>
         </p:spPr>
         <p:txBody>
-          <a:bodyPr lIns="0" rIns="0" tIns="0" bIns="0" anchor="ctr">
+          <a:bodyPr lIns="0" tIns="0" rIns="0" bIns="0" anchor="ctr">
             <a:noAutofit/>
           </a:bodyPr>
-          <a:p>
-            <a:endParaRPr b="0" lang="en-US" sz="1800" spc="-1" strike="noStrike">
+          <a:lstStyle/>
+          <a:p>
+            <a:endParaRPr lang="en-US" sz="1800" b="0" strike="noStrike" spc="-1">
               <a:solidFill>
                 <a:srgbClr val="000000"/>
               </a:solidFill>
@@ -1962,12 +2203,13 @@
           </a:prstGeom>
         </p:spPr>
         <p:txBody>
-          <a:bodyPr lIns="0" rIns="0" tIns="0" bIns="0" anchor="ctr">
+          <a:bodyPr lIns="0" tIns="0" rIns="0" bIns="0" anchor="ctr">
             <a:noAutofit/>
           </a:bodyPr>
+          <a:lstStyle/>
           <a:p>
             <a:pPr algn="ctr"/>
-            <a:endParaRPr b="0" lang="en-US" sz="3200" spc="-1" strike="noStrike">
+            <a:endParaRPr lang="en-US" sz="3200" b="0" strike="noStrike" spc="-1">
               <a:latin typeface="Arial"/>
             </a:endParaRPr>
           </a:p>
@@ -1975,11 +2217,14 @@
       </p:sp>
     </p:spTree>
   </p:cSld>
+  <p:clrMapOvr>
+    <a:masterClrMapping/>
+  </p:clrMapOvr>
 </p:sldLayout>
 </file>
 
 <file path=ppt/slideLayouts/slideLayout3.xml><?xml version="1.0" encoding="utf-8"?>
-<p:sldLayout xmlns:a="http://schemas.openxmlformats.org/drawingml/2006/main" xmlns:p="http://schemas.openxmlformats.org/presentationml/2006/main" xmlns:r="http://schemas.openxmlformats.org/officeDocument/2006/relationships" xmlns:p14="http://schemas.microsoft.com/office/powerpoint/2010/main" xmlns:p15="http://schemas.microsoft.com/office/powerpoint/2012/main" xmlns:mc="http://schemas.openxmlformats.org/markup-compatibility/2006" type="obj" preserve="1">
+<p:sldLayout xmlns:a="http://schemas.openxmlformats.org/drawingml/2006/main" xmlns:r="http://schemas.openxmlformats.org/officeDocument/2006/relationships" xmlns:p="http://schemas.openxmlformats.org/presentationml/2006/main" type="obj" preserve="1">
   <p:cSld name="Title, Content">
     <p:spTree>
       <p:nvGrpSpPr>
@@ -2015,11 +2260,12 @@
           </a:prstGeom>
         </p:spPr>
         <p:txBody>
-          <a:bodyPr lIns="0" rIns="0" tIns="0" bIns="0" anchor="ctr">
+          <a:bodyPr lIns="0" tIns="0" rIns="0" bIns="0" anchor="ctr">
             <a:noAutofit/>
           </a:bodyPr>
-          <a:p>
-            <a:endParaRPr b="0" lang="en-US" sz="1800" spc="-1" strike="noStrike">
+          <a:lstStyle/>
+          <a:p>
+            <a:endParaRPr lang="en-US" sz="1800" b="0" strike="noStrike" spc="-1">
               <a:solidFill>
                 <a:srgbClr val="000000"/>
               </a:solidFill>
@@ -2048,11 +2294,12 @@
           </a:prstGeom>
         </p:spPr>
         <p:txBody>
-          <a:bodyPr lIns="0" rIns="0" tIns="0" bIns="0">
+          <a:bodyPr lIns="0" tIns="0" rIns="0" bIns="0">
             <a:normAutofit/>
           </a:bodyPr>
-          <a:p>
-            <a:endParaRPr b="0" lang="en-US" sz="2100" spc="-1" strike="noStrike">
+          <a:lstStyle/>
+          <a:p>
+            <a:endParaRPr lang="en-US" sz="2100" b="0" strike="noStrike" spc="-1">
               <a:solidFill>
                 <a:srgbClr val="000000"/>
               </a:solidFill>
@@ -2063,11 +2310,14 @@
       </p:sp>
     </p:spTree>
   </p:cSld>
+  <p:clrMapOvr>
+    <a:masterClrMapping/>
+  </p:clrMapOvr>
 </p:sldLayout>
 </file>
 
 <file path=ppt/slideLayouts/slideLayout4.xml><?xml version="1.0" encoding="utf-8"?>
-<p:sldLayout xmlns:a="http://schemas.openxmlformats.org/drawingml/2006/main" xmlns:p="http://schemas.openxmlformats.org/presentationml/2006/main" xmlns:r="http://schemas.openxmlformats.org/officeDocument/2006/relationships" xmlns:p14="http://schemas.microsoft.com/office/powerpoint/2010/main" xmlns:p15="http://schemas.microsoft.com/office/powerpoint/2012/main" xmlns:mc="http://schemas.openxmlformats.org/markup-compatibility/2006" type="twoObj" preserve="1">
+<p:sldLayout xmlns:a="http://schemas.openxmlformats.org/drawingml/2006/main" xmlns:r="http://schemas.openxmlformats.org/officeDocument/2006/relationships" xmlns:p="http://schemas.openxmlformats.org/presentationml/2006/main" type="twoObj" preserve="1">
   <p:cSld name="Title, 2 Content">
     <p:spTree>
       <p:nvGrpSpPr>
@@ -2103,11 +2353,12 @@
           </a:prstGeom>
         </p:spPr>
         <p:txBody>
-          <a:bodyPr lIns="0" rIns="0" tIns="0" bIns="0" anchor="ctr">
+          <a:bodyPr lIns="0" tIns="0" rIns="0" bIns="0" anchor="ctr">
             <a:noAutofit/>
           </a:bodyPr>
-          <a:p>
-            <a:endParaRPr b="0" lang="en-US" sz="1800" spc="-1" strike="noStrike">
+          <a:lstStyle/>
+          <a:p>
+            <a:endParaRPr lang="en-US" sz="1800" b="0" strike="noStrike" spc="-1">
               <a:solidFill>
                 <a:srgbClr val="000000"/>
               </a:solidFill>
@@ -2136,11 +2387,12 @@
           </a:prstGeom>
         </p:spPr>
         <p:txBody>
-          <a:bodyPr lIns="0" rIns="0" tIns="0" bIns="0">
+          <a:bodyPr lIns="0" tIns="0" rIns="0" bIns="0">
             <a:normAutofit/>
           </a:bodyPr>
-          <a:p>
-            <a:endParaRPr b="0" lang="en-US" sz="2100" spc="-1" strike="noStrike">
+          <a:lstStyle/>
+          <a:p>
+            <a:endParaRPr lang="en-US" sz="2100" b="0" strike="noStrike" spc="-1">
               <a:solidFill>
                 <a:srgbClr val="000000"/>
               </a:solidFill>
@@ -2169,11 +2421,12 @@
           </a:prstGeom>
         </p:spPr>
         <p:txBody>
-          <a:bodyPr lIns="0" rIns="0" tIns="0" bIns="0">
+          <a:bodyPr lIns="0" tIns="0" rIns="0" bIns="0">
             <a:normAutofit/>
           </a:bodyPr>
-          <a:p>
-            <a:endParaRPr b="0" lang="en-US" sz="2100" spc="-1" strike="noStrike">
+          <a:lstStyle/>
+          <a:p>
+            <a:endParaRPr lang="en-US" sz="2100" b="0" strike="noStrike" spc="-1">
               <a:solidFill>
                 <a:srgbClr val="000000"/>
               </a:solidFill>
@@ -2184,11 +2437,14 @@
       </p:sp>
     </p:spTree>
   </p:cSld>
+  <p:clrMapOvr>
+    <a:masterClrMapping/>
+  </p:clrMapOvr>
 </p:sldLayout>
 </file>
 
 <file path=ppt/slideLayouts/slideLayout5.xml><?xml version="1.0" encoding="utf-8"?>
-<p:sldLayout xmlns:a="http://schemas.openxmlformats.org/drawingml/2006/main" xmlns:p="http://schemas.openxmlformats.org/presentationml/2006/main" xmlns:r="http://schemas.openxmlformats.org/officeDocument/2006/relationships" xmlns:p14="http://schemas.microsoft.com/office/powerpoint/2010/main" xmlns:p15="http://schemas.microsoft.com/office/powerpoint/2012/main" xmlns:mc="http://schemas.openxmlformats.org/markup-compatibility/2006" type="titleOnly" preserve="1">
+<p:sldLayout xmlns:a="http://schemas.openxmlformats.org/drawingml/2006/main" xmlns:r="http://schemas.openxmlformats.org/officeDocument/2006/relationships" xmlns:p="http://schemas.openxmlformats.org/presentationml/2006/main" type="titleOnly" preserve="1">
   <p:cSld name="Title Only">
     <p:spTree>
       <p:nvGrpSpPr>
@@ -2224,11 +2480,12 @@
           </a:prstGeom>
         </p:spPr>
         <p:txBody>
-          <a:bodyPr lIns="0" rIns="0" tIns="0" bIns="0" anchor="ctr">
+          <a:bodyPr lIns="0" tIns="0" rIns="0" bIns="0" anchor="ctr">
             <a:noAutofit/>
           </a:bodyPr>
-          <a:p>
-            <a:endParaRPr b="0" lang="en-US" sz="1800" spc="-1" strike="noStrike">
+          <a:lstStyle/>
+          <a:p>
+            <a:endParaRPr lang="en-US" sz="1800" b="0" strike="noStrike" spc="-1">
               <a:solidFill>
                 <a:srgbClr val="000000"/>
               </a:solidFill>
@@ -2239,11 +2496,14 @@
       </p:sp>
     </p:spTree>
   </p:cSld>
+  <p:clrMapOvr>
+    <a:masterClrMapping/>
+  </p:clrMapOvr>
 </p:sldLayout>
 </file>
 
 <file path=ppt/slideLayouts/slideLayout6.xml><?xml version="1.0" encoding="utf-8"?>
-<p:sldLayout xmlns:a="http://schemas.openxmlformats.org/drawingml/2006/main" xmlns:p="http://schemas.openxmlformats.org/presentationml/2006/main" xmlns:r="http://schemas.openxmlformats.org/officeDocument/2006/relationships" xmlns:p14="http://schemas.microsoft.com/office/powerpoint/2010/main" xmlns:p15="http://schemas.microsoft.com/office/powerpoint/2012/main" xmlns:mc="http://schemas.openxmlformats.org/markup-compatibility/2006" type="objOnly" preserve="1">
+<p:sldLayout xmlns:a="http://schemas.openxmlformats.org/drawingml/2006/main" xmlns:r="http://schemas.openxmlformats.org/officeDocument/2006/relationships" xmlns:p="http://schemas.openxmlformats.org/presentationml/2006/main" type="objOnly" preserve="1">
   <p:cSld name="Centered Text">
     <p:spTree>
       <p:nvGrpSpPr>
@@ -2279,12 +2539,13 @@
           </a:prstGeom>
         </p:spPr>
         <p:txBody>
-          <a:bodyPr lIns="0" rIns="0" tIns="0" bIns="0" anchor="ctr">
+          <a:bodyPr lIns="0" tIns="0" rIns="0" bIns="0" anchor="ctr">
             <a:noAutofit/>
           </a:bodyPr>
+          <a:lstStyle/>
           <a:p>
             <a:pPr algn="ctr"/>
-            <a:endParaRPr b="0" lang="en-US" sz="3200" spc="-1" strike="noStrike">
+            <a:endParaRPr lang="en-US" sz="3200" b="0" strike="noStrike" spc="-1">
               <a:latin typeface="Arial"/>
             </a:endParaRPr>
           </a:p>
@@ -2292,11 +2553,14 @@
       </p:sp>
     </p:spTree>
   </p:cSld>
+  <p:clrMapOvr>
+    <a:masterClrMapping/>
+  </p:clrMapOvr>
 </p:sldLayout>
 </file>
 
 <file path=ppt/slideLayouts/slideLayout7.xml><?xml version="1.0" encoding="utf-8"?>
-<p:sldLayout xmlns:a="http://schemas.openxmlformats.org/drawingml/2006/main" xmlns:p="http://schemas.openxmlformats.org/presentationml/2006/main" xmlns:r="http://schemas.openxmlformats.org/officeDocument/2006/relationships" xmlns:p14="http://schemas.microsoft.com/office/powerpoint/2010/main" xmlns:p15="http://schemas.microsoft.com/office/powerpoint/2012/main" xmlns:mc="http://schemas.openxmlformats.org/markup-compatibility/2006" type="twoObjAndObj" preserve="1">
+<p:sldLayout xmlns:a="http://schemas.openxmlformats.org/drawingml/2006/main" xmlns:r="http://schemas.openxmlformats.org/officeDocument/2006/relationships" xmlns:p="http://schemas.openxmlformats.org/presentationml/2006/main" type="twoObjAndObj" preserve="1">
   <p:cSld name="Title, 2 Content and Content">
     <p:spTree>
       <p:nvGrpSpPr>
@@ -2332,11 +2596,12 @@
           </a:prstGeom>
         </p:spPr>
         <p:txBody>
-          <a:bodyPr lIns="0" rIns="0" tIns="0" bIns="0" anchor="ctr">
+          <a:bodyPr lIns="0" tIns="0" rIns="0" bIns="0" anchor="ctr">
             <a:noAutofit/>
           </a:bodyPr>
-          <a:p>
-            <a:endParaRPr b="0" lang="en-US" sz="1800" spc="-1" strike="noStrike">
+          <a:lstStyle/>
+          <a:p>
+            <a:endParaRPr lang="en-US" sz="1800" b="0" strike="noStrike" spc="-1">
               <a:solidFill>
                 <a:srgbClr val="000000"/>
               </a:solidFill>
@@ -2365,11 +2630,12 @@
           </a:prstGeom>
         </p:spPr>
         <p:txBody>
-          <a:bodyPr lIns="0" rIns="0" tIns="0" bIns="0">
+          <a:bodyPr lIns="0" tIns="0" rIns="0" bIns="0">
             <a:normAutofit/>
           </a:bodyPr>
-          <a:p>
-            <a:endParaRPr b="0" lang="en-US" sz="2100" spc="-1" strike="noStrike">
+          <a:lstStyle/>
+          <a:p>
+            <a:endParaRPr lang="en-US" sz="2100" b="0" strike="noStrike" spc="-1">
               <a:solidFill>
                 <a:srgbClr val="000000"/>
               </a:solidFill>
@@ -2398,11 +2664,12 @@
           </a:prstGeom>
         </p:spPr>
         <p:txBody>
-          <a:bodyPr lIns="0" rIns="0" tIns="0" bIns="0">
+          <a:bodyPr lIns="0" tIns="0" rIns="0" bIns="0">
             <a:normAutofit/>
           </a:bodyPr>
-          <a:p>
-            <a:endParaRPr b="0" lang="en-US" sz="2100" spc="-1" strike="noStrike">
+          <a:lstStyle/>
+          <a:p>
+            <a:endParaRPr lang="en-US" sz="2100" b="0" strike="noStrike" spc="-1">
               <a:solidFill>
                 <a:srgbClr val="000000"/>
               </a:solidFill>
@@ -2431,11 +2698,12 @@
           </a:prstGeom>
         </p:spPr>
         <p:txBody>
-          <a:bodyPr lIns="0" rIns="0" tIns="0" bIns="0">
+          <a:bodyPr lIns="0" tIns="0" rIns="0" bIns="0">
             <a:normAutofit/>
           </a:bodyPr>
-          <a:p>
-            <a:endParaRPr b="0" lang="en-US" sz="2100" spc="-1" strike="noStrike">
+          <a:lstStyle/>
+          <a:p>
+            <a:endParaRPr lang="en-US" sz="2100" b="0" strike="noStrike" spc="-1">
               <a:solidFill>
                 <a:srgbClr val="000000"/>
               </a:solidFill>
@@ -2446,11 +2714,14 @@
       </p:sp>
     </p:spTree>
   </p:cSld>
+  <p:clrMapOvr>
+    <a:masterClrMapping/>
+  </p:clrMapOvr>
 </p:sldLayout>
 </file>
 
 <file path=ppt/slideLayouts/slideLayout8.xml><?xml version="1.0" encoding="utf-8"?>
-<p:sldLayout xmlns:a="http://schemas.openxmlformats.org/drawingml/2006/main" xmlns:p="http://schemas.openxmlformats.org/presentationml/2006/main" xmlns:r="http://schemas.openxmlformats.org/officeDocument/2006/relationships" xmlns:p14="http://schemas.microsoft.com/office/powerpoint/2010/main" xmlns:p15="http://schemas.microsoft.com/office/powerpoint/2012/main" xmlns:mc="http://schemas.openxmlformats.org/markup-compatibility/2006" type="objAndTwoObj" preserve="1">
+<p:sldLayout xmlns:a="http://schemas.openxmlformats.org/drawingml/2006/main" xmlns:r="http://schemas.openxmlformats.org/officeDocument/2006/relationships" xmlns:p="http://schemas.openxmlformats.org/presentationml/2006/main" type="objAndTwoObj" preserve="1">
   <p:cSld name="Title Content and 2 Content">
     <p:spTree>
       <p:nvGrpSpPr>
@@ -2486,11 +2757,12 @@
           </a:prstGeom>
         </p:spPr>
         <p:txBody>
-          <a:bodyPr lIns="0" rIns="0" tIns="0" bIns="0" anchor="ctr">
+          <a:bodyPr lIns="0" tIns="0" rIns="0" bIns="0" anchor="ctr">
             <a:noAutofit/>
           </a:bodyPr>
-          <a:p>
-            <a:endParaRPr b="0" lang="en-US" sz="1800" spc="-1" strike="noStrike">
+          <a:lstStyle/>
+          <a:p>
+            <a:endParaRPr lang="en-US" sz="1800" b="0" strike="noStrike" spc="-1">
               <a:solidFill>
                 <a:srgbClr val="000000"/>
               </a:solidFill>
@@ -2519,11 +2791,12 @@
           </a:prstGeom>
         </p:spPr>
         <p:txBody>
-          <a:bodyPr lIns="0" rIns="0" tIns="0" bIns="0">
+          <a:bodyPr lIns="0" tIns="0" rIns="0" bIns="0">
             <a:normAutofit/>
           </a:bodyPr>
-          <a:p>
-            <a:endParaRPr b="0" lang="en-US" sz="2100" spc="-1" strike="noStrike">
+          <a:lstStyle/>
+          <a:p>
+            <a:endParaRPr lang="en-US" sz="2100" b="0" strike="noStrike" spc="-1">
               <a:solidFill>
                 <a:srgbClr val="000000"/>
               </a:solidFill>
@@ -2552,11 +2825,12 @@
           </a:prstGeom>
         </p:spPr>
         <p:txBody>
-          <a:bodyPr lIns="0" rIns="0" tIns="0" bIns="0">
+          <a:bodyPr lIns="0" tIns="0" rIns="0" bIns="0">
             <a:normAutofit/>
           </a:bodyPr>
-          <a:p>
-            <a:endParaRPr b="0" lang="en-US" sz="2100" spc="-1" strike="noStrike">
+          <a:lstStyle/>
+          <a:p>
+            <a:endParaRPr lang="en-US" sz="2100" b="0" strike="noStrike" spc="-1">
               <a:solidFill>
                 <a:srgbClr val="000000"/>
               </a:solidFill>
@@ -2585,11 +2859,12 @@
           </a:prstGeom>
         </p:spPr>
         <p:txBody>
-          <a:bodyPr lIns="0" rIns="0" tIns="0" bIns="0">
+          <a:bodyPr lIns="0" tIns="0" rIns="0" bIns="0">
             <a:normAutofit/>
           </a:bodyPr>
-          <a:p>
-            <a:endParaRPr b="0" lang="en-US" sz="2100" spc="-1" strike="noStrike">
+          <a:lstStyle/>
+          <a:p>
+            <a:endParaRPr lang="en-US" sz="2100" b="0" strike="noStrike" spc="-1">
               <a:solidFill>
                 <a:srgbClr val="000000"/>
               </a:solidFill>
@@ -2600,11 +2875,14 @@
       </p:sp>
     </p:spTree>
   </p:cSld>
+  <p:clrMapOvr>
+    <a:masterClrMapping/>
+  </p:clrMapOvr>
 </p:sldLayout>
 </file>
 
 <file path=ppt/slideLayouts/slideLayout9.xml><?xml version="1.0" encoding="utf-8"?>
-<p:sldLayout xmlns:a="http://schemas.openxmlformats.org/drawingml/2006/main" xmlns:p="http://schemas.openxmlformats.org/presentationml/2006/main" xmlns:r="http://schemas.openxmlformats.org/officeDocument/2006/relationships" xmlns:p14="http://schemas.microsoft.com/office/powerpoint/2010/main" xmlns:p15="http://schemas.microsoft.com/office/powerpoint/2012/main" xmlns:mc="http://schemas.openxmlformats.org/markup-compatibility/2006" type="twoObjOverTx" preserve="1">
+<p:sldLayout xmlns:a="http://schemas.openxmlformats.org/drawingml/2006/main" xmlns:r="http://schemas.openxmlformats.org/officeDocument/2006/relationships" xmlns:p="http://schemas.openxmlformats.org/presentationml/2006/main" type="twoObjOverTx" preserve="1">
   <p:cSld name="Title, 2 Content over Content">
     <p:spTree>
       <p:nvGrpSpPr>
@@ -2640,11 +2918,12 @@
           </a:prstGeom>
         </p:spPr>
         <p:txBody>
-          <a:bodyPr lIns="0" rIns="0" tIns="0" bIns="0" anchor="ctr">
+          <a:bodyPr lIns="0" tIns="0" rIns="0" bIns="0" anchor="ctr">
             <a:noAutofit/>
           </a:bodyPr>
-          <a:p>
-            <a:endParaRPr b="0" lang="en-US" sz="1800" spc="-1" strike="noStrike">
+          <a:lstStyle/>
+          <a:p>
+            <a:endParaRPr lang="en-US" sz="1800" b="0" strike="noStrike" spc="-1">
               <a:solidFill>
                 <a:srgbClr val="000000"/>
               </a:solidFill>
@@ -2673,11 +2952,12 @@
           </a:prstGeom>
         </p:spPr>
         <p:txBody>
-          <a:bodyPr lIns="0" rIns="0" tIns="0" bIns="0">
+          <a:bodyPr lIns="0" tIns="0" rIns="0" bIns="0">
             <a:normAutofit/>
           </a:bodyPr>
-          <a:p>
-            <a:endParaRPr b="0" lang="en-US" sz="2100" spc="-1" strike="noStrike">
+          <a:lstStyle/>
+          <a:p>
+            <a:endParaRPr lang="en-US" sz="2100" b="0" strike="noStrike" spc="-1">
               <a:solidFill>
                 <a:srgbClr val="000000"/>
               </a:solidFill>
@@ -2706,11 +2986,12 @@
           </a:prstGeom>
         </p:spPr>
         <p:txBody>
-          <a:bodyPr lIns="0" rIns="0" tIns="0" bIns="0">
+          <a:bodyPr lIns="0" tIns="0" rIns="0" bIns="0">
             <a:normAutofit/>
           </a:bodyPr>
-          <a:p>
-            <a:endParaRPr b="0" lang="en-US" sz="2100" spc="-1" strike="noStrike">
+          <a:lstStyle/>
+          <a:p>
+            <a:endParaRPr lang="en-US" sz="2100" b="0" strike="noStrike" spc="-1">
               <a:solidFill>
                 <a:srgbClr val="000000"/>
               </a:solidFill>
@@ -2739,11 +3020,12 @@
           </a:prstGeom>
         </p:spPr>
         <p:txBody>
-          <a:bodyPr lIns="0" rIns="0" tIns="0" bIns="0">
+          <a:bodyPr lIns="0" tIns="0" rIns="0" bIns="0">
             <a:normAutofit/>
           </a:bodyPr>
-          <a:p>
-            <a:endParaRPr b="0" lang="en-US" sz="2100" spc="-1" strike="noStrike">
+          <a:lstStyle/>
+          <a:p>
+            <a:endParaRPr lang="en-US" sz="2100" b="0" strike="noStrike" spc="-1">
               <a:solidFill>
                 <a:srgbClr val="000000"/>
               </a:solidFill>
@@ -2754,17 +3036,21 @@
       </p:sp>
     </p:spTree>
   </p:cSld>
+  <p:clrMapOvr>
+    <a:masterClrMapping/>
+  </p:clrMapOvr>
 </p:sldLayout>
 </file>
 
 <file path=ppt/slideMasters/slideMaster1.xml><?xml version="1.0" encoding="utf-8"?>
-<p:sldMaster xmlns:a="http://schemas.openxmlformats.org/drawingml/2006/main" xmlns:p="http://schemas.openxmlformats.org/presentationml/2006/main" xmlns:r="http://schemas.openxmlformats.org/officeDocument/2006/relationships" xmlns:p14="http://schemas.microsoft.com/office/powerpoint/2010/main" xmlns:p15="http://schemas.microsoft.com/office/powerpoint/2012/main" xmlns:mc="http://schemas.openxmlformats.org/markup-compatibility/2006">
+<p:sldMaster xmlns:a="http://schemas.openxmlformats.org/drawingml/2006/main" xmlns:r="http://schemas.openxmlformats.org/officeDocument/2006/relationships" xmlns:p="http://schemas.openxmlformats.org/presentationml/2006/main">
   <p:cSld>
     <p:bg>
       <p:bgPr>
         <a:solidFill>
-          <a:srgbClr val="ffffff"/>
+          <a:srgbClr val="FFFFFF"/>
         </a:solidFill>
+        <a:effectLst/>
       </p:bgPr>
     </p:bg>
     <p:spTree>
@@ -2783,7 +3069,7 @@
       </p:grpSpPr>
       <p:sp>
         <p:nvSpPr>
-          <p:cNvPr id="0" name="PlaceHolder 1"/>
+          <p:cNvPr id="5" name="PlaceHolder 1"/>
           <p:cNvSpPr>
             <a:spLocks noGrp="1"/>
           </p:cNvSpPr>
@@ -2804,6 +3090,7 @@
           <a:bodyPr anchor="b">
             <a:noAutofit/>
           </a:bodyPr>
+          <a:lstStyle/>
           <a:p>
             <a:pPr algn="ctr">
               <a:lnSpc>
@@ -2811,69 +3098,15 @@
               </a:lnSpc>
             </a:pPr>
             <a:r>
-              <a:rPr b="0" lang="ja-JP" sz="4500" spc="-1" strike="noStrike">
+              <a:rPr lang="ja-JP" sz="4500" b="0" strike="noStrike" spc="-1">
                 <a:solidFill>
                   <a:srgbClr val="000000"/>
                 </a:solidFill>
                 <a:latin typeface="游ゴシック Light"/>
               </a:rPr>
-              <a:t>マス</a:t>
-            </a:r>
-            <a:r>
-              <a:rPr b="0" lang="ja-JP" sz="4500" spc="-1" strike="noStrike">
-                <a:solidFill>
-                  <a:srgbClr val="000000"/>
-                </a:solidFill>
-                <a:latin typeface="游ゴシック Light"/>
-              </a:rPr>
-              <a:t>ター </a:t>
-            </a:r>
-            <a:r>
-              <a:rPr b="0" lang="ja-JP" sz="4500" spc="-1" strike="noStrike">
-                <a:solidFill>
-                  <a:srgbClr val="000000"/>
-                </a:solidFill>
-                <a:latin typeface="游ゴシック Light"/>
-              </a:rPr>
-              <a:t>タイ</a:t>
-            </a:r>
-            <a:r>
-              <a:rPr b="0" lang="ja-JP" sz="4500" spc="-1" strike="noStrike">
-                <a:solidFill>
-                  <a:srgbClr val="000000"/>
-                </a:solidFill>
-                <a:latin typeface="游ゴシック Light"/>
-              </a:rPr>
-              <a:t>トル</a:t>
-            </a:r>
-            <a:r>
-              <a:rPr b="0" lang="ja-JP" sz="4500" spc="-1" strike="noStrike">
-                <a:solidFill>
-                  <a:srgbClr val="000000"/>
-                </a:solidFill>
-                <a:latin typeface="游ゴシック Light"/>
-              </a:rPr>
-              <a:t>の書</a:t>
-            </a:r>
-            <a:r>
-              <a:rPr b="0" lang="ja-JP" sz="4500" spc="-1" strike="noStrike">
-                <a:solidFill>
-                  <a:srgbClr val="000000"/>
-                </a:solidFill>
-                <a:latin typeface="游ゴシック Light"/>
-              </a:rPr>
-              <a:t>式設</a:t>
-            </a:r>
-            <a:r>
-              <a:rPr b="0" lang="ja-JP" sz="4500" spc="-1" strike="noStrike">
-                <a:solidFill>
-                  <a:srgbClr val="000000"/>
-                </a:solidFill>
-                <a:latin typeface="游ゴシック Light"/>
-              </a:rPr>
-              <a:t>定</a:t>
-            </a:r>
-            <a:endParaRPr b="0" lang="en-US" sz="4500" spc="-1" strike="noStrike">
+              <a:t>マスター タイトルの書式設定</a:t>
+            </a:r>
+            <a:endParaRPr lang="en-US" sz="4500" b="0" strike="noStrike" spc="-1">
               <a:solidFill>
                 <a:srgbClr val="000000"/>
               </a:solidFill>
@@ -2884,7 +3117,7 @@
       </p:sp>
       <p:sp>
         <p:nvSpPr>
-          <p:cNvPr id="1" name="PlaceHolder 2"/>
+          <p:cNvPr id="6" name="PlaceHolder 2"/>
           <p:cNvSpPr>
             <a:spLocks noGrp="1"/>
           </p:cNvSpPr>
@@ -2905,6 +3138,7 @@
           <a:bodyPr anchor="ctr">
             <a:noAutofit/>
           </a:bodyPr>
+          <a:lstStyle/>
           <a:p>
             <a:pPr>
               <a:lnSpc>
@@ -2912,15 +3146,15 @@
               </a:lnSpc>
             </a:pPr>
             <a:fld id="{124AEA19-5FE1-4AE8-A518-6C957E8E4CEF}" type="datetime1">
-              <a:rPr b="0" lang="en-US" sz="900" spc="-1" strike="noStrike">
+              <a:rPr lang="en-US" sz="900" b="0" strike="noStrike" spc="-1">
                 <a:solidFill>
-                  <a:srgbClr val="8b8b8b"/>
+                  <a:srgbClr val="8B8B8B"/>
                 </a:solidFill>
                 <a:latin typeface="游ゴシック"/>
               </a:rPr>
-              <a:t>05/20/2021</a:t>
+              <a:t>5/27/2021</a:t>
             </a:fld>
-            <a:endParaRPr b="0" lang="en-US" sz="900" spc="-1" strike="noStrike">
+            <a:endParaRPr lang="en-US" sz="900" b="0" strike="noStrike" spc="-1">
               <a:latin typeface="Times New Roman"/>
             </a:endParaRPr>
           </a:p>
@@ -2949,8 +3183,9 @@
           <a:bodyPr anchor="ctr">
             <a:noAutofit/>
           </a:bodyPr>
-          <a:p>
-            <a:endParaRPr b="0" lang="en-US" sz="2400" spc="-1" strike="noStrike">
+          <a:lstStyle/>
+          <a:p>
+            <a:endParaRPr lang="en-US" sz="2400" b="0" strike="noStrike" spc="-1">
               <a:latin typeface="Times New Roman"/>
             </a:endParaRPr>
           </a:p>
@@ -2979,6 +3214,7 @@
           <a:bodyPr anchor="ctr">
             <a:noAutofit/>
           </a:bodyPr>
+          <a:lstStyle/>
           <a:p>
             <a:pPr algn="r">
               <a:lnSpc>
@@ -2986,15 +3222,15 @@
               </a:lnSpc>
             </a:pPr>
             <a:fld id="{FB71F0C3-7BE1-4B5F-9BF7-420C4C5DB6EC}" type="slidenum">
-              <a:rPr b="0" lang="en-US" sz="900" spc="-1" strike="noStrike">
+              <a:rPr lang="en-US" sz="900" b="0" strike="noStrike" spc="-1">
                 <a:solidFill>
-                  <a:srgbClr val="8b8b8b"/>
+                  <a:srgbClr val="8B8B8B"/>
                 </a:solidFill>
                 <a:latin typeface="游ゴシック"/>
               </a:rPr>
-              <a:t>&lt;番号&gt;</a:t>
+              <a:t>‹#›</a:t>
             </a:fld>
-            <a:endParaRPr b="0" lang="en-US" sz="900" spc="-1" strike="noStrike">
+            <a:endParaRPr lang="en-US" sz="900" b="0" strike="noStrike" spc="-1">
               <a:latin typeface="Times New Roman"/>
             </a:endParaRPr>
           </a:p>
@@ -3020,9 +3256,10 @@
           </a:prstGeom>
         </p:spPr>
         <p:txBody>
-          <a:bodyPr lIns="0" rIns="0" tIns="0" bIns="0">
+          <a:bodyPr lIns="0" tIns="0" rIns="0" bIns="0">
             <a:normAutofit/>
           </a:bodyPr>
+          <a:lstStyle/>
           <a:p>
             <a:pPr marL="432000" indent="-324000">
               <a:spcBef>
@@ -3036,7 +3273,7 @@
               <a:buChar char=""/>
             </a:pPr>
             <a:r>
-              <a:rPr b="0" lang="ja-JP" sz="2100" spc="-1" strike="noStrike">
+              <a:rPr lang="ja-JP" sz="2100" b="0" strike="noStrike" spc="-1">
                 <a:solidFill>
                   <a:srgbClr val="000000"/>
                 </a:solidFill>
@@ -3044,7 +3281,7 @@
               </a:rPr>
               <a:t>アウトラインテキストの書式を編集するにはクリックします。</a:t>
             </a:r>
-            <a:endParaRPr b="0" lang="en-US" sz="2100" spc="-1" strike="noStrike">
+            <a:endParaRPr lang="en-US" sz="2100" b="0" strike="noStrike" spc="-1">
               <a:solidFill>
                 <a:srgbClr val="000000"/>
               </a:solidFill>
@@ -3052,7 +3289,7 @@
             </a:endParaRPr>
           </a:p>
           <a:p>
-            <a:pPr lvl="1" marL="864000" indent="-324000">
+            <a:pPr marL="864000" lvl="1" indent="-324000">
               <a:spcBef>
                 <a:spcPts val="1134"/>
               </a:spcBef>
@@ -3064,7 +3301,7 @@
               <a:buChar char=""/>
             </a:pPr>
             <a:r>
-              <a:rPr b="0" lang="en-US" sz="1500" spc="-1" strike="noStrike">
+              <a:rPr lang="en-US" sz="1500" b="0" strike="noStrike" spc="-1">
                 <a:solidFill>
                   <a:srgbClr val="000000"/>
                 </a:solidFill>
@@ -3073,7 +3310,7 @@
               <a:t>2</a:t>
             </a:r>
             <a:r>
-              <a:rPr b="0" lang="ja-JP" sz="1500" spc="-1" strike="noStrike">
+              <a:rPr lang="ja-JP" sz="1500" b="0" strike="noStrike" spc="-1">
                 <a:solidFill>
                   <a:srgbClr val="000000"/>
                 </a:solidFill>
@@ -3081,7 +3318,7 @@
               </a:rPr>
               <a:t>レベル目のアウトライン</a:t>
             </a:r>
-            <a:endParaRPr b="0" lang="en-US" sz="1500" spc="-1" strike="noStrike">
+            <a:endParaRPr lang="en-US" sz="1500" b="0" strike="noStrike" spc="-1">
               <a:solidFill>
                 <a:srgbClr val="000000"/>
               </a:solidFill>
@@ -3089,7 +3326,7 @@
             </a:endParaRPr>
           </a:p>
           <a:p>
-            <a:pPr lvl="2" marL="1296000" indent="-288000">
+            <a:pPr marL="1296000" lvl="2" indent="-288000">
               <a:spcBef>
                 <a:spcPts val="850"/>
               </a:spcBef>
@@ -3101,7 +3338,7 @@
               <a:buChar char=""/>
             </a:pPr>
             <a:r>
-              <a:rPr b="0" lang="en-US" sz="1350" spc="-1" strike="noStrike">
+              <a:rPr lang="en-US" sz="1350" b="0" strike="noStrike" spc="-1">
                 <a:solidFill>
                   <a:srgbClr val="000000"/>
                 </a:solidFill>
@@ -3110,7 +3347,7 @@
               <a:t>3</a:t>
             </a:r>
             <a:r>
-              <a:rPr b="0" lang="ja-JP" sz="1350" spc="-1" strike="noStrike">
+              <a:rPr lang="ja-JP" sz="1350" b="0" strike="noStrike" spc="-1">
                 <a:solidFill>
                   <a:srgbClr val="000000"/>
                 </a:solidFill>
@@ -3118,7 +3355,7 @@
               </a:rPr>
               <a:t>レベル目のアウトライン</a:t>
             </a:r>
-            <a:endParaRPr b="0" lang="en-US" sz="1350" spc="-1" strike="noStrike">
+            <a:endParaRPr lang="en-US" sz="1350" b="0" strike="noStrike" spc="-1">
               <a:solidFill>
                 <a:srgbClr val="000000"/>
               </a:solidFill>
@@ -3126,7 +3363,7 @@
             </a:endParaRPr>
           </a:p>
           <a:p>
-            <a:pPr lvl="3" marL="1728000" indent="-216000">
+            <a:pPr marL="1728000" lvl="3" indent="-216000">
               <a:spcBef>
                 <a:spcPts val="567"/>
               </a:spcBef>
@@ -3138,7 +3375,7 @@
               <a:buChar char=""/>
             </a:pPr>
             <a:r>
-              <a:rPr b="0" lang="en-US" sz="1350" spc="-1" strike="noStrike">
+              <a:rPr lang="en-US" sz="1350" b="0" strike="noStrike" spc="-1">
                 <a:solidFill>
                   <a:srgbClr val="000000"/>
                 </a:solidFill>
@@ -3147,7 +3384,7 @@
               <a:t>4</a:t>
             </a:r>
             <a:r>
-              <a:rPr b="0" lang="ja-JP" sz="1350" spc="-1" strike="noStrike">
+              <a:rPr lang="ja-JP" sz="1350" b="0" strike="noStrike" spc="-1">
                 <a:solidFill>
                   <a:srgbClr val="000000"/>
                 </a:solidFill>
@@ -3155,7 +3392,7 @@
               </a:rPr>
               <a:t>レベル目のアウトライン</a:t>
             </a:r>
-            <a:endParaRPr b="0" lang="en-US" sz="1350" spc="-1" strike="noStrike">
+            <a:endParaRPr lang="en-US" sz="1350" b="0" strike="noStrike" spc="-1">
               <a:solidFill>
                 <a:srgbClr val="000000"/>
               </a:solidFill>
@@ -3163,7 +3400,7 @@
             </a:endParaRPr>
           </a:p>
           <a:p>
-            <a:pPr lvl="4" marL="2160000" indent="-216000">
+            <a:pPr marL="2160000" lvl="4" indent="-216000">
               <a:spcBef>
                 <a:spcPts val="283"/>
               </a:spcBef>
@@ -3175,7 +3412,7 @@
               <a:buChar char=""/>
             </a:pPr>
             <a:r>
-              <a:rPr b="0" lang="en-US" sz="2000" spc="-1" strike="noStrike">
+              <a:rPr lang="en-US" sz="2000" b="0" strike="noStrike" spc="-1">
                 <a:solidFill>
                   <a:srgbClr val="000000"/>
                 </a:solidFill>
@@ -3184,7 +3421,7 @@
               <a:t>5</a:t>
             </a:r>
             <a:r>
-              <a:rPr b="0" lang="ja-JP" sz="2000" spc="-1" strike="noStrike">
+              <a:rPr lang="ja-JP" sz="2000" b="0" strike="noStrike" spc="-1">
                 <a:solidFill>
                   <a:srgbClr val="000000"/>
                 </a:solidFill>
@@ -3192,7 +3429,7 @@
               </a:rPr>
               <a:t>レベル目のアウトライン</a:t>
             </a:r>
-            <a:endParaRPr b="0" lang="en-US" sz="2000" spc="-1" strike="noStrike">
+            <a:endParaRPr lang="en-US" sz="2000" b="0" strike="noStrike" spc="-1">
               <a:solidFill>
                 <a:srgbClr val="000000"/>
               </a:solidFill>
@@ -3200,7 +3437,7 @@
             </a:endParaRPr>
           </a:p>
           <a:p>
-            <a:pPr lvl="5" marL="2592000" indent="-216000">
+            <a:pPr marL="2592000" lvl="5" indent="-216000">
               <a:spcBef>
                 <a:spcPts val="283"/>
               </a:spcBef>
@@ -3212,7 +3449,7 @@
               <a:buChar char=""/>
             </a:pPr>
             <a:r>
-              <a:rPr b="0" lang="en-US" sz="2000" spc="-1" strike="noStrike">
+              <a:rPr lang="en-US" sz="2000" b="0" strike="noStrike" spc="-1">
                 <a:solidFill>
                   <a:srgbClr val="000000"/>
                 </a:solidFill>
@@ -3221,7 +3458,7 @@
               <a:t>6</a:t>
             </a:r>
             <a:r>
-              <a:rPr b="0" lang="ja-JP" sz="2000" spc="-1" strike="noStrike">
+              <a:rPr lang="ja-JP" sz="2000" b="0" strike="noStrike" spc="-1">
                 <a:solidFill>
                   <a:srgbClr val="000000"/>
                 </a:solidFill>
@@ -3229,7 +3466,7 @@
               </a:rPr>
               <a:t>レベル目のアウトライン</a:t>
             </a:r>
-            <a:endParaRPr b="0" lang="en-US" sz="2000" spc="-1" strike="noStrike">
+            <a:endParaRPr lang="en-US" sz="2000" b="0" strike="noStrike" spc="-1">
               <a:solidFill>
                 <a:srgbClr val="000000"/>
               </a:solidFill>
@@ -3237,7 +3474,7 @@
             </a:endParaRPr>
           </a:p>
           <a:p>
-            <a:pPr lvl="6" marL="3024000" indent="-216000">
+            <a:pPr marL="3024000" lvl="6" indent="-216000">
               <a:spcBef>
                 <a:spcPts val="283"/>
               </a:spcBef>
@@ -3249,7 +3486,7 @@
               <a:buChar char=""/>
             </a:pPr>
             <a:r>
-              <a:rPr b="0" lang="en-US" sz="2000" spc="-1" strike="noStrike">
+              <a:rPr lang="en-US" sz="2000" b="0" strike="noStrike" spc="-1">
                 <a:solidFill>
                   <a:srgbClr val="000000"/>
                 </a:solidFill>
@@ -3258,7 +3495,7 @@
               <a:t>7</a:t>
             </a:r>
             <a:r>
-              <a:rPr b="0" lang="ja-JP" sz="2000" spc="-1" strike="noStrike">
+              <a:rPr lang="ja-JP" sz="2000" b="0" strike="noStrike" spc="-1">
                 <a:solidFill>
                   <a:srgbClr val="000000"/>
                 </a:solidFill>
@@ -3266,7 +3503,7 @@
               </a:rPr>
               <a:t>レベル目のアウトライン</a:t>
             </a:r>
-            <a:endParaRPr b="0" lang="en-US" sz="2000" spc="-1" strike="noStrike">
+            <a:endParaRPr lang="en-US" sz="2000" b="0" strike="noStrike" spc="-1">
               <a:solidFill>
                 <a:srgbClr val="000000"/>
               </a:solidFill>
@@ -3277,26 +3514,306 @@
       </p:sp>
     </p:spTree>
   </p:cSld>
-  <p:clrMap bg1="lt1" bg2="lt2" tx1="dk1" tx2="dk2" accent1="accent1" accent2="accent2" accent3="accent3" accent4="accent4" accent5="accent5" accent6="accent6" hlink="hlink" folHlink="folHlink"/>
+  <p:clrMap bg1="lt1" tx1="dk1" bg2="lt2" tx2="dk2" accent1="accent1" accent2="accent2" accent3="accent3" accent4="accent4" accent5="accent5" accent6="accent6" hlink="hlink" folHlink="folHlink"/>
   <p:sldLayoutIdLst>
-    <p:sldLayoutId id="2147483649" r:id="rId2"/>
-    <p:sldLayoutId id="2147483650" r:id="rId3"/>
-    <p:sldLayoutId id="2147483651" r:id="rId4"/>
-    <p:sldLayoutId id="2147483652" r:id="rId5"/>
-    <p:sldLayoutId id="2147483653" r:id="rId6"/>
-    <p:sldLayoutId id="2147483654" r:id="rId7"/>
-    <p:sldLayoutId id="2147483655" r:id="rId8"/>
-    <p:sldLayoutId id="2147483656" r:id="rId9"/>
-    <p:sldLayoutId id="2147483657" r:id="rId10"/>
-    <p:sldLayoutId id="2147483658" r:id="rId11"/>
-    <p:sldLayoutId id="2147483659" r:id="rId12"/>
-    <p:sldLayoutId id="2147483660" r:id="rId13"/>
+    <p:sldLayoutId id="2147483649" r:id="rId1"/>
+    <p:sldLayoutId id="2147483650" r:id="rId2"/>
+    <p:sldLayoutId id="2147483651" r:id="rId3"/>
+    <p:sldLayoutId id="2147483652" r:id="rId4"/>
+    <p:sldLayoutId id="2147483653" r:id="rId5"/>
+    <p:sldLayoutId id="2147483654" r:id="rId6"/>
+    <p:sldLayoutId id="2147483655" r:id="rId7"/>
+    <p:sldLayoutId id="2147483656" r:id="rId8"/>
+    <p:sldLayoutId id="2147483657" r:id="rId9"/>
+    <p:sldLayoutId id="2147483658" r:id="rId10"/>
+    <p:sldLayoutId id="2147483659" r:id="rId11"/>
+    <p:sldLayoutId id="2147483660" r:id="rId12"/>
   </p:sldLayoutIdLst>
+  <p:txStyles>
+    <p:titleStyle>
+      <a:lvl1pPr algn="l" defTabSz="914400" rtl="0" eaLnBrk="1" latinLnBrk="0" hangingPunct="1">
+        <a:lnSpc>
+          <a:spcPct val="90000"/>
+        </a:lnSpc>
+        <a:spcBef>
+          <a:spcPct val="0"/>
+        </a:spcBef>
+        <a:buNone/>
+        <a:defRPr kumimoji="1" sz="4400" kern="1200">
+          <a:solidFill>
+            <a:schemeClr val="tx1"/>
+          </a:solidFill>
+          <a:latin typeface="+mj-lt"/>
+          <a:ea typeface="+mj-ea"/>
+          <a:cs typeface="+mj-cs"/>
+        </a:defRPr>
+      </a:lvl1pPr>
+    </p:titleStyle>
+    <p:bodyStyle>
+      <a:lvl1pPr marL="228600" indent="-228600" algn="l" defTabSz="914400" rtl="0" eaLnBrk="1" latinLnBrk="0" hangingPunct="1">
+        <a:lnSpc>
+          <a:spcPct val="90000"/>
+        </a:lnSpc>
+        <a:spcBef>
+          <a:spcPts val="1000"/>
+        </a:spcBef>
+        <a:buFont typeface="Arial" panose="020B0604020202020204" pitchFamily="34" charset="0"/>
+        <a:buChar char="•"/>
+        <a:defRPr kumimoji="1" sz="2800" kern="1200">
+          <a:solidFill>
+            <a:schemeClr val="tx1"/>
+          </a:solidFill>
+          <a:latin typeface="+mn-lt"/>
+          <a:ea typeface="+mn-ea"/>
+          <a:cs typeface="+mn-cs"/>
+        </a:defRPr>
+      </a:lvl1pPr>
+      <a:lvl2pPr marL="685800" indent="-228600" algn="l" defTabSz="914400" rtl="0" eaLnBrk="1" latinLnBrk="0" hangingPunct="1">
+        <a:lnSpc>
+          <a:spcPct val="90000"/>
+        </a:lnSpc>
+        <a:spcBef>
+          <a:spcPts val="500"/>
+        </a:spcBef>
+        <a:buFont typeface="Arial" panose="020B0604020202020204" pitchFamily="34" charset="0"/>
+        <a:buChar char="•"/>
+        <a:defRPr kumimoji="1" sz="2400" kern="1200">
+          <a:solidFill>
+            <a:schemeClr val="tx1"/>
+          </a:solidFill>
+          <a:latin typeface="+mn-lt"/>
+          <a:ea typeface="+mn-ea"/>
+          <a:cs typeface="+mn-cs"/>
+        </a:defRPr>
+      </a:lvl2pPr>
+      <a:lvl3pPr marL="1143000" indent="-228600" algn="l" defTabSz="914400" rtl="0" eaLnBrk="1" latinLnBrk="0" hangingPunct="1">
+        <a:lnSpc>
+          <a:spcPct val="90000"/>
+        </a:lnSpc>
+        <a:spcBef>
+          <a:spcPts val="500"/>
+        </a:spcBef>
+        <a:buFont typeface="Arial" panose="020B0604020202020204" pitchFamily="34" charset="0"/>
+        <a:buChar char="•"/>
+        <a:defRPr kumimoji="1" sz="2000" kern="1200">
+          <a:solidFill>
+            <a:schemeClr val="tx1"/>
+          </a:solidFill>
+          <a:latin typeface="+mn-lt"/>
+          <a:ea typeface="+mn-ea"/>
+          <a:cs typeface="+mn-cs"/>
+        </a:defRPr>
+      </a:lvl3pPr>
+      <a:lvl4pPr marL="1600200" indent="-228600" algn="l" defTabSz="914400" rtl="0" eaLnBrk="1" latinLnBrk="0" hangingPunct="1">
+        <a:lnSpc>
+          <a:spcPct val="90000"/>
+        </a:lnSpc>
+        <a:spcBef>
+          <a:spcPts val="500"/>
+        </a:spcBef>
+        <a:buFont typeface="Arial" panose="020B0604020202020204" pitchFamily="34" charset="0"/>
+        <a:buChar char="•"/>
+        <a:defRPr kumimoji="1" sz="1800" kern="1200">
+          <a:solidFill>
+            <a:schemeClr val="tx1"/>
+          </a:solidFill>
+          <a:latin typeface="+mn-lt"/>
+          <a:ea typeface="+mn-ea"/>
+          <a:cs typeface="+mn-cs"/>
+        </a:defRPr>
+      </a:lvl4pPr>
+      <a:lvl5pPr marL="2057400" indent="-228600" algn="l" defTabSz="914400" rtl="0" eaLnBrk="1" latinLnBrk="0" hangingPunct="1">
+        <a:lnSpc>
+          <a:spcPct val="90000"/>
+        </a:lnSpc>
+        <a:spcBef>
+          <a:spcPts val="500"/>
+        </a:spcBef>
+        <a:buFont typeface="Arial" panose="020B0604020202020204" pitchFamily="34" charset="0"/>
+        <a:buChar char="•"/>
+        <a:defRPr kumimoji="1" sz="1800" kern="1200">
+          <a:solidFill>
+            <a:schemeClr val="tx1"/>
+          </a:solidFill>
+          <a:latin typeface="+mn-lt"/>
+          <a:ea typeface="+mn-ea"/>
+          <a:cs typeface="+mn-cs"/>
+        </a:defRPr>
+      </a:lvl5pPr>
+      <a:lvl6pPr marL="2514600" indent="-228600" algn="l" defTabSz="914400" rtl="0" eaLnBrk="1" latinLnBrk="0" hangingPunct="1">
+        <a:lnSpc>
+          <a:spcPct val="90000"/>
+        </a:lnSpc>
+        <a:spcBef>
+          <a:spcPts val="500"/>
+        </a:spcBef>
+        <a:buFont typeface="Arial" panose="020B0604020202020204" pitchFamily="34" charset="0"/>
+        <a:buChar char="•"/>
+        <a:defRPr kumimoji="1" sz="1800" kern="1200">
+          <a:solidFill>
+            <a:schemeClr val="tx1"/>
+          </a:solidFill>
+          <a:latin typeface="+mn-lt"/>
+          <a:ea typeface="+mn-ea"/>
+          <a:cs typeface="+mn-cs"/>
+        </a:defRPr>
+      </a:lvl6pPr>
+      <a:lvl7pPr marL="2971800" indent="-228600" algn="l" defTabSz="914400" rtl="0" eaLnBrk="1" latinLnBrk="0" hangingPunct="1">
+        <a:lnSpc>
+          <a:spcPct val="90000"/>
+        </a:lnSpc>
+        <a:spcBef>
+          <a:spcPts val="500"/>
+        </a:spcBef>
+        <a:buFont typeface="Arial" panose="020B0604020202020204" pitchFamily="34" charset="0"/>
+        <a:buChar char="•"/>
+        <a:defRPr kumimoji="1" sz="1800" kern="1200">
+          <a:solidFill>
+            <a:schemeClr val="tx1"/>
+          </a:solidFill>
+          <a:latin typeface="+mn-lt"/>
+          <a:ea typeface="+mn-ea"/>
+          <a:cs typeface="+mn-cs"/>
+        </a:defRPr>
+      </a:lvl7pPr>
+      <a:lvl8pPr marL="3429000" indent="-228600" algn="l" defTabSz="914400" rtl="0" eaLnBrk="1" latinLnBrk="0" hangingPunct="1">
+        <a:lnSpc>
+          <a:spcPct val="90000"/>
+        </a:lnSpc>
+        <a:spcBef>
+          <a:spcPts val="500"/>
+        </a:spcBef>
+        <a:buFont typeface="Arial" panose="020B0604020202020204" pitchFamily="34" charset="0"/>
+        <a:buChar char="•"/>
+        <a:defRPr kumimoji="1" sz="1800" kern="1200">
+          <a:solidFill>
+            <a:schemeClr val="tx1"/>
+          </a:solidFill>
+          <a:latin typeface="+mn-lt"/>
+          <a:ea typeface="+mn-ea"/>
+          <a:cs typeface="+mn-cs"/>
+        </a:defRPr>
+      </a:lvl8pPr>
+      <a:lvl9pPr marL="3886200" indent="-228600" algn="l" defTabSz="914400" rtl="0" eaLnBrk="1" latinLnBrk="0" hangingPunct="1">
+        <a:lnSpc>
+          <a:spcPct val="90000"/>
+        </a:lnSpc>
+        <a:spcBef>
+          <a:spcPts val="500"/>
+        </a:spcBef>
+        <a:buFont typeface="Arial" panose="020B0604020202020204" pitchFamily="34" charset="0"/>
+        <a:buChar char="•"/>
+        <a:defRPr kumimoji="1" sz="1800" kern="1200">
+          <a:solidFill>
+            <a:schemeClr val="tx1"/>
+          </a:solidFill>
+          <a:latin typeface="+mn-lt"/>
+          <a:ea typeface="+mn-ea"/>
+          <a:cs typeface="+mn-cs"/>
+        </a:defRPr>
+      </a:lvl9pPr>
+    </p:bodyStyle>
+    <p:otherStyle>
+      <a:defPPr>
+        <a:defRPr lang="ja-JP"/>
+      </a:defPPr>
+      <a:lvl1pPr marL="0" algn="l" defTabSz="914400" rtl="0" eaLnBrk="1" latinLnBrk="0" hangingPunct="1">
+        <a:defRPr kumimoji="1" sz="1800" kern="1200">
+          <a:solidFill>
+            <a:schemeClr val="tx1"/>
+          </a:solidFill>
+          <a:latin typeface="+mn-lt"/>
+          <a:ea typeface="+mn-ea"/>
+          <a:cs typeface="+mn-cs"/>
+        </a:defRPr>
+      </a:lvl1pPr>
+      <a:lvl2pPr marL="457200" algn="l" defTabSz="914400" rtl="0" eaLnBrk="1" latinLnBrk="0" hangingPunct="1">
+        <a:defRPr kumimoji="1" sz="1800" kern="1200">
+          <a:solidFill>
+            <a:schemeClr val="tx1"/>
+          </a:solidFill>
+          <a:latin typeface="+mn-lt"/>
+          <a:ea typeface="+mn-ea"/>
+          <a:cs typeface="+mn-cs"/>
+        </a:defRPr>
+      </a:lvl2pPr>
+      <a:lvl3pPr marL="914400" algn="l" defTabSz="914400" rtl="0" eaLnBrk="1" latinLnBrk="0" hangingPunct="1">
+        <a:defRPr kumimoji="1" sz="1800" kern="1200">
+          <a:solidFill>
+            <a:schemeClr val="tx1"/>
+          </a:solidFill>
+          <a:latin typeface="+mn-lt"/>
+          <a:ea typeface="+mn-ea"/>
+          <a:cs typeface="+mn-cs"/>
+        </a:defRPr>
+      </a:lvl3pPr>
+      <a:lvl4pPr marL="1371600" algn="l" defTabSz="914400" rtl="0" eaLnBrk="1" latinLnBrk="0" hangingPunct="1">
+        <a:defRPr kumimoji="1" sz="1800" kern="1200">
+          <a:solidFill>
+            <a:schemeClr val="tx1"/>
+          </a:solidFill>
+          <a:latin typeface="+mn-lt"/>
+          <a:ea typeface="+mn-ea"/>
+          <a:cs typeface="+mn-cs"/>
+        </a:defRPr>
+      </a:lvl4pPr>
+      <a:lvl5pPr marL="1828800" algn="l" defTabSz="914400" rtl="0" eaLnBrk="1" latinLnBrk="0" hangingPunct="1">
+        <a:defRPr kumimoji="1" sz="1800" kern="1200">
+          <a:solidFill>
+            <a:schemeClr val="tx1"/>
+          </a:solidFill>
+          <a:latin typeface="+mn-lt"/>
+          <a:ea typeface="+mn-ea"/>
+          <a:cs typeface="+mn-cs"/>
+        </a:defRPr>
+      </a:lvl5pPr>
+      <a:lvl6pPr marL="2286000" algn="l" defTabSz="914400" rtl="0" eaLnBrk="1" latinLnBrk="0" hangingPunct="1">
+        <a:defRPr kumimoji="1" sz="1800" kern="1200">
+          <a:solidFill>
+            <a:schemeClr val="tx1"/>
+          </a:solidFill>
+          <a:latin typeface="+mn-lt"/>
+          <a:ea typeface="+mn-ea"/>
+          <a:cs typeface="+mn-cs"/>
+        </a:defRPr>
+      </a:lvl6pPr>
+      <a:lvl7pPr marL="2743200" algn="l" defTabSz="914400" rtl="0" eaLnBrk="1" latinLnBrk="0" hangingPunct="1">
+        <a:defRPr kumimoji="1" sz="1800" kern="1200">
+          <a:solidFill>
+            <a:schemeClr val="tx1"/>
+          </a:solidFill>
+          <a:latin typeface="+mn-lt"/>
+          <a:ea typeface="+mn-ea"/>
+          <a:cs typeface="+mn-cs"/>
+        </a:defRPr>
+      </a:lvl7pPr>
+      <a:lvl8pPr marL="3200400" algn="l" defTabSz="914400" rtl="0" eaLnBrk="1" latinLnBrk="0" hangingPunct="1">
+        <a:defRPr kumimoji="1" sz="1800" kern="1200">
+          <a:solidFill>
+            <a:schemeClr val="tx1"/>
+          </a:solidFill>
+          <a:latin typeface="+mn-lt"/>
+          <a:ea typeface="+mn-ea"/>
+          <a:cs typeface="+mn-cs"/>
+        </a:defRPr>
+      </a:lvl8pPr>
+      <a:lvl9pPr marL="3657600" algn="l" defTabSz="914400" rtl="0" eaLnBrk="1" latinLnBrk="0" hangingPunct="1">
+        <a:defRPr kumimoji="1" sz="1800" kern="1200">
+          <a:solidFill>
+            <a:schemeClr val="tx1"/>
+          </a:solidFill>
+          <a:latin typeface="+mn-lt"/>
+          <a:ea typeface="+mn-ea"/>
+          <a:cs typeface="+mn-cs"/>
+        </a:defRPr>
+      </a:lvl9pPr>
+    </p:otherStyle>
+  </p:txStyles>
 </p:sldMaster>
 </file>
 
 <file path=ppt/slides/slide1.xml><?xml version="1.0" encoding="utf-8"?>
-<p:sld xmlns:a="http://schemas.openxmlformats.org/drawingml/2006/main" xmlns:p="http://schemas.openxmlformats.org/presentationml/2006/main" xmlns:r="http://schemas.openxmlformats.org/officeDocument/2006/relationships" xmlns:p14="http://schemas.microsoft.com/office/powerpoint/2010/main" xmlns:p15="http://schemas.microsoft.com/office/powerpoint/2012/main" xmlns:mc="http://schemas.openxmlformats.org/markup-compatibility/2006">
+<p:sld xmlns:a="http://schemas.openxmlformats.org/drawingml/2006/main" xmlns:r="http://schemas.openxmlformats.org/officeDocument/2006/relationships" xmlns:p="http://schemas.openxmlformats.org/presentationml/2006/main">
   <p:cSld>
     <p:spTree>
       <p:nvGrpSpPr>
@@ -3335,6 +3852,7 @@
           <a:bodyPr anchor="b">
             <a:normAutofit/>
           </a:bodyPr>
+          <a:lstStyle/>
           <a:p>
             <a:pPr algn="ctr">
               <a:lnSpc>
@@ -3342,24 +3860,15 @@
               </a:lnSpc>
             </a:pPr>
             <a:r>
-              <a:rPr b="1" lang="ja-JP" sz="4500" spc="-1" strike="noStrike">
+              <a:rPr lang="ja-JP" sz="4500" b="1" strike="noStrike" spc="-1">
                 <a:solidFill>
                   <a:srgbClr val="000000"/>
                 </a:solidFill>
                 <a:latin typeface="游ゴシック Light"/>
               </a:rPr>
-              <a:t>進捗報</a:t>
-            </a:r>
-            <a:r>
-              <a:rPr b="1" lang="ja-JP" sz="4500" spc="-1" strike="noStrike">
-                <a:solidFill>
-                  <a:srgbClr val="000000"/>
-                </a:solidFill>
-                <a:latin typeface="游ゴシック Light"/>
-              </a:rPr>
-              <a:t>告会</a:t>
-            </a:r>
-            <a:endParaRPr b="0" lang="en-US" sz="4500" spc="-1" strike="noStrike">
+              <a:t>進捗報告会</a:t>
+            </a:r>
+            <a:endParaRPr lang="en-US" sz="4500" b="0" strike="noStrike" spc="-1">
               <a:solidFill>
                 <a:srgbClr val="000000"/>
               </a:solidFill>
@@ -3391,6 +3900,7 @@
           <a:bodyPr>
             <a:normAutofit fontScale="44000"/>
           </a:bodyPr>
+          <a:lstStyle/>
           <a:p>
             <a:pPr>
               <a:lnSpc>
@@ -3400,11 +3910,11 @@
                 <a:spcPts val="751"/>
               </a:spcBef>
               <a:tabLst>
-                <a:tab algn="l" pos="0"/>
+                <a:tab pos="0" algn="l"/>
               </a:tabLst>
             </a:pPr>
             <a:r>
-              <a:rPr b="0" lang="ja-JP" sz="2400" spc="-1" strike="noStrike">
+              <a:rPr lang="ja-JP" sz="2400" b="0" strike="noStrike" spc="-1">
                 <a:solidFill>
                   <a:srgbClr val="000000"/>
                 </a:solidFill>
@@ -3412,7 +3922,7 @@
               </a:rPr>
               <a:t>永田研究室</a:t>
             </a:r>
-            <a:endParaRPr b="0" lang="en-US" sz="2400" spc="-1" strike="noStrike">
+            <a:endParaRPr lang="en-US" sz="2400" b="0" strike="noStrike" spc="-1">
               <a:latin typeface="Arial"/>
             </a:endParaRPr>
           </a:p>
@@ -3425,11 +3935,11 @@
                 <a:spcPts val="751"/>
               </a:spcBef>
               <a:tabLst>
-                <a:tab algn="l" pos="0"/>
+                <a:tab pos="0" algn="l"/>
               </a:tabLst>
             </a:pPr>
             <a:r>
-              <a:rPr b="0" lang="en-US" sz="2400" spc="-1" strike="noStrike">
+              <a:rPr lang="en-US" sz="2400" b="0" strike="noStrike" spc="-1">
                 <a:solidFill>
                   <a:srgbClr val="000000"/>
                 </a:solidFill>
@@ -3438,7 +3948,7 @@
               <a:t>F120613  </a:t>
             </a:r>
             <a:r>
-              <a:rPr b="0" lang="ja-JP" sz="2400" spc="-1" strike="noStrike">
+              <a:rPr lang="ja-JP" sz="2400" b="0" strike="noStrike" spc="-1">
                 <a:solidFill>
                   <a:srgbClr val="000000"/>
                 </a:solidFill>
@@ -3446,7 +3956,7 @@
               </a:rPr>
               <a:t>三木康平</a:t>
             </a:r>
-            <a:endParaRPr b="0" lang="en-US" sz="2400" spc="-1" strike="noStrike">
+            <a:endParaRPr lang="en-US" sz="2400" b="0" strike="noStrike" spc="-1">
               <a:latin typeface="Arial"/>
             </a:endParaRPr>
           </a:p>
@@ -3454,19 +3964,14 @@
       </p:sp>
     </p:spTree>
   </p:cSld>
-  <mc:AlternateContent>
-    <mc:Choice Requires="p14">
-      <p:transition spd="slow" p14:dur="2000"/>
-    </mc:Choice>
-    <mc:Fallback>
-      <p:transition spd="slow"/>
-    </mc:Fallback>
-  </mc:AlternateContent>
+  <p:clrMapOvr>
+    <a:masterClrMapping/>
+  </p:clrMapOvr>
 </p:sld>
 </file>
 
 <file path=ppt/slides/slide10.xml><?xml version="1.0" encoding="utf-8"?>
-<p:sld xmlns:a="http://schemas.openxmlformats.org/drawingml/2006/main" xmlns:p="http://schemas.openxmlformats.org/presentationml/2006/main" xmlns:r="http://schemas.openxmlformats.org/officeDocument/2006/relationships" xmlns:p14="http://schemas.microsoft.com/office/powerpoint/2010/main" xmlns:p15="http://schemas.microsoft.com/office/powerpoint/2012/main" xmlns:mc="http://schemas.openxmlformats.org/markup-compatibility/2006">
+<p:sld xmlns:a="http://schemas.openxmlformats.org/drawingml/2006/main" xmlns:r="http://schemas.openxmlformats.org/officeDocument/2006/relationships" xmlns:p="http://schemas.openxmlformats.org/presentationml/2006/main">
   <p:cSld>
     <p:spTree>
       <p:nvGrpSpPr>
@@ -3505,6 +4010,7 @@
           <a:bodyPr anchor="ctr">
             <a:noAutofit/>
           </a:bodyPr>
+          <a:lstStyle/>
           <a:p>
             <a:pPr algn="r">
               <a:lnSpc>
@@ -3512,15 +4018,15 @@
               </a:lnSpc>
             </a:pPr>
             <a:fld id="{035A0996-DE49-410D-9573-8D56D0636B52}" type="slidenum">
-              <a:rPr b="0" lang="en-US" sz="1050" spc="-1" strike="noStrike">
+              <a:rPr lang="en-US" sz="1050" b="0" strike="noStrike" spc="-1">
                 <a:solidFill>
                   <a:srgbClr val="000000"/>
                 </a:solidFill>
                 <a:latin typeface="游ゴシック"/>
               </a:rPr>
-              <a:t>&lt;番号&gt;</a:t>
+              <a:t>10</a:t>
             </a:fld>
-            <a:endParaRPr b="0" lang="en-US" sz="1050" spc="-1" strike="noStrike">
+            <a:endParaRPr lang="en-US" sz="1050" b="0" strike="noStrike" spc="-1">
               <a:latin typeface="Times New Roman"/>
             </a:endParaRPr>
           </a:p>
@@ -3557,9 +4063,10 @@
           <a:fontRef idx="minor"/>
         </p:style>
         <p:txBody>
-          <a:bodyPr lIns="90000" rIns="90000" tIns="45000" bIns="45000" anchor="ctr">
+          <a:bodyPr lIns="90000" tIns="45000" rIns="90000" bIns="45000" anchor="ctr">
             <a:noAutofit/>
           </a:bodyPr>
+          <a:lstStyle/>
           <a:p>
             <a:pPr algn="ctr">
               <a:lnSpc>
@@ -3567,61 +4074,61 @@
               </a:lnSpc>
             </a:pPr>
             <a:r>
-              <a:rPr b="1" lang="en-US" sz="2800" spc="-1" strike="noStrike" u="sng">
+              <a:rPr lang="en-US" sz="2800" b="1" u="sng" strike="noStrike" spc="-1">
                 <a:solidFill>
-                  <a:srgbClr val="0563c1"/>
-                </a:solidFill>
-                <a:uFillTx/>
-                <a:latin typeface="游ゴシック"/>
-                <a:hlinkClick r:id="rId1"/>
-              </a:rPr>
-              <a:t>PnP</a:t>
-            </a:r>
-            <a:r>
-              <a:rPr b="1" lang="ja-JP" sz="2800" spc="-1" strike="noStrike" u="sng">
-                <a:solidFill>
-                  <a:srgbClr val="0563c1"/>
-                </a:solidFill>
-                <a:uFillTx/>
-                <a:latin typeface="游ゴシック"/>
-                <a:hlinkClick r:id="rId2"/>
-              </a:rPr>
-              <a:t>問題 </a:t>
-            </a:r>
-            <a:r>
-              <a:rPr b="1" lang="en-US" sz="2800" spc="-1" strike="noStrike" u="sng">
-                <a:solidFill>
-                  <a:srgbClr val="0563c1"/>
+                  <a:srgbClr val="0563C1"/>
                 </a:solidFill>
                 <a:uFillTx/>
                 <a:latin typeface="游ゴシック"/>
                 <a:hlinkClick r:id="rId3"/>
               </a:rPr>
-              <a:t>(</a:t>
-            </a:r>
-            <a:r>
-              <a:rPr b="1" lang="en-US" sz="2800" spc="-1" strike="noStrike" u="sng">
+              <a:t>PnP</a:t>
+            </a:r>
+            <a:r>
+              <a:rPr lang="ja-JP" sz="2800" b="1" u="sng" strike="noStrike" spc="-1">
                 <a:solidFill>
-                  <a:srgbClr val="0563c1"/>
+                  <a:srgbClr val="0563C1"/>
                 </a:solidFill>
                 <a:uFillTx/>
                 <a:latin typeface="游ゴシック"/>
-                <a:hlinkClick r:id="rId4"/>
-              </a:rPr>
-              <a:t>Prespective</a:t>
-            </a:r>
-            <a:r>
-              <a:rPr b="1" lang="en-US" sz="2800" spc="-1" strike="noStrike" u="sng">
+                <a:hlinkClick r:id="rId3"/>
+              </a:rPr>
+              <a:t>問題 </a:t>
+            </a:r>
+            <a:r>
+              <a:rPr lang="en-US" sz="2800" b="1" u="sng" strike="noStrike" spc="-1">
                 <a:solidFill>
-                  <a:srgbClr val="0563c1"/>
+                  <a:srgbClr val="0563C1"/>
                 </a:solidFill>
                 <a:uFillTx/>
                 <a:latin typeface="游ゴシック"/>
-                <a:hlinkClick r:id="rId5"/>
+                <a:hlinkClick r:id="rId3"/>
+              </a:rPr>
+              <a:t>(</a:t>
+            </a:r>
+            <a:r>
+              <a:rPr lang="en-US" sz="2800" b="1" u="sng" strike="noStrike" spc="-1">
+                <a:solidFill>
+                  <a:srgbClr val="0563C1"/>
+                </a:solidFill>
+                <a:uFillTx/>
+                <a:latin typeface="游ゴシック"/>
+                <a:hlinkClick r:id="rId3"/>
+              </a:rPr>
+              <a:t>Prespective</a:t>
+            </a:r>
+            <a:r>
+              <a:rPr lang="en-US" sz="2800" b="1" u="sng" strike="noStrike" spc="-1">
+                <a:solidFill>
+                  <a:srgbClr val="0563C1"/>
+                </a:solidFill>
+                <a:uFillTx/>
+                <a:latin typeface="游ゴシック"/>
+                <a:hlinkClick r:id="rId3"/>
               </a:rPr>
               <a:t>-n-Points)</a:t>
             </a:r>
-            <a:endParaRPr b="0" lang="en-US" sz="2800" spc="-1" strike="noStrike">
+            <a:endParaRPr lang="en-US" sz="2800" b="0" strike="noStrike" spc="-1">
               <a:latin typeface="Arial"/>
             </a:endParaRPr>
           </a:p>
@@ -3647,15 +4154,22 @@
           </a:ln>
         </p:spPr>
         <p:style>
-          <a:lnRef idx="0"/>
-          <a:fillRef idx="0"/>
-          <a:effectRef idx="0"/>
+          <a:lnRef idx="0">
+            <a:scrgbClr r="0" g="0" b="0"/>
+          </a:lnRef>
+          <a:fillRef idx="0">
+            <a:scrgbClr r="0" g="0" b="0"/>
+          </a:fillRef>
+          <a:effectRef idx="0">
+            <a:scrgbClr r="0" g="0" b="0"/>
+          </a:effectRef>
           <a:fontRef idx="minor"/>
         </p:style>
         <p:txBody>
-          <a:bodyPr lIns="90000" rIns="90000" tIns="45000" bIns="45000">
+          <a:bodyPr lIns="90000" tIns="45000" rIns="90000" bIns="45000">
             <a:spAutoFit/>
           </a:bodyPr>
+          <a:lstStyle/>
           <a:p>
             <a:pPr>
               <a:lnSpc>
@@ -3663,7 +4177,7 @@
               </a:lnSpc>
             </a:pPr>
             <a:r>
-              <a:rPr b="0" lang="en-US" sz="1800" spc="-1" strike="noStrike">
+              <a:rPr lang="en-US" sz="1800" b="0" strike="noStrike" spc="-1">
                 <a:solidFill>
                   <a:srgbClr val="000000"/>
                 </a:solidFill>
@@ -3672,7 +4186,7 @@
               <a:t>PnP</a:t>
             </a:r>
             <a:r>
-              <a:rPr b="0" lang="ja-JP" sz="1800" spc="-1" strike="noStrike">
+              <a:rPr lang="ja-JP" sz="1800" b="0" strike="noStrike" spc="-1">
                 <a:solidFill>
                   <a:srgbClr val="000000"/>
                 </a:solidFill>
@@ -3681,7 +4195,7 @@
               <a:t>問題（</a:t>
             </a:r>
             <a:r>
-              <a:rPr b="0" lang="en-US" sz="1800" spc="-1" strike="noStrike">
+              <a:rPr lang="en-US" sz="1800" b="0" strike="noStrike" spc="-1">
                 <a:solidFill>
                   <a:srgbClr val="000000"/>
                 </a:solidFill>
@@ -3690,7 +4204,7 @@
               <a:t>Perspective-n-Points Problem</a:t>
             </a:r>
             <a:r>
-              <a:rPr b="0" lang="ja-JP" sz="1800" spc="-1" strike="noStrike">
+              <a:rPr lang="ja-JP" sz="1800" b="0" strike="noStrike" spc="-1">
                 <a:solidFill>
                   <a:srgbClr val="000000"/>
                 </a:solidFill>
@@ -3699,7 +4213,7 @@
               <a:t>）とは，ワールド座標系における</a:t>
             </a:r>
             <a:r>
-              <a:rPr b="0" lang="en-US" sz="1800" spc="-1" strike="noStrike">
+              <a:rPr lang="en-US" sz="1800" b="0" strike="noStrike" spc="-1">
                 <a:solidFill>
                   <a:srgbClr val="000000"/>
                 </a:solidFill>
@@ -3708,7 +4222,7 @@
               <a:t>n</a:t>
             </a:r>
             <a:r>
-              <a:rPr b="0" lang="ja-JP" sz="1800" spc="-1" strike="noStrike">
+              <a:rPr lang="ja-JP" sz="1800" b="0" strike="noStrike" spc="-1">
                 <a:solidFill>
                   <a:srgbClr val="000000"/>
                 </a:solidFill>
@@ -3716,7 +4230,7 @@
               </a:rPr>
               <a:t>点の三次元座標とそれらの点が観測された画像座標から，校正済カメラの位置姿勢を推定する問題</a:t>
             </a:r>
-            <a:endParaRPr b="0" lang="en-US" sz="1800" spc="-1" strike="noStrike">
+            <a:endParaRPr lang="en-US" sz="1800" b="0" strike="noStrike" spc="-1">
               <a:latin typeface="Arial"/>
             </a:endParaRPr>
           </a:p>
@@ -3724,19 +4238,14 @@
       </p:sp>
     </p:spTree>
   </p:cSld>
-  <mc:AlternateContent>
-    <mc:Choice Requires="p14">
-      <p:transition spd="slow" p14:dur="2000"/>
-    </mc:Choice>
-    <mc:Fallback>
-      <p:transition spd="slow"/>
-    </mc:Fallback>
-  </mc:AlternateContent>
+  <p:clrMapOvr>
+    <a:masterClrMapping/>
+  </p:clrMapOvr>
 </p:sld>
 </file>
 
 <file path=ppt/slides/slide2.xml><?xml version="1.0" encoding="utf-8"?>
-<p:sld xmlns:a="http://schemas.openxmlformats.org/drawingml/2006/main" xmlns:p="http://schemas.openxmlformats.org/presentationml/2006/main" xmlns:r="http://schemas.openxmlformats.org/officeDocument/2006/relationships" xmlns:p14="http://schemas.microsoft.com/office/powerpoint/2010/main" xmlns:p15="http://schemas.microsoft.com/office/powerpoint/2012/main" xmlns:mc="http://schemas.openxmlformats.org/markup-compatibility/2006">
+<p:sld xmlns:a="http://schemas.openxmlformats.org/drawingml/2006/main" xmlns:r="http://schemas.openxmlformats.org/officeDocument/2006/relationships" xmlns:p="http://schemas.openxmlformats.org/presentationml/2006/main">
   <p:cSld>
     <p:spTree>
       <p:nvGrpSpPr>
@@ -3783,9 +4292,10 @@
           <a:fontRef idx="minor"/>
         </p:style>
         <p:txBody>
-          <a:bodyPr lIns="90000" rIns="90000" tIns="45000" bIns="45000" anchor="ctr">
+          <a:bodyPr lIns="90000" tIns="45000" rIns="90000" bIns="45000" anchor="ctr">
             <a:noAutofit/>
           </a:bodyPr>
+          <a:lstStyle/>
           <a:p>
             <a:pPr algn="ctr">
               <a:lnSpc>
@@ -3793,42 +4303,24 @@
               </a:lnSpc>
             </a:pPr>
             <a:r>
-              <a:rPr b="1" lang="en-US" sz="2800" spc="-1" strike="noStrike">
+              <a:rPr lang="en-US" sz="2800" b="1" strike="noStrike" spc="-1">
                 <a:solidFill>
-                  <a:srgbClr val="ffffff"/>
+                  <a:srgbClr val="FFFFFF"/>
                 </a:solidFill>
                 <a:latin typeface="游ゴシック"/>
               </a:rPr>
-              <a:t>LineMO</a:t>
-            </a:r>
-            <a:r>
-              <a:rPr b="1" lang="en-US" sz="2800" spc="-1" strike="noStrike">
+              <a:t>LineMOD</a:t>
+            </a:r>
+            <a:r>
+              <a:rPr lang="ja-JP" sz="2800" b="1" strike="noStrike" spc="-1">
                 <a:solidFill>
-                  <a:srgbClr val="ffffff"/>
+                  <a:srgbClr val="FFFFFF"/>
                 </a:solidFill>
                 <a:latin typeface="游ゴシック"/>
               </a:rPr>
-              <a:t>D</a:t>
-            </a:r>
-            <a:r>
-              <a:rPr b="1" lang="ja-JP" sz="2800" spc="-1" strike="noStrike">
-                <a:solidFill>
-                  <a:srgbClr val="ffffff"/>
-                </a:solidFill>
-                <a:latin typeface="游ゴシック"/>
-              </a:rPr>
-              <a:t>データ</a:t>
-            </a:r>
-            <a:r>
-              <a:rPr b="1" lang="ja-JP" sz="2800" spc="-1" strike="noStrike">
-                <a:solidFill>
-                  <a:srgbClr val="ffffff"/>
-                </a:solidFill>
-                <a:latin typeface="游ゴシック"/>
-              </a:rPr>
-              <a:t>セット</a:t>
-            </a:r>
-            <a:endParaRPr b="0" lang="en-US" sz="2800" spc="-1" strike="noStrike">
+              <a:t>データセット</a:t>
+            </a:r>
+            <a:endParaRPr lang="en-US" sz="2800" b="0" strike="noStrike" spc="-1">
               <a:latin typeface="Arial"/>
             </a:endParaRPr>
           </a:p>
@@ -3857,6 +4349,7 @@
           <a:bodyPr anchor="ctr">
             <a:noAutofit/>
           </a:bodyPr>
+          <a:lstStyle/>
           <a:p>
             <a:pPr algn="r">
               <a:lnSpc>
@@ -3864,15 +4357,15 @@
               </a:lnSpc>
             </a:pPr>
             <a:fld id="{5111F021-673C-47A9-B231-265CC03283EE}" type="slidenum">
-              <a:rPr b="0" lang="en-US" sz="1050" spc="-1" strike="noStrike">
+              <a:rPr lang="en-US" sz="1050" b="0" strike="noStrike" spc="-1">
                 <a:solidFill>
                   <a:srgbClr val="000000"/>
                 </a:solidFill>
                 <a:latin typeface="游ゴシック"/>
               </a:rPr>
-              <a:t>&lt;番号&gt;</a:t>
+              <a:t>2</a:t>
             </a:fld>
-            <a:endParaRPr b="0" lang="en-US" sz="1050" spc="-1" strike="noStrike">
+            <a:endParaRPr lang="en-US" sz="1050" b="0" strike="noStrike" spc="-1">
               <a:latin typeface="Times New Roman"/>
             </a:endParaRPr>
           </a:p>
@@ -3898,407 +4391,378 @@
           </a:ln>
         </p:spPr>
         <p:txBody>
-          <a:bodyPr lIns="90000" rIns="90000" tIns="45000" bIns="45000">
+          <a:bodyPr lIns="90000" tIns="45000" rIns="90000" bIns="45000">
             <a:noAutofit/>
           </a:bodyPr>
-          <a:p>
-            <a:r>
-              <a:rPr b="0" lang="en-US" sz="1800" spc="-1" strike="noStrike">
+          <a:lstStyle/>
+          <a:p>
+            <a:r>
+              <a:rPr lang="en-US" sz="1800" b="0" strike="noStrike" spc="-1">
                 <a:latin typeface="Arial"/>
               </a:rPr>
               <a:t>* 15</a:t>
             </a:r>
             <a:r>
-              <a:rPr b="0" lang="ja-JP" sz="1800" spc="-1" strike="noStrike">
+              <a:rPr lang="ja-JP" sz="1800" b="0" strike="noStrike" spc="-1">
                 <a:latin typeface="Arial"/>
               </a:rPr>
               <a:t>種類のオブジェクトとグランドトゥルースポーズを含む</a:t>
             </a:r>
             <a:r>
-              <a:rPr b="0" lang="en-US" sz="1800" spc="-1" strike="noStrike">
+              <a:rPr lang="en-US" sz="1800" b="0" strike="noStrike" spc="-1">
                 <a:latin typeface="Arial"/>
               </a:rPr>
               <a:t>18000</a:t>
             </a:r>
             <a:r>
-              <a:rPr b="0" lang="ja-JP" sz="1800" spc="-1" strike="noStrike">
+              <a:rPr lang="ja-JP" sz="1800" b="0" strike="noStrike" spc="-1">
                 <a:latin typeface="Arial"/>
               </a:rPr>
               <a:t>枚以上の実写画像</a:t>
             </a:r>
-            <a:endParaRPr b="0" lang="en-US" sz="1800" spc="-1" strike="noStrike">
+            <a:endParaRPr lang="en-US" sz="1800" b="0" strike="noStrike" spc="-1">
               <a:latin typeface="Arial"/>
             </a:endParaRPr>
           </a:p>
           <a:p>
             <a:r>
-              <a:rPr b="0" lang="en-US" sz="1800" spc="-1" strike="noStrike">
+              <a:rPr lang="en-US" sz="1800" b="0" strike="noStrike" spc="-1">
                 <a:latin typeface="Arial"/>
               </a:rPr>
               <a:t>* Creative Commons Attribution 4.0 International License</a:t>
             </a:r>
-            <a:endParaRPr b="0" lang="en-US" sz="1800" spc="-1" strike="noStrike">
+          </a:p>
+          <a:p>
+            <a:r>
+              <a:rPr lang="ja-JP" sz="1800" b="0" strike="noStrike" spc="-1">
+                <a:latin typeface="Arial"/>
+              </a:rPr>
+              <a:t>猿、ベンチバイス、ボウル、缶、猫、カップ、ドリル、アヒル、接着剤、穴あけ器、鉄、ランプ、電話、カム、卵箱</a:t>
+            </a:r>
+            <a:endParaRPr lang="en-US" sz="1800" b="0" strike="noStrike" spc="-1">
               <a:latin typeface="Arial"/>
             </a:endParaRPr>
           </a:p>
           <a:p>
             <a:r>
-              <a:rPr b="0" lang="ja-JP" sz="1800" spc="-1" strike="noStrike">
+              <a:rPr lang="ja-JP" sz="1800" b="0" strike="noStrike" spc="-1">
                 <a:latin typeface="Arial"/>
               </a:rPr>
-              <a:t>猿、ベンチバイス、ボウル、缶、猫、カップ、ドリル、アヒル、接着剤、穴あけ器、鉄、ランプ、電話、カム、卵箱</a:t>
-            </a:r>
-            <a:endParaRPr b="0" lang="en-US" sz="1800" spc="-1" strike="noStrike">
-              <a:latin typeface="Arial"/>
-            </a:endParaRPr>
-          </a:p>
-          <a:p>
-            <a:r>
-              <a:rPr b="0" lang="ja-JP" sz="1800" spc="-1" strike="noStrike">
+              <a:t>各データセットには，</a:t>
+            </a:r>
+            <a:r>
+              <a:rPr lang="en-US" sz="1800" b="0" strike="noStrike" spc="-1">
                 <a:latin typeface="Arial"/>
               </a:rPr>
-              <a:t>各データセットには，</a:t>
-            </a:r>
-            <a:r>
-              <a:rPr b="0" lang="en-US" sz="1800" spc="-1" strike="noStrike">
+              <a:t>3D</a:t>
+            </a:r>
+            <a:r>
+              <a:rPr lang="ja-JP" sz="1800" b="0" strike="noStrike" spc="-1">
                 <a:latin typeface="Arial"/>
               </a:rPr>
+              <a:t>モデルが点群として保存されている（フォーマット：</a:t>
+            </a:r>
+            <a:r>
+              <a:rPr lang="en-US" sz="1800" b="0" strike="noStrike" spc="-1">
+                <a:latin typeface="Arial"/>
+              </a:rPr>
+              <a:t>#of_voxels size: </a:t>
+            </a:r>
+            <a:r>
+              <a:rPr lang="ja-JP" sz="1800" b="0" strike="noStrike" spc="-1">
+                <a:latin typeface="Arial"/>
+              </a:rPr>
+              <a:t>各データセットには，点群として保存された</a:t>
+            </a:r>
+            <a:r>
+              <a:rPr lang="en-US" sz="1800" b="0" strike="noStrike" spc="-1">
+                <a:latin typeface="Arial"/>
+              </a:rPr>
               <a:t>3D</a:t>
             </a:r>
             <a:r>
-              <a:rPr b="0" lang="ja-JP" sz="1800" spc="-1" strike="noStrike">
+              <a:rPr lang="ja-JP" sz="1800" b="0" strike="noStrike" spc="-1">
                 <a:latin typeface="Arial"/>
               </a:rPr>
-              <a:t>モデルが点群として保存されている（フォーマット：</a:t>
-            </a:r>
-            <a:r>
-              <a:rPr b="0" lang="en-US" sz="1800" spc="-1" strike="noStrike">
+              <a:t>モデル（フォーマット：</a:t>
+            </a:r>
+            <a:r>
+              <a:rPr lang="en-US" sz="1800" b="0" strike="noStrike" spc="-1">
                 <a:latin typeface="Arial"/>
               </a:rPr>
-              <a:t>#of_voxels size: </a:t>
-            </a:r>
-            <a:r>
-              <a:rPr b="0" lang="ja-JP" sz="1800" spc="-1" strike="noStrike">
+              <a:t>#_of_voxels size_of_voxel</a:t>
+            </a:r>
+          </a:p>
+          <a:p>
+            <a:r>
+              <a:rPr lang="en-US" sz="1800" b="0" strike="noStrike" spc="-1">
                 <a:latin typeface="Arial"/>
               </a:rPr>
-              <a:t>各データセットには，点群として保存された</a:t>
-            </a:r>
-            <a:r>
-              <a:rPr b="0" lang="en-US" sz="1800" spc="-1" strike="noStrike">
+              <a:t>_in_cm x1</a:t>
+            </a:r>
+          </a:p>
+          <a:p>
+            <a:r>
+              <a:rPr lang="en-US" sz="1800" b="0" strike="noStrike" spc="-1">
                 <a:latin typeface="Arial"/>
               </a:rPr>
-              <a:t>3D</a:t>
-            </a:r>
-            <a:r>
-              <a:rPr b="0" lang="ja-JP" sz="1800" spc="-1" strike="noStrike">
+              <a:t>_in_cm y1</a:t>
+            </a:r>
+          </a:p>
+          <a:p>
+            <a:r>
+              <a:rPr lang="en-US" sz="1800" b="0" strike="noStrike" spc="-1">
                 <a:latin typeface="Arial"/>
               </a:rPr>
-              <a:t>モデル（フォーマット：</a:t>
-            </a:r>
-            <a:r>
-              <a:rPr b="0" lang="en-US" sz="1800" spc="-1" strike="noStrike">
+              <a:t>_in_cm z1</a:t>
+            </a:r>
+          </a:p>
+          <a:p>
+            <a:r>
+              <a:rPr lang="en-US" sz="1800" b="0" strike="noStrike" spc="-1">
                 <a:latin typeface="Arial"/>
               </a:rPr>
-              <a:t>#_of_voxels size_of_voxel</a:t>
-            </a:r>
-            <a:endParaRPr b="0" lang="en-US" sz="1800" spc="-1" strike="noStrike">
-              <a:latin typeface="Arial"/>
-            </a:endParaRPr>
-          </a:p>
-          <a:p>
-            <a:r>
-              <a:rPr b="0" lang="en-US" sz="1800" spc="-1" strike="noStrike">
+              <a:t>_in_cm normal_x1</a:t>
+            </a:r>
+          </a:p>
+          <a:p>
+            <a:r>
+              <a:rPr lang="en-US" sz="1800" b="0" strike="noStrike" spc="-1">
                 <a:latin typeface="Arial"/>
               </a:rPr>
-              <a:t>_in_cm x1</a:t>
-            </a:r>
-            <a:endParaRPr b="0" lang="en-US" sz="1800" spc="-1" strike="noStrike">
-              <a:latin typeface="Arial"/>
-            </a:endParaRPr>
-          </a:p>
-          <a:p>
-            <a:r>
-              <a:rPr b="0" lang="en-US" sz="1800" spc="-1" strike="noStrike">
+              <a:t>normal_y1</a:t>
+            </a:r>
+          </a:p>
+          <a:p>
+            <a:r>
+              <a:rPr lang="en-US" sz="1800" b="0" strike="noStrike" spc="-1">
                 <a:latin typeface="Arial"/>
               </a:rPr>
-              <a:t>_in_cm y1</a:t>
-            </a:r>
-            <a:endParaRPr b="0" lang="en-US" sz="1800" spc="-1" strike="noStrike">
-              <a:latin typeface="Arial"/>
-            </a:endParaRPr>
-          </a:p>
-          <a:p>
-            <a:r>
-              <a:rPr b="0" lang="en-US" sz="1800" spc="-1" strike="noStrike">
+              <a:t>normal_z1</a:t>
+            </a:r>
+          </a:p>
+          <a:p>
+            <a:r>
+              <a:rPr lang="en-US" sz="1800" b="0" strike="noStrike" spc="-1">
                 <a:latin typeface="Arial"/>
               </a:rPr>
-              <a:t>_in_cm z1</a:t>
-            </a:r>
-            <a:endParaRPr b="0" lang="en-US" sz="1800" spc="-1" strike="noStrike">
-              <a:latin typeface="Arial"/>
-            </a:endParaRPr>
-          </a:p>
-          <a:p>
-            <a:r>
-              <a:rPr b="0" lang="en-US" sz="1800" spc="-1" strike="noStrike">
+              <a:t>color_x1_normalized_to_1</a:t>
+            </a:r>
+          </a:p>
+          <a:p>
+            <a:r>
+              <a:rPr lang="en-US" sz="1800" b="0" strike="noStrike" spc="-1">
                 <a:latin typeface="Arial"/>
               </a:rPr>
-              <a:t>_in_cm normal_x1</a:t>
-            </a:r>
-            <a:endParaRPr b="0" lang="en-US" sz="1800" spc="-1" strike="noStrike">
-              <a:latin typeface="Arial"/>
-            </a:endParaRPr>
-          </a:p>
-          <a:p>
-            <a:r>
-              <a:rPr b="0" lang="en-US" sz="1800" spc="-1" strike="noStrike">
+              <a:t>color_y1_normalized_to_1</a:t>
+            </a:r>
+          </a:p>
+          <a:p>
+            <a:r>
+              <a:rPr lang="en-US" sz="1800" b="0" strike="noStrike" spc="-1">
                 <a:latin typeface="Arial"/>
               </a:rPr>
-              <a:t>normal_y1</a:t>
-            </a:r>
-            <a:endParaRPr b="0" lang="en-US" sz="1800" spc="-1" strike="noStrike">
-              <a:latin typeface="Arial"/>
-            </a:endParaRPr>
-          </a:p>
-          <a:p>
-            <a:r>
-              <a:rPr b="0" lang="en-US" sz="1800" spc="-1" strike="noStrike">
+              <a:t>color_z1_normalized_to_1 ...</a:t>
+            </a:r>
+            <a:r>
+              <a:rPr lang="ja-JP" sz="1800" b="0" strike="noStrike" spc="-1">
                 <a:latin typeface="Arial"/>
               </a:rPr>
-              <a:t>normal_z1</a:t>
-            </a:r>
-            <a:endParaRPr b="0" lang="en-US" sz="1800" spc="-1" strike="noStrike">
-              <a:latin typeface="Arial"/>
-            </a:endParaRPr>
-          </a:p>
-          <a:p>
-            <a:r>
-              <a:rPr b="0" lang="en-US" sz="1800" spc="-1" strike="noStrike">
+              <a:t>）と，対象物の最大直径（単位：</a:t>
+            </a:r>
+            <a:r>
+              <a:rPr lang="en-US" sz="1800" b="0" strike="noStrike" spc="-1">
                 <a:latin typeface="Arial"/>
               </a:rPr>
-              <a:t>color_x1_normalized_to_1</a:t>
-            </a:r>
-            <a:endParaRPr b="0" lang="en-US" sz="1800" spc="-1" strike="noStrike">
-              <a:latin typeface="Arial"/>
-            </a:endParaRPr>
-          </a:p>
-          <a:p>
-            <a:r>
-              <a:rPr b="0" lang="en-US" sz="1800" spc="-1" strike="noStrike">
+              <a:t>cm</a:t>
+            </a:r>
+            <a:r>
+              <a:rPr lang="ja-JP" sz="1800" b="0" strike="noStrike" spc="-1">
                 <a:latin typeface="Arial"/>
               </a:rPr>
-              <a:t>color_y1_normalized_to_1</a:t>
-            </a:r>
-            <a:endParaRPr b="0" lang="en-US" sz="1800" spc="-1" strike="noStrike">
-              <a:latin typeface="Arial"/>
-            </a:endParaRPr>
-          </a:p>
-          <a:p>
-            <a:r>
-              <a:rPr b="0" lang="en-US" sz="1800" spc="-1" strike="noStrike">
+              <a:t>）を記録した</a:t>
+            </a:r>
+            <a:r>
+              <a:rPr lang="en-US" sz="1800" b="0" strike="noStrike" spc="-1">
                 <a:latin typeface="Arial"/>
               </a:rPr>
-              <a:t>color_z1_normalized_to_1 ...</a:t>
-            </a:r>
-            <a:r>
-              <a:rPr b="0" lang="ja-JP" sz="1800" spc="-1" strike="noStrike">
+              <a:t>distance.txt</a:t>
+            </a:r>
+            <a:r>
+              <a:rPr lang="ja-JP" sz="1800" b="0" strike="noStrike" spc="-1">
                 <a:latin typeface="Arial"/>
               </a:rPr>
-              <a:t>）と，対象物の最大直径（単位：</a:t>
-            </a:r>
-            <a:r>
-              <a:rPr b="0" lang="en-US" sz="1800" spc="-1" strike="noStrike">
+              <a:t>というファイルが含まれています。いくつかのデータセットでは、</a:t>
+            </a:r>
+            <a:r>
+              <a:rPr lang="en-US" sz="1800" b="0" strike="noStrike" spc="-1">
                 <a:latin typeface="Arial"/>
               </a:rPr>
+              <a:t>ply</a:t>
+            </a:r>
+            <a:r>
+              <a:rPr lang="ja-JP" sz="1800" b="0" strike="noStrike" spc="-1">
+                <a:latin typeface="Arial"/>
+              </a:rPr>
+              <a:t>フォーマットの美しいメッシュモデルも提供しています（単位：</a:t>
+            </a:r>
+            <a:r>
+              <a:rPr lang="en-US" sz="1800" b="0" strike="noStrike" spc="-1">
+                <a:latin typeface="Arial"/>
+              </a:rPr>
+              <a:t>mm - </a:t>
+            </a:r>
+            <a:r>
+              <a:rPr lang="ja-JP" sz="1800" b="0" strike="noStrike" spc="-1">
+                <a:latin typeface="Arial"/>
+              </a:rPr>
+              <a:t>より良い法線を持つ）。オリジナルのメッシュは</a:t>
+            </a:r>
+            <a:r>
+              <a:rPr lang="en-US" sz="1800" b="0" strike="noStrike" spc="-1">
+                <a:latin typeface="Arial"/>
+              </a:rPr>
+              <a:t>OLDmesh.ply</a:t>
+            </a:r>
+            <a:r>
+              <a:rPr lang="ja-JP" sz="1800" b="0" strike="noStrike" spc="-1">
+                <a:latin typeface="Arial"/>
+              </a:rPr>
+              <a:t>に含まれています。ほとんどのデータセットでは、この</a:t>
+            </a:r>
+            <a:r>
+              <a:rPr lang="en-US" sz="1800" b="0" strike="noStrike" spc="-1">
+                <a:latin typeface="Arial"/>
+              </a:rPr>
+              <a:t>OLDmesh.ply</a:t>
+            </a:r>
+            <a:r>
+              <a:rPr lang="ja-JP" sz="1800" b="0" strike="noStrike" spc="-1">
+                <a:latin typeface="Arial"/>
+              </a:rPr>
+              <a:t>を、</a:t>
+            </a:r>
+            <a:r>
+              <a:rPr lang="en-US" sz="1800" b="0" strike="noStrike" spc="-1">
+                <a:latin typeface="Arial"/>
+              </a:rPr>
+              <a:t>transform.dat</a:t>
+            </a:r>
+            <a:r>
+              <a:rPr lang="ja-JP" sz="1800" b="0" strike="noStrike" spc="-1">
+                <a:latin typeface="Arial"/>
+              </a:rPr>
+              <a:t>に格納されている変換を用いて点群に登録しました（最初の番号は重要ではなく、その後、各行の最初の番号は廃止されます</a:t>
+            </a:r>
+            <a:r>
+              <a:rPr lang="en-US" sz="1800" b="0" strike="noStrike" spc="-1">
+                <a:latin typeface="Arial"/>
+              </a:rPr>
+              <a:t>-</a:t>
+            </a:r>
+            <a:r>
+              <a:rPr lang="ja-JP" sz="1800" b="0" strike="noStrike" spc="-1">
+                <a:latin typeface="Arial"/>
+              </a:rPr>
+              <a:t>残りの場合：変換行列</a:t>
+            </a:r>
+            <a:r>
+              <a:rPr lang="en-US" sz="1800" b="0" strike="noStrike" spc="-1">
+                <a:latin typeface="Arial"/>
+              </a:rPr>
+              <a:t>[R|T]</a:t>
+            </a:r>
+            <a:r>
+              <a:rPr lang="ja-JP" sz="1800" b="0" strike="noStrike" spc="-1">
+                <a:latin typeface="Arial"/>
+              </a:rPr>
+              <a:t>は行単位（</a:t>
+            </a:r>
+            <a:r>
+              <a:rPr lang="en-US" sz="1800" b="0" strike="noStrike" spc="-1">
+                <a:latin typeface="Arial"/>
+              </a:rPr>
+              <a:t>m</a:t>
+            </a:r>
+            <a:r>
+              <a:rPr lang="ja-JP" sz="1800" b="0" strike="noStrike" spc="-1">
+                <a:latin typeface="Arial"/>
+              </a:rPr>
+              <a:t>）で格納されます）。登録されたメッシュは</a:t>
+            </a:r>
+            <a:r>
+              <a:rPr lang="en-US" sz="1800" b="0" strike="noStrike" spc="-1">
+                <a:latin typeface="Arial"/>
+              </a:rPr>
+              <a:t>mesh.ply</a:t>
+            </a:r>
+            <a:r>
+              <a:rPr lang="ja-JP" sz="1800" b="0" strike="noStrike" spc="-1">
+                <a:latin typeface="Arial"/>
+              </a:rPr>
+              <a:t>に格納されています。フォルダ</a:t>
+            </a:r>
+            <a:r>
+              <a:rPr lang="en-US" sz="1800" b="0" strike="noStrike" spc="-1">
+                <a:latin typeface="Arial"/>
+              </a:rPr>
+              <a:t>data</a:t>
+            </a:r>
+            <a:r>
+              <a:rPr lang="ja-JP" sz="1800" b="0" strike="noStrike" spc="-1">
+                <a:latin typeface="Arial"/>
+              </a:rPr>
+              <a:t>には、カラー画像、アライメントされた深度画像、グランドトゥルースの回転と平行移動（単位は</a:t>
+            </a:r>
+            <a:r>
+              <a:rPr lang="en-US" sz="1800" b="0" strike="noStrike" spc="-1">
+                <a:latin typeface="Arial"/>
+              </a:rPr>
               <a:t>cm</a:t>
             </a:r>
             <a:r>
-              <a:rPr b="0" lang="ja-JP" sz="1800" spc="-1" strike="noStrike">
+              <a:rPr lang="ja-JP" sz="1800" b="0" strike="noStrike" spc="-1">
                 <a:latin typeface="Arial"/>
               </a:rPr>
-              <a:t>）を記録した</a:t>
-            </a:r>
-            <a:r>
-              <a:rPr b="0" lang="en-US" sz="1800" spc="-1" strike="noStrike">
+              <a:t>）が格納されています。深度画像を読み取るには、この関数を使用します。</a:t>
+            </a:r>
+            <a:r>
+              <a:rPr lang="en-US" sz="1800" b="0" strike="noStrike" spc="-1">
                 <a:latin typeface="Arial"/>
               </a:rPr>
-              <a:t>distance.txt</a:t>
-            </a:r>
-            <a:r>
-              <a:rPr b="0" lang="ja-JP" sz="1800" spc="-1" strike="noStrike">
+              <a:t>Kinect</a:t>
+            </a:r>
+            <a:r>
+              <a:rPr lang="ja-JP" sz="1800" b="0" strike="noStrike" spc="-1">
                 <a:latin typeface="Arial"/>
               </a:rPr>
-              <a:t>というファイルが含まれています。いくつかのデータセットでは、</a:t>
-            </a:r>
-            <a:r>
-              <a:rPr b="0" lang="en-US" sz="1800" spc="-1" strike="noStrike">
+              <a:t>の内部カメラ行列パラメータは次のとおりです： </a:t>
+            </a:r>
+            <a:r>
+              <a:rPr lang="en-US" sz="1800" b="0" strike="noStrike" spc="-1">
                 <a:latin typeface="Arial"/>
               </a:rPr>
-              <a:t>ply</a:t>
-            </a:r>
-            <a:r>
-              <a:rPr b="0" lang="ja-JP" sz="1800" spc="-1" strike="noStrike">
+              <a:t>fx=572.41140, px=325.26110, fy=573.57043; py=242.04899; </a:t>
+            </a:r>
+            <a:r>
+              <a:rPr lang="ja-JP" sz="1800" b="0" strike="noStrike" spc="-1">
                 <a:latin typeface="Arial"/>
               </a:rPr>
-              <a:t>フォーマットの美しいメッシュモデルも提供しています（単位：</a:t>
-            </a:r>
-            <a:r>
-              <a:rPr b="0" lang="en-US" sz="1800" spc="-1" strike="noStrike">
+              <a:t>カラー画像と深度画像は、</a:t>
+            </a:r>
+            <a:r>
+              <a:rPr lang="en-US" sz="1800" b="0" strike="noStrike" spc="-1">
                 <a:latin typeface="Arial"/>
               </a:rPr>
-              <a:t>mm - </a:t>
-            </a:r>
-            <a:r>
-              <a:rPr b="0" lang="ja-JP" sz="1800" spc="-1" strike="noStrike">
+              <a:t>Kinect</a:t>
+            </a:r>
+            <a:r>
+              <a:rPr lang="ja-JP" sz="1800" b="0" strike="noStrike" spc="-1">
                 <a:latin typeface="Arial"/>
               </a:rPr>
-              <a:t>より良い法線を持つ）。オリジナルのメッシュは</a:t>
-            </a:r>
-            <a:r>
-              <a:rPr b="0" lang="en-US" sz="1800" spc="-1" strike="noStrike">
-                <a:latin typeface="Arial"/>
-              </a:rPr>
-              <a:t>OLDmesh.ply</a:t>
-            </a:r>
-            <a:r>
-              <a:rPr b="0" lang="ja-JP" sz="1800" spc="-1" strike="noStrike">
-                <a:latin typeface="Arial"/>
-              </a:rPr>
-              <a:t>に含まれています。ほとんどのデータセットでは、この</a:t>
-            </a:r>
-            <a:r>
-              <a:rPr b="0" lang="en-US" sz="1800" spc="-1" strike="noStrike">
-                <a:latin typeface="Arial"/>
-              </a:rPr>
-              <a:t>OLDmesh.ply</a:t>
-            </a:r>
-            <a:r>
-              <a:rPr b="0" lang="ja-JP" sz="1800" spc="-1" strike="noStrike">
-                <a:latin typeface="Arial"/>
-              </a:rPr>
-              <a:t>を、</a:t>
-            </a:r>
-            <a:r>
-              <a:rPr b="0" lang="en-US" sz="1800" spc="-1" strike="noStrike">
-                <a:latin typeface="Arial"/>
-              </a:rPr>
-              <a:t>transform.dat</a:t>
-            </a:r>
-            <a:r>
-              <a:rPr b="0" lang="ja-JP" sz="1800" spc="-1" strike="noStrike">
-                <a:latin typeface="Arial"/>
-              </a:rPr>
-              <a:t>に格納されている変換を用いて点群に登録しました（最初の番号は重要ではなく、その後、各行の最初の番号は廃止されます</a:t>
-            </a:r>
-            <a:r>
-              <a:rPr b="0" lang="en-US" sz="1800" spc="-1" strike="noStrike">
-                <a:latin typeface="Arial"/>
-              </a:rPr>
-              <a:t>-</a:t>
-            </a:r>
-            <a:r>
-              <a:rPr b="0" lang="ja-JP" sz="1800" spc="-1" strike="noStrike">
-                <a:latin typeface="Arial"/>
-              </a:rPr>
-              <a:t>残りの場合：変換行列</a:t>
-            </a:r>
-            <a:r>
-              <a:rPr b="0" lang="en-US" sz="1800" spc="-1" strike="noStrike">
-                <a:latin typeface="Arial"/>
-              </a:rPr>
-              <a:t>[R|T]</a:t>
-            </a:r>
-            <a:r>
-              <a:rPr b="0" lang="ja-JP" sz="1800" spc="-1" strike="noStrike">
-                <a:latin typeface="Arial"/>
-              </a:rPr>
-              <a:t>は行単位（</a:t>
-            </a:r>
-            <a:r>
-              <a:rPr b="0" lang="en-US" sz="1800" spc="-1" strike="noStrike">
-                <a:latin typeface="Arial"/>
-              </a:rPr>
-              <a:t>m</a:t>
-            </a:r>
-            <a:r>
-              <a:rPr b="0" lang="ja-JP" sz="1800" spc="-1" strike="noStrike">
-                <a:latin typeface="Arial"/>
-              </a:rPr>
-              <a:t>）で格納されます）。登録されたメッシュは</a:t>
-            </a:r>
-            <a:r>
-              <a:rPr b="0" lang="en-US" sz="1800" spc="-1" strike="noStrike">
-                <a:latin typeface="Arial"/>
-              </a:rPr>
-              <a:t>mesh.ply</a:t>
-            </a:r>
-            <a:r>
-              <a:rPr b="0" lang="ja-JP" sz="1800" spc="-1" strike="noStrike">
-                <a:latin typeface="Arial"/>
-              </a:rPr>
-              <a:t>に格納されています。フォルダ</a:t>
-            </a:r>
-            <a:r>
-              <a:rPr b="0" lang="en-US" sz="1800" spc="-1" strike="noStrike">
-                <a:latin typeface="Arial"/>
-              </a:rPr>
-              <a:t>data</a:t>
-            </a:r>
-            <a:r>
-              <a:rPr b="0" lang="ja-JP" sz="1800" spc="-1" strike="noStrike">
-                <a:latin typeface="Arial"/>
-              </a:rPr>
-              <a:t>には、カラー画像、アライメントされた深度画像、グランドトゥルースの回転と平行移動（単位は</a:t>
-            </a:r>
-            <a:r>
-              <a:rPr b="0" lang="en-US" sz="1800" spc="-1" strike="noStrike">
-                <a:latin typeface="Arial"/>
-              </a:rPr>
-              <a:t>cm</a:t>
-            </a:r>
-            <a:r>
-              <a:rPr b="0" lang="ja-JP" sz="1800" spc="-1" strike="noStrike">
-                <a:latin typeface="Arial"/>
-              </a:rPr>
-              <a:t>）が格納されています。深度画像を読み取るには、この関数を使用します。</a:t>
-            </a:r>
-            <a:r>
-              <a:rPr b="0" lang="en-US" sz="1800" spc="-1" strike="noStrike">
-                <a:latin typeface="Arial"/>
-              </a:rPr>
-              <a:t>Kinect</a:t>
-            </a:r>
-            <a:r>
-              <a:rPr b="0" lang="ja-JP" sz="1800" spc="-1" strike="noStrike">
-                <a:latin typeface="Arial"/>
-              </a:rPr>
-              <a:t>の内部カメラ行列パラメータは次のとおりです： </a:t>
-            </a:r>
-            <a:r>
-              <a:rPr b="0" lang="en-US" sz="1800" spc="-1" strike="noStrike">
-                <a:latin typeface="Arial"/>
-              </a:rPr>
-              <a:t>fx=572.41140, px=325.26110, fy=573.57043; py=242.04899; </a:t>
-            </a:r>
-            <a:r>
-              <a:rPr b="0" lang="ja-JP" sz="1800" spc="-1" strike="noStrike">
-                <a:latin typeface="Arial"/>
-              </a:rPr>
-              <a:t>カラー画像と深度画像は、</a:t>
-            </a:r>
-            <a:r>
-              <a:rPr b="0" lang="en-US" sz="1800" spc="-1" strike="noStrike">
-                <a:latin typeface="Arial"/>
-              </a:rPr>
-              <a:t>Kinect</a:t>
-            </a:r>
-            <a:r>
-              <a:rPr b="0" lang="ja-JP" sz="1800" spc="-1" strike="noStrike">
-                <a:latin typeface="Arial"/>
-              </a:rPr>
               <a:t>の内部アラインメント手順によってすでにアラインメントされています。</a:t>
             </a:r>
-            <a:endParaRPr b="0" lang="en-US" sz="1800" spc="-1" strike="noStrike">
+            <a:endParaRPr lang="en-US" sz="1800" b="0" strike="noStrike" spc="-1">
               <a:latin typeface="Arial"/>
             </a:endParaRPr>
           </a:p>
@@ -4306,19 +4770,14 @@
       </p:sp>
     </p:spTree>
   </p:cSld>
-  <mc:AlternateContent>
-    <mc:Choice Requires="p14">
-      <p:transition spd="slow" p14:dur="2000"/>
-    </mc:Choice>
-    <mc:Fallback>
-      <p:transition spd="slow"/>
-    </mc:Fallback>
-  </mc:AlternateContent>
+  <p:clrMapOvr>
+    <a:masterClrMapping/>
+  </p:clrMapOvr>
 </p:sld>
 </file>
 
 <file path=ppt/slides/slide3.xml><?xml version="1.0" encoding="utf-8"?>
-<p:sld xmlns:a="http://schemas.openxmlformats.org/drawingml/2006/main" xmlns:p="http://schemas.openxmlformats.org/presentationml/2006/main" xmlns:r="http://schemas.openxmlformats.org/officeDocument/2006/relationships" xmlns:p14="http://schemas.microsoft.com/office/powerpoint/2010/main" xmlns:p15="http://schemas.microsoft.com/office/powerpoint/2012/main" xmlns:mc="http://schemas.openxmlformats.org/markup-compatibility/2006">
+<p:sld xmlns:a="http://schemas.openxmlformats.org/drawingml/2006/main" xmlns:r="http://schemas.openxmlformats.org/officeDocument/2006/relationships" xmlns:p="http://schemas.openxmlformats.org/presentationml/2006/main">
   <p:cSld>
     <p:spTree>
       <p:nvGrpSpPr>
@@ -4365,9 +4824,10 @@
           <a:fontRef idx="minor"/>
         </p:style>
         <p:txBody>
-          <a:bodyPr lIns="90000" rIns="90000" tIns="45000" bIns="45000" anchor="ctr">
+          <a:bodyPr lIns="90000" tIns="45000" rIns="90000" bIns="45000" anchor="ctr">
             <a:noAutofit/>
           </a:bodyPr>
+          <a:lstStyle/>
           <a:p>
             <a:pPr algn="ctr">
               <a:lnSpc>
@@ -4375,24 +4835,24 @@
               </a:lnSpc>
             </a:pPr>
             <a:r>
-              <a:rPr b="1" lang="en-US" sz="2800" spc="-1" strike="noStrike">
+              <a:rPr lang="en-US" sz="2800" b="1" strike="noStrike" spc="-1">
                 <a:solidFill>
-                  <a:srgbClr val="ffffff"/>
+                  <a:srgbClr val="FFFFFF"/>
                 </a:solidFill>
                 <a:latin typeface="游ゴシック"/>
               </a:rPr>
               <a:t>LineMOD</a:t>
             </a:r>
             <a:r>
-              <a:rPr b="1" lang="ja-JP" sz="2800" spc="-1" strike="noStrike">
+              <a:rPr lang="ja-JP" sz="2800" b="1" strike="noStrike" spc="-1">
                 <a:solidFill>
-                  <a:srgbClr val="ffffff"/>
+                  <a:srgbClr val="FFFFFF"/>
                 </a:solidFill>
                 <a:latin typeface="游ゴシック"/>
               </a:rPr>
               <a:t>データセット</a:t>
             </a:r>
-            <a:endParaRPr b="0" lang="en-US" sz="2800" spc="-1" strike="noStrike">
+            <a:endParaRPr lang="en-US" sz="2800" b="0" strike="noStrike" spc="-1">
               <a:latin typeface="Arial"/>
             </a:endParaRPr>
           </a:p>
@@ -4421,6 +4881,7 @@
           <a:bodyPr anchor="ctr">
             <a:noAutofit/>
           </a:bodyPr>
+          <a:lstStyle/>
           <a:p>
             <a:pPr algn="r">
               <a:lnSpc>
@@ -4428,15 +4889,15 @@
               </a:lnSpc>
             </a:pPr>
             <a:fld id="{37879B23-B375-4A90-A9CF-15045C52C286}" type="slidenum">
-              <a:rPr b="0" lang="en-US" sz="1050" spc="-1" strike="noStrike">
+              <a:rPr lang="en-US" sz="1050" b="0" strike="noStrike" spc="-1">
                 <a:solidFill>
                   <a:srgbClr val="000000"/>
                 </a:solidFill>
                 <a:latin typeface="游ゴシック"/>
               </a:rPr>
-              <a:t>&lt;番号&gt;</a:t>
+              <a:t>3</a:t>
             </a:fld>
-            <a:endParaRPr b="0" lang="en-US" sz="1050" spc="-1" strike="noStrike">
+            <a:endParaRPr lang="en-US" sz="1050" b="0" strike="noStrike" spc="-1">
               <a:latin typeface="Times New Roman"/>
             </a:endParaRPr>
           </a:p>
@@ -4462,19 +4923,17 @@
           </a:ln>
         </p:spPr>
         <p:txBody>
-          <a:bodyPr lIns="90000" rIns="90000" tIns="45000" bIns="45000">
+          <a:bodyPr lIns="90000" tIns="45000" rIns="90000" bIns="45000">
             <a:noAutofit/>
           </a:bodyPr>
-          <a:p>
-            <a:r>
-              <a:rPr b="0" lang="en-US" sz="2600" spc="-1" strike="noStrike">
+          <a:lstStyle/>
+          <a:p>
+            <a:r>
+              <a:rPr lang="en-US" sz="2600" b="0" strike="noStrike" spc="-1">
                 <a:latin typeface="Arial"/>
               </a:rPr>
               <a:t>ape</a:t>
             </a:r>
-            <a:endParaRPr b="0" lang="en-US" sz="2600" spc="-1" strike="noStrike">
-              <a:latin typeface="Arial"/>
-            </a:endParaRPr>
           </a:p>
         </p:txBody>
       </p:sp>
@@ -4494,14 +4953,20 @@
           </a:prstGeom>
           <a:ln>
             <a:solidFill>
-              <a:srgbClr val="3465a4"/>
+              <a:srgbClr val="3465A4"/>
             </a:solidFill>
           </a:ln>
         </p:spPr>
         <p:style>
-          <a:lnRef idx="0"/>
-          <a:fillRef idx="0"/>
-          <a:effectRef idx="0"/>
+          <a:lnRef idx="0">
+            <a:scrgbClr r="0" g="0" b="0"/>
+          </a:lnRef>
+          <a:fillRef idx="0">
+            <a:scrgbClr r="0" g="0" b="0"/>
+          </a:fillRef>
+          <a:effectRef idx="0">
+            <a:scrgbClr r="0" g="0" b="0"/>
+          </a:effectRef>
           <a:fontRef idx="minor"/>
         </p:style>
       </p:sp>
@@ -4521,14 +4986,20 @@
           </a:prstGeom>
           <a:ln>
             <a:solidFill>
-              <a:srgbClr val="3465a4"/>
+              <a:srgbClr val="3465A4"/>
             </a:solidFill>
           </a:ln>
         </p:spPr>
         <p:style>
-          <a:lnRef idx="0"/>
-          <a:fillRef idx="0"/>
-          <a:effectRef idx="0"/>
+          <a:lnRef idx="0">
+            <a:scrgbClr r="0" g="0" b="0"/>
+          </a:lnRef>
+          <a:fillRef idx="0">
+            <a:scrgbClr r="0" g="0" b="0"/>
+          </a:fillRef>
+          <a:effectRef idx="0">
+            <a:scrgbClr r="0" g="0" b="0"/>
+          </a:effectRef>
           <a:fontRef idx="minor"/>
         </p:style>
       </p:sp>
@@ -4552,19 +5023,17 @@
           </a:ln>
         </p:spPr>
         <p:txBody>
-          <a:bodyPr lIns="90000" rIns="90000" tIns="45000" bIns="45000">
+          <a:bodyPr lIns="90000" tIns="45000" rIns="90000" bIns="45000">
             <a:noAutofit/>
           </a:bodyPr>
-          <a:p>
-            <a:r>
-              <a:rPr b="0" lang="en-US" sz="2600" spc="-1" strike="noStrike">
+          <a:lstStyle/>
+          <a:p>
+            <a:r>
+              <a:rPr lang="en-US" sz="2600" b="0" strike="noStrike" spc="-1">
                 <a:latin typeface="Arial"/>
               </a:rPr>
               <a:t>data</a:t>
             </a:r>
-            <a:endParaRPr b="0" lang="en-US" sz="2600" spc="-1" strike="noStrike">
-              <a:latin typeface="Arial"/>
-            </a:endParaRPr>
           </a:p>
         </p:txBody>
       </p:sp>
@@ -4584,14 +5053,20 @@
           </a:prstGeom>
           <a:ln>
             <a:solidFill>
-              <a:srgbClr val="3465a4"/>
+              <a:srgbClr val="3465A4"/>
             </a:solidFill>
           </a:ln>
         </p:spPr>
         <p:style>
-          <a:lnRef idx="0"/>
-          <a:fillRef idx="0"/>
-          <a:effectRef idx="0"/>
+          <a:lnRef idx="0">
+            <a:scrgbClr r="0" g="0" b="0"/>
+          </a:lnRef>
+          <a:fillRef idx="0">
+            <a:scrgbClr r="0" g="0" b="0"/>
+          </a:fillRef>
+          <a:effectRef idx="0">
+            <a:scrgbClr r="0" g="0" b="0"/>
+          </a:effectRef>
           <a:fontRef idx="minor"/>
         </p:style>
       </p:sp>
@@ -4615,19 +5090,17 @@
           </a:ln>
         </p:spPr>
         <p:txBody>
-          <a:bodyPr lIns="90000" rIns="90000" tIns="45000" bIns="45000">
+          <a:bodyPr lIns="90000" tIns="45000" rIns="90000" bIns="45000">
             <a:noAutofit/>
           </a:bodyPr>
-          <a:p>
-            <a:r>
-              <a:rPr b="0" lang="en-US" sz="2600" spc="-1" strike="noStrike">
+          <a:lstStyle/>
+          <a:p>
+            <a:r>
+              <a:rPr lang="en-US" sz="2600" b="0" strike="noStrike" spc="-1">
                 <a:latin typeface="Arial"/>
               </a:rPr>
               <a:t>OLDmesh.ply</a:t>
             </a:r>
-            <a:endParaRPr b="0" lang="en-US" sz="2600" spc="-1" strike="noStrike">
-              <a:latin typeface="Arial"/>
-            </a:endParaRPr>
           </a:p>
         </p:txBody>
       </p:sp>
@@ -4651,88 +5124,89 @@
           </a:ln>
         </p:spPr>
         <p:txBody>
-          <a:bodyPr lIns="90000" rIns="90000" tIns="45000" bIns="45000">
+          <a:bodyPr lIns="90000" tIns="45000" rIns="90000" bIns="45000">
             <a:noAutofit/>
           </a:bodyPr>
-          <a:p>
-            <a:r>
-              <a:rPr b="0" lang="ja-JP" sz="1800" spc="-1" strike="noStrike">
+          <a:lstStyle/>
+          <a:p>
+            <a:r>
+              <a:rPr lang="ja-JP" sz="1800" b="0" strike="noStrike" spc="-1">
                 <a:latin typeface="Arial"/>
               </a:rPr>
               <a:t>カラー画像</a:t>
             </a:r>
             <a:r>
-              <a:rPr b="0" lang="en-US" sz="1800" spc="-1" strike="noStrike">
+              <a:rPr lang="en-US" sz="1800" b="0" strike="noStrike" spc="-1">
                 <a:latin typeface="Arial"/>
               </a:rPr>
               <a:t>.jpg</a:t>
             </a:r>
             <a:r>
-              <a:rPr b="0" lang="ja-JP" sz="1800" spc="-1" strike="noStrike">
+              <a:rPr lang="ja-JP" sz="1800" b="0" strike="noStrike" spc="-1">
                 <a:latin typeface="Arial"/>
               </a:rPr>
               <a:t>、アライメントされた深度画像</a:t>
             </a:r>
             <a:r>
-              <a:rPr b="0" lang="en-US" sz="1800" spc="-1" strike="noStrike">
+              <a:rPr lang="en-US" sz="1800" b="0" strike="noStrike" spc="-1">
                 <a:latin typeface="Arial"/>
               </a:rPr>
               <a:t>.dpt</a:t>
             </a:r>
             <a:r>
-              <a:rPr b="0" lang="ja-JP" sz="1800" spc="-1" strike="noStrike">
+              <a:rPr lang="ja-JP" sz="1800" b="0" strike="noStrike" spc="-1">
                 <a:latin typeface="Arial"/>
               </a:rPr>
               <a:t>、</a:t>
             </a:r>
-            <a:endParaRPr b="0" lang="en-US" sz="1800" spc="-1" strike="noStrike">
+            <a:endParaRPr lang="en-US" sz="1800" b="0" strike="noStrike" spc="-1">
               <a:latin typeface="Arial"/>
             </a:endParaRPr>
           </a:p>
           <a:p>
             <a:r>
-              <a:rPr b="0" lang="ja-JP" sz="1800" spc="-1" strike="noStrike">
+              <a:rPr lang="ja-JP" sz="1800" b="0" strike="noStrike" spc="-1">
                 <a:latin typeface="Arial"/>
               </a:rPr>
               <a:t>グランドトゥルースの回転</a:t>
             </a:r>
             <a:r>
-              <a:rPr b="0" lang="en-US" sz="1800" spc="-1" strike="noStrike">
+              <a:rPr lang="en-US" sz="1800" b="0" strike="noStrike" spc="-1">
                 <a:latin typeface="Arial"/>
               </a:rPr>
               <a:t>.rot</a:t>
             </a:r>
             <a:r>
-              <a:rPr b="0" lang="ja-JP" sz="1800" spc="-1" strike="noStrike">
+              <a:rPr lang="ja-JP" sz="1800" b="0" strike="noStrike" spc="-1">
                 <a:latin typeface="Arial"/>
               </a:rPr>
               <a:t>と平行移動</a:t>
             </a:r>
             <a:r>
-              <a:rPr b="0" lang="en-US" sz="1800" spc="-1" strike="noStrike">
+              <a:rPr lang="en-US" sz="1800" b="0" strike="noStrike" spc="-1">
                 <a:latin typeface="Arial"/>
               </a:rPr>
               <a:t>.tra</a:t>
             </a:r>
             <a:r>
-              <a:rPr b="0" lang="ja-JP" sz="1800" spc="-1" strike="noStrike">
+              <a:rPr lang="ja-JP" sz="1800" b="0" strike="noStrike" spc="-1">
                 <a:latin typeface="Arial"/>
               </a:rPr>
               <a:t>（単位</a:t>
             </a:r>
             <a:r>
-              <a:rPr b="0" lang="en-US" sz="1800" spc="-1" strike="noStrike">
+              <a:rPr lang="en-US" sz="1800" b="0" strike="noStrike" spc="-1">
                 <a:latin typeface="Arial"/>
               </a:rPr>
               <a:t>cm</a:t>
             </a:r>
             <a:r>
-              <a:rPr b="0" lang="ja-JP" sz="1800" spc="-1" strike="noStrike">
+              <a:rPr lang="ja-JP" sz="1800" b="0" strike="noStrike" spc="-1">
                 <a:latin typeface="Arial"/>
               </a:rPr>
               <a:t>）</a:t>
             </a:r>
-            <a:endParaRPr b="0" lang="en-US" sz="1800" spc="-1" strike="noStrike">
+            <a:endParaRPr lang="en-US" sz="1800" b="0" strike="noStrike" spc="-1">
               <a:latin typeface="Arial"/>
             </a:endParaRPr>
           </a:p>
@@ -4754,15 +5228,21 @@
           </a:prstGeom>
           <a:ln>
             <a:solidFill>
-              <a:srgbClr val="3465a4"/>
+              <a:srgbClr val="3465A4"/>
             </a:solidFill>
-            <a:tailEnd len="med" type="triangle" w="med"/>
+            <a:tailEnd type="triangle" w="med" len="med"/>
           </a:ln>
         </p:spPr>
         <p:style>
-          <a:lnRef idx="0"/>
-          <a:fillRef idx="0"/>
-          <a:effectRef idx="0"/>
+          <a:lnRef idx="0">
+            <a:scrgbClr r="0" g="0" b="0"/>
+          </a:lnRef>
+          <a:fillRef idx="0">
+            <a:scrgbClr r="0" g="0" b="0"/>
+          </a:fillRef>
+          <a:effectRef idx="0">
+            <a:scrgbClr r="0" g="0" b="0"/>
+          </a:effectRef>
           <a:fontRef idx="minor"/>
         </p:style>
       </p:sp>
@@ -4782,14 +5262,20 @@
           </a:prstGeom>
           <a:ln>
             <a:solidFill>
-              <a:srgbClr val="3465a4"/>
+              <a:srgbClr val="3465A4"/>
             </a:solidFill>
           </a:ln>
         </p:spPr>
         <p:style>
-          <a:lnRef idx="0"/>
-          <a:fillRef idx="0"/>
-          <a:effectRef idx="0"/>
+          <a:lnRef idx="0">
+            <a:scrgbClr r="0" g="0" b="0"/>
+          </a:lnRef>
+          <a:fillRef idx="0">
+            <a:scrgbClr r="0" g="0" b="0"/>
+          </a:fillRef>
+          <a:effectRef idx="0">
+            <a:scrgbClr r="0" g="0" b="0"/>
+          </a:effectRef>
           <a:fontRef idx="minor"/>
         </p:style>
       </p:sp>
@@ -4813,19 +5299,17 @@
           </a:ln>
         </p:spPr>
         <p:txBody>
-          <a:bodyPr lIns="90000" rIns="90000" tIns="45000" bIns="45000">
+          <a:bodyPr lIns="90000" tIns="45000" rIns="90000" bIns="45000">
             <a:noAutofit/>
           </a:bodyPr>
-          <a:p>
-            <a:r>
-              <a:rPr b="0" lang="en-US" sz="2600" spc="-1" strike="noStrike">
+          <a:lstStyle/>
+          <a:p>
+            <a:r>
+              <a:rPr lang="en-US" sz="2600" b="0" strike="noStrike" spc="-1">
                 <a:latin typeface="Arial"/>
               </a:rPr>
               <a:t>distance.txt</a:t>
             </a:r>
-            <a:endParaRPr b="0" lang="en-US" sz="2600" spc="-1" strike="noStrike">
-              <a:latin typeface="Arial"/>
-            </a:endParaRPr>
           </a:p>
         </p:txBody>
       </p:sp>
@@ -4845,15 +5329,21 @@
           </a:prstGeom>
           <a:ln>
             <a:solidFill>
-              <a:srgbClr val="3465a4"/>
+              <a:srgbClr val="3465A4"/>
             </a:solidFill>
-            <a:tailEnd len="med" type="triangle" w="med"/>
+            <a:tailEnd type="triangle" w="med" len="med"/>
           </a:ln>
         </p:spPr>
         <p:style>
-          <a:lnRef idx="0"/>
-          <a:fillRef idx="0"/>
-          <a:effectRef idx="0"/>
+          <a:lnRef idx="0">
+            <a:scrgbClr r="0" g="0" b="0"/>
+          </a:lnRef>
+          <a:fillRef idx="0">
+            <a:scrgbClr r="0" g="0" b="0"/>
+          </a:fillRef>
+          <a:effectRef idx="0">
+            <a:scrgbClr r="0" g="0" b="0"/>
+          </a:effectRef>
           <a:fontRef idx="minor"/>
         </p:style>
       </p:sp>
@@ -4877,37 +5367,35 @@
           </a:ln>
         </p:spPr>
         <p:txBody>
-          <a:bodyPr lIns="90000" rIns="90000" tIns="45000" bIns="45000">
+          <a:bodyPr lIns="90000" tIns="45000" rIns="90000" bIns="45000">
             <a:noAutofit/>
           </a:bodyPr>
-          <a:p>
-            <a:r>
-              <a:rPr b="0" lang="ja-JP" sz="1800" spc="-1" strike="noStrike">
+          <a:lstStyle/>
+          <a:p>
+            <a:r>
+              <a:rPr lang="ja-JP" sz="1800" b="0" strike="noStrike" spc="-1">
                 <a:latin typeface="Arial"/>
               </a:rPr>
               <a:t>対象物の最大直径</a:t>
             </a:r>
             <a:r>
-              <a:rPr b="0" lang="en-US" sz="1800" spc="-1" strike="noStrike">
+              <a:rPr lang="en-US" sz="1800" b="0" strike="noStrike" spc="-1">
                 <a:latin typeface="Arial"/>
               </a:rPr>
               <a:t>(</a:t>
             </a:r>
             <a:r>
-              <a:rPr b="0" lang="ja-JP" sz="1800" spc="-1" strike="noStrike">
+              <a:rPr lang="ja-JP" sz="1800" b="0" strike="noStrike" spc="-1">
                 <a:latin typeface="Arial"/>
               </a:rPr>
               <a:t>単位</a:t>
             </a:r>
             <a:r>
-              <a:rPr b="0" lang="en-US" sz="1800" spc="-1" strike="noStrike">
+              <a:rPr lang="en-US" sz="1800" b="0" strike="noStrike" spc="-1">
                 <a:latin typeface="Arial"/>
               </a:rPr>
               <a:t>: cm)</a:t>
             </a:r>
-            <a:endParaRPr b="0" lang="en-US" sz="1800" spc="-1" strike="noStrike">
-              <a:latin typeface="Arial"/>
-            </a:endParaRPr>
           </a:p>
         </p:txBody>
       </p:sp>
@@ -4927,14 +5415,20 @@
           </a:prstGeom>
           <a:ln>
             <a:solidFill>
-              <a:srgbClr val="3465a4"/>
+              <a:srgbClr val="3465A4"/>
             </a:solidFill>
           </a:ln>
         </p:spPr>
         <p:style>
-          <a:lnRef idx="0"/>
-          <a:fillRef idx="0"/>
-          <a:effectRef idx="0"/>
+          <a:lnRef idx="0">
+            <a:scrgbClr r="0" g="0" b="0"/>
+          </a:lnRef>
+          <a:fillRef idx="0">
+            <a:scrgbClr r="0" g="0" b="0"/>
+          </a:fillRef>
+          <a:effectRef idx="0">
+            <a:scrgbClr r="0" g="0" b="0"/>
+          </a:effectRef>
           <a:fontRef idx="minor"/>
         </p:style>
       </p:sp>
@@ -4958,19 +5452,17 @@
           </a:ln>
         </p:spPr>
         <p:txBody>
-          <a:bodyPr lIns="90000" rIns="90000" tIns="45000" bIns="45000">
+          <a:bodyPr lIns="90000" tIns="45000" rIns="90000" bIns="45000">
             <a:noAutofit/>
           </a:bodyPr>
-          <a:p>
-            <a:r>
-              <a:rPr b="0" lang="en-US" sz="2600" spc="-1" strike="noStrike">
+          <a:lstStyle/>
+          <a:p>
+            <a:r>
+              <a:rPr lang="en-US" sz="2600" b="0" strike="noStrike" spc="-1">
                 <a:latin typeface="Arial"/>
               </a:rPr>
               <a:t>mesh.ply</a:t>
             </a:r>
-            <a:endParaRPr b="0" lang="en-US" sz="2600" spc="-1" strike="noStrike">
-              <a:latin typeface="Arial"/>
-            </a:endParaRPr>
           </a:p>
         </p:txBody>
       </p:sp>
@@ -4994,43 +5486,41 @@
           </a:ln>
         </p:spPr>
         <p:txBody>
-          <a:bodyPr lIns="90000" rIns="90000" tIns="45000" bIns="45000">
+          <a:bodyPr lIns="90000" tIns="45000" rIns="90000" bIns="45000">
             <a:noAutofit/>
           </a:bodyPr>
-          <a:p>
-            <a:r>
-              <a:rPr b="0" lang="en-US" sz="1800" spc="-1" strike="noStrike">
+          <a:lstStyle/>
+          <a:p>
+            <a:r>
+              <a:rPr lang="en-US" sz="1800" b="0" strike="noStrike" spc="-1">
                 <a:latin typeface="Arial"/>
               </a:rPr>
               <a:t>ply</a:t>
             </a:r>
             <a:r>
-              <a:rPr b="0" lang="ja-JP" sz="1800" spc="-1" strike="noStrike">
+              <a:rPr lang="ja-JP" sz="1800" b="0" strike="noStrike" spc="-1">
                 <a:latin typeface="Arial"/>
               </a:rPr>
               <a:t>フォーマットの美しいメッシュモデル</a:t>
             </a:r>
             <a:r>
-              <a:rPr b="0" lang="en-US" sz="1800" spc="-1" strike="noStrike">
+              <a:rPr lang="en-US" sz="1800" b="0" strike="noStrike" spc="-1">
                 <a:latin typeface="Arial"/>
               </a:rPr>
               <a:t>(</a:t>
             </a:r>
             <a:r>
-              <a:rPr b="0" lang="ja-JP" sz="1800" spc="-1" strike="noStrike">
+              <a:rPr lang="ja-JP" sz="1800" b="0" strike="noStrike" spc="-1">
                 <a:latin typeface="Arial"/>
               </a:rPr>
               <a:t>単位</a:t>
             </a:r>
             <a:r>
-              <a:rPr b="0" lang="en-US" sz="1800" spc="-1" strike="noStrike">
+              <a:rPr lang="en-US" sz="1800" b="0" strike="noStrike" spc="-1">
                 <a:latin typeface="Arial"/>
               </a:rPr>
               <a:t>: mm)</a:t>
             </a:r>
-            <a:endParaRPr b="0" lang="en-US" sz="1800" spc="-1" strike="noStrike">
-              <a:latin typeface="Arial"/>
-            </a:endParaRPr>
           </a:p>
         </p:txBody>
       </p:sp>
@@ -5050,15 +5540,21 @@
           </a:prstGeom>
           <a:ln>
             <a:solidFill>
-              <a:srgbClr val="3465a4"/>
+              <a:srgbClr val="3465A4"/>
             </a:solidFill>
-            <a:tailEnd len="med" type="triangle" w="med"/>
+            <a:tailEnd type="triangle" w="med" len="med"/>
           </a:ln>
         </p:spPr>
         <p:style>
-          <a:lnRef idx="0"/>
-          <a:fillRef idx="0"/>
-          <a:effectRef idx="0"/>
+          <a:lnRef idx="0">
+            <a:scrgbClr r="0" g="0" b="0"/>
+          </a:lnRef>
+          <a:fillRef idx="0">
+            <a:scrgbClr r="0" g="0" b="0"/>
+          </a:fillRef>
+          <a:effectRef idx="0">
+            <a:scrgbClr r="0" g="0" b="0"/>
+          </a:effectRef>
           <a:fontRef idx="minor"/>
         </p:style>
       </p:sp>
@@ -5082,17 +5578,18 @@
           </a:ln>
         </p:spPr>
         <p:txBody>
-          <a:bodyPr lIns="90000" rIns="90000" tIns="45000" bIns="45000">
+          <a:bodyPr lIns="90000" tIns="45000" rIns="90000" bIns="45000">
             <a:noAutofit/>
           </a:bodyPr>
-          <a:p>
-            <a:r>
-              <a:rPr b="0" lang="ja-JP" sz="1800" spc="-1" strike="noStrike">
+          <a:lstStyle/>
+          <a:p>
+            <a:r>
+              <a:rPr lang="ja-JP" sz="1800" b="0" strike="noStrike" spc="-1">
                 <a:latin typeface="Arial"/>
               </a:rPr>
               <a:t>オリジナルのメッシュ</a:t>
             </a:r>
-            <a:endParaRPr b="0" lang="en-US" sz="1800" spc="-1" strike="noStrike">
+            <a:endParaRPr lang="en-US" sz="1800" b="0" strike="noStrike" spc="-1">
               <a:latin typeface="Arial"/>
             </a:endParaRPr>
           </a:p>
@@ -5114,15 +5611,21 @@
           </a:prstGeom>
           <a:ln>
             <a:solidFill>
-              <a:srgbClr val="3465a4"/>
+              <a:srgbClr val="3465A4"/>
             </a:solidFill>
-            <a:tailEnd len="med" type="triangle" w="med"/>
+            <a:tailEnd type="triangle" w="med" len="med"/>
           </a:ln>
         </p:spPr>
         <p:style>
-          <a:lnRef idx="0"/>
-          <a:fillRef idx="0"/>
-          <a:effectRef idx="0"/>
+          <a:lnRef idx="0">
+            <a:scrgbClr r="0" g="0" b="0"/>
+          </a:lnRef>
+          <a:fillRef idx="0">
+            <a:scrgbClr r="0" g="0" b="0"/>
+          </a:fillRef>
+          <a:effectRef idx="0">
+            <a:scrgbClr r="0" g="0" b="0"/>
+          </a:effectRef>
           <a:fontRef idx="minor"/>
         </p:style>
       </p:sp>
@@ -5146,19 +5649,17 @@
           </a:ln>
         </p:spPr>
         <p:txBody>
-          <a:bodyPr lIns="90000" rIns="90000" tIns="45000" bIns="45000">
+          <a:bodyPr lIns="90000" tIns="45000" rIns="90000" bIns="45000">
             <a:noAutofit/>
           </a:bodyPr>
-          <a:p>
-            <a:r>
-              <a:rPr b="0" lang="en-US" sz="2600" spc="-1" strike="noStrike">
+          <a:lstStyle/>
+          <a:p>
+            <a:r>
+              <a:rPr lang="en-US" sz="2600" b="0" strike="noStrike" spc="-1">
                 <a:latin typeface="Arial"/>
               </a:rPr>
               <a:t>transform.dat</a:t>
             </a:r>
-            <a:endParaRPr b="0" lang="en-US" sz="2600" spc="-1" strike="noStrike">
-              <a:latin typeface="Arial"/>
-            </a:endParaRPr>
           </a:p>
         </p:txBody>
       </p:sp>
@@ -5178,14 +5679,20 @@
           </a:prstGeom>
           <a:ln>
             <a:solidFill>
-              <a:srgbClr val="3465a4"/>
+              <a:srgbClr val="3465A4"/>
             </a:solidFill>
           </a:ln>
         </p:spPr>
         <p:style>
-          <a:lnRef idx="0"/>
-          <a:fillRef idx="0"/>
-          <a:effectRef idx="0"/>
+          <a:lnRef idx="0">
+            <a:scrgbClr r="0" g="0" b="0"/>
+          </a:lnRef>
+          <a:fillRef idx="0">
+            <a:scrgbClr r="0" g="0" b="0"/>
+          </a:fillRef>
+          <a:effectRef idx="0">
+            <a:scrgbClr r="0" g="0" b="0"/>
+          </a:effectRef>
           <a:fontRef idx="minor"/>
         </p:style>
       </p:sp>
@@ -5205,15 +5712,21 @@
           </a:prstGeom>
           <a:ln>
             <a:solidFill>
-              <a:srgbClr val="3465a4"/>
+              <a:srgbClr val="3465A4"/>
             </a:solidFill>
-            <a:tailEnd len="med" type="triangle" w="med"/>
+            <a:tailEnd type="triangle" w="med" len="med"/>
           </a:ln>
         </p:spPr>
         <p:style>
-          <a:lnRef idx="0"/>
-          <a:fillRef idx="0"/>
-          <a:effectRef idx="0"/>
+          <a:lnRef idx="0">
+            <a:scrgbClr r="0" g="0" b="0"/>
+          </a:lnRef>
+          <a:fillRef idx="0">
+            <a:scrgbClr r="0" g="0" b="0"/>
+          </a:fillRef>
+          <a:effectRef idx="0">
+            <a:scrgbClr r="0" g="0" b="0"/>
+          </a:effectRef>
           <a:fontRef idx="minor"/>
         </p:style>
       </p:sp>
@@ -5237,77 +5750,78 @@
           </a:ln>
         </p:spPr>
         <p:txBody>
-          <a:bodyPr lIns="90000" rIns="90000" tIns="45000" bIns="45000">
+          <a:bodyPr lIns="90000" tIns="45000" rIns="90000" bIns="45000">
             <a:noAutofit/>
           </a:bodyPr>
-          <a:p>
-            <a:r>
-              <a:rPr b="0" lang="ja-JP" sz="1800" spc="-1" strike="noStrike">
+          <a:lstStyle/>
+          <a:p>
+            <a:r>
+              <a:rPr lang="ja-JP" sz="1800" b="0" strike="noStrike" spc="-1">
                 <a:latin typeface="Arial"/>
               </a:rPr>
               <a:t>このデータに保存されている</a:t>
             </a:r>
             <a:r>
-              <a:rPr b="0" lang="en-US" sz="1800" spc="-1" strike="noStrike">
+              <a:rPr lang="en-US" sz="1800" b="0" strike="noStrike" spc="-1">
                 <a:latin typeface="Arial"/>
               </a:rPr>
               <a:t>[R|T]</a:t>
             </a:r>
             <a:r>
-              <a:rPr b="0" lang="ja-JP" sz="1800" spc="-1" strike="noStrike">
+              <a:rPr lang="ja-JP" sz="1800" b="0" strike="noStrike" spc="-1">
                 <a:latin typeface="Arial"/>
               </a:rPr>
               <a:t>を用いて </a:t>
             </a:r>
             <a:r>
-              <a:rPr b="0" lang="en-US" sz="1800" spc="-1" strike="noStrike">
+              <a:rPr lang="en-US" sz="1800" b="0" strike="noStrike" spc="-1">
                 <a:latin typeface="Arial"/>
               </a:rPr>
               <a:t>OLDmesh.ply </a:t>
             </a:r>
             <a:r>
-              <a:rPr b="0" lang="ja-JP" sz="1800" spc="-1" strike="noStrike">
+              <a:rPr lang="ja-JP" sz="1800" b="0" strike="noStrike" spc="-1">
                 <a:latin typeface="Arial"/>
               </a:rPr>
               <a:t>を </a:t>
             </a:r>
             <a:r>
-              <a:rPr b="0" lang="en-US" sz="1800" spc="-1" strike="noStrike">
+              <a:rPr lang="en-US" sz="1800" b="0" strike="noStrike" spc="-1">
                 <a:latin typeface="Arial"/>
               </a:rPr>
               <a:t>mesh.ply </a:t>
             </a:r>
             <a:r>
-              <a:rPr b="0" lang="ja-JP" sz="1800" spc="-1" strike="noStrike">
+              <a:rPr lang="ja-JP" sz="1800" b="0" strike="noStrike" spc="-1">
                 <a:latin typeface="Arial"/>
               </a:rPr>
               <a:t>に変換する</a:t>
             </a:r>
             <a:r>
-              <a:rPr b="0" lang="en-US" sz="1800" spc="-1" strike="noStrike">
+              <a:rPr lang="en-US" sz="1800" b="0" strike="noStrike" spc="-1">
                 <a:latin typeface="Arial"/>
               </a:rPr>
               <a:t>(</a:t>
             </a:r>
             <a:r>
-              <a:rPr b="0" lang="ja-JP" sz="1800" spc="-1" strike="noStrike">
+              <a:rPr lang="ja-JP" sz="1800" b="0" strike="noStrike" spc="-1">
                 <a:latin typeface="Arial"/>
               </a:rPr>
               <a:t>単位</a:t>
             </a:r>
             <a:r>
-              <a:rPr b="0" lang="en-US" sz="1800" spc="-1" strike="noStrike">
+              <a:rPr lang="en-US" sz="1800" b="0" strike="noStrike" spc="-1">
                 <a:latin typeface="Arial"/>
               </a:rPr>
               <a:t>: m)</a:t>
             </a:r>
             <a:r>
-              <a:rPr b="0" lang="ja-JP" sz="1800" spc="-1" strike="noStrike">
+              <a:rPr lang="ja-JP" sz="1800" b="0" strike="noStrike" spc="-1">
                 <a:latin typeface="Arial"/>
               </a:rPr>
               <a:t>．</a:t>
             </a:r>
-            <a:endParaRPr b="0" lang="en-US" sz="1800" spc="-1" strike="noStrike">
+            <a:endParaRPr lang="en-US" sz="1800" b="0" strike="noStrike" spc="-1">
               <a:latin typeface="Arial"/>
             </a:endParaRPr>
           </a:p>
@@ -5333,36 +5847,34 @@
           </a:ln>
         </p:spPr>
         <p:txBody>
-          <a:bodyPr lIns="90000" rIns="90000" tIns="45000" bIns="45000">
+          <a:bodyPr lIns="90000" tIns="45000" rIns="90000" bIns="45000">
             <a:noAutofit/>
           </a:bodyPr>
-          <a:p>
-            <a:r>
-              <a:rPr b="0" lang="en-US" sz="1800" spc="-1" strike="noStrike">
+          <a:lstStyle/>
+          <a:p>
+            <a:r>
+              <a:rPr lang="en-US" sz="1800" b="0" strike="noStrike" spc="-1">
                 <a:latin typeface="Arial"/>
               </a:rPr>
               <a:t>Kinect</a:t>
             </a:r>
             <a:r>
-              <a:rPr b="0" lang="ja-JP" sz="1800" spc="-1" strike="noStrike">
+              <a:rPr lang="ja-JP" sz="1800" b="0" strike="noStrike" spc="-1">
                 <a:latin typeface="Arial"/>
               </a:rPr>
               <a:t>の内部カメラ行列パラメータは次のとおりです</a:t>
             </a:r>
-            <a:endParaRPr b="0" lang="en-US" sz="1800" spc="-1" strike="noStrike">
+            <a:endParaRPr lang="en-US" sz="1800" b="0" strike="noStrike" spc="-1">
               <a:latin typeface="Arial"/>
             </a:endParaRPr>
           </a:p>
           <a:p>
             <a:r>
-              <a:rPr b="0" lang="en-US" sz="1800" spc="-1" strike="noStrike">
+              <a:rPr lang="en-US" sz="1800" b="0" strike="noStrike" spc="-1">
                 <a:latin typeface="Arial"/>
               </a:rPr>
               <a:t>fx=572.41140, px=325.26110, fy=573.57043; py=242.04899; </a:t>
             </a:r>
-            <a:endParaRPr b="0" lang="en-US" sz="1800" spc="-1" strike="noStrike">
-              <a:latin typeface="Arial"/>
-            </a:endParaRPr>
           </a:p>
         </p:txBody>
       </p:sp>
@@ -5386,19 +5898,17 @@
           </a:ln>
         </p:spPr>
         <p:txBody>
-          <a:bodyPr lIns="90000" rIns="90000" tIns="45000" bIns="45000">
+          <a:bodyPr lIns="90000" tIns="45000" rIns="90000" bIns="45000">
             <a:noAutofit/>
           </a:bodyPr>
-          <a:p>
-            <a:r>
-              <a:rPr b="0" lang="en-US" sz="2600" spc="-1" strike="noStrike">
+          <a:lstStyle/>
+          <a:p>
+            <a:r>
+              <a:rPr lang="en-US" sz="2600" b="0" strike="noStrike" spc="-1">
                 <a:latin typeface="Arial"/>
               </a:rPr>
               <a:t>object.xyz</a:t>
             </a:r>
-            <a:endParaRPr b="0" lang="en-US" sz="2600" spc="-1" strike="noStrike">
-              <a:latin typeface="Arial"/>
-            </a:endParaRPr>
           </a:p>
         </p:txBody>
       </p:sp>
@@ -5418,14 +5928,20 @@
           </a:prstGeom>
           <a:ln>
             <a:solidFill>
-              <a:srgbClr val="3465a4"/>
+              <a:srgbClr val="3465A4"/>
             </a:solidFill>
           </a:ln>
         </p:spPr>
         <p:style>
-          <a:lnRef idx="0"/>
-          <a:fillRef idx="0"/>
-          <a:effectRef idx="0"/>
+          <a:lnRef idx="0">
+            <a:scrgbClr r="0" g="0" b="0"/>
+          </a:lnRef>
+          <a:fillRef idx="0">
+            <a:scrgbClr r="0" g="0" b="0"/>
+          </a:fillRef>
+          <a:effectRef idx="0">
+            <a:scrgbClr r="0" g="0" b="0"/>
+          </a:effectRef>
           <a:fontRef idx="minor"/>
         </p:style>
       </p:sp>
@@ -5445,15 +5961,21 @@
           </a:prstGeom>
           <a:ln>
             <a:solidFill>
-              <a:srgbClr val="3465a4"/>
+              <a:srgbClr val="3465A4"/>
             </a:solidFill>
-            <a:tailEnd len="med" type="triangle" w="med"/>
+            <a:tailEnd type="triangle" w="med" len="med"/>
           </a:ln>
         </p:spPr>
         <p:style>
-          <a:lnRef idx="0"/>
-          <a:fillRef idx="0"/>
-          <a:effectRef idx="0"/>
+          <a:lnRef idx="0">
+            <a:scrgbClr r="0" g="0" b="0"/>
+          </a:lnRef>
+          <a:fillRef idx="0">
+            <a:scrgbClr r="0" g="0" b="0"/>
+          </a:fillRef>
+          <a:effectRef idx="0">
+            <a:scrgbClr r="0" g="0" b="0"/>
+          </a:effectRef>
           <a:fontRef idx="minor"/>
         </p:style>
       </p:sp>
@@ -5477,67 +5999,60 @@
           </a:ln>
         </p:spPr>
         <p:txBody>
-          <a:bodyPr lIns="90000" rIns="90000" tIns="45000" bIns="45000">
+          <a:bodyPr lIns="90000" tIns="45000" rIns="90000" bIns="45000">
             <a:noAutofit/>
           </a:bodyPr>
-          <a:p>
-            <a:r>
-              <a:rPr b="0" lang="ja-JP" sz="1800" spc="-1" strike="noStrike">
+          <a:lstStyle/>
+          <a:p>
+            <a:r>
+              <a:rPr lang="ja-JP" sz="1800" b="0" strike="noStrike" spc="-1">
                 <a:latin typeface="Arial"/>
               </a:rPr>
               <a:t>オブジェクトの</a:t>
             </a:r>
             <a:r>
-              <a:rPr b="0" lang="en-US" sz="1800" spc="-1" strike="noStrike">
+              <a:rPr lang="en-US" sz="1800" b="0" strike="noStrike" spc="-1">
                 <a:latin typeface="Arial"/>
               </a:rPr>
               <a:t>3D</a:t>
             </a:r>
             <a:r>
-              <a:rPr b="0" lang="ja-JP" sz="1800" spc="-1" strike="noStrike">
+              <a:rPr lang="ja-JP" sz="1800" b="0" strike="noStrike" spc="-1">
                 <a:latin typeface="Arial"/>
               </a:rPr>
               <a:t>モデル</a:t>
             </a:r>
             <a:r>
-              <a:rPr b="0" lang="en-US" sz="1800" spc="-1" strike="noStrike">
+              <a:rPr lang="en-US" sz="1800" b="0" strike="noStrike" spc="-1">
                 <a:latin typeface="Arial"/>
               </a:rPr>
               <a:t>(</a:t>
             </a:r>
             <a:r>
-              <a:rPr b="0" lang="ja-JP" sz="1800" spc="-1" strike="noStrike">
+              <a:rPr lang="ja-JP" sz="1800" b="0" strike="noStrike" spc="-1">
                 <a:latin typeface="Arial"/>
               </a:rPr>
               <a:t>単位</a:t>
             </a:r>
             <a:r>
-              <a:rPr b="0" lang="en-US" sz="1800" spc="-1" strike="noStrike">
+              <a:rPr lang="en-US" sz="1800" b="0" strike="noStrike" spc="-1">
                 <a:latin typeface="Arial"/>
               </a:rPr>
               <a:t>:cm)</a:t>
             </a:r>
-            <a:endParaRPr b="0" lang="en-US" sz="1800" spc="-1" strike="noStrike">
-              <a:latin typeface="Arial"/>
-            </a:endParaRPr>
           </a:p>
         </p:txBody>
       </p:sp>
     </p:spTree>
   </p:cSld>
-  <mc:AlternateContent>
-    <mc:Choice Requires="p14">
-      <p:transition spd="slow" p14:dur="2000"/>
-    </mc:Choice>
-    <mc:Fallback>
-      <p:transition spd="slow"/>
-    </mc:Fallback>
-  </mc:AlternateContent>
+  <p:clrMapOvr>
+    <a:masterClrMapping/>
+  </p:clrMapOvr>
 </p:sld>
 </file>
 
 <file path=ppt/slides/slide4.xml><?xml version="1.0" encoding="utf-8"?>
-<p:sld xmlns:a="http://schemas.openxmlformats.org/drawingml/2006/main" xmlns:p="http://schemas.openxmlformats.org/presentationml/2006/main" xmlns:r="http://schemas.openxmlformats.org/officeDocument/2006/relationships" xmlns:p14="http://schemas.microsoft.com/office/powerpoint/2010/main" xmlns:p15="http://schemas.microsoft.com/office/powerpoint/2012/main" xmlns:mc="http://schemas.openxmlformats.org/markup-compatibility/2006">
+<p:sld xmlns:a="http://schemas.openxmlformats.org/drawingml/2006/main" xmlns:r="http://schemas.openxmlformats.org/officeDocument/2006/relationships" xmlns:p="http://schemas.openxmlformats.org/presentationml/2006/main">
   <p:cSld>
     <p:spTree>
       <p:nvGrpSpPr>
@@ -5584,9 +6099,10 @@
           <a:fontRef idx="minor"/>
         </p:style>
         <p:txBody>
-          <a:bodyPr lIns="90000" rIns="90000" tIns="45000" bIns="45000" anchor="ctr">
+          <a:bodyPr lIns="90000" tIns="45000" rIns="90000" bIns="45000" anchor="ctr">
             <a:noAutofit/>
           </a:bodyPr>
+          <a:lstStyle/>
           <a:p>
             <a:pPr algn="ctr">
               <a:lnSpc>
@@ -5594,15 +6110,15 @@
               </a:lnSpc>
             </a:pPr>
             <a:r>
-              <a:rPr b="1" lang="en-US" sz="2800" spc="-1" strike="noStrike">
+              <a:rPr lang="en-US" sz="2800" b="1" strike="noStrike" spc="-1">
                 <a:solidFill>
-                  <a:srgbClr val="ffffff"/>
+                  <a:srgbClr val="FFFFFF"/>
                 </a:solidFill>
                 <a:latin typeface="游ゴシック"/>
               </a:rPr>
               <a:t>PoseCNN</a:t>
             </a:r>
-            <a:endParaRPr b="0" lang="en-US" sz="2800" spc="-1" strike="noStrike">
+            <a:endParaRPr lang="en-US" sz="2800" b="0" strike="noStrike" spc="-1">
               <a:latin typeface="Arial"/>
             </a:endParaRPr>
           </a:p>
@@ -5631,6 +6147,7 @@
           <a:bodyPr anchor="ctr">
             <a:noAutofit/>
           </a:bodyPr>
+          <a:lstStyle/>
           <a:p>
             <a:pPr algn="r">
               <a:lnSpc>
@@ -5638,15 +6155,15 @@
               </a:lnSpc>
             </a:pPr>
             <a:fld id="{542730E1-7A44-4F82-95AD-3B416DAA5134}" type="slidenum">
-              <a:rPr b="0" lang="en-US" sz="1050" spc="-1" strike="noStrike">
+              <a:rPr lang="en-US" sz="1050" b="0" strike="noStrike" spc="-1">
                 <a:solidFill>
                   <a:srgbClr val="000000"/>
                 </a:solidFill>
                 <a:latin typeface="游ゴシック"/>
               </a:rPr>
-              <a:t>&lt;番号&gt;</a:t>
+              <a:t>4</a:t>
             </a:fld>
-            <a:endParaRPr b="0" lang="en-US" sz="1050" spc="-1" strike="noStrike">
+            <a:endParaRPr lang="en-US" sz="1050" b="0" strike="noStrike" spc="-1">
               <a:latin typeface="Times New Roman"/>
             </a:endParaRPr>
           </a:p>
@@ -5659,7 +6176,7 @@
           <p:nvPr/>
         </p:nvPicPr>
         <p:blipFill>
-          <a:blip r:embed="rId1"/>
+          <a:blip r:embed="rId3"/>
           <a:stretch/>
         </p:blipFill>
         <p:spPr>
@@ -5711,9 +6228,10 @@
           <a:fontRef idx="minor"/>
         </p:style>
         <p:txBody>
-          <a:bodyPr lIns="90000" rIns="90000" tIns="45000" bIns="45000" anchor="ctr">
+          <a:bodyPr lIns="90000" tIns="45000" rIns="90000" bIns="45000" anchor="ctr">
             <a:noAutofit/>
           </a:bodyPr>
+          <a:lstStyle/>
           <a:p>
             <a:pPr algn="ctr">
               <a:lnSpc>
@@ -5721,15 +6239,15 @@
               </a:lnSpc>
             </a:pPr>
             <a:r>
-              <a:rPr b="0" lang="en-US" sz="1600" spc="-1" strike="noStrike">
+              <a:rPr lang="en-US" sz="1600" b="0" strike="noStrike" spc="-1">
                 <a:solidFill>
-                  <a:srgbClr val="ffffff"/>
+                  <a:srgbClr val="FFFFFF"/>
                 </a:solidFill>
                 <a:latin typeface="Arial"/>
               </a:rPr>
               <a:t>Semantic labels</a:t>
             </a:r>
-            <a:endParaRPr b="0" lang="en-US" sz="1600" spc="-1" strike="noStrike">
+            <a:endParaRPr lang="en-US" sz="1600" b="0" strike="noStrike" spc="-1">
               <a:latin typeface="Arial"/>
             </a:endParaRPr>
           </a:p>
@@ -5771,9 +6289,10 @@
           <a:fontRef idx="minor"/>
         </p:style>
         <p:txBody>
-          <a:bodyPr lIns="90000" rIns="90000" tIns="45000" bIns="45000" anchor="ctr">
+          <a:bodyPr lIns="90000" tIns="45000" rIns="90000" bIns="45000" anchor="ctr">
             <a:noAutofit/>
           </a:bodyPr>
+          <a:lstStyle/>
           <a:p>
             <a:pPr algn="ctr">
               <a:lnSpc>
@@ -5781,16 +6300,16 @@
               </a:lnSpc>
             </a:pPr>
             <a:r>
-              <a:rPr b="0" lang="ja-JP" sz="1600" spc="-1" strike="noStrike">
+              <a:rPr lang="ja-JP" sz="1600" b="0" strike="noStrike" spc="-1">
                 <a:solidFill>
-                  <a:srgbClr val="ffffff"/>
+                  <a:srgbClr val="FFFFFF"/>
                 </a:solidFill>
                 <a:latin typeface="ＭＳ Ｐゴシック"/>
                 <a:ea typeface="ＭＳ Ｐゴシック"/>
               </a:rPr>
               <a:t>物体中心に向かうベクトル場を推定</a:t>
             </a:r>
-            <a:endParaRPr b="0" lang="en-US" sz="1600" spc="-1" strike="noStrike">
+            <a:endParaRPr lang="en-US" sz="1600" b="0" strike="noStrike" spc="-1">
               <a:latin typeface="Arial"/>
             </a:endParaRPr>
           </a:p>
@@ -5832,9 +6351,10 @@
           <a:fontRef idx="minor"/>
         </p:style>
         <p:txBody>
-          <a:bodyPr lIns="90000" rIns="90000" tIns="45000" bIns="45000" anchor="ctr">
+          <a:bodyPr lIns="90000" tIns="45000" rIns="90000" bIns="45000" anchor="ctr">
             <a:noAutofit/>
           </a:bodyPr>
+          <a:lstStyle/>
           <a:p>
             <a:pPr algn="ctr">
               <a:lnSpc>
@@ -5842,9 +6362,9 @@
               </a:lnSpc>
             </a:pPr>
             <a:r>
-              <a:rPr b="0" lang="en-US" sz="1800" spc="-1" strike="noStrike">
+              <a:rPr lang="en-US" sz="1800" b="0" strike="noStrike" spc="-1">
                 <a:solidFill>
-                  <a:srgbClr val="ffffff"/>
+                  <a:srgbClr val="FFFFFF"/>
                 </a:solidFill>
                 <a:latin typeface="ＭＳ Ｐゴシック"/>
                 <a:ea typeface="ＭＳ Ｐゴシック"/>
@@ -5852,16 +6372,16 @@
               <a:t>3D</a:t>
             </a:r>
             <a:r>
-              <a:rPr b="0" lang="ja-JP" sz="1800" spc="-1" strike="noStrike">
+              <a:rPr lang="ja-JP" sz="1800" b="0" strike="noStrike" spc="-1">
                 <a:solidFill>
-                  <a:srgbClr val="ffffff"/>
+                  <a:srgbClr val="FFFFFF"/>
                 </a:solidFill>
                 <a:latin typeface="ＭＳ Ｐゴシック"/>
                 <a:ea typeface="ＭＳ Ｐゴシック"/>
               </a:rPr>
               <a:t>位置</a:t>
             </a:r>
-            <a:endParaRPr b="0" lang="en-US" sz="1800" spc="-1" strike="noStrike">
+            <a:endParaRPr lang="en-US" sz="1800" b="0" strike="noStrike" spc="-1">
               <a:latin typeface="Arial"/>
             </a:endParaRPr>
           </a:p>
@@ -5887,15 +6407,22 @@
           </a:ln>
         </p:spPr>
         <p:style>
-          <a:lnRef idx="0"/>
-          <a:fillRef idx="0"/>
-          <a:effectRef idx="0"/>
+          <a:lnRef idx="0">
+            <a:scrgbClr r="0" g="0" b="0"/>
+          </a:lnRef>
+          <a:fillRef idx="0">
+            <a:scrgbClr r="0" g="0" b="0"/>
+          </a:fillRef>
+          <a:effectRef idx="0">
+            <a:scrgbClr r="0" g="0" b="0"/>
+          </a:effectRef>
           <a:fontRef idx="minor"/>
         </p:style>
         <p:txBody>
-          <a:bodyPr lIns="90000" rIns="90000" tIns="45000" bIns="45000">
+          <a:bodyPr lIns="90000" tIns="45000" rIns="90000" bIns="45000">
             <a:spAutoFit/>
           </a:bodyPr>
+          <a:lstStyle/>
           <a:p>
             <a:pPr>
               <a:lnSpc>
@@ -5903,7 +6430,7 @@
               </a:lnSpc>
             </a:pPr>
             <a:r>
-              <a:rPr b="0" lang="ja-JP" sz="1800" spc="-1" strike="noStrike">
+              <a:rPr lang="ja-JP" sz="1800" b="0" strike="noStrike" spc="-1">
                 <a:solidFill>
                   <a:srgbClr val="000000"/>
                 </a:solidFill>
@@ -5912,7 +6439,7 @@
               </a:rPr>
               <a:t>物体中心位置に投票</a:t>
             </a:r>
-            <a:endParaRPr b="0" lang="en-US" sz="1800" spc="-1" strike="noStrike">
+            <a:endParaRPr lang="en-US" sz="1800" b="0" strike="noStrike" spc="-1">
               <a:latin typeface="Arial"/>
             </a:endParaRPr>
           </a:p>
@@ -5954,9 +6481,10 @@
           <a:fontRef idx="minor"/>
         </p:style>
         <p:txBody>
-          <a:bodyPr lIns="90000" rIns="90000" tIns="45000" bIns="45000" anchor="ctr">
+          <a:bodyPr lIns="90000" tIns="45000" rIns="90000" bIns="45000" anchor="ctr">
             <a:noAutofit/>
           </a:bodyPr>
+          <a:lstStyle/>
           <a:p>
             <a:pPr algn="ctr">
               <a:lnSpc>
@@ -5964,9 +6492,9 @@
               </a:lnSpc>
             </a:pPr>
             <a:r>
-              <a:rPr b="0" lang="en-US" sz="1800" spc="-1" strike="noStrike">
+              <a:rPr lang="en-US" sz="1800" b="0" strike="noStrike" spc="-1">
                 <a:solidFill>
-                  <a:srgbClr val="ffffff"/>
+                  <a:srgbClr val="FFFFFF"/>
                 </a:solidFill>
                 <a:latin typeface="ＭＳ Ｐゴシック"/>
                 <a:ea typeface="ＭＳ Ｐゴシック"/>
@@ -5974,16 +6502,16 @@
               <a:t>3D</a:t>
             </a:r>
             <a:r>
-              <a:rPr b="0" lang="ja-JP" sz="1800" spc="-1" strike="noStrike">
+              <a:rPr lang="ja-JP" sz="1800" b="0" strike="noStrike" spc="-1">
                 <a:solidFill>
-                  <a:srgbClr val="ffffff"/>
+                  <a:srgbClr val="FFFFFF"/>
                 </a:solidFill>
                 <a:latin typeface="ＭＳ Ｐゴシック"/>
                 <a:ea typeface="ＭＳ Ｐゴシック"/>
               </a:rPr>
               <a:t>姿勢</a:t>
             </a:r>
-            <a:endParaRPr b="0" lang="en-US" sz="1800" spc="-1" strike="noStrike">
+            <a:endParaRPr lang="en-US" sz="1800" b="0" strike="noStrike" spc="-1">
               <a:latin typeface="Arial"/>
             </a:endParaRPr>
           </a:p>
@@ -6009,15 +6537,22 @@
           </a:ln>
         </p:spPr>
         <p:style>
-          <a:lnRef idx="0"/>
-          <a:fillRef idx="0"/>
-          <a:effectRef idx="0"/>
+          <a:lnRef idx="0">
+            <a:scrgbClr r="0" g="0" b="0"/>
+          </a:lnRef>
+          <a:fillRef idx="0">
+            <a:scrgbClr r="0" g="0" b="0"/>
+          </a:fillRef>
+          <a:effectRef idx="0">
+            <a:scrgbClr r="0" g="0" b="0"/>
+          </a:effectRef>
           <a:fontRef idx="minor"/>
         </p:style>
         <p:txBody>
-          <a:bodyPr lIns="90000" rIns="90000" tIns="45000" bIns="45000">
+          <a:bodyPr lIns="90000" tIns="45000" rIns="90000" bIns="45000">
             <a:spAutoFit/>
           </a:bodyPr>
+          <a:lstStyle/>
           <a:p>
             <a:pPr>
               <a:lnSpc>
@@ -6025,7 +6560,7 @@
               </a:lnSpc>
             </a:pPr>
             <a:r>
-              <a:rPr b="0" lang="ja-JP" sz="1800" spc="-1" strike="noStrike">
+              <a:rPr lang="ja-JP" sz="1800" b="0" strike="noStrike" spc="-1">
                 <a:solidFill>
                   <a:srgbClr val="000000"/>
                 </a:solidFill>
@@ -6034,7 +6569,7 @@
               </a:rPr>
               <a:t>中心位置の推定結果と合わせてクオータニオンを出力</a:t>
             </a:r>
-            <a:endParaRPr b="0" lang="en-US" sz="1800" spc="-1" strike="noStrike">
+            <a:endParaRPr lang="en-US" sz="1800" b="0" strike="noStrike" spc="-1">
               <a:latin typeface="Arial"/>
             </a:endParaRPr>
           </a:p>
@@ -6042,19 +6577,14 @@
       </p:sp>
     </p:spTree>
   </p:cSld>
-  <mc:AlternateContent>
-    <mc:Choice Requires="p14">
-      <p:transition spd="slow" p14:dur="2000"/>
-    </mc:Choice>
-    <mc:Fallback>
-      <p:transition spd="slow"/>
-    </mc:Fallback>
-  </mc:AlternateContent>
+  <p:clrMapOvr>
+    <a:masterClrMapping/>
+  </p:clrMapOvr>
 </p:sld>
 </file>
 
 <file path=ppt/slides/slide5.xml><?xml version="1.0" encoding="utf-8"?>
-<p:sld xmlns:a="http://schemas.openxmlformats.org/drawingml/2006/main" xmlns:p="http://schemas.openxmlformats.org/presentationml/2006/main" xmlns:r="http://schemas.openxmlformats.org/officeDocument/2006/relationships" xmlns:p14="http://schemas.microsoft.com/office/powerpoint/2010/main" xmlns:p15="http://schemas.microsoft.com/office/powerpoint/2012/main" xmlns:mc="http://schemas.openxmlformats.org/markup-compatibility/2006">
+<p:sld xmlns:a="http://schemas.openxmlformats.org/drawingml/2006/main" xmlns:r="http://schemas.openxmlformats.org/officeDocument/2006/relationships" xmlns:p="http://schemas.openxmlformats.org/presentationml/2006/main">
   <p:cSld>
     <p:spTree>
       <p:nvGrpSpPr>
@@ -6101,9 +6631,10 @@
           <a:fontRef idx="minor"/>
         </p:style>
         <p:txBody>
-          <a:bodyPr lIns="90000" rIns="90000" tIns="45000" bIns="45000" anchor="ctr">
+          <a:bodyPr lIns="90000" tIns="45000" rIns="90000" bIns="45000" anchor="ctr">
             <a:noAutofit/>
           </a:bodyPr>
+          <a:lstStyle/>
           <a:p>
             <a:pPr algn="ctr">
               <a:lnSpc>
@@ -6111,15 +6642,15 @@
               </a:lnSpc>
             </a:pPr>
             <a:r>
-              <a:rPr b="1" lang="en-US" sz="2800" spc="-1" strike="noStrike">
+              <a:rPr lang="en-US" sz="2800" b="1" strike="noStrike" spc="-1">
                 <a:solidFill>
-                  <a:srgbClr val="ffffff"/>
+                  <a:srgbClr val="FFFFFF"/>
                 </a:solidFill>
                 <a:latin typeface="游ゴシック"/>
               </a:rPr>
               <a:t>PoseCNN</a:t>
             </a:r>
-            <a:endParaRPr b="0" lang="en-US" sz="2800" spc="-1" strike="noStrike">
+            <a:endParaRPr lang="en-US" sz="2800" b="0" strike="noStrike" spc="-1">
               <a:latin typeface="Arial"/>
             </a:endParaRPr>
           </a:p>
@@ -6148,6 +6679,7 @@
           <a:bodyPr anchor="ctr">
             <a:noAutofit/>
           </a:bodyPr>
+          <a:lstStyle/>
           <a:p>
             <a:pPr algn="r">
               <a:lnSpc>
@@ -6155,15 +6687,15 @@
               </a:lnSpc>
             </a:pPr>
             <a:fld id="{C565ED2B-596E-419A-B139-3B638A01A88B}" type="slidenum">
-              <a:rPr b="0" lang="en-US" sz="1050" spc="-1" strike="noStrike">
+              <a:rPr lang="en-US" sz="1050" b="0" strike="noStrike" spc="-1">
                 <a:solidFill>
                   <a:srgbClr val="000000"/>
                 </a:solidFill>
                 <a:latin typeface="游ゴシック"/>
               </a:rPr>
-              <a:t>&lt;番号&gt;</a:t>
+              <a:t>5</a:t>
             </a:fld>
-            <a:endParaRPr b="0" lang="en-US" sz="1050" spc="-1" strike="noStrike">
+            <a:endParaRPr lang="en-US" sz="1050" b="0" strike="noStrike" spc="-1">
               <a:latin typeface="Times New Roman"/>
             </a:endParaRPr>
           </a:p>
@@ -6176,7 +6708,7 @@
           <p:nvPr/>
         </p:nvPicPr>
         <p:blipFill>
-          <a:blip r:embed="rId1"/>
+          <a:blip r:embed="rId3"/>
           <a:stretch/>
         </p:blipFill>
         <p:spPr>
@@ -6212,15 +6744,22 @@
           </a:ln>
         </p:spPr>
         <p:style>
-          <a:lnRef idx="0"/>
-          <a:fillRef idx="0"/>
-          <a:effectRef idx="0"/>
+          <a:lnRef idx="0">
+            <a:scrgbClr r="0" g="0" b="0"/>
+          </a:lnRef>
+          <a:fillRef idx="0">
+            <a:scrgbClr r="0" g="0" b="0"/>
+          </a:fillRef>
+          <a:effectRef idx="0">
+            <a:scrgbClr r="0" g="0" b="0"/>
+          </a:effectRef>
           <a:fontRef idx="minor"/>
         </p:style>
         <p:txBody>
-          <a:bodyPr lIns="90000" rIns="90000" tIns="45000" bIns="45000">
+          <a:bodyPr lIns="90000" tIns="45000" rIns="90000" bIns="45000">
             <a:spAutoFit/>
           </a:bodyPr>
+          <a:lstStyle/>
           <a:p>
             <a:pPr>
               <a:lnSpc>
@@ -6228,7 +6767,7 @@
               </a:lnSpc>
             </a:pPr>
             <a:r>
-              <a:rPr b="0" lang="ja-JP" sz="1800" spc="-1" strike="noStrike">
+              <a:rPr lang="ja-JP" sz="1800" b="0" strike="noStrike" spc="-1">
                 <a:solidFill>
                   <a:srgbClr val="000000"/>
                 </a:solidFill>
@@ -6237,7 +6776,7 @@
               </a:rPr>
               <a:t>カメラ座標系におけるオブジェクト原点の座標の並進</a:t>
             </a:r>
-            <a:endParaRPr b="0" lang="en-US" sz="1800" spc="-1" strike="noStrike">
+            <a:endParaRPr lang="en-US" sz="1800" b="0" strike="noStrike" spc="-1">
               <a:latin typeface="Arial"/>
             </a:endParaRPr>
           </a:p>
@@ -6247,7 +6786,7 @@
                 <a:spcPts val="2801"/>
               </a:lnSpc>
             </a:pPr>
-            <a:endParaRPr b="0" lang="en-US" sz="1800" spc="-1" strike="noStrike">
+            <a:endParaRPr lang="en-US" sz="1800" b="0" strike="noStrike" spc="-1">
               <a:latin typeface="Arial"/>
             </a:endParaRPr>
           </a:p>
@@ -6273,15 +6812,22 @@
           </a:ln>
         </p:spPr>
         <p:style>
-          <a:lnRef idx="0"/>
-          <a:fillRef idx="0"/>
-          <a:effectRef idx="0"/>
+          <a:lnRef idx="0">
+            <a:scrgbClr r="0" g="0" b="0"/>
+          </a:lnRef>
+          <a:fillRef idx="0">
+            <a:scrgbClr r="0" g="0" b="0"/>
+          </a:fillRef>
+          <a:effectRef idx="0">
+            <a:scrgbClr r="0" g="0" b="0"/>
+          </a:effectRef>
           <a:fontRef idx="minor"/>
         </p:style>
         <p:txBody>
-          <a:bodyPr lIns="90000" rIns="90000" tIns="45000" bIns="45000">
+          <a:bodyPr lIns="90000" tIns="45000" rIns="90000" bIns="45000">
             <a:spAutoFit/>
           </a:bodyPr>
+          <a:lstStyle/>
           <a:p>
             <a:pPr>
               <a:lnSpc>
@@ -6289,7 +6835,7 @@
               </a:lnSpc>
             </a:pPr>
             <a:r>
-              <a:rPr b="0" lang="ja-JP" sz="1800" spc="-1" strike="noStrike">
+              <a:rPr lang="ja-JP" sz="1800" b="0" strike="noStrike" spc="-1">
                 <a:solidFill>
                   <a:srgbClr val="000000"/>
                 </a:solidFill>
@@ -6299,7 +6845,7 @@
               <a:t>画像への </a:t>
             </a:r>
             <a:r>
-              <a:rPr b="0" lang="en-US" sz="1800" spc="-1" strike="noStrike">
+              <a:rPr lang="en-US" sz="1800" b="0" strike="noStrike" spc="-1">
                 <a:solidFill>
                   <a:srgbClr val="000000"/>
                 </a:solidFill>
@@ -6308,7 +6854,7 @@
               </a:rPr>
               <a:t> の投影が </a:t>
             </a:r>
-            <a:endParaRPr b="0" lang="en-US" sz="1800" spc="-1" strike="noStrike">
+            <a:endParaRPr lang="en-US" sz="1800" b="0" strike="noStrike" spc="-1">
               <a:latin typeface="Arial"/>
             </a:endParaRPr>
           </a:p>
@@ -6318,7 +6864,7 @@
                 <a:spcPts val="2801"/>
               </a:lnSpc>
             </a:pPr>
-            <a:endParaRPr b="0" lang="en-US" sz="1800" spc="-1" strike="noStrike">
+            <a:endParaRPr lang="en-US" sz="1800" b="0" strike="noStrike" spc="-1">
               <a:latin typeface="Arial"/>
             </a:endParaRPr>
           </a:p>
@@ -6329,7 +6875,7 @@
               </a:lnSpc>
             </a:pPr>
             <a:r>
-              <a:rPr b="0" lang="ja-JP" sz="1800" spc="-1" strike="noStrike">
+              <a:rPr lang="ja-JP" sz="1800" b="0" strike="noStrike" spc="-1">
                 <a:solidFill>
                   <a:srgbClr val="000000"/>
                 </a:solidFill>
@@ -6338,7 +6884,7 @@
               </a:rPr>
               <a:t>であると仮定</a:t>
             </a:r>
-            <a:endParaRPr b="0" lang="en-US" sz="1800" spc="-1" strike="noStrike">
+            <a:endParaRPr lang="en-US" sz="1800" b="0" strike="noStrike" spc="-1">
               <a:latin typeface="Arial"/>
             </a:endParaRPr>
           </a:p>
@@ -6364,15 +6910,22 @@
           </a:ln>
         </p:spPr>
         <p:style>
-          <a:lnRef idx="0"/>
-          <a:fillRef idx="0"/>
-          <a:effectRef idx="0"/>
+          <a:lnRef idx="0">
+            <a:scrgbClr r="0" g="0" b="0"/>
+          </a:lnRef>
+          <a:fillRef idx="0">
+            <a:scrgbClr r="0" g="0" b="0"/>
+          </a:fillRef>
+          <a:effectRef idx="0">
+            <a:scrgbClr r="0" g="0" b="0"/>
+          </a:effectRef>
           <a:fontRef idx="minor"/>
         </p:style>
         <p:txBody>
-          <a:bodyPr lIns="90000" rIns="90000" tIns="45000" bIns="45000">
+          <a:bodyPr lIns="90000" tIns="45000" rIns="90000" bIns="45000">
             <a:spAutoFit/>
           </a:bodyPr>
+          <a:lstStyle/>
           <a:p>
             <a:pPr>
               <a:lnSpc>
@@ -6380,7 +6933,7 @@
               </a:lnSpc>
             </a:pPr>
             <a:r>
-              <a:rPr b="0" lang="en-US" sz="1800" spc="-1" strike="noStrike">
+              <a:rPr lang="en-US" sz="1800" b="0" strike="noStrike" spc="-1">
                 <a:solidFill>
                   <a:srgbClr val="000000"/>
                 </a:solidFill>
@@ -6390,7 +6943,7 @@
               <a:t> </a:t>
             </a:r>
             <a:r>
-              <a:rPr b="0" lang="ja-JP" sz="1800" spc="-1" strike="noStrike">
+              <a:rPr lang="ja-JP" sz="1800" b="0" strike="noStrike" spc="-1">
                 <a:solidFill>
                   <a:srgbClr val="000000"/>
                 </a:solidFill>
@@ -6399,14 +6952,14 @@
               </a:rPr>
               <a:t>と  が推定可能な場合、ピンホールカメラを想定した次の投影方程式に従って  と  を復元</a:t>
             </a:r>
-            <a:endParaRPr b="0" lang="en-US" sz="1800" spc="-1" strike="noStrike">
+            <a:endParaRPr lang="en-US" sz="1800" b="0" strike="noStrike" spc="-1">
               <a:latin typeface="Arial"/>
             </a:endParaRPr>
           </a:p>
         </p:txBody>
       </p:sp>
-      <mc:AlternateContent>
-        <mc:Choice xmlns:a14="http://schemas.microsoft.com/office/drawing/2010/main" Requires="a14">
+      <mc:AlternateContent xmlns:mc="http://schemas.openxmlformats.org/markup-compatibility/2006" xmlns:a14="http://schemas.microsoft.com/office/drawing/2010/main">
+        <mc:Choice Requires="a14">
           <p:sp>
             <p:nvSpPr>
               <p:cNvPr id="96" name="Formula 6"/>
@@ -6424,193 +6977,393 @@
             </p:spPr>
             <p:txBody>
               <a:bodyPr/>
+              <a:lstStyle/>
               <a:p>
                 <a14:m>
-                  <m:oMath xmlns:m="http://schemas.openxmlformats.org/officeDocument/2006/math">
-                    <m:d>
-                      <m:dPr>
-                        <m:begChr m:val="["/>
-                        <m:endChr m:val="]"/>
-                      </m:dPr>
-                      <m:e>
-                        <m:m>
-                          <m:mr>
-                            <m:e>
-                              <m:sSub>
-                                <m:e>
-                                  <m:r>
-                                    <m:t xml:space="preserve">𝑐</m:t>
-                                  </m:r>
-                                </m:e>
-                                <m:sub>
-                                  <m:r>
-                                    <m:t xml:space="preserve">𝑥</m:t>
-                                  </m:r>
-                                </m:sub>
-                              </m:sSub>
-                            </m:e>
-                          </m:mr>
-                          <m:mr>
-                            <m:e>
-                              <m:sSub>
-                                <m:e>
-                                  <m:r>
-                                    <m:t xml:space="preserve">𝑐</m:t>
-                                  </m:r>
-                                </m:e>
-                                <m:sub>
-                                  <m:r>
-                                    <m:t xml:space="preserve">𝑦</m:t>
-                                  </m:r>
-                                </m:sub>
-                              </m:sSub>
-                            </m:e>
-                          </m:mr>
-                        </m:m>
-                      </m:e>
-                    </m:d>
-                    <m:r>
-                      <m:t xml:space="preserve">=</m:t>
-                    </m:r>
-                    <m:d>
-                      <m:dPr>
-                        <m:begChr m:val="["/>
-                        <m:endChr m:val="]"/>
-                      </m:dPr>
-                      <m:e>
-                        <m:m>
-                          <m:mr>
-                            <m:e>
-                              <m:sSub>
-                                <m:e>
-                                  <m:r>
-                                    <m:t xml:space="preserve">𝑓</m:t>
-                                  </m:r>
-                                </m:e>
-                                <m:sub>
-                                  <m:r>
-                                    <m:t xml:space="preserve">𝑥</m:t>
-                                  </m:r>
-                                </m:sub>
-                              </m:sSub>
-                              <m:f>
-                                <m:num>
-                                  <m:sSub>
-                                    <m:e>
-                                      <m:r>
-                                        <m:t xml:space="preserve">𝑇</m:t>
-                                      </m:r>
-                                    </m:e>
-                                    <m:sub>
-                                      <m:r>
-                                        <m:t xml:space="preserve">𝑥</m:t>
-                                      </m:r>
-                                    </m:sub>
-                                  </m:sSub>
-                                </m:num>
-                                <m:den>
-                                  <m:sSub>
-                                    <m:e>
-                                      <m:r>
-                                        <m:t xml:space="preserve">𝑇</m:t>
-                                      </m:r>
-                                    </m:e>
-                                    <m:sub>
-                                      <m:r>
-                                        <m:t xml:space="preserve">𝑧</m:t>
-                                      </m:r>
-                                    </m:sub>
-                                  </m:sSub>
-                                </m:den>
-                              </m:f>
-                              <m:r>
-                                <m:t xml:space="preserve">+</m:t>
-                              </m:r>
-                              <m:sSub>
-                                <m:e>
-                                  <m:r>
-                                    <m:t xml:space="preserve">𝑝</m:t>
-                                  </m:r>
-                                </m:e>
-                                <m:sub>
-                                  <m:r>
-                                    <m:t xml:space="preserve">𝑥</m:t>
-                                  </m:r>
-                                </m:sub>
-                              </m:sSub>
-                            </m:e>
-                          </m:mr>
-                          <m:mr>
-                            <m:e>
-                              <m:sSub>
-                                <m:e>
-                                  <m:r>
-                                    <m:t xml:space="preserve">𝑓</m:t>
-                                  </m:r>
-                                </m:e>
-                                <m:sub>
-                                  <m:r>
-                                    <m:t xml:space="preserve">𝑦</m:t>
-                                  </m:r>
-                                </m:sub>
-                              </m:sSub>
-                              <m:f>
-                                <m:num>
-                                  <m:sSub>
-                                    <m:e>
-                                      <m:r>
-                                        <m:t xml:space="preserve">𝑇</m:t>
-                                      </m:r>
-                                    </m:e>
-                                    <m:sub>
-                                      <m:r>
-                                        <m:t xml:space="preserve">𝑦</m:t>
-                                      </m:r>
-                                    </m:sub>
-                                  </m:sSub>
-                                </m:num>
-                                <m:den>
-                                  <m:sSub>
-                                    <m:e>
-                                      <m:r>
-                                        <m:t xml:space="preserve">𝑇</m:t>
-                                      </m:r>
-                                    </m:e>
-                                    <m:sub>
-                                      <m:r>
-                                        <m:t xml:space="preserve">𝑧</m:t>
-                                      </m:r>
-                                    </m:sub>
-                                  </m:sSub>
-                                </m:den>
-                              </m:f>
-                              <m:r>
-                                <m:t xml:space="preserve">+</m:t>
-                              </m:r>
-                              <m:sSub>
-                                <m:e>
-                                  <m:r>
-                                    <m:t xml:space="preserve">𝑝</m:t>
-                                  </m:r>
-                                </m:e>
-                                <m:sub>
-                                  <m:r>
-                                    <m:t xml:space="preserve">𝑦</m:t>
-                                  </m:r>
-                                </m:sub>
-                              </m:sSub>
-                            </m:e>
-                          </m:mr>
-                        </m:m>
-                      </m:e>
-                    </m:d>
-                  </m:oMath>
+                  <m:oMathPara xmlns:m="http://schemas.openxmlformats.org/officeDocument/2006/math">
+                    <m:oMathParaPr>
+                      <m:jc m:val="centerGroup"/>
+                    </m:oMathParaPr>
+                    <m:oMath xmlns:m="http://schemas.openxmlformats.org/officeDocument/2006/math">
+                      <m:d>
+                        <m:dPr>
+                          <m:begChr m:val="["/>
+                          <m:endChr m:val="]"/>
+                          <m:ctrlPr>
+                            <a:rPr>
+                              <a:latin typeface="Cambria Math" panose="02040503050406030204" pitchFamily="18" charset="0"/>
+                            </a:rPr>
+                          </m:ctrlPr>
+                        </m:dPr>
+                        <m:e>
+                          <m:m>
+                            <m:mPr>
+                              <m:mcs>
+                                <m:mc>
+                                  <m:mcPr>
+                                    <m:count m:val="1"/>
+                                    <m:mcJc m:val="center"/>
+                                  </m:mcPr>
+                                </m:mc>
+                              </m:mcs>
+                              <m:ctrlPr>
+                                <a:rPr>
+                                  <a:latin typeface="Cambria Math" panose="02040503050406030204" pitchFamily="18" charset="0"/>
+                                </a:rPr>
+                              </m:ctrlPr>
+                            </m:mPr>
+                            <m:mr>
+                              <m:e>
+                                <m:sSub>
+                                  <m:sSubPr>
+                                    <m:ctrlPr>
+                                      <a:rPr>
+                                        <a:latin typeface="Cambria Math" panose="02040503050406030204" pitchFamily="18" charset="0"/>
+                                      </a:rPr>
+                                    </m:ctrlPr>
+                                  </m:sSubPr>
+                                  <m:e>
+                                    <m:r>
+                                      <a:rPr>
+                                        <a:latin typeface="Cambria Math" panose="02040503050406030204" pitchFamily="18" charset="0"/>
+                                      </a:rPr>
+                                      <m:t>𝑐</m:t>
+                                    </m:r>
+                                  </m:e>
+                                  <m:sub>
+                                    <m:r>
+                                      <a:rPr>
+                                        <a:latin typeface="Cambria Math" panose="02040503050406030204" pitchFamily="18" charset="0"/>
+                                      </a:rPr>
+                                      <m:t>𝑥</m:t>
+                                    </m:r>
+                                  </m:sub>
+                                </m:sSub>
+                              </m:e>
+                            </m:mr>
+                            <m:mr>
+                              <m:e>
+                                <m:sSub>
+                                  <m:sSubPr>
+                                    <m:ctrlPr>
+                                      <a:rPr i="1">
+                                        <a:latin typeface="Cambria Math" panose="02040503050406030204" pitchFamily="18" charset="0"/>
+                                      </a:rPr>
+                                    </m:ctrlPr>
+                                  </m:sSubPr>
+                                  <m:e>
+                                    <m:r>
+                                      <a:rPr>
+                                        <a:latin typeface="Cambria Math" panose="02040503050406030204" pitchFamily="18" charset="0"/>
+                                      </a:rPr>
+                                      <m:t>𝑐</m:t>
+                                    </m:r>
+                                  </m:e>
+                                  <m:sub>
+                                    <m:r>
+                                      <a:rPr>
+                                        <a:latin typeface="Cambria Math" panose="02040503050406030204" pitchFamily="18" charset="0"/>
+                                      </a:rPr>
+                                      <m:t>𝑦</m:t>
+                                    </m:r>
+                                  </m:sub>
+                                </m:sSub>
+                              </m:e>
+                            </m:mr>
+                          </m:m>
+                        </m:e>
+                      </m:d>
+                      <m:r>
+                        <a:rPr>
+                          <a:latin typeface="Cambria Math" panose="02040503050406030204" pitchFamily="18" charset="0"/>
+                        </a:rPr>
+                        <m:t>=</m:t>
+                      </m:r>
+                      <m:d>
+                        <m:dPr>
+                          <m:begChr m:val="["/>
+                          <m:endChr m:val="]"/>
+                          <m:ctrlPr>
+                            <a:rPr i="1">
+                              <a:latin typeface="Cambria Math" panose="02040503050406030204" pitchFamily="18" charset="0"/>
+                            </a:rPr>
+                          </m:ctrlPr>
+                        </m:dPr>
+                        <m:e>
+                          <m:m>
+                            <m:mPr>
+                              <m:mcs>
+                                <m:mc>
+                                  <m:mcPr>
+                                    <m:count m:val="1"/>
+                                    <m:mcJc m:val="center"/>
+                                  </m:mcPr>
+                                </m:mc>
+                              </m:mcs>
+                              <m:ctrlPr>
+                                <a:rPr i="1">
+                                  <a:latin typeface="Cambria Math" panose="02040503050406030204" pitchFamily="18" charset="0"/>
+                                </a:rPr>
+                              </m:ctrlPr>
+                            </m:mPr>
+                            <m:mr>
+                              <m:e>
+                                <m:sSub>
+                                  <m:sSubPr>
+                                    <m:ctrlPr>
+                                      <a:rPr i="1">
+                                        <a:latin typeface="Cambria Math" panose="02040503050406030204" pitchFamily="18" charset="0"/>
+                                      </a:rPr>
+                                    </m:ctrlPr>
+                                  </m:sSubPr>
+                                  <m:e>
+                                    <m:r>
+                                      <a:rPr>
+                                        <a:latin typeface="Cambria Math" panose="02040503050406030204" pitchFamily="18" charset="0"/>
+                                      </a:rPr>
+                                      <m:t>𝑓</m:t>
+                                    </m:r>
+                                  </m:e>
+                                  <m:sub>
+                                    <m:r>
+                                      <a:rPr>
+                                        <a:latin typeface="Cambria Math" panose="02040503050406030204" pitchFamily="18" charset="0"/>
+                                      </a:rPr>
+                                      <m:t>𝑥</m:t>
+                                    </m:r>
+                                  </m:sub>
+                                </m:sSub>
+                                <m:f>
+                                  <m:fPr>
+                                    <m:ctrlPr>
+                                      <a:rPr i="1">
+                                        <a:latin typeface="Cambria Math" panose="02040503050406030204" pitchFamily="18" charset="0"/>
+                                      </a:rPr>
+                                    </m:ctrlPr>
+                                  </m:fPr>
+                                  <m:num>
+                                    <m:sSub>
+                                      <m:sSubPr>
+                                        <m:ctrlPr>
+                                          <a:rPr i="1">
+                                            <a:latin typeface="Cambria Math" panose="02040503050406030204" pitchFamily="18" charset="0"/>
+                                          </a:rPr>
+                                        </m:ctrlPr>
+                                      </m:sSubPr>
+                                      <m:e>
+                                        <m:r>
+                                          <a:rPr>
+                                            <a:latin typeface="Cambria Math" panose="02040503050406030204" pitchFamily="18" charset="0"/>
+                                          </a:rPr>
+                                          <m:t>𝑇</m:t>
+                                        </m:r>
+                                      </m:e>
+                                      <m:sub>
+                                        <m:r>
+                                          <a:rPr>
+                                            <a:latin typeface="Cambria Math" panose="02040503050406030204" pitchFamily="18" charset="0"/>
+                                          </a:rPr>
+                                          <m:t>𝑥</m:t>
+                                        </m:r>
+                                      </m:sub>
+                                    </m:sSub>
+                                  </m:num>
+                                  <m:den>
+                                    <m:sSub>
+                                      <m:sSubPr>
+                                        <m:ctrlPr>
+                                          <a:rPr i="1">
+                                            <a:latin typeface="Cambria Math" panose="02040503050406030204" pitchFamily="18" charset="0"/>
+                                          </a:rPr>
+                                        </m:ctrlPr>
+                                      </m:sSubPr>
+                                      <m:e>
+                                        <m:r>
+                                          <a:rPr>
+                                            <a:latin typeface="Cambria Math" panose="02040503050406030204" pitchFamily="18" charset="0"/>
+                                          </a:rPr>
+                                          <m:t>𝑇</m:t>
+                                        </m:r>
+                                      </m:e>
+                                      <m:sub>
+                                        <m:r>
+                                          <a:rPr>
+                                            <a:latin typeface="Cambria Math" panose="02040503050406030204" pitchFamily="18" charset="0"/>
+                                          </a:rPr>
+                                          <m:t>𝑧</m:t>
+                                        </m:r>
+                                      </m:sub>
+                                    </m:sSub>
+                                  </m:den>
+                                </m:f>
+                                <m:r>
+                                  <a:rPr>
+                                    <a:latin typeface="Cambria Math" panose="02040503050406030204" pitchFamily="18" charset="0"/>
+                                  </a:rPr>
+                                  <m:t>+</m:t>
+                                </m:r>
+                                <m:sSub>
+                                  <m:sSubPr>
+                                    <m:ctrlPr>
+                                      <a:rPr i="1">
+                                        <a:latin typeface="Cambria Math" panose="02040503050406030204" pitchFamily="18" charset="0"/>
+                                      </a:rPr>
+                                    </m:ctrlPr>
+                                  </m:sSubPr>
+                                  <m:e>
+                                    <m:r>
+                                      <a:rPr>
+                                        <a:latin typeface="Cambria Math" panose="02040503050406030204" pitchFamily="18" charset="0"/>
+                                      </a:rPr>
+                                      <m:t>𝑝</m:t>
+                                    </m:r>
+                                  </m:e>
+                                  <m:sub>
+                                    <m:r>
+                                      <a:rPr>
+                                        <a:latin typeface="Cambria Math" panose="02040503050406030204" pitchFamily="18" charset="0"/>
+                                      </a:rPr>
+                                      <m:t>𝑥</m:t>
+                                    </m:r>
+                                  </m:sub>
+                                </m:sSub>
+                              </m:e>
+                            </m:mr>
+                            <m:mr>
+                              <m:e>
+                                <m:sSub>
+                                  <m:sSubPr>
+                                    <m:ctrlPr>
+                                      <a:rPr i="1">
+                                        <a:latin typeface="Cambria Math" panose="02040503050406030204" pitchFamily="18" charset="0"/>
+                                      </a:rPr>
+                                    </m:ctrlPr>
+                                  </m:sSubPr>
+                                  <m:e>
+                                    <m:r>
+                                      <a:rPr>
+                                        <a:latin typeface="Cambria Math" panose="02040503050406030204" pitchFamily="18" charset="0"/>
+                                      </a:rPr>
+                                      <m:t>𝑓</m:t>
+                                    </m:r>
+                                  </m:e>
+                                  <m:sub>
+                                    <m:r>
+                                      <a:rPr>
+                                        <a:latin typeface="Cambria Math" panose="02040503050406030204" pitchFamily="18" charset="0"/>
+                                      </a:rPr>
+                                      <m:t>𝑦</m:t>
+                                    </m:r>
+                                  </m:sub>
+                                </m:sSub>
+                                <m:f>
+                                  <m:fPr>
+                                    <m:ctrlPr>
+                                      <a:rPr i="1">
+                                        <a:latin typeface="Cambria Math" panose="02040503050406030204" pitchFamily="18" charset="0"/>
+                                      </a:rPr>
+                                    </m:ctrlPr>
+                                  </m:fPr>
+                                  <m:num>
+                                    <m:sSub>
+                                      <m:sSubPr>
+                                        <m:ctrlPr>
+                                          <a:rPr i="1">
+                                            <a:latin typeface="Cambria Math" panose="02040503050406030204" pitchFamily="18" charset="0"/>
+                                          </a:rPr>
+                                        </m:ctrlPr>
+                                      </m:sSubPr>
+                                      <m:e>
+                                        <m:r>
+                                          <a:rPr>
+                                            <a:latin typeface="Cambria Math" panose="02040503050406030204" pitchFamily="18" charset="0"/>
+                                          </a:rPr>
+                                          <m:t>𝑇</m:t>
+                                        </m:r>
+                                      </m:e>
+                                      <m:sub>
+                                        <m:r>
+                                          <a:rPr>
+                                            <a:latin typeface="Cambria Math" panose="02040503050406030204" pitchFamily="18" charset="0"/>
+                                          </a:rPr>
+                                          <m:t>𝑦</m:t>
+                                        </m:r>
+                                      </m:sub>
+                                    </m:sSub>
+                                  </m:num>
+                                  <m:den>
+                                    <m:sSub>
+                                      <m:sSubPr>
+                                        <m:ctrlPr>
+                                          <a:rPr i="1">
+                                            <a:latin typeface="Cambria Math" panose="02040503050406030204" pitchFamily="18" charset="0"/>
+                                          </a:rPr>
+                                        </m:ctrlPr>
+                                      </m:sSubPr>
+                                      <m:e>
+                                        <m:r>
+                                          <a:rPr>
+                                            <a:latin typeface="Cambria Math" panose="02040503050406030204" pitchFamily="18" charset="0"/>
+                                          </a:rPr>
+                                          <m:t>𝑇</m:t>
+                                        </m:r>
+                                      </m:e>
+                                      <m:sub>
+                                        <m:r>
+                                          <a:rPr>
+                                            <a:latin typeface="Cambria Math" panose="02040503050406030204" pitchFamily="18" charset="0"/>
+                                          </a:rPr>
+                                          <m:t>𝑧</m:t>
+                                        </m:r>
+                                      </m:sub>
+                                    </m:sSub>
+                                  </m:den>
+                                </m:f>
+                                <m:r>
+                                  <a:rPr>
+                                    <a:latin typeface="Cambria Math" panose="02040503050406030204" pitchFamily="18" charset="0"/>
+                                  </a:rPr>
+                                  <m:t>+</m:t>
+                                </m:r>
+                                <m:sSub>
+                                  <m:sSubPr>
+                                    <m:ctrlPr>
+                                      <a:rPr i="1">
+                                        <a:latin typeface="Cambria Math" panose="02040503050406030204" pitchFamily="18" charset="0"/>
+                                      </a:rPr>
+                                    </m:ctrlPr>
+                                  </m:sSubPr>
+                                  <m:e>
+                                    <m:r>
+                                      <a:rPr>
+                                        <a:latin typeface="Cambria Math" panose="02040503050406030204" pitchFamily="18" charset="0"/>
+                                      </a:rPr>
+                                      <m:t>𝑝</m:t>
+                                    </m:r>
+                                  </m:e>
+                                  <m:sub>
+                                    <m:r>
+                                      <a:rPr>
+                                        <a:latin typeface="Cambria Math" panose="02040503050406030204" pitchFamily="18" charset="0"/>
+                                      </a:rPr>
+                                      <m:t>𝑦</m:t>
+                                    </m:r>
+                                  </m:sub>
+                                </m:sSub>
+                              </m:e>
+                            </m:mr>
+                          </m:m>
+                        </m:e>
+                      </m:d>
+                    </m:oMath>
+                  </m:oMathPara>
                 </a14:m>
+                <a:endParaRPr/>
               </a:p>
             </p:txBody>
           </p:sp>
         </mc:Choice>
-        <mc:Fallback/>
+        <mc:Fallback xmlns:p15="http://schemas.microsoft.com/office/powerpoint/2012/main" xmlns:p14="http://schemas.microsoft.com/office/powerpoint/2010/main" xmlns=""/>
       </mc:AlternateContent>
       <p:sp>
         <p:nvSpPr>
@@ -6632,15 +7385,22 @@
           </a:ln>
         </p:spPr>
         <p:style>
-          <a:lnRef idx="0"/>
-          <a:fillRef idx="0"/>
-          <a:effectRef idx="0"/>
+          <a:lnRef idx="0">
+            <a:scrgbClr r="0" g="0" b="0"/>
+          </a:lnRef>
+          <a:fillRef idx="0">
+            <a:scrgbClr r="0" g="0" b="0"/>
+          </a:fillRef>
+          <a:effectRef idx="0">
+            <a:scrgbClr r="0" g="0" b="0"/>
+          </a:effectRef>
           <a:fontRef idx="minor"/>
         </p:style>
         <p:txBody>
-          <a:bodyPr lIns="90000" rIns="90000" tIns="45000" bIns="45000">
+          <a:bodyPr lIns="90000" tIns="45000" rIns="90000" bIns="45000">
             <a:spAutoFit/>
           </a:bodyPr>
+          <a:lstStyle/>
           <a:p>
             <a:pPr>
               <a:lnSpc>
@@ -6648,7 +7408,7 @@
               </a:lnSpc>
             </a:pPr>
             <a:r>
-              <a:rPr b="0" lang="ja-JP" sz="1800" spc="-1" strike="noStrike">
+              <a:rPr lang="ja-JP" sz="1800" b="0" strike="noStrike" spc="-1">
                 <a:solidFill>
                   <a:srgbClr val="000000"/>
                 </a:solidFill>
@@ -6657,7 +7417,7 @@
               </a:rPr>
               <a:t>ここで  と  はカメラの焦点距離を表し は主点</a:t>
             </a:r>
-            <a:endParaRPr b="0" lang="en-US" sz="1800" spc="-1" strike="noStrike">
+            <a:endParaRPr lang="en-US" sz="1800" b="0" strike="noStrike" spc="-1">
               <a:latin typeface="Arial"/>
             </a:endParaRPr>
           </a:p>
@@ -6665,19 +7425,14 @@
       </p:sp>
     </p:spTree>
   </p:cSld>
-  <mc:AlternateContent>
-    <mc:Choice Requires="p14">
-      <p:transition spd="slow" p14:dur="2000"/>
-    </mc:Choice>
-    <mc:Fallback>
-      <p:transition spd="slow"/>
-    </mc:Fallback>
-  </mc:AlternateContent>
+  <p:clrMapOvr>
+    <a:masterClrMapping/>
+  </p:clrMapOvr>
 </p:sld>
 </file>
 
 <file path=ppt/slides/slide6.xml><?xml version="1.0" encoding="utf-8"?>
-<p:sld xmlns:a="http://schemas.openxmlformats.org/drawingml/2006/main" xmlns:p="http://schemas.openxmlformats.org/presentationml/2006/main" xmlns:r="http://schemas.openxmlformats.org/officeDocument/2006/relationships" xmlns:p14="http://schemas.microsoft.com/office/powerpoint/2010/main" xmlns:p15="http://schemas.microsoft.com/office/powerpoint/2012/main" xmlns:mc="http://schemas.openxmlformats.org/markup-compatibility/2006">
+<p:sld xmlns:a="http://schemas.openxmlformats.org/drawingml/2006/main" xmlns:r="http://schemas.openxmlformats.org/officeDocument/2006/relationships" xmlns:p="http://schemas.openxmlformats.org/presentationml/2006/main">
   <p:cSld>
     <p:spTree>
       <p:nvGrpSpPr>
@@ -6724,9 +7479,10 @@
           <a:fontRef idx="minor"/>
         </p:style>
         <p:txBody>
-          <a:bodyPr lIns="90000" rIns="90000" tIns="45000" bIns="45000" anchor="ctr">
+          <a:bodyPr lIns="90000" tIns="45000" rIns="90000" bIns="45000" anchor="ctr">
             <a:noAutofit/>
           </a:bodyPr>
+          <a:lstStyle/>
           <a:p>
             <a:pPr algn="ctr">
               <a:lnSpc>
@@ -6734,15 +7490,15 @@
               </a:lnSpc>
             </a:pPr>
             <a:r>
-              <a:rPr b="1" lang="en-US" sz="2800" spc="-1" strike="noStrike">
+              <a:rPr lang="en-US" sz="2800" b="1" strike="noStrike" spc="-1">
                 <a:solidFill>
-                  <a:srgbClr val="ffffff"/>
+                  <a:srgbClr val="FFFFFF"/>
                 </a:solidFill>
                 <a:latin typeface="游ゴシック"/>
               </a:rPr>
               <a:t>PoseCNN</a:t>
             </a:r>
-            <a:endParaRPr b="0" lang="en-US" sz="2800" spc="-1" strike="noStrike">
+            <a:endParaRPr lang="en-US" sz="2800" b="0" strike="noStrike" spc="-1">
               <a:latin typeface="Arial"/>
             </a:endParaRPr>
           </a:p>
@@ -6771,6 +7527,7 @@
           <a:bodyPr anchor="ctr">
             <a:noAutofit/>
           </a:bodyPr>
+          <a:lstStyle/>
           <a:p>
             <a:pPr algn="r">
               <a:lnSpc>
@@ -6778,15 +7535,15 @@
               </a:lnSpc>
             </a:pPr>
             <a:fld id="{3CD5760B-9274-415C-8B0B-70ACBAF58A2B}" type="slidenum">
-              <a:rPr b="0" lang="en-US" sz="1050" spc="-1" strike="noStrike">
+              <a:rPr lang="en-US" sz="1050" b="0" strike="noStrike" spc="-1">
                 <a:solidFill>
                   <a:srgbClr val="000000"/>
                 </a:solidFill>
                 <a:latin typeface="游ゴシック"/>
               </a:rPr>
-              <a:t>&lt;番号&gt;</a:t>
+              <a:t>6</a:t>
             </a:fld>
-            <a:endParaRPr b="0" lang="en-US" sz="1050" spc="-1" strike="noStrike">
+            <a:endParaRPr lang="en-US" sz="1050" b="0" strike="noStrike" spc="-1">
               <a:latin typeface="Times New Roman"/>
             </a:endParaRPr>
           </a:p>
@@ -6828,9 +7585,10 @@
           <a:fontRef idx="minor"/>
         </p:style>
         <p:txBody>
-          <a:bodyPr lIns="90000" rIns="90000" tIns="45000" bIns="45000" anchor="ctr">
+          <a:bodyPr lIns="90000" tIns="45000" rIns="90000" bIns="45000" anchor="ctr">
             <a:noAutofit/>
           </a:bodyPr>
+          <a:lstStyle/>
           <a:p>
             <a:pPr algn="ctr">
               <a:lnSpc>
@@ -6838,9 +7596,9 @@
               </a:lnSpc>
             </a:pPr>
             <a:r>
-              <a:rPr b="0" lang="en-US" sz="2000" spc="-1" strike="noStrike">
+              <a:rPr lang="en-US" sz="2000" b="0" strike="noStrike" spc="-1">
                 <a:solidFill>
-                  <a:srgbClr val="ffffff"/>
+                  <a:srgbClr val="FFFFFF"/>
                 </a:solidFill>
                 <a:latin typeface="ＭＳ Ｐゴシック"/>
                 <a:ea typeface="ＭＳ Ｐゴシック"/>
@@ -6848,16 +7606,16 @@
               <a:t>3D</a:t>
             </a:r>
             <a:r>
-              <a:rPr b="0" lang="ja-JP" sz="2000" spc="-1" strike="noStrike">
+              <a:rPr lang="ja-JP" sz="2000" b="0" strike="noStrike" spc="-1">
                 <a:solidFill>
-                  <a:srgbClr val="ffffff"/>
+                  <a:srgbClr val="FFFFFF"/>
                 </a:solidFill>
                 <a:latin typeface="ＭＳ Ｐゴシック"/>
                 <a:ea typeface="ＭＳ Ｐゴシック"/>
               </a:rPr>
               <a:t>位置</a:t>
             </a:r>
-            <a:endParaRPr b="0" lang="en-US" sz="2000" spc="-1" strike="noStrike">
+            <a:endParaRPr lang="en-US" sz="2000" b="0" strike="noStrike" spc="-1">
               <a:latin typeface="Arial"/>
             </a:endParaRPr>
           </a:p>
@@ -6870,7 +7628,7 @@
           <p:nvPr/>
         </p:nvPicPr>
         <p:blipFill>
-          <a:blip r:embed="rId1"/>
+          <a:blip r:embed="rId3"/>
           <a:stretch/>
         </p:blipFill>
         <p:spPr>
@@ -6907,7 +7665,7 @@
             <p:nvPr/>
           </p:nvPicPr>
           <p:blipFill>
-            <a:blip r:embed="rId2"/>
+            <a:blip r:embed="rId4"/>
             <a:stretch/>
           </p:blipFill>
           <p:spPr>
@@ -7286,15 +8044,22 @@
           </a:ln>
         </p:spPr>
         <p:style>
-          <a:lnRef idx="0"/>
-          <a:fillRef idx="0"/>
-          <a:effectRef idx="0"/>
+          <a:lnRef idx="0">
+            <a:scrgbClr r="0" g="0" b="0"/>
+          </a:lnRef>
+          <a:fillRef idx="0">
+            <a:scrgbClr r="0" g="0" b="0"/>
+          </a:fillRef>
+          <a:effectRef idx="0">
+            <a:scrgbClr r="0" g="0" b="0"/>
+          </a:effectRef>
           <a:fontRef idx="minor"/>
         </p:style>
         <p:txBody>
-          <a:bodyPr lIns="90000" rIns="90000" tIns="45000" bIns="45000">
+          <a:bodyPr lIns="90000" tIns="45000" rIns="90000" bIns="45000">
             <a:spAutoFit/>
           </a:bodyPr>
+          <a:lstStyle/>
           <a:p>
             <a:pPr>
               <a:lnSpc>
@@ -7302,7 +8067,7 @@
               </a:lnSpc>
             </a:pPr>
             <a:r>
-              <a:rPr b="0" lang="en-US" sz="2000" spc="-1" strike="noStrike">
+              <a:rPr lang="en-US" sz="2000" b="0" strike="noStrike" spc="-1">
                 <a:solidFill>
                   <a:srgbClr val="000000"/>
                 </a:solidFill>
@@ -7312,7 +8077,7 @@
               <a:t>Haugh </a:t>
             </a:r>
             <a:r>
-              <a:rPr b="0" lang="ja-JP" sz="2000" spc="-1" strike="noStrike">
+              <a:rPr lang="ja-JP" sz="2000" b="0" strike="noStrike" spc="-1">
                 <a:solidFill>
                   <a:srgbClr val="000000"/>
                 </a:solidFill>
@@ -7321,7 +8086,7 @@
               </a:rPr>
               <a:t>変換を使用してオブジェクトの中心座標に投票</a:t>
             </a:r>
-            <a:endParaRPr b="0" lang="en-US" sz="2000" spc="-1" strike="noStrike">
+            <a:endParaRPr lang="en-US" sz="2000" b="0" strike="noStrike" spc="-1">
               <a:latin typeface="Arial"/>
             </a:endParaRPr>
           </a:p>
@@ -7329,19 +8094,14 @@
       </p:sp>
     </p:spTree>
   </p:cSld>
-  <mc:AlternateContent>
-    <mc:Choice Requires="p14">
-      <p:transition spd="slow" p14:dur="2000"/>
-    </mc:Choice>
-    <mc:Fallback>
-      <p:transition spd="slow"/>
-    </mc:Fallback>
-  </mc:AlternateContent>
+  <p:clrMapOvr>
+    <a:masterClrMapping/>
+  </p:clrMapOvr>
 </p:sld>
 </file>
 
 <file path=ppt/slides/slide7.xml><?xml version="1.0" encoding="utf-8"?>
-<p:sld xmlns:a="http://schemas.openxmlformats.org/drawingml/2006/main" xmlns:p="http://schemas.openxmlformats.org/presentationml/2006/main" xmlns:r="http://schemas.openxmlformats.org/officeDocument/2006/relationships" xmlns:p14="http://schemas.microsoft.com/office/powerpoint/2010/main" xmlns:p15="http://schemas.microsoft.com/office/powerpoint/2012/main" xmlns:mc="http://schemas.openxmlformats.org/markup-compatibility/2006">
+<p:sld xmlns:a="http://schemas.openxmlformats.org/drawingml/2006/main" xmlns:r="http://schemas.openxmlformats.org/officeDocument/2006/relationships" xmlns:p="http://schemas.openxmlformats.org/presentationml/2006/main">
   <p:cSld>
     <p:spTree>
       <p:nvGrpSpPr>
@@ -7388,9 +8148,10 @@
           <a:fontRef idx="minor"/>
         </p:style>
         <p:txBody>
-          <a:bodyPr lIns="90000" rIns="90000" tIns="45000" bIns="45000" anchor="ctr">
+          <a:bodyPr lIns="90000" tIns="45000" rIns="90000" bIns="45000" anchor="ctr">
             <a:noAutofit/>
           </a:bodyPr>
+          <a:lstStyle/>
           <a:p>
             <a:pPr algn="ctr">
               <a:lnSpc>
@@ -7398,24 +8159,24 @@
               </a:lnSpc>
             </a:pPr>
             <a:r>
-              <a:rPr b="1" lang="en-US" sz="2800" spc="-1" strike="noStrike">
+              <a:rPr lang="en-US" sz="2800" b="1" strike="noStrike" spc="-1">
                 <a:solidFill>
-                  <a:srgbClr val="ffffff"/>
+                  <a:srgbClr val="FFFFFF"/>
                 </a:solidFill>
                 <a:latin typeface="游ゴシック"/>
               </a:rPr>
               <a:t>Hough </a:t>
             </a:r>
             <a:r>
-              <a:rPr b="1" lang="ja-JP" sz="2800" spc="-1" strike="noStrike">
+              <a:rPr lang="ja-JP" sz="2800" b="1" strike="noStrike" spc="-1">
                 <a:solidFill>
-                  <a:srgbClr val="ffffff"/>
+                  <a:srgbClr val="FFFFFF"/>
                 </a:solidFill>
                 <a:latin typeface="游ゴシック"/>
               </a:rPr>
               <a:t>変換</a:t>
             </a:r>
-            <a:endParaRPr b="0" lang="en-US" sz="2800" spc="-1" strike="noStrike">
+            <a:endParaRPr lang="en-US" sz="2800" b="0" strike="noStrike" spc="-1">
               <a:latin typeface="Arial"/>
             </a:endParaRPr>
           </a:p>
@@ -7444,6 +8205,7 @@
           <a:bodyPr anchor="ctr">
             <a:noAutofit/>
           </a:bodyPr>
+          <a:lstStyle/>
           <a:p>
             <a:pPr algn="r">
               <a:lnSpc>
@@ -7451,15 +8213,15 @@
               </a:lnSpc>
             </a:pPr>
             <a:fld id="{B8E913E5-800F-44A1-989D-517058F865D9}" type="slidenum">
-              <a:rPr b="0" lang="en-US" sz="1050" spc="-1" strike="noStrike">
+              <a:rPr lang="en-US" sz="1050" b="0" strike="noStrike" spc="-1">
                 <a:solidFill>
                   <a:srgbClr val="000000"/>
                 </a:solidFill>
                 <a:latin typeface="游ゴシック"/>
               </a:rPr>
-              <a:t>&lt;番号&gt;</a:t>
+              <a:t>7</a:t>
             </a:fld>
-            <a:endParaRPr b="0" lang="en-US" sz="1050" spc="-1" strike="noStrike">
+            <a:endParaRPr lang="en-US" sz="1050" b="0" strike="noStrike" spc="-1">
               <a:latin typeface="Times New Roman"/>
             </a:endParaRPr>
           </a:p>
@@ -7472,7 +8234,7 @@
           <p:nvPr/>
         </p:nvPicPr>
         <p:blipFill>
-          <a:blip r:embed="rId1"/>
+          <a:blip r:embed="rId3"/>
           <a:stretch/>
         </p:blipFill>
         <p:spPr>
@@ -7508,15 +8270,22 @@
           </a:ln>
         </p:spPr>
         <p:style>
-          <a:lnRef idx="0"/>
-          <a:fillRef idx="0"/>
-          <a:effectRef idx="0"/>
+          <a:lnRef idx="0">
+            <a:scrgbClr r="0" g="0" b="0"/>
+          </a:lnRef>
+          <a:fillRef idx="0">
+            <a:scrgbClr r="0" g="0" b="0"/>
+          </a:fillRef>
+          <a:effectRef idx="0">
+            <a:scrgbClr r="0" g="0" b="0"/>
+          </a:effectRef>
           <a:fontRef idx="minor"/>
         </p:style>
         <p:txBody>
-          <a:bodyPr wrap="none" lIns="90000" rIns="90000" tIns="45000" bIns="45000">
+          <a:bodyPr wrap="none" lIns="90000" tIns="45000" rIns="90000" bIns="45000">
             <a:spAutoFit/>
           </a:bodyPr>
+          <a:lstStyle/>
           <a:p>
             <a:pPr>
               <a:lnSpc>
@@ -7524,7 +8293,7 @@
               </a:lnSpc>
             </a:pPr>
             <a:r>
-              <a:rPr b="0" lang="ja-JP" sz="1800" spc="-1" strike="noStrike">
+              <a:rPr lang="ja-JP" sz="1800" b="0" strike="noStrike" spc="-1">
                 <a:solidFill>
                   <a:srgbClr val="000000"/>
                 </a:solidFill>
@@ -7534,7 +8303,7 @@
               <a:t>点 </a:t>
             </a:r>
             <a:r>
-              <a:rPr b="1" i="1" lang="en-US" sz="1800" spc="-1" strike="noStrike">
+              <a:rPr lang="en-US" sz="1800" b="1" i="1" strike="noStrike" spc="-1">
                 <a:solidFill>
                   <a:srgbClr val="000000"/>
                 </a:solidFill>
@@ -7544,7 +8313,7 @@
               <a:t>r </a:t>
             </a:r>
             <a:r>
-              <a:rPr b="0" lang="ja-JP" sz="1800" spc="-1" strike="noStrike">
+              <a:rPr lang="ja-JP" sz="1800" b="0" strike="noStrike" spc="-1">
                 <a:solidFill>
                   <a:srgbClr val="000000"/>
                 </a:solidFill>
@@ -7553,7 +8322,7 @@
               </a:rPr>
               <a:t>の座標</a:t>
             </a:r>
-            <a:endParaRPr b="0" lang="en-US" sz="1800" spc="-1" strike="noStrike">
+            <a:endParaRPr lang="en-US" sz="1800" b="0" strike="noStrike" spc="-1">
               <a:latin typeface="Arial"/>
             </a:endParaRPr>
           </a:p>
@@ -7567,7 +8336,7 @@
         </p:nvSpPr>
         <p:spPr>
           <a:xfrm>
-            <a:off x="4651200" y="1383120"/>
+            <a:off x="4781952" y="1383405"/>
             <a:ext cx="3552120" cy="364680"/>
           </a:xfrm>
           <a:prstGeom prst="rect">
@@ -7579,15 +8348,22 @@
           </a:ln>
         </p:spPr>
         <p:style>
-          <a:lnRef idx="0"/>
-          <a:fillRef idx="0"/>
-          <a:effectRef idx="0"/>
+          <a:lnRef idx="0">
+            <a:scrgbClr r="0" g="0" b="0"/>
+          </a:lnRef>
+          <a:fillRef idx="0">
+            <a:scrgbClr r="0" g="0" b="0"/>
+          </a:fillRef>
+          <a:effectRef idx="0">
+            <a:scrgbClr r="0" g="0" b="0"/>
+          </a:effectRef>
           <a:fontRef idx="minor"/>
         </p:style>
         <p:txBody>
-          <a:bodyPr wrap="none" lIns="90000" rIns="90000" tIns="45000" bIns="45000">
+          <a:bodyPr wrap="none" lIns="90000" tIns="45000" rIns="90000" bIns="45000">
             <a:spAutoFit/>
           </a:bodyPr>
+          <a:lstStyle/>
           <a:p>
             <a:pPr>
               <a:lnSpc>
@@ -7595,7 +8371,7 @@
               </a:lnSpc>
             </a:pPr>
             <a:r>
-              <a:rPr b="0" lang="ja-JP" sz="1800" spc="-1" strike="noStrike">
+              <a:rPr lang="ja-JP" sz="1800" b="0" strike="noStrike" spc="-1" dirty="0">
                 <a:solidFill>
                   <a:srgbClr val="000000"/>
                 </a:solidFill>
@@ -7605,7 +8381,7 @@
               <a:t>点 </a:t>
             </a:r>
             <a:r>
-              <a:rPr b="1" i="1" lang="en-US" sz="1800" spc="-1" strike="noStrike">
+              <a:rPr lang="en-US" sz="1800" b="1" i="1" strike="noStrike" spc="-1" dirty="0">
                 <a:solidFill>
                   <a:srgbClr val="000000"/>
                 </a:solidFill>
@@ -7615,7 +8391,7 @@
               <a:t>r </a:t>
             </a:r>
             <a:r>
-              <a:rPr b="0" lang="ja-JP" sz="1800" spc="-1" strike="noStrike">
+              <a:rPr lang="ja-JP" sz="1800" b="0" strike="noStrike" spc="-1" dirty="0">
                 <a:solidFill>
                   <a:srgbClr val="000000"/>
                 </a:solidFill>
@@ -7625,33 +8401,23 @@
               <a:t>と同じ向きの単位ベクトル</a:t>
             </a:r>
             <a:r>
-              <a:rPr b="1" i="1" lang="en-US" sz="1800" spc="-1" strike="noStrike">
+              <a:rPr lang="en-US" sz="1800" b="1" i="1" strike="noStrike" spc="-1" dirty="0">
                 <a:solidFill>
                   <a:srgbClr val="000000"/>
                 </a:solidFill>
                 <a:latin typeface="ＭＳ Ｐゴシック"/>
                 <a:ea typeface="ＭＳ Ｐゴシック"/>
               </a:rPr>
-              <a:t> </a:t>
-            </a:r>
-            <a:r>
-              <a:rPr b="1" i="1" lang="en-US" sz="1800" spc="-1" strike="noStrike">
-                <a:solidFill>
-                  <a:srgbClr val="000000"/>
-                </a:solidFill>
-                <a:latin typeface="ＭＳ Ｐゴシック"/>
-                <a:ea typeface="ＭＳ Ｐゴシック"/>
-              </a:rPr>
-              <a:t>n</a:t>
-            </a:r>
-            <a:endParaRPr b="0" lang="en-US" sz="1800" spc="-1" strike="noStrike">
+              <a:t> n</a:t>
+            </a:r>
+            <a:endParaRPr lang="en-US" sz="1800" b="0" strike="noStrike" spc="-1" dirty="0">
               <a:latin typeface="Arial"/>
             </a:endParaRPr>
           </a:p>
         </p:txBody>
       </p:sp>
-      <mc:AlternateContent>
-        <mc:Choice xmlns:a14="http://schemas.microsoft.com/office/drawing/2010/main" Requires="a14">
+      <mc:AlternateContent xmlns:mc="http://schemas.openxmlformats.org/markup-compatibility/2006" xmlns:a14="http://schemas.microsoft.com/office/drawing/2010/main">
+        <mc:Choice Requires="a14">
           <p:sp>
             <p:nvSpPr>
               <p:cNvPr id="119" name="Formula 5"/>
@@ -7669,58 +8435,103 @@
             </p:spPr>
             <p:txBody>
               <a:bodyPr/>
+              <a:lstStyle/>
               <a:p>
                 <a14:m>
-                  <m:oMath xmlns:m="http://schemas.openxmlformats.org/officeDocument/2006/math">
-                    <m:r>
-                      <m:t xml:space="preserve">𝒓</m:t>
-                    </m:r>
-                    <m:r>
-                      <m:t xml:space="preserve">=</m:t>
-                    </m:r>
-                    <m:r>
-                      <m:t xml:space="preserve">𝜌</m:t>
-                    </m:r>
-                    <m:d>
-                      <m:dPr>
-                        <m:begChr m:val="["/>
-                        <m:endChr m:val="]"/>
-                      </m:dPr>
-                      <m:e>
-                        <m:m>
-                          <m:mr>
-                            <m:e>
-                              <m:r>
-                                <m:t xml:space="preserve">c</m:t>
-                              </m:r>
-                              <m:r>
-                                <m:t xml:space="preserve">os</m:t>
-                              </m:r>
-                              <m:r>
-                                <m:t xml:space="preserve">𝜃</m:t>
-                              </m:r>
-                            </m:e>
-                            <m:e>
-                              <m:r>
-                                <m:t xml:space="preserve">sin</m:t>
-                              </m:r>
-                              <m:r>
-                                <m:t xml:space="preserve">𝜃</m:t>
-                              </m:r>
-                            </m:e>
-                          </m:mr>
-                        </m:m>
-                      </m:e>
-                    </m:d>
-                  </m:oMath>
+                  <m:oMathPara xmlns:m="http://schemas.openxmlformats.org/officeDocument/2006/math">
+                    <m:oMathParaPr>
+                      <m:jc m:val="centerGroup"/>
+                    </m:oMathParaPr>
+                    <m:oMath xmlns:m="http://schemas.openxmlformats.org/officeDocument/2006/math">
+                      <m:r>
+                        <a:rPr>
+                          <a:latin typeface="Cambria Math" panose="02040503050406030204" pitchFamily="18" charset="0"/>
+                        </a:rPr>
+                        <m:t>𝒓</m:t>
+                      </m:r>
+                      <m:r>
+                        <a:rPr>
+                          <a:latin typeface="Cambria Math" panose="02040503050406030204" pitchFamily="18" charset="0"/>
+                        </a:rPr>
+                        <m:t>=</m:t>
+                      </m:r>
+                      <m:r>
+                        <a:rPr>
+                          <a:latin typeface="Cambria Math" panose="02040503050406030204" pitchFamily="18" charset="0"/>
+                        </a:rPr>
+                        <m:t>𝜌</m:t>
+                      </m:r>
+                      <m:d>
+                        <m:dPr>
+                          <m:begChr m:val="["/>
+                          <m:endChr m:val="]"/>
+                          <m:ctrlPr>
+                            <a:rPr i="1">
+                              <a:latin typeface="Cambria Math" panose="02040503050406030204" pitchFamily="18" charset="0"/>
+                            </a:rPr>
+                          </m:ctrlPr>
+                        </m:dPr>
+                        <m:e>
+                          <m:m>
+                            <m:mPr>
+                              <m:mcs>
+                                <m:mc>
+                                  <m:mcPr>
+                                    <m:count m:val="2"/>
+                                    <m:mcJc m:val="center"/>
+                                  </m:mcPr>
+                                </m:mc>
+                              </m:mcs>
+                              <m:ctrlPr>
+                                <a:rPr i="1">
+                                  <a:latin typeface="Cambria Math" panose="02040503050406030204" pitchFamily="18" charset="0"/>
+                                </a:rPr>
+                              </m:ctrlPr>
+                            </m:mPr>
+                            <m:mr>
+                              <m:e>
+                                <m:r>
+                                  <a:rPr>
+                                    <a:latin typeface="Cambria Math" panose="02040503050406030204" pitchFamily="18" charset="0"/>
+                                  </a:rPr>
+                                  <m:t>𝑐𝑜𝑠</m:t>
+                                </m:r>
+                                <m:r>
+                                  <a:rPr>
+                                    <a:latin typeface="Cambria Math" panose="02040503050406030204" pitchFamily="18" charset="0"/>
+                                  </a:rPr>
+                                  <m:t>𝜃</m:t>
+                                </m:r>
+                              </m:e>
+                              <m:e>
+                                <m:r>
+                                  <a:rPr>
+                                    <a:latin typeface="Cambria Math" panose="02040503050406030204" pitchFamily="18" charset="0"/>
+                                  </a:rPr>
+                                  <m:t>𝑠𝑖𝑛</m:t>
+                                </m:r>
+                                <m:r>
+                                  <a:rPr>
+                                    <a:latin typeface="Cambria Math" panose="02040503050406030204" pitchFamily="18" charset="0"/>
+                                  </a:rPr>
+                                  <m:t>𝜃</m:t>
+                                </m:r>
+                              </m:e>
+                            </m:mr>
+                          </m:m>
+                        </m:e>
+                      </m:d>
+                    </m:oMath>
+                  </m:oMathPara>
                 </a14:m>
+                <a:endParaRPr/>
               </a:p>
             </p:txBody>
           </p:sp>
         </mc:Choice>
-        <mc:Fallback/>
+        <mc:Fallback xmlns:p15="http://schemas.microsoft.com/office/powerpoint/2012/main" xmlns:p14="http://schemas.microsoft.com/office/powerpoint/2010/main" xmlns=""/>
       </mc:AlternateContent>
-      <mc:AlternateContent>
+      <mc:AlternateContent xmlns:mc="http://schemas.openxmlformats.org/markup-compatibility/2006">
         <mc:Choice xmlns:a14="http://schemas.microsoft.com/office/drawing/2010/main" Requires="a14">
           <p:sp>
             <p:nvSpPr>
@@ -7731,7 +8542,7 @@
             <p:spPr>
               <a:xfrm>
                 <a:off x="5331240" y="1897200"/>
-                <a:ext cx="1911600" cy="276480"/>
+                <a:ext cx="2096280" cy="384300"/>
               </a:xfrm>
               <a:prstGeom prst="rect">
                 <a:avLst/>
@@ -7739,53 +8550,132 @@
             </p:spPr>
             <p:txBody>
               <a:bodyPr/>
+              <a:lstStyle/>
               <a:p>
                 <a14:m>
-                  <m:oMath xmlns:m="http://schemas.openxmlformats.org/officeDocument/2006/math">
-                    <m:r>
-                      <m:t xml:space="preserve">𝒏</m:t>
-                    </m:r>
-                    <m:r>
-                      <m:t xml:space="preserve">=</m:t>
-                    </m:r>
-                    <m:d>
-                      <m:dPr>
-                        <m:begChr m:val="["/>
-                        <m:endChr m:val="]"/>
-                      </m:dPr>
-                      <m:e>
-                        <m:m>
-                          <m:mr>
-                            <m:e>
-                              <m:r>
-                                <m:t xml:space="preserve">c</m:t>
-                              </m:r>
-                              <m:r>
-                                <m:t xml:space="preserve">os</m:t>
-                              </m:r>
-                              <m:r>
-                                <m:t xml:space="preserve">𝜃</m:t>
-                              </m:r>
-                            </m:e>
-                            <m:e>
-                              <m:r>
-                                <m:t xml:space="preserve">sin</m:t>
-                              </m:r>
-                              <m:r>
-                                <m:t xml:space="preserve">𝜃</m:t>
-                              </m:r>
-                            </m:e>
-                          </m:mr>
-                        </m:m>
-                      </m:e>
-                    </m:d>
-                  </m:oMath>
+                  <m:oMathPara xmlns:m="http://schemas.openxmlformats.org/officeDocument/2006/math">
+                    <m:oMathParaPr>
+                      <m:jc m:val="centerGroup"/>
+                    </m:oMathParaPr>
+                    <m:oMath xmlns:m="http://schemas.openxmlformats.org/officeDocument/2006/math">
+                      <m:r>
+                        <a:rPr>
+                          <a:latin typeface="Cambria Math" panose="02040503050406030204" pitchFamily="18" charset="0"/>
+                        </a:rPr>
+                        <m:t>𝒏</m:t>
+                      </m:r>
+                      <m:r>
+                        <a:rPr>
+                          <a:latin typeface="Cambria Math" panose="02040503050406030204" pitchFamily="18" charset="0"/>
+                        </a:rPr>
+                        <m:t>=</m:t>
+                      </m:r>
+                      <m:d>
+                        <m:dPr>
+                          <m:begChr m:val="["/>
+                          <m:endChr m:val="]"/>
+                          <m:ctrlPr>
+                            <a:rPr i="1">
+                              <a:latin typeface="Cambria Math" panose="02040503050406030204" pitchFamily="18" charset="0"/>
+                            </a:rPr>
+                          </m:ctrlPr>
+                        </m:dPr>
+                        <m:e>
+                          <m:m>
+                            <m:mPr>
+                              <m:mcs>
+                                <m:mc>
+                                  <m:mcPr>
+                                    <m:count m:val="2"/>
+                                    <m:mcJc m:val="center"/>
+                                  </m:mcPr>
+                                </m:mc>
+                              </m:mcs>
+                              <m:ctrlPr>
+                                <a:rPr i="1">
+                                  <a:latin typeface="Cambria Math" panose="02040503050406030204" pitchFamily="18" charset="0"/>
+                                </a:rPr>
+                              </m:ctrlPr>
+                            </m:mPr>
+                            <m:mr>
+                              <m:e>
+                                <m:r>
+                                  <a:rPr>
+                                    <a:latin typeface="Cambria Math" panose="02040503050406030204" pitchFamily="18" charset="0"/>
+                                  </a:rPr>
+                                  <m:t>𝑐𝑜𝑠</m:t>
+                                </m:r>
+                                <m:r>
+                                  <a:rPr>
+                                    <a:latin typeface="Cambria Math" panose="02040503050406030204" pitchFamily="18" charset="0"/>
+                                  </a:rPr>
+                                  <m:t>𝜃</m:t>
+                                </m:r>
+                              </m:e>
+                              <m:e>
+                                <m:r>
+                                  <a:rPr>
+                                    <a:latin typeface="Cambria Math" panose="02040503050406030204" pitchFamily="18" charset="0"/>
+                                  </a:rPr>
+                                  <m:t>𝑠𝑖𝑛</m:t>
+                                </m:r>
+                                <m:r>
+                                  <a:rPr>
+                                    <a:latin typeface="Cambria Math" panose="02040503050406030204" pitchFamily="18" charset="0"/>
+                                  </a:rPr>
+                                  <m:t>𝜃</m:t>
+                                </m:r>
+                              </m:e>
+                            </m:mr>
+                          </m:m>
+                        </m:e>
+                      </m:d>
+                    </m:oMath>
+                  </m:oMathPara>
                 </a14:m>
+                <a:endParaRPr/>
               </a:p>
             </p:txBody>
           </p:sp>
         </mc:Choice>
-        <mc:Fallback/>
+        <mc:Fallback>
+          <p:sp>
+            <p:nvSpPr>
+              <p:cNvPr id="120" name="Formula 6"/>
+              <p:cNvSpPr txBox="1">
+                <a:spLocks noRot="1" noChangeAspect="1" noMove="1" noResize="1" noEditPoints="1" noAdjustHandles="1" noChangeArrowheads="1" noChangeShapeType="1" noTextEdit="1"/>
+              </p:cNvSpPr>
+              <p:nvPr/>
+            </p:nvSpPr>
+            <p:spPr>
+              <a:xfrm>
+                <a:off x="5331240" y="1897200"/>
+                <a:ext cx="2096280" cy="384300"/>
+              </a:xfrm>
+              <a:prstGeom prst="rect">
+                <a:avLst/>
+              </a:prstGeom>
+              <a:blipFill>
+                <a:blip r:embed="rId4"/>
+                <a:stretch>
+                  <a:fillRect/>
+                </a:stretch>
+              </a:blipFill>
+            </p:spPr>
+            <p:txBody>
+              <a:bodyPr/>
+              <a:lstStyle/>
+              <a:p>
+                <a:r>
+                  <a:rPr lang="ja-JP" altLang="en-US">
+                    <a:noFill/>
+                  </a:rPr>
+                  <a:t> </a:t>
+                </a:r>
+              </a:p>
+            </p:txBody>
+          </p:sp>
+        </mc:Fallback>
       </mc:AlternateContent>
       <p:sp>
         <p:nvSpPr>
@@ -7807,15 +8697,22 @@
           </a:ln>
         </p:spPr>
         <p:style>
-          <a:lnRef idx="0"/>
-          <a:fillRef idx="0"/>
-          <a:effectRef idx="0"/>
+          <a:lnRef idx="0">
+            <a:scrgbClr r="0" g="0" b="0"/>
+          </a:lnRef>
+          <a:fillRef idx="0">
+            <a:scrgbClr r="0" g="0" b="0"/>
+          </a:fillRef>
+          <a:effectRef idx="0">
+            <a:scrgbClr r="0" g="0" b="0"/>
+          </a:effectRef>
           <a:fontRef idx="minor"/>
         </p:style>
         <p:txBody>
-          <a:bodyPr wrap="none" lIns="90000" rIns="90000" tIns="45000" bIns="45000">
+          <a:bodyPr wrap="none" lIns="90000" tIns="45000" rIns="90000" bIns="45000">
             <a:spAutoFit/>
           </a:bodyPr>
+          <a:lstStyle/>
           <a:p>
             <a:pPr>
               <a:lnSpc>
@@ -7823,7 +8720,7 @@
               </a:lnSpc>
             </a:pPr>
             <a:r>
-              <a:rPr b="0" lang="ja-JP" sz="1800" spc="-1" strike="noStrike">
+              <a:rPr lang="ja-JP" sz="1800" b="0" strike="noStrike" spc="-1" dirty="0">
                 <a:solidFill>
                   <a:srgbClr val="000000"/>
                 </a:solidFill>
@@ -7833,7 +8730,7 @@
               <a:t>と直線</a:t>
             </a:r>
             <a:r>
-              <a:rPr b="0" lang="en-US" sz="1800" spc="-1" strike="noStrike">
+              <a:rPr lang="en-US" sz="1800" b="0" strike="noStrike" spc="-1" dirty="0">
                 <a:solidFill>
                   <a:srgbClr val="000000"/>
                 </a:solidFill>
@@ -7843,7 +8740,7 @@
               <a:t>L </a:t>
             </a:r>
             <a:r>
-              <a:rPr b="0" lang="ja-JP" sz="1800" spc="-1" strike="noStrike">
+              <a:rPr lang="ja-JP" sz="1800" b="0" strike="noStrike" spc="-1" dirty="0">
                 <a:solidFill>
                   <a:srgbClr val="000000"/>
                 </a:solidFill>
@@ -7853,32 +8750,22 @@
               <a:t>上の点</a:t>
             </a:r>
             <a:r>
-              <a:rPr b="1" i="1" lang="en-US" sz="1800" spc="-1" strike="noStrike">
+              <a:rPr lang="en-US" sz="1800" b="1" i="1" strike="noStrike" spc="-1" dirty="0">
                 <a:solidFill>
                   <a:srgbClr val="000000"/>
                 </a:solidFill>
                 <a:latin typeface="ＭＳ Ｐゴシック"/>
                 <a:ea typeface="ＭＳ Ｐゴシック"/>
               </a:rPr>
-              <a:t> </a:t>
-            </a:r>
-            <a:r>
-              <a:rPr b="1" i="1" lang="en-US" sz="1800" spc="-1" strike="noStrike">
-                <a:solidFill>
-                  <a:srgbClr val="000000"/>
-                </a:solidFill>
-                <a:latin typeface="ＭＳ Ｐゴシック"/>
-                <a:ea typeface="ＭＳ Ｐゴシック"/>
-              </a:rPr>
-              <a:t>P</a:t>
-            </a:r>
-            <a:endParaRPr b="0" lang="en-US" sz="1800" spc="-1" strike="noStrike">
+              <a:t> P</a:t>
+            </a:r>
+            <a:endParaRPr lang="en-US" sz="1800" b="0" strike="noStrike" spc="-1" dirty="0">
               <a:latin typeface="Arial"/>
             </a:endParaRPr>
           </a:p>
         </p:txBody>
       </p:sp>
-      <mc:AlternateContent>
+      <mc:AlternateContent xmlns:mc="http://schemas.openxmlformats.org/markup-compatibility/2006">
         <mc:Choice xmlns:a14="http://schemas.microsoft.com/office/drawing/2010/main" Requires="a14">
           <p:sp>
             <p:nvSpPr>
@@ -7889,7 +8776,7 @@
             <p:spPr>
               <a:xfrm>
                 <a:off x="5331240" y="2755440"/>
-                <a:ext cx="1238040" cy="276480"/>
+                <a:ext cx="1560240" cy="375120"/>
               </a:xfrm>
               <a:prstGeom prst="rect">
                 <a:avLst/>
@@ -7897,44 +8784,120 @@
             </p:spPr>
             <p:txBody>
               <a:bodyPr/>
+              <a:lstStyle/>
               <a:p>
                 <a14:m>
-                  <m:oMath xmlns:m="http://schemas.openxmlformats.org/officeDocument/2006/math">
-                    <m:r>
-                      <m:t xml:space="preserve">𝑷</m:t>
-                    </m:r>
-                    <m:r>
-                      <m:t xml:space="preserve">=</m:t>
-                    </m:r>
-                    <m:d>
-                      <m:dPr>
-                        <m:begChr m:val="["/>
-                        <m:endChr m:val="]"/>
-                      </m:dPr>
-                      <m:e>
-                        <m:m>
-                          <m:mr>
-                            <m:e>
-                              <m:r>
-                                <m:t xml:space="preserve">𝑥</m:t>
-                              </m:r>
-                            </m:e>
-                            <m:e>
-                              <m:r>
-                                <m:t xml:space="preserve">𝑦</m:t>
-                              </m:r>
-                            </m:e>
-                          </m:mr>
-                        </m:m>
-                      </m:e>
-                    </m:d>
-                  </m:oMath>
+                  <m:oMathPara xmlns:m="http://schemas.openxmlformats.org/officeDocument/2006/math">
+                    <m:oMathParaPr>
+                      <m:jc m:val="centerGroup"/>
+                    </m:oMathParaPr>
+                    <m:oMath xmlns:m="http://schemas.openxmlformats.org/officeDocument/2006/math">
+                      <m:r>
+                        <a:rPr>
+                          <a:latin typeface="Cambria Math" panose="02040503050406030204" pitchFamily="18" charset="0"/>
+                        </a:rPr>
+                        <m:t>𝑷</m:t>
+                      </m:r>
+                      <m:r>
+                        <a:rPr>
+                          <a:latin typeface="Cambria Math" panose="02040503050406030204" pitchFamily="18" charset="0"/>
+                        </a:rPr>
+                        <m:t>=</m:t>
+                      </m:r>
+                      <m:d>
+                        <m:dPr>
+                          <m:begChr m:val="["/>
+                          <m:endChr m:val="]"/>
+                          <m:ctrlPr>
+                            <a:rPr i="1">
+                              <a:latin typeface="Cambria Math" panose="02040503050406030204" pitchFamily="18" charset="0"/>
+                            </a:rPr>
+                          </m:ctrlPr>
+                        </m:dPr>
+                        <m:e>
+                          <m:m>
+                            <m:mPr>
+                              <m:mcs>
+                                <m:mc>
+                                  <m:mcPr>
+                                    <m:count m:val="2"/>
+                                    <m:mcJc m:val="center"/>
+                                  </m:mcPr>
+                                </m:mc>
+                              </m:mcs>
+                              <m:ctrlPr>
+                                <a:rPr i="1">
+                                  <a:latin typeface="Cambria Math" panose="02040503050406030204" pitchFamily="18" charset="0"/>
+                                </a:rPr>
+                              </m:ctrlPr>
+                            </m:mPr>
+                            <m:mr>
+                              <m:e>
+                                <m:r>
+                                  <a:rPr>
+                                    <a:latin typeface="Cambria Math" panose="02040503050406030204" pitchFamily="18" charset="0"/>
+                                  </a:rPr>
+                                  <m:t>𝑥</m:t>
+                                </m:r>
+                              </m:e>
+                              <m:e>
+                                <m:r>
+                                  <a:rPr>
+                                    <a:latin typeface="Cambria Math" panose="02040503050406030204" pitchFamily="18" charset="0"/>
+                                  </a:rPr>
+                                  <m:t>𝑦</m:t>
+                                </m:r>
+                              </m:e>
+                            </m:mr>
+                          </m:m>
+                        </m:e>
+                      </m:d>
+                    </m:oMath>
+                  </m:oMathPara>
                 </a14:m>
+                <a:endParaRPr dirty="0"/>
               </a:p>
             </p:txBody>
           </p:sp>
         </mc:Choice>
-        <mc:Fallback/>
+        <mc:Fallback>
+          <p:sp>
+            <p:nvSpPr>
+              <p:cNvPr id="122" name="Formula 8"/>
+              <p:cNvSpPr txBox="1">
+                <a:spLocks noRot="1" noChangeAspect="1" noMove="1" noResize="1" noEditPoints="1" noAdjustHandles="1" noChangeArrowheads="1" noChangeShapeType="1" noTextEdit="1"/>
+              </p:cNvSpPr>
+              <p:nvPr/>
+            </p:nvSpPr>
+            <p:spPr>
+              <a:xfrm>
+                <a:off x="5331240" y="2755440"/>
+                <a:ext cx="1560240" cy="375120"/>
+              </a:xfrm>
+              <a:prstGeom prst="rect">
+                <a:avLst/>
+              </a:prstGeom>
+              <a:blipFill>
+                <a:blip r:embed="rId5"/>
+                <a:stretch>
+                  <a:fillRect/>
+                </a:stretch>
+              </a:blipFill>
+            </p:spPr>
+            <p:txBody>
+              <a:bodyPr/>
+              <a:lstStyle/>
+              <a:p>
+                <a:r>
+                  <a:rPr lang="ja-JP" altLang="en-US">
+                    <a:noFill/>
+                  </a:rPr>
+                  <a:t> </a:t>
+                </a:r>
+              </a:p>
+            </p:txBody>
+          </p:sp>
+        </mc:Fallback>
       </mc:AlternateContent>
       <p:sp>
         <p:nvSpPr>
@@ -7944,7 +8907,7 @@
         </p:nvSpPr>
         <p:spPr>
           <a:xfrm>
-            <a:off x="4788720" y="3187800"/>
+            <a:off x="4781952" y="3264210"/>
             <a:ext cx="3381480" cy="364680"/>
           </a:xfrm>
           <a:prstGeom prst="rect">
@@ -7956,15 +8919,22 @@
           </a:ln>
         </p:spPr>
         <p:style>
-          <a:lnRef idx="0"/>
-          <a:fillRef idx="0"/>
-          <a:effectRef idx="0"/>
+          <a:lnRef idx="0">
+            <a:scrgbClr r="0" g="0" b="0"/>
+          </a:lnRef>
+          <a:fillRef idx="0">
+            <a:scrgbClr r="0" g="0" b="0"/>
+          </a:fillRef>
+          <a:effectRef idx="0">
+            <a:scrgbClr r="0" g="0" b="0"/>
+          </a:effectRef>
           <a:fontRef idx="minor"/>
         </p:style>
         <p:txBody>
-          <a:bodyPr wrap="none" lIns="90000" rIns="90000" tIns="45000" bIns="45000">
+          <a:bodyPr wrap="none" lIns="90000" tIns="45000" rIns="90000" bIns="45000">
             <a:spAutoFit/>
           </a:bodyPr>
+          <a:lstStyle/>
           <a:p>
             <a:pPr>
               <a:lnSpc>
@@ -7972,7 +8942,7 @@
               </a:lnSpc>
             </a:pPr>
             <a:r>
-              <a:rPr b="0" lang="ja-JP" sz="1800" spc="-1" strike="noStrike">
+              <a:rPr lang="ja-JP" sz="1800" b="0" strike="noStrike" spc="-1" dirty="0">
                 <a:solidFill>
                   <a:srgbClr val="000000"/>
                 </a:solidFill>
@@ -7981,13 +8951,13 @@
               </a:rPr>
               <a:t>の間には以下の関係が成り立つ</a:t>
             </a:r>
-            <a:endParaRPr b="0" lang="en-US" sz="1800" spc="-1" strike="noStrike">
+            <a:endParaRPr lang="en-US" sz="1800" b="0" strike="noStrike" spc="-1" dirty="0">
               <a:latin typeface="Arial"/>
             </a:endParaRPr>
           </a:p>
         </p:txBody>
       </p:sp>
-      <mc:AlternateContent>
+      <mc:AlternateContent xmlns:mc="http://schemas.openxmlformats.org/markup-compatibility/2006">
         <mc:Choice xmlns:a14="http://schemas.microsoft.com/office/drawing/2010/main" Requires="a14">
           <p:sp>
             <p:nvSpPr>
@@ -7997,8 +8967,8 @@
             </p:nvSpPr>
             <p:spPr>
               <a:xfrm>
-                <a:off x="5331240" y="3563280"/>
-                <a:ext cx="1560240" cy="276480"/>
+                <a:off x="5331240" y="3762540"/>
+                <a:ext cx="1849680" cy="559440"/>
               </a:xfrm>
               <a:prstGeom prst="rect">
                 <a:avLst/>
@@ -8006,45 +8976,113 @@
             </p:spPr>
             <p:txBody>
               <a:bodyPr/>
+              <a:lstStyle/>
               <a:p>
                 <a14:m>
-                  <m:oMath xmlns:m="http://schemas.openxmlformats.org/officeDocument/2006/math">
-                    <m:r>
-                      <m:t xml:space="preserve">𝒏</m:t>
-                    </m:r>
-                    <m:r>
-                      <m:t xml:space="preserve">∙</m:t>
-                    </m:r>
-                    <m:d>
-                      <m:dPr>
-                        <m:begChr m:val="("/>
-                        <m:endChr m:val=")"/>
-                      </m:dPr>
-                      <m:e>
-                        <m:r>
-                          <m:t xml:space="preserve">𝒑</m:t>
-                        </m:r>
-                        <m:r>
-                          <m:t xml:space="preserve">−</m:t>
-                        </m:r>
-                        <m:r>
-                          <m:t xml:space="preserve">𝒓</m:t>
-                        </m:r>
-                      </m:e>
-                    </m:d>
-                    <m:r>
-                      <m:t xml:space="preserve">=</m:t>
-                    </m:r>
-                    <m:r>
-                      <m:t xml:space="preserve">𝟎</m:t>
-                    </m:r>
-                  </m:oMath>
+                  <m:oMathPara xmlns:m="http://schemas.openxmlformats.org/officeDocument/2006/math">
+                    <m:oMathParaPr>
+                      <m:jc m:val="centerGroup"/>
+                    </m:oMathParaPr>
+                    <m:oMath xmlns:m="http://schemas.openxmlformats.org/officeDocument/2006/math">
+                      <m:r>
+                        <a:rPr>
+                          <a:latin typeface="Cambria Math" panose="02040503050406030204" pitchFamily="18" charset="0"/>
+                        </a:rPr>
+                        <m:t>𝒏</m:t>
+                      </m:r>
+                      <m:r>
+                        <a:rPr>
+                          <a:latin typeface="Cambria Math" panose="02040503050406030204" pitchFamily="18" charset="0"/>
+                        </a:rPr>
+                        <m:t>∙</m:t>
+                      </m:r>
+                      <m:d>
+                        <m:dPr>
+                          <m:ctrlPr>
+                            <a:rPr i="1">
+                              <a:latin typeface="Cambria Math" panose="02040503050406030204" pitchFamily="18" charset="0"/>
+                            </a:rPr>
+                          </m:ctrlPr>
+                        </m:dPr>
+                        <m:e>
+                          <m:r>
+                            <a:rPr>
+                              <a:latin typeface="Cambria Math" panose="02040503050406030204" pitchFamily="18" charset="0"/>
+                            </a:rPr>
+                            <m:t>𝒑</m:t>
+                          </m:r>
+                          <m:r>
+                            <a:rPr>
+                              <a:latin typeface="Cambria Math" panose="02040503050406030204" pitchFamily="18" charset="0"/>
+                            </a:rPr>
+                            <m:t>−</m:t>
+                          </m:r>
+                          <m:r>
+                            <a:rPr>
+                              <a:latin typeface="Cambria Math" panose="02040503050406030204" pitchFamily="18" charset="0"/>
+                            </a:rPr>
+                            <m:t>𝒓</m:t>
+                          </m:r>
+                        </m:e>
+                      </m:d>
+                      <m:r>
+                        <a:rPr>
+                          <a:latin typeface="Cambria Math" panose="02040503050406030204" pitchFamily="18" charset="0"/>
+                        </a:rPr>
+                        <m:t>=</m:t>
+                      </m:r>
+                      <m:r>
+                        <a:rPr>
+                          <a:latin typeface="Cambria Math" panose="02040503050406030204" pitchFamily="18" charset="0"/>
+                        </a:rPr>
+                        <m:t>𝟎</m:t>
+                      </m:r>
+                    </m:oMath>
+                  </m:oMathPara>
                 </a14:m>
+                <a:endParaRPr dirty="0"/>
               </a:p>
             </p:txBody>
           </p:sp>
         </mc:Choice>
-        <mc:Fallback/>
+        <mc:Fallback>
+          <p:sp>
+            <p:nvSpPr>
+              <p:cNvPr id="124" name="Formula 10"/>
+              <p:cNvSpPr txBox="1">
+                <a:spLocks noRot="1" noChangeAspect="1" noMove="1" noResize="1" noEditPoints="1" noAdjustHandles="1" noChangeArrowheads="1" noChangeShapeType="1" noTextEdit="1"/>
+              </p:cNvSpPr>
+              <p:nvPr/>
+            </p:nvSpPr>
+            <p:spPr>
+              <a:xfrm>
+                <a:off x="5331240" y="3762540"/>
+                <a:ext cx="1849680" cy="559440"/>
+              </a:xfrm>
+              <a:prstGeom prst="rect">
+                <a:avLst/>
+              </a:prstGeom>
+              <a:blipFill>
+                <a:blip r:embed="rId6"/>
+                <a:stretch>
+                  <a:fillRect/>
+                </a:stretch>
+              </a:blipFill>
+            </p:spPr>
+            <p:txBody>
+              <a:bodyPr/>
+              <a:lstStyle/>
+              <a:p>
+                <a:r>
+                  <a:rPr lang="ja-JP" altLang="en-US">
+                    <a:noFill/>
+                  </a:rPr>
+                  <a:t> </a:t>
+                </a:r>
+              </a:p>
+            </p:txBody>
+          </p:sp>
+        </mc:Fallback>
       </mc:AlternateContent>
       <p:sp>
         <p:nvSpPr>
@@ -8066,15 +9104,22 @@
           </a:ln>
         </p:spPr>
         <p:style>
-          <a:lnRef idx="0"/>
-          <a:fillRef idx="0"/>
-          <a:effectRef idx="0"/>
+          <a:lnRef idx="0">
+            <a:scrgbClr r="0" g="0" b="0"/>
+          </a:lnRef>
+          <a:fillRef idx="0">
+            <a:scrgbClr r="0" g="0" b="0"/>
+          </a:fillRef>
+          <a:effectRef idx="0">
+            <a:scrgbClr r="0" g="0" b="0"/>
+          </a:effectRef>
           <a:fontRef idx="minor"/>
         </p:style>
         <p:txBody>
-          <a:bodyPr wrap="none" lIns="90000" rIns="90000" tIns="45000" bIns="45000">
+          <a:bodyPr wrap="none" lIns="90000" tIns="45000" rIns="90000" bIns="45000">
             <a:spAutoFit/>
           </a:bodyPr>
+          <a:lstStyle/>
           <a:p>
             <a:pPr>
               <a:lnSpc>
@@ -8082,7 +9127,7 @@
               </a:lnSpc>
             </a:pPr>
             <a:r>
-              <a:rPr b="0" lang="en-US" sz="1800" spc="-1" strike="noStrike">
+              <a:rPr lang="en-US" sz="1800" b="0" strike="noStrike" spc="-1">
                 <a:solidFill>
                   <a:srgbClr val="000000"/>
                 </a:solidFill>
@@ -8091,7 +9136,7 @@
               </a:rPr>
               <a:t>(1)</a:t>
             </a:r>
-            <a:endParaRPr b="0" lang="en-US" sz="1800" spc="-1" strike="noStrike">
+            <a:endParaRPr lang="en-US" sz="1800" b="0" strike="noStrike" spc="-1">
               <a:latin typeface="Arial"/>
             </a:endParaRPr>
           </a:p>
@@ -8117,15 +9162,22 @@
           </a:ln>
         </p:spPr>
         <p:style>
-          <a:lnRef idx="0"/>
-          <a:fillRef idx="0"/>
-          <a:effectRef idx="0"/>
+          <a:lnRef idx="0">
+            <a:scrgbClr r="0" g="0" b="0"/>
+          </a:lnRef>
+          <a:fillRef idx="0">
+            <a:scrgbClr r="0" g="0" b="0"/>
+          </a:fillRef>
+          <a:effectRef idx="0">
+            <a:scrgbClr r="0" g="0" b="0"/>
+          </a:effectRef>
           <a:fontRef idx="minor"/>
         </p:style>
         <p:txBody>
-          <a:bodyPr wrap="none" lIns="90000" rIns="90000" tIns="45000" bIns="45000">
+          <a:bodyPr wrap="none" lIns="90000" tIns="45000" rIns="90000" bIns="45000">
             <a:spAutoFit/>
           </a:bodyPr>
+          <a:lstStyle/>
           <a:p>
             <a:pPr>
               <a:lnSpc>
@@ -8133,7 +9185,7 @@
               </a:lnSpc>
             </a:pPr>
             <a:r>
-              <a:rPr b="0" lang="en-US" sz="1800" spc="-1" strike="noStrike">
+              <a:rPr lang="en-US" sz="1800" b="0" strike="noStrike" spc="-1">
                 <a:solidFill>
                   <a:srgbClr val="000000"/>
                 </a:solidFill>
@@ -8142,7 +9194,7 @@
               </a:rPr>
               <a:t>(2)</a:t>
             </a:r>
-            <a:endParaRPr b="0" lang="en-US" sz="1800" spc="-1" strike="noStrike">
+            <a:endParaRPr lang="en-US" sz="1800" b="0" strike="noStrike" spc="-1">
               <a:latin typeface="Arial"/>
             </a:endParaRPr>
           </a:p>
@@ -8168,15 +9220,22 @@
           </a:ln>
         </p:spPr>
         <p:style>
-          <a:lnRef idx="0"/>
-          <a:fillRef idx="0"/>
-          <a:effectRef idx="0"/>
+          <a:lnRef idx="0">
+            <a:scrgbClr r="0" g="0" b="0"/>
+          </a:lnRef>
+          <a:fillRef idx="0">
+            <a:scrgbClr r="0" g="0" b="0"/>
+          </a:fillRef>
+          <a:effectRef idx="0">
+            <a:scrgbClr r="0" g="0" b="0"/>
+          </a:effectRef>
           <a:fontRef idx="minor"/>
         </p:style>
         <p:txBody>
-          <a:bodyPr wrap="none" lIns="90000" rIns="90000" tIns="45000" bIns="45000">
+          <a:bodyPr wrap="none" lIns="90000" tIns="45000" rIns="90000" bIns="45000">
             <a:spAutoFit/>
           </a:bodyPr>
+          <a:lstStyle/>
           <a:p>
             <a:pPr>
               <a:lnSpc>
@@ -8184,7 +9243,7 @@
               </a:lnSpc>
             </a:pPr>
             <a:r>
-              <a:rPr b="0" lang="en-US" sz="1800" spc="-1" strike="noStrike">
+              <a:rPr lang="en-US" sz="1800" b="0" strike="noStrike" spc="-1">
                 <a:solidFill>
                   <a:srgbClr val="000000"/>
                 </a:solidFill>
@@ -8193,7 +9252,7 @@
               </a:rPr>
               <a:t>(3)</a:t>
             </a:r>
-            <a:endParaRPr b="0" lang="en-US" sz="1800" spc="-1" strike="noStrike">
+            <a:endParaRPr lang="en-US" sz="1800" b="0" strike="noStrike" spc="-1">
               <a:latin typeface="Arial"/>
             </a:endParaRPr>
           </a:p>
@@ -8219,15 +9278,22 @@
           </a:ln>
         </p:spPr>
         <p:style>
-          <a:lnRef idx="0"/>
-          <a:fillRef idx="0"/>
-          <a:effectRef idx="0"/>
+          <a:lnRef idx="0">
+            <a:scrgbClr r="0" g="0" b="0"/>
+          </a:lnRef>
+          <a:fillRef idx="0">
+            <a:scrgbClr r="0" g="0" b="0"/>
+          </a:fillRef>
+          <a:effectRef idx="0">
+            <a:scrgbClr r="0" g="0" b="0"/>
+          </a:effectRef>
           <a:fontRef idx="minor"/>
         </p:style>
         <p:txBody>
-          <a:bodyPr wrap="none" lIns="90000" rIns="90000" tIns="45000" bIns="45000">
+          <a:bodyPr wrap="none" lIns="90000" tIns="45000" rIns="90000" bIns="45000">
             <a:spAutoFit/>
           </a:bodyPr>
+          <a:lstStyle/>
           <a:p>
             <a:pPr>
               <a:lnSpc>
@@ -8235,7 +9301,7 @@
               </a:lnSpc>
             </a:pPr>
             <a:r>
-              <a:rPr b="0" lang="en-US" sz="1800" spc="-1" strike="noStrike">
+              <a:rPr lang="en-US" sz="1800" b="0" strike="noStrike" spc="-1">
                 <a:solidFill>
                   <a:srgbClr val="000000"/>
                 </a:solidFill>
@@ -8244,7 +9310,7 @@
               </a:rPr>
               <a:t>(4)</a:t>
             </a:r>
-            <a:endParaRPr b="0" lang="en-US" sz="1800" spc="-1" strike="noStrike">
+            <a:endParaRPr lang="en-US" sz="1800" b="0" strike="noStrike" spc="-1">
               <a:latin typeface="Arial"/>
             </a:endParaRPr>
           </a:p>
@@ -8270,15 +9336,22 @@
           </a:ln>
         </p:spPr>
         <p:style>
-          <a:lnRef idx="0"/>
-          <a:fillRef idx="0"/>
-          <a:effectRef idx="0"/>
+          <a:lnRef idx="0">
+            <a:scrgbClr r="0" g="0" b="0"/>
+          </a:lnRef>
+          <a:fillRef idx="0">
+            <a:scrgbClr r="0" g="0" b="0"/>
+          </a:fillRef>
+          <a:effectRef idx="0">
+            <a:scrgbClr r="0" g="0" b="0"/>
+          </a:effectRef>
           <a:fontRef idx="minor"/>
         </p:style>
         <p:txBody>
-          <a:bodyPr wrap="none" lIns="90000" rIns="90000" tIns="45000" bIns="45000">
+          <a:bodyPr wrap="none" lIns="90000" tIns="45000" rIns="90000" bIns="45000">
             <a:spAutoFit/>
           </a:bodyPr>
+          <a:lstStyle/>
           <a:p>
             <a:pPr>
               <a:lnSpc>
@@ -8286,7 +9359,7 @@
               </a:lnSpc>
             </a:pPr>
             <a:r>
-              <a:rPr b="0" lang="en-US" sz="1800" spc="-1" strike="noStrike">
+              <a:rPr lang="en-US" sz="1800" b="0" strike="noStrike" spc="-1">
                 <a:solidFill>
                   <a:srgbClr val="000000"/>
                 </a:solidFill>
@@ -8296,7 +9369,7 @@
               <a:t>(4) </a:t>
             </a:r>
             <a:r>
-              <a:rPr b="0" lang="ja-JP" sz="1800" spc="-1" strike="noStrike">
+              <a:rPr lang="ja-JP" sz="1800" b="0" strike="noStrike" spc="-1">
                 <a:solidFill>
                   <a:srgbClr val="000000"/>
                 </a:solidFill>
@@ -8306,7 +9379,7 @@
               <a:t>に </a:t>
             </a:r>
             <a:r>
-              <a:rPr b="0" lang="en-US" sz="1800" spc="-1" strike="noStrike">
+              <a:rPr lang="en-US" sz="1800" b="0" strike="noStrike" spc="-1">
                 <a:solidFill>
                   <a:srgbClr val="000000"/>
                 </a:solidFill>
@@ -8316,7 +9389,7 @@
               <a:t>(1), (2), (3) </a:t>
             </a:r>
             <a:r>
-              <a:rPr b="0" lang="ja-JP" sz="1800" spc="-1" strike="noStrike">
+              <a:rPr lang="ja-JP" sz="1800" b="0" strike="noStrike" spc="-1">
                 <a:solidFill>
                   <a:srgbClr val="000000"/>
                 </a:solidFill>
@@ -8325,7 +9398,7 @@
               </a:rPr>
               <a:t>を代入すると</a:t>
             </a:r>
-            <a:endParaRPr b="0" lang="en-US" sz="1800" spc="-1" strike="noStrike">
+            <a:endParaRPr lang="en-US" sz="1800" b="0" strike="noStrike" spc="-1">
               <a:latin typeface="Arial"/>
             </a:endParaRPr>
           </a:p>
@@ -8351,22 +9424,29 @@
           </a:ln>
         </p:spPr>
         <p:style>
-          <a:lnRef idx="0"/>
-          <a:fillRef idx="0"/>
-          <a:effectRef idx="0"/>
+          <a:lnRef idx="0">
+            <a:scrgbClr r="0" g="0" b="0"/>
+          </a:lnRef>
+          <a:fillRef idx="0">
+            <a:scrgbClr r="0" g="0" b="0"/>
+          </a:fillRef>
+          <a:effectRef idx="0">
+            <a:scrgbClr r="0" g="0" b="0"/>
+          </a:effectRef>
           <a:fontRef idx="minor"/>
         </p:style>
         <p:txBody>
-          <a:bodyPr lIns="0" rIns="0" tIns="0" bIns="0">
+          <a:bodyPr lIns="0" tIns="0" rIns="0" bIns="0">
             <a:spAutoFit/>
           </a:bodyPr>
+          <a:lstStyle/>
           <a:p>
             <a:pPr>
               <a:lnSpc>
                 <a:spcPts val="2801"/>
               </a:lnSpc>
             </a:pPr>
-            <a:endParaRPr b="0" lang="en-US" sz="1800" spc="-1" strike="noStrike">
+            <a:endParaRPr lang="en-US" sz="1800" b="0" strike="noStrike" spc="-1">
               <a:latin typeface="Arial"/>
             </a:endParaRPr>
           </a:p>
@@ -8376,7 +9456,7 @@
                 <a:spcPts val="2801"/>
               </a:lnSpc>
             </a:pPr>
-            <a:endParaRPr b="0" lang="en-US" sz="1800" spc="-1" strike="noStrike">
+            <a:endParaRPr lang="en-US" sz="1800" b="0" strike="noStrike" spc="-1">
               <a:latin typeface="Arial"/>
             </a:endParaRPr>
           </a:p>
@@ -8386,7 +9466,7 @@
                 <a:spcPts val="2801"/>
               </a:lnSpc>
             </a:pPr>
-            <a:endParaRPr b="0" lang="en-US" sz="1800" spc="-1" strike="noStrike">
+            <a:endParaRPr lang="en-US" sz="1800" b="0" strike="noStrike" spc="-1">
               <a:latin typeface="Arial"/>
             </a:endParaRPr>
           </a:p>
@@ -8396,7 +9476,7 @@
                 <a:spcPts val="2801"/>
               </a:lnSpc>
             </a:pPr>
-            <a:endParaRPr b="0" lang="en-US" sz="1800" spc="-1" strike="noStrike">
+            <a:endParaRPr lang="en-US" sz="1800" b="0" strike="noStrike" spc="-1">
               <a:latin typeface="Arial"/>
             </a:endParaRPr>
           </a:p>
@@ -8406,7 +9486,7 @@
                 <a:spcPts val="2801"/>
               </a:lnSpc>
             </a:pPr>
-            <a:endParaRPr b="0" lang="en-US" sz="1800" spc="-1" strike="noStrike">
+            <a:endParaRPr lang="en-US" sz="1800" b="0" strike="noStrike" spc="-1">
               <a:latin typeface="Arial"/>
             </a:endParaRPr>
           </a:p>
@@ -8432,15 +9512,22 @@
           </a:ln>
         </p:spPr>
         <p:style>
-          <a:lnRef idx="0"/>
-          <a:fillRef idx="0"/>
-          <a:effectRef idx="0"/>
+          <a:lnRef idx="0">
+            <a:scrgbClr r="0" g="0" b="0"/>
+          </a:lnRef>
+          <a:fillRef idx="0">
+            <a:scrgbClr r="0" g="0" b="0"/>
+          </a:fillRef>
+          <a:effectRef idx="0">
+            <a:scrgbClr r="0" g="0" b="0"/>
+          </a:effectRef>
           <a:fontRef idx="minor"/>
         </p:style>
         <p:txBody>
-          <a:bodyPr wrap="none" lIns="90000" rIns="90000" tIns="45000" bIns="45000">
+          <a:bodyPr wrap="none" lIns="90000" tIns="45000" rIns="90000" bIns="45000">
             <a:spAutoFit/>
           </a:bodyPr>
+          <a:lstStyle/>
           <a:p>
             <a:pPr>
               <a:lnSpc>
@@ -8448,7 +9535,7 @@
               </a:lnSpc>
             </a:pPr>
             <a:r>
-              <a:rPr b="0" lang="ja-JP" sz="1800" spc="-1" strike="noStrike">
+              <a:rPr lang="ja-JP" sz="1800" b="0" strike="noStrike" spc="-1">
                 <a:solidFill>
                   <a:srgbClr val="000000"/>
                 </a:solidFill>
@@ -8457,7 +9544,7 @@
               </a:rPr>
               <a:t>よって            </a:t>
             </a:r>
-            <a:endParaRPr b="0" lang="en-US" sz="1800" spc="-1" strike="noStrike">
+            <a:endParaRPr lang="en-US" sz="1800" b="0" strike="noStrike" spc="-1">
               <a:latin typeface="Arial"/>
             </a:endParaRPr>
           </a:p>
@@ -8465,19 +9552,14 @@
       </p:sp>
     </p:spTree>
   </p:cSld>
-  <mc:AlternateContent>
-    <mc:Choice Requires="p14">
-      <p:transition spd="slow" p14:dur="2000"/>
-    </mc:Choice>
-    <mc:Fallback>
-      <p:transition spd="slow"/>
-    </mc:Fallback>
-  </mc:AlternateContent>
+  <p:clrMapOvr>
+    <a:masterClrMapping/>
+  </p:clrMapOvr>
 </p:sld>
 </file>
 
 <file path=ppt/slides/slide8.xml><?xml version="1.0" encoding="utf-8"?>
-<p:sld xmlns:a="http://schemas.openxmlformats.org/drawingml/2006/main" xmlns:p="http://schemas.openxmlformats.org/presentationml/2006/main" xmlns:r="http://schemas.openxmlformats.org/officeDocument/2006/relationships" xmlns:p14="http://schemas.microsoft.com/office/powerpoint/2010/main" xmlns:p15="http://schemas.microsoft.com/office/powerpoint/2012/main" xmlns:mc="http://schemas.openxmlformats.org/markup-compatibility/2006">
+<p:sld xmlns:a="http://schemas.openxmlformats.org/drawingml/2006/main" xmlns:r="http://schemas.openxmlformats.org/officeDocument/2006/relationships" xmlns:p="http://schemas.openxmlformats.org/presentationml/2006/main">
   <p:cSld>
     <p:spTree>
       <p:nvGrpSpPr>
@@ -8524,9 +9606,10 @@
           <a:fontRef idx="minor"/>
         </p:style>
         <p:txBody>
-          <a:bodyPr lIns="90000" rIns="90000" tIns="45000" bIns="45000" anchor="ctr">
+          <a:bodyPr lIns="90000" tIns="45000" rIns="90000" bIns="45000" anchor="ctr">
             <a:noAutofit/>
           </a:bodyPr>
+          <a:lstStyle/>
           <a:p>
             <a:pPr algn="ctr">
               <a:lnSpc>
@@ -8534,24 +9617,24 @@
               </a:lnSpc>
             </a:pPr>
             <a:r>
-              <a:rPr b="1" lang="en-US" sz="2800" spc="-1" strike="noStrike">
+              <a:rPr lang="en-US" sz="2800" b="1" strike="noStrike" spc="-1">
                 <a:solidFill>
-                  <a:srgbClr val="ffffff"/>
+                  <a:srgbClr val="FFFFFF"/>
                 </a:solidFill>
                 <a:latin typeface="游ゴシック"/>
               </a:rPr>
               <a:t>Hough </a:t>
             </a:r>
             <a:r>
-              <a:rPr b="1" lang="ja-JP" sz="2800" spc="-1" strike="noStrike">
+              <a:rPr lang="ja-JP" sz="2800" b="1" strike="noStrike" spc="-1">
                 <a:solidFill>
-                  <a:srgbClr val="ffffff"/>
+                  <a:srgbClr val="FFFFFF"/>
                 </a:solidFill>
                 <a:latin typeface="游ゴシック"/>
               </a:rPr>
               <a:t>変換</a:t>
             </a:r>
-            <a:endParaRPr b="0" lang="en-US" sz="2800" spc="-1" strike="noStrike">
+            <a:endParaRPr lang="en-US" sz="2800" b="0" strike="noStrike" spc="-1">
               <a:latin typeface="Arial"/>
             </a:endParaRPr>
           </a:p>
@@ -8580,6 +9663,7 @@
           <a:bodyPr anchor="ctr">
             <a:noAutofit/>
           </a:bodyPr>
+          <a:lstStyle/>
           <a:p>
             <a:pPr algn="r">
               <a:lnSpc>
@@ -8587,15 +9671,15 @@
               </a:lnSpc>
             </a:pPr>
             <a:fld id="{AF2E87B1-2349-4316-9B5D-510A3497D19C}" type="slidenum">
-              <a:rPr b="0" lang="en-US" sz="1050" spc="-1" strike="noStrike">
+              <a:rPr lang="en-US" sz="1050" b="0" strike="noStrike" spc="-1">
                 <a:solidFill>
                   <a:srgbClr val="000000"/>
                 </a:solidFill>
                 <a:latin typeface="游ゴシック"/>
               </a:rPr>
-              <a:t>&lt;番号&gt;</a:t>
+              <a:t>8</a:t>
             </a:fld>
-            <a:endParaRPr b="0" lang="en-US" sz="1050" spc="-1" strike="noStrike">
+            <a:endParaRPr lang="en-US" sz="1050" b="0" strike="noStrike" spc="-1">
               <a:latin typeface="Times New Roman"/>
             </a:endParaRPr>
           </a:p>
@@ -8621,15 +9705,22 @@
           </a:ln>
         </p:spPr>
         <p:style>
-          <a:lnRef idx="0"/>
-          <a:fillRef idx="0"/>
-          <a:effectRef idx="0"/>
+          <a:lnRef idx="0">
+            <a:scrgbClr r="0" g="0" b="0"/>
+          </a:lnRef>
+          <a:fillRef idx="0">
+            <a:scrgbClr r="0" g="0" b="0"/>
+          </a:fillRef>
+          <a:effectRef idx="0">
+            <a:scrgbClr r="0" g="0" b="0"/>
+          </a:effectRef>
           <a:fontRef idx="minor"/>
         </p:style>
         <p:txBody>
-          <a:bodyPr wrap="none" lIns="90000" rIns="90000" tIns="45000" bIns="45000">
+          <a:bodyPr wrap="none" lIns="90000" tIns="45000" rIns="90000" bIns="45000">
             <a:spAutoFit/>
           </a:bodyPr>
+          <a:lstStyle/>
           <a:p>
             <a:pPr>
               <a:lnSpc>
@@ -8637,7 +9728,7 @@
               </a:lnSpc>
             </a:pPr>
             <a:r>
-              <a:rPr b="0" lang="ja-JP" sz="1800" spc="-1" strike="noStrike">
+              <a:rPr lang="ja-JP" sz="1800" b="0" strike="noStrike" spc="-1">
                 <a:solidFill>
                   <a:srgbClr val="000000"/>
                 </a:solidFill>
@@ -8646,7 +9737,7 @@
               </a:rPr>
               <a:t>検出対象</a:t>
             </a:r>
-            <a:endParaRPr b="0" lang="en-US" sz="1800" spc="-1" strike="noStrike">
+            <a:endParaRPr lang="en-US" sz="1800" b="0" strike="noStrike" spc="-1">
               <a:latin typeface="Arial"/>
             </a:endParaRPr>
           </a:p>
@@ -8659,7 +9750,7 @@
           <p:nvPr/>
         </p:nvPicPr>
         <p:blipFill>
-          <a:blip r:embed="rId1"/>
+          <a:blip r:embed="rId3"/>
           <a:stretch/>
         </p:blipFill>
         <p:spPr>
@@ -8675,8 +9766,8 @@
           </a:ln>
         </p:spPr>
       </p:pic>
-      <mc:AlternateContent>
-        <mc:Choice xmlns:a14="http://schemas.microsoft.com/office/drawing/2010/main" Requires="a14">
+      <mc:AlternateContent xmlns:mc="http://schemas.openxmlformats.org/markup-compatibility/2006" xmlns:a14="http://schemas.microsoft.com/office/drawing/2010/main">
+        <mc:Choice Requires="a14">
           <p:sp>
             <p:nvSpPr>
               <p:cNvPr id="136" name="Formula 4"/>
@@ -8694,43 +9785,65 @@
             </p:spPr>
             <p:txBody>
               <a:bodyPr/>
+              <a:lstStyle/>
               <a:p>
                 <a14:m>
-                  <m:oMath xmlns:m="http://schemas.openxmlformats.org/officeDocument/2006/math">
-                    <m:r>
-                      <m:t xml:space="preserve">𝑥</m:t>
-                    </m:r>
-                    <m:r>
-                      <m:t xml:space="preserve">cos</m:t>
-                    </m:r>
-                    <m:r>
-                      <m:t xml:space="preserve">𝜃</m:t>
-                    </m:r>
-                    <m:r>
-                      <m:t xml:space="preserve">+</m:t>
-                    </m:r>
-                    <m:r>
-                      <m:t xml:space="preserve">𝑦</m:t>
-                    </m:r>
-                    <m:r>
-                      <m:t xml:space="preserve">sin</m:t>
-                    </m:r>
-                    <m:r>
-                      <m:t xml:space="preserve">𝜃</m:t>
-                    </m:r>
-                    <m:r>
-                      <m:t xml:space="preserve">=</m:t>
-                    </m:r>
-                    <m:r>
-                      <m:t xml:space="preserve">𝜌</m:t>
-                    </m:r>
-                  </m:oMath>
+                  <m:oMathPara xmlns:m="http://schemas.openxmlformats.org/officeDocument/2006/math">
+                    <m:oMathParaPr>
+                      <m:jc m:val="centerGroup"/>
+                    </m:oMathParaPr>
+                    <m:oMath xmlns:m="http://schemas.openxmlformats.org/officeDocument/2006/math">
+                      <m:r>
+                        <a:rPr>
+                          <a:latin typeface="Cambria Math" panose="02040503050406030204" pitchFamily="18" charset="0"/>
+                        </a:rPr>
+                        <m:t>𝑥𝑐𝑜𝑠</m:t>
+                      </m:r>
+                      <m:r>
+                        <a:rPr>
+                          <a:latin typeface="Cambria Math" panose="02040503050406030204" pitchFamily="18" charset="0"/>
+                        </a:rPr>
+                        <m:t>𝜃</m:t>
+                      </m:r>
+                      <m:r>
+                        <a:rPr>
+                          <a:latin typeface="Cambria Math" panose="02040503050406030204" pitchFamily="18" charset="0"/>
+                        </a:rPr>
+                        <m:t>+</m:t>
+                      </m:r>
+                      <m:r>
+                        <a:rPr>
+                          <a:latin typeface="Cambria Math" panose="02040503050406030204" pitchFamily="18" charset="0"/>
+                        </a:rPr>
+                        <m:t>𝑦𝑠𝑖𝑛</m:t>
+                      </m:r>
+                      <m:r>
+                        <a:rPr>
+                          <a:latin typeface="Cambria Math" panose="02040503050406030204" pitchFamily="18" charset="0"/>
+                        </a:rPr>
+                        <m:t>𝜃</m:t>
+                      </m:r>
+                      <m:r>
+                        <a:rPr>
+                          <a:latin typeface="Cambria Math" panose="02040503050406030204" pitchFamily="18" charset="0"/>
+                        </a:rPr>
+                        <m:t>=</m:t>
+                      </m:r>
+                      <m:r>
+                        <a:rPr>
+                          <a:latin typeface="Cambria Math" panose="02040503050406030204" pitchFamily="18" charset="0"/>
+                        </a:rPr>
+                        <m:t>𝜌</m:t>
+                      </m:r>
+                    </m:oMath>
+                  </m:oMathPara>
                 </a14:m>
+                <a:endParaRPr/>
               </a:p>
             </p:txBody>
           </p:sp>
         </mc:Choice>
-        <mc:Fallback/>
+        <mc:Fallback xmlns:p15="http://schemas.microsoft.com/office/powerpoint/2012/main" xmlns:p14="http://schemas.microsoft.com/office/powerpoint/2010/main" xmlns=""/>
       </mc:AlternateContent>
       <p:pic>
         <p:nvPicPr>
@@ -8739,7 +9852,7 @@
           <p:nvPr/>
         </p:nvPicPr>
         <p:blipFill>
-          <a:blip r:embed="rId2"/>
+          <a:blip r:embed="rId4"/>
           <a:stretch/>
         </p:blipFill>
         <p:spPr>
@@ -8757,19 +9870,14 @@
       </p:pic>
     </p:spTree>
   </p:cSld>
-  <mc:AlternateContent>
-    <mc:Choice Requires="p14">
-      <p:transition spd="slow" p14:dur="2000"/>
-    </mc:Choice>
-    <mc:Fallback>
-      <p:transition spd="slow"/>
-    </mc:Fallback>
-  </mc:AlternateContent>
+  <p:clrMapOvr>
+    <a:masterClrMapping/>
+  </p:clrMapOvr>
 </p:sld>
 </file>
 
 <file path=ppt/slides/slide9.xml><?xml version="1.0" encoding="utf-8"?>
-<p:sld xmlns:a="http://schemas.openxmlformats.org/drawingml/2006/main" xmlns:p="http://schemas.openxmlformats.org/presentationml/2006/main" xmlns:r="http://schemas.openxmlformats.org/officeDocument/2006/relationships" xmlns:p14="http://schemas.microsoft.com/office/powerpoint/2010/main" xmlns:p15="http://schemas.microsoft.com/office/powerpoint/2012/main" xmlns:mc="http://schemas.openxmlformats.org/markup-compatibility/2006">
+<p:sld xmlns:a="http://schemas.openxmlformats.org/drawingml/2006/main" xmlns:r="http://schemas.openxmlformats.org/officeDocument/2006/relationships" xmlns:p="http://schemas.openxmlformats.org/presentationml/2006/main">
   <p:cSld>
     <p:spTree>
       <p:nvGrpSpPr>
@@ -8816,9 +9924,10 @@
           <a:fontRef idx="minor"/>
         </p:style>
         <p:txBody>
-          <a:bodyPr lIns="90000" rIns="90000" tIns="45000" bIns="45000" anchor="ctr">
+          <a:bodyPr lIns="90000" tIns="45000" rIns="90000" bIns="45000" anchor="ctr">
             <a:noAutofit/>
           </a:bodyPr>
+          <a:lstStyle/>
           <a:p>
             <a:pPr algn="ctr">
               <a:lnSpc>
@@ -8826,39 +9935,39 @@
               </a:lnSpc>
             </a:pPr>
             <a:r>
-              <a:rPr b="1" lang="ja-JP" sz="2800" spc="-1" strike="noStrike" u="sng">
+              <a:rPr lang="ja-JP" sz="2800" b="1" u="sng" strike="noStrike" spc="-1">
                 <a:solidFill>
-                  <a:srgbClr val="0563c1"/>
-                </a:solidFill>
-                <a:uFillTx/>
-                <a:latin typeface="游ゴシック"/>
-                <a:hlinkClick r:id="rId1"/>
-              </a:rPr>
-              <a:t>逆</a:t>
-            </a:r>
-            <a:r>
-              <a:rPr b="1" lang="en-US" sz="2800" spc="-1" strike="noStrike" u="sng">
-                <a:solidFill>
-                  <a:srgbClr val="0563c1"/>
-                </a:solidFill>
-                <a:uFillTx/>
-                <a:latin typeface="游ゴシック"/>
-                <a:hlinkClick r:id="rId2"/>
-              </a:rPr>
-              <a:t> Hough </a:t>
-            </a:r>
-            <a:r>
-              <a:rPr b="1" lang="ja-JP" sz="2800" spc="-1" strike="noStrike" u="sng">
-                <a:solidFill>
-                  <a:srgbClr val="0563c1"/>
+                  <a:srgbClr val="0563C1"/>
                 </a:solidFill>
                 <a:uFillTx/>
                 <a:latin typeface="游ゴシック"/>
                 <a:hlinkClick r:id="rId3"/>
               </a:rPr>
+              <a:t>逆</a:t>
+            </a:r>
+            <a:r>
+              <a:rPr lang="en-US" sz="2800" b="1" u="sng" strike="noStrike" spc="-1">
+                <a:solidFill>
+                  <a:srgbClr val="0563C1"/>
+                </a:solidFill>
+                <a:uFillTx/>
+                <a:latin typeface="游ゴシック"/>
+                <a:hlinkClick r:id="rId3"/>
+              </a:rPr>
+              <a:t> Hough </a:t>
+            </a:r>
+            <a:r>
+              <a:rPr lang="ja-JP" sz="2800" b="1" u="sng" strike="noStrike" spc="-1">
+                <a:solidFill>
+                  <a:srgbClr val="0563C1"/>
+                </a:solidFill>
+                <a:uFillTx/>
+                <a:latin typeface="游ゴシック"/>
+                <a:hlinkClick r:id="rId3"/>
+              </a:rPr>
               <a:t>変換</a:t>
             </a:r>
-            <a:endParaRPr b="0" lang="en-US" sz="2800" spc="-1" strike="noStrike">
+            <a:endParaRPr lang="en-US" sz="2800" b="0" strike="noStrike" spc="-1">
               <a:latin typeface="Arial"/>
             </a:endParaRPr>
           </a:p>
@@ -8887,6 +9996,7 @@
           <a:bodyPr anchor="ctr">
             <a:noAutofit/>
           </a:bodyPr>
+          <a:lstStyle/>
           <a:p>
             <a:pPr algn="r">
               <a:lnSpc>
@@ -8894,15 +10004,15 @@
               </a:lnSpc>
             </a:pPr>
             <a:fld id="{2A56F4E7-46BA-4F79-B0A3-76612B49969E}" type="slidenum">
-              <a:rPr b="0" lang="en-US" sz="1050" spc="-1" strike="noStrike">
+              <a:rPr lang="en-US" sz="1050" b="0" strike="noStrike" spc="-1">
                 <a:solidFill>
                   <a:srgbClr val="000000"/>
                 </a:solidFill>
                 <a:latin typeface="游ゴシック"/>
               </a:rPr>
-              <a:t>&lt;番号&gt;</a:t>
+              <a:t>9</a:t>
             </a:fld>
-            <a:endParaRPr b="0" lang="en-US" sz="1050" spc="-1" strike="noStrike">
+            <a:endParaRPr lang="en-US" sz="1050" b="0" strike="noStrike" spc="-1">
               <a:latin typeface="Times New Roman"/>
             </a:endParaRPr>
           </a:p>
@@ -8928,15 +10038,22 @@
           </a:ln>
         </p:spPr>
         <p:style>
-          <a:lnRef idx="0"/>
-          <a:fillRef idx="0"/>
-          <a:effectRef idx="0"/>
+          <a:lnRef idx="0">
+            <a:scrgbClr r="0" g="0" b="0"/>
+          </a:lnRef>
+          <a:fillRef idx="0">
+            <a:scrgbClr r="0" g="0" b="0"/>
+          </a:fillRef>
+          <a:effectRef idx="0">
+            <a:scrgbClr r="0" g="0" b="0"/>
+          </a:effectRef>
           <a:fontRef idx="minor"/>
         </p:style>
         <p:txBody>
-          <a:bodyPr lIns="90000" rIns="90000" tIns="45000" bIns="45000">
+          <a:bodyPr lIns="90000" tIns="45000" rIns="90000" bIns="45000">
             <a:spAutoFit/>
           </a:bodyPr>
+          <a:lstStyle/>
           <a:p>
             <a:pPr marL="343080" indent="-342720">
               <a:lnSpc>
@@ -8949,7 +10066,7 @@
               <a:buAutoNum type="arabicPeriod"/>
             </a:pPr>
             <a:r>
-              <a:rPr b="0" lang="ja-JP" sz="1800" spc="-1" strike="noStrike">
+              <a:rPr lang="ja-JP" sz="1800" b="0" strike="noStrike" spc="-1">
                 <a:solidFill>
                   <a:srgbClr val="000000"/>
                 </a:solidFill>
@@ -8958,7 +10075,7 @@
               </a:rPr>
               <a:t>得られたサインカーブのうち，閾値以上の点数が重なった交点を求める</a:t>
             </a:r>
-            <a:endParaRPr b="0" lang="en-US" sz="1800" spc="-1" strike="noStrike">
+            <a:endParaRPr lang="en-US" sz="1800" b="0" strike="noStrike" spc="-1">
               <a:latin typeface="Arial"/>
             </a:endParaRPr>
           </a:p>
@@ -8974,7 +10091,7 @@
               <a:buAutoNum type="arabicPeriod"/>
             </a:pPr>
             <a:r>
-              <a:rPr b="0" lang="en-US" sz="1800" spc="-1" strike="noStrike">
+              <a:rPr lang="en-US" sz="1800" b="0" strike="noStrike" spc="-1">
                 <a:solidFill>
                   <a:srgbClr val="000000"/>
                 </a:solidFill>
@@ -8984,7 +10101,7 @@
               <a:t>Voting </a:t>
             </a:r>
             <a:r>
-              <a:rPr b="0" lang="ja-JP" sz="1800" spc="-1" strike="noStrike">
+              <a:rPr lang="ja-JP" sz="1800" b="0" strike="noStrike" spc="-1">
                 <a:solidFill>
                   <a:srgbClr val="000000"/>
                 </a:solidFill>
@@ -8994,7 +10111,7 @@
               <a:t>から得られる について，</a:t>
             </a:r>
             <a:r>
-              <a:rPr b="0" lang="en-US" sz="1800" spc="-1" strike="noStrike">
+              <a:rPr lang="en-US" sz="1800" b="0" strike="noStrike" spc="-1">
                 <a:solidFill>
                   <a:srgbClr val="000000"/>
                 </a:solidFill>
@@ -9004,7 +10121,7 @@
               <a:t>x-y</a:t>
             </a:r>
             <a:r>
-              <a:rPr b="0" lang="ja-JP" sz="1800" spc="-1" strike="noStrike">
+              <a:rPr lang="ja-JP" sz="1800" b="0" strike="noStrike" spc="-1">
                 <a:solidFill>
                   <a:srgbClr val="000000"/>
                 </a:solidFill>
@@ -9013,7 +10130,7 @@
               </a:rPr>
               <a:t>平面へ逆変換</a:t>
             </a:r>
-            <a:endParaRPr b="0" lang="en-US" sz="1800" spc="-1" strike="noStrike">
+            <a:endParaRPr lang="en-US" sz="1800" b="0" strike="noStrike" spc="-1">
               <a:latin typeface="Arial"/>
             </a:endParaRPr>
           </a:p>
@@ -9023,7 +10140,7 @@
                 <a:spcPts val="2801"/>
               </a:lnSpc>
             </a:pPr>
-            <a:endParaRPr b="0" lang="en-US" sz="1800" spc="-1" strike="noStrike">
+            <a:endParaRPr lang="en-US" sz="1800" b="0" strike="noStrike" spc="-1">
               <a:latin typeface="Arial"/>
             </a:endParaRPr>
           </a:p>
@@ -9034,7 +10151,7 @@
               </a:lnSpc>
             </a:pPr>
             <a:r>
-              <a:rPr b="0" lang="ja-JP" sz="1800" spc="-1" strike="noStrike">
+              <a:rPr lang="ja-JP" sz="1800" b="0" strike="noStrike" spc="-1">
                 <a:solidFill>
                   <a:srgbClr val="000000"/>
                 </a:solidFill>
@@ -9043,7 +10160,7 @@
               </a:rPr>
               <a:t>または</a:t>
             </a:r>
-            <a:endParaRPr b="0" lang="en-US" sz="1800" spc="-1" strike="noStrike">
+            <a:endParaRPr lang="en-US" sz="1800" b="0" strike="noStrike" spc="-1">
               <a:latin typeface="Arial"/>
             </a:endParaRPr>
           </a:p>
@@ -9053,7 +10170,7 @@
                 <a:spcPts val="2801"/>
               </a:lnSpc>
             </a:pPr>
-            <a:endParaRPr b="0" lang="en-US" sz="1800" spc="-1" strike="noStrike">
+            <a:endParaRPr lang="en-US" sz="1800" b="0" strike="noStrike" spc="-1">
               <a:latin typeface="Arial"/>
             </a:endParaRPr>
           </a:p>
@@ -9064,7 +10181,7 @@
               </a:lnSpc>
             </a:pPr>
             <a:r>
-              <a:rPr b="0" lang="ja-JP" sz="1800" spc="-1" strike="noStrike">
+              <a:rPr lang="ja-JP" sz="1800" b="0" strike="noStrike" spc="-1">
                 <a:solidFill>
                   <a:srgbClr val="000000"/>
                 </a:solidFill>
@@ -9073,7 +10190,7 @@
               </a:rPr>
               <a:t>このとき分母がゼロにならないように，２つの式を適当に使い分ける．</a:t>
             </a:r>
-            <a:endParaRPr b="0" lang="en-US" sz="1800" spc="-1" strike="noStrike">
+            <a:endParaRPr lang="en-US" sz="1800" b="0" strike="noStrike" spc="-1">
               <a:latin typeface="Arial"/>
             </a:endParaRPr>
           </a:p>
@@ -9083,7 +10200,7 @@
                 <a:spcPts val="2801"/>
               </a:lnSpc>
             </a:pPr>
-            <a:endParaRPr b="0" lang="en-US" sz="1800" spc="-1" strike="noStrike">
+            <a:endParaRPr lang="en-US" sz="1800" b="0" strike="noStrike" spc="-1">
               <a:latin typeface="Arial"/>
             </a:endParaRPr>
           </a:p>
@@ -9094,7 +10211,7 @@
               </a:lnSpc>
             </a:pPr>
             <a:r>
-              <a:rPr b="0" lang="ja-JP" sz="1800" spc="-1" strike="noStrike">
+              <a:rPr lang="ja-JP" sz="1800" b="0" strike="noStrike" spc="-1">
                 <a:solidFill>
                   <a:srgbClr val="000000"/>
                 </a:solidFill>
@@ -9103,7 +10220,7 @@
               </a:rPr>
               <a:t>前者は，水平に近い直線抽出に最適</a:t>
             </a:r>
-            <a:endParaRPr b="0" lang="en-US" sz="1800" spc="-1" strike="noStrike">
+            <a:endParaRPr lang="en-US" sz="1800" b="0" strike="noStrike" spc="-1">
               <a:latin typeface="Arial"/>
             </a:endParaRPr>
           </a:p>
@@ -9114,7 +10231,7 @@
               </a:lnSpc>
             </a:pPr>
             <a:r>
-              <a:rPr b="0" lang="ja-JP" sz="1800" spc="-1" strike="noStrike">
+              <a:rPr lang="ja-JP" sz="1800" b="0" strike="noStrike" spc="-1">
                 <a:solidFill>
                   <a:srgbClr val="000000"/>
                 </a:solidFill>
@@ -9123,7 +10240,7 @@
               </a:rPr>
               <a:t>後者は，垂直に近い直線抽出に最適</a:t>
             </a:r>
-            <a:endParaRPr b="0" lang="en-US" sz="1800" spc="-1" strike="noStrike">
+            <a:endParaRPr lang="en-US" sz="1800" b="0" strike="noStrike" spc="-1">
               <a:latin typeface="Arial"/>
             </a:endParaRPr>
           </a:p>
@@ -9169,7 +10286,7 @@
           <a:noFill/>
           <a:ln>
             <a:solidFill>
-              <a:srgbClr val="ffffff"/>
+              <a:srgbClr val="FFFFFF"/>
             </a:solidFill>
           </a:ln>
         </p:spPr>
@@ -9213,14 +10330,9 @@
       </p:pic>
     </p:spTree>
   </p:cSld>
-  <mc:AlternateContent>
-    <mc:Choice Requires="p14">
-      <p:transition spd="slow" p14:dur="2000"/>
-    </mc:Choice>
-    <mc:Fallback>
-      <p:transition spd="slow"/>
-    </mc:Fallback>
-  </mc:AlternateContent>
+  <p:clrMapOvr>
+    <a:masterClrMapping/>
+  </p:clrMapOvr>
 </p:sld>
 </file>
 
@@ -9235,34 +10347,34 @@
         <a:sysClr val="window" lastClr="FFFFFF"/>
       </a:lt1>
       <a:dk2>
-        <a:srgbClr val="44546a"/>
+        <a:srgbClr val="44546A"/>
       </a:dk2>
       <a:lt2>
-        <a:srgbClr val="e7e6e6"/>
+        <a:srgbClr val="E7E6E6"/>
       </a:lt2>
       <a:accent1>
-        <a:srgbClr val="4472c4"/>
+        <a:srgbClr val="4472C4"/>
       </a:accent1>
       <a:accent2>
-        <a:srgbClr val="ed7d31"/>
+        <a:srgbClr val="ED7D31"/>
       </a:accent2>
       <a:accent3>
-        <a:srgbClr val="a5a5a5"/>
+        <a:srgbClr val="A5A5A5"/>
       </a:accent3>
       <a:accent4>
-        <a:srgbClr val="ffc000"/>
+        <a:srgbClr val="FFC000"/>
       </a:accent4>
       <a:accent5>
-        <a:srgbClr val="5b9bd5"/>
+        <a:srgbClr val="5B9BD5"/>
       </a:accent5>
       <a:accent6>
-        <a:srgbClr val="70ad47"/>
+        <a:srgbClr val="70AD47"/>
       </a:accent6>
       <a:hlink>
-        <a:srgbClr val="0563c1"/>
+        <a:srgbClr val="0563C1"/>
       </a:hlink>
       <a:folHlink>
-        <a:srgbClr val="954f72"/>
+        <a:srgbClr val="954F72"/>
       </a:folHlink>
     </a:clrScheme>
     <a:fontScheme name="Office">
@@ -9447,6 +10559,8 @@
       </a:bgFillStyleLst>
     </a:fmtScheme>
   </a:themeElements>
+  <a:objectDefaults/>
+  <a:extraClrSchemeLst/>
 </a:theme>
 </file>
 
@@ -9461,34 +10575,34 @@
         <a:sysClr val="window" lastClr="FFFFFF"/>
       </a:lt1>
       <a:dk2>
-        <a:srgbClr val="44546a"/>
+        <a:srgbClr val="44546A"/>
       </a:dk2>
       <a:lt2>
-        <a:srgbClr val="e7e6e6"/>
+        <a:srgbClr val="E7E6E6"/>
       </a:lt2>
       <a:accent1>
-        <a:srgbClr val="4472c4"/>
+        <a:srgbClr val="4472C4"/>
       </a:accent1>
       <a:accent2>
-        <a:srgbClr val="ed7d31"/>
+        <a:srgbClr val="ED7D31"/>
       </a:accent2>
       <a:accent3>
-        <a:srgbClr val="a5a5a5"/>
+        <a:srgbClr val="A5A5A5"/>
       </a:accent3>
       <a:accent4>
-        <a:srgbClr val="ffc000"/>
+        <a:srgbClr val="FFC000"/>
       </a:accent4>
       <a:accent5>
-        <a:srgbClr val="5b9bd5"/>
+        <a:srgbClr val="5B9BD5"/>
       </a:accent5>
       <a:accent6>
-        <a:srgbClr val="70ad47"/>
+        <a:srgbClr val="70AD47"/>
       </a:accent6>
       <a:hlink>
-        <a:srgbClr val="0563c1"/>
+        <a:srgbClr val="0563C1"/>
       </a:hlink>
       <a:folHlink>
-        <a:srgbClr val="954f72"/>
+        <a:srgbClr val="954F72"/>
       </a:folHlink>
     </a:clrScheme>
     <a:fontScheme name="Office">
@@ -9673,5 +10787,7 @@
       </a:bgFillStyleLst>
     </a:fmtScheme>
   </a:themeElements>
+  <a:objectDefaults/>
+  <a:extraClrSchemeLst/>
 </a:theme>
 </file>